--- a/outputs/presentations/CWTS Seminar.pptx
+++ b/outputs/presentations/CWTS Seminar.pptx
@@ -5,10 +5,10 @@
     <p:sldMasterId id="2147483648" r:id="rId1"/>
   </p:sldMasterIdLst>
   <p:notesMasterIdLst>
-    <p:notesMasterId r:id="rId38"/>
+    <p:notesMasterId r:id="rId39"/>
   </p:notesMasterIdLst>
   <p:handoutMasterIdLst>
-    <p:handoutMasterId r:id="rId39"/>
+    <p:handoutMasterId r:id="rId40"/>
   </p:handoutMasterIdLst>
   <p:sldIdLst>
     <p:sldId id="279" r:id="rId2"/>
@@ -30,23 +30,24 @@
     <p:sldId id="303" r:id="rId18"/>
     <p:sldId id="314" r:id="rId19"/>
     <p:sldId id="315" r:id="rId20"/>
-    <p:sldId id="316" r:id="rId21"/>
-    <p:sldId id="306" r:id="rId22"/>
-    <p:sldId id="322" r:id="rId23"/>
-    <p:sldId id="323" r:id="rId24"/>
-    <p:sldId id="324" r:id="rId25"/>
-    <p:sldId id="307" r:id="rId26"/>
-    <p:sldId id="294" r:id="rId27"/>
-    <p:sldId id="325" r:id="rId28"/>
-    <p:sldId id="326" r:id="rId29"/>
-    <p:sldId id="317" r:id="rId30"/>
-    <p:sldId id="318" r:id="rId31"/>
-    <p:sldId id="319" r:id="rId32"/>
-    <p:sldId id="320" r:id="rId33"/>
-    <p:sldId id="321" r:id="rId34"/>
+    <p:sldId id="329" r:id="rId21"/>
+    <p:sldId id="330" r:id="rId22"/>
+    <p:sldId id="331" r:id="rId23"/>
+    <p:sldId id="332" r:id="rId24"/>
+    <p:sldId id="307" r:id="rId25"/>
+    <p:sldId id="333" r:id="rId26"/>
+    <p:sldId id="334" r:id="rId27"/>
+    <p:sldId id="335" r:id="rId28"/>
+    <p:sldId id="317" r:id="rId29"/>
+    <p:sldId id="336" r:id="rId30"/>
+    <p:sldId id="327" r:id="rId31"/>
+    <p:sldId id="337" r:id="rId32"/>
+    <p:sldId id="338" r:id="rId33"/>
+    <p:sldId id="320" r:id="rId34"/>
     <p:sldId id="301" r:id="rId35"/>
     <p:sldId id="299" r:id="rId36"/>
     <p:sldId id="300" r:id="rId37"/>
+    <p:sldId id="321" r:id="rId38"/>
   </p:sldIdLst>
   <p:sldSz cx="9144000" cy="5143500" type="screen16x9"/>
   <p:notesSz cx="6858000" cy="9144000"/>
@@ -175,6 +176,36 @@
       </a:defRPr>
     </a:lvl9pPr>
   </p:defaultTextStyle>
+  <p:extLst>
+    <p:ext uri="{EFAFB233-063F-42B5-8137-9DF3F51BA10A}">
+      <p15:sldGuideLst xmlns:p15="http://schemas.microsoft.com/office/powerpoint/2012/main">
+        <p15:guide id="1" orient="horz">
+          <p15:clr>
+            <a:srgbClr val="A4A3A4"/>
+          </p15:clr>
+        </p15:guide>
+        <p15:guide id="2" pos="5759">
+          <p15:clr>
+            <a:srgbClr val="A4A3A4"/>
+          </p15:clr>
+        </p15:guide>
+      </p15:sldGuideLst>
+    </p:ext>
+    <p:ext uri="{2D200454-40CA-4A62-9FC3-DE9A4176ACB9}">
+      <p15:notesGuideLst xmlns:p15="http://schemas.microsoft.com/office/powerpoint/2012/main">
+        <p15:guide id="1" orient="horz" pos="2880">
+          <p15:clr>
+            <a:srgbClr val="A4A3A4"/>
+          </p15:clr>
+        </p15:guide>
+        <p15:guide id="2" pos="2160">
+          <p15:clr>
+            <a:srgbClr val="A4A3A4"/>
+          </p15:clr>
+        </p15:guide>
+      </p15:notesGuideLst>
+    </p:ext>
+  </p:extLst>
 </p:presentation>
 </file>
 
@@ -492,7 +523,7 @@
             <a:fld id="{86FF9D1E-CAAB-4950-BA0E-29AF92B47E31}" type="slidenum">
               <a:rPr lang="de-DE" altLang="de-DE"/>
               <a:pPr/>
-              <a:t>‹Nr.›</a:t>
+              <a:t>‹#›</a:t>
             </a:fld>
             <a:endParaRPr lang="de-DE" altLang="de-DE"/>
           </a:p>
@@ -970,7 +1001,7 @@
             <a:fld id="{93A2B7FE-4115-44D4-86CD-7EB2A033A308}" type="slidenum">
               <a:rPr lang="de-DE" altLang="de-DE"/>
               <a:pPr/>
-              <a:t>‹Nr.›</a:t>
+              <a:t>‹#›</a:t>
             </a:fld>
             <a:endParaRPr lang="de-DE" altLang="de-DE"/>
           </a:p>
@@ -3624,6 +3655,11 @@
         </p:txBody>
       </p:sp>
     </p:spTree>
+    <p:extLst>
+      <p:ext uri="{BB962C8B-B14F-4D97-AF65-F5344CB8AC3E}">
+        <p14:creationId xmlns:p14="http://schemas.microsoft.com/office/powerpoint/2010/main" val="204669610"/>
+      </p:ext>
+    </p:extLst>
   </p:cSld>
   <p:clrMapOvr>
     <a:masterClrMapping/>
@@ -3818,6 +3854,11 @@
         </p:txBody>
       </p:sp>
     </p:spTree>
+    <p:extLst>
+      <p:ext uri="{BB962C8B-B14F-4D97-AF65-F5344CB8AC3E}">
+        <p14:creationId xmlns:p14="http://schemas.microsoft.com/office/powerpoint/2010/main" val="990675491"/>
+      </p:ext>
+    </p:extLst>
   </p:cSld>
   <p:clrMapOvr>
     <a:masterClrMapping/>
@@ -4012,6 +4053,11 @@
         </p:txBody>
       </p:sp>
     </p:spTree>
+    <p:extLst>
+      <p:ext uri="{BB962C8B-B14F-4D97-AF65-F5344CB8AC3E}">
+        <p14:creationId xmlns:p14="http://schemas.microsoft.com/office/powerpoint/2010/main" val="1940576453"/>
+      </p:ext>
+    </p:extLst>
   </p:cSld>
   <p:clrMapOvr>
     <a:masterClrMapping/>
@@ -4206,6 +4252,11 @@
         </p:txBody>
       </p:sp>
     </p:spTree>
+    <p:extLst>
+      <p:ext uri="{BB962C8B-B14F-4D97-AF65-F5344CB8AC3E}">
+        <p14:creationId xmlns:p14="http://schemas.microsoft.com/office/powerpoint/2010/main" val="2810727754"/>
+      </p:ext>
+    </p:extLst>
   </p:cSld>
   <p:clrMapOvr>
     <a:masterClrMapping/>
@@ -4393,7 +4444,7 @@
           <a:lstStyle/>
           <a:p>
             <a:pPr eaLnBrk="1" hangingPunct="1"/>
-            <a:endParaRPr lang="de-DE" altLang="de-DE" dirty="0" smtClean="0">
+            <a:endParaRPr lang="de-DE" altLang="de-DE" smtClean="0">
               <a:latin typeface="Arial" pitchFamily="34" charset="0"/>
             </a:endParaRPr>
           </a:p>
@@ -4587,13 +4638,18 @@
           <a:lstStyle/>
           <a:p>
             <a:pPr eaLnBrk="1" hangingPunct="1"/>
-            <a:endParaRPr lang="de-DE" altLang="de-DE" smtClean="0">
+            <a:endParaRPr lang="de-DE" altLang="de-DE" dirty="0" smtClean="0">
               <a:latin typeface="Arial" pitchFamily="34" charset="0"/>
             </a:endParaRPr>
           </a:p>
         </p:txBody>
       </p:sp>
     </p:spTree>
+    <p:extLst>
+      <p:ext uri="{BB962C8B-B14F-4D97-AF65-F5344CB8AC3E}">
+        <p14:creationId xmlns:p14="http://schemas.microsoft.com/office/powerpoint/2010/main" val="4115525658"/>
+      </p:ext>
+    </p:extLst>
   </p:cSld>
   <p:clrMapOvr>
     <a:masterClrMapping/>
@@ -4781,13 +4837,66 @@
           <a:lstStyle/>
           <a:p>
             <a:pPr eaLnBrk="1" hangingPunct="1"/>
-            <a:endParaRPr lang="de-DE" altLang="de-DE" smtClean="0">
+            <a:r>
+              <a:rPr lang="de-DE" altLang="de-DE" dirty="0" smtClean="0">
+                <a:latin typeface="Arial" pitchFamily="34" charset="0"/>
+              </a:rPr>
+              <a:t>Add </a:t>
+            </a:r>
+            <a:r>
+              <a:rPr lang="de-DE" altLang="de-DE" dirty="0" err="1" smtClean="0">
+                <a:latin typeface="Arial" pitchFamily="34" charset="0"/>
+              </a:rPr>
+              <a:t>arrows</a:t>
+            </a:r>
+            <a:r>
+              <a:rPr lang="de-DE" altLang="de-DE" dirty="0" smtClean="0">
+                <a:latin typeface="Arial" pitchFamily="34" charset="0"/>
+              </a:rPr>
+              <a:t> </a:t>
+            </a:r>
+            <a:r>
+              <a:rPr lang="de-DE" altLang="de-DE" dirty="0" err="1" smtClean="0">
+                <a:latin typeface="Arial" pitchFamily="34" charset="0"/>
+              </a:rPr>
+              <a:t>for</a:t>
+            </a:r>
+            <a:r>
+              <a:rPr lang="de-DE" altLang="de-DE" baseline="0" dirty="0" smtClean="0">
+                <a:latin typeface="Arial" pitchFamily="34" charset="0"/>
+              </a:rPr>
+              <a:t> </a:t>
+            </a:r>
+            <a:r>
+              <a:rPr lang="de-DE" altLang="de-DE" baseline="0" dirty="0" err="1" smtClean="0">
+                <a:latin typeface="Arial" pitchFamily="34" charset="0"/>
+              </a:rPr>
+              <a:t>first</a:t>
+            </a:r>
+            <a:r>
+              <a:rPr lang="de-DE" altLang="de-DE" baseline="0" dirty="0" smtClean="0">
+                <a:latin typeface="Arial" pitchFamily="34" charset="0"/>
+              </a:rPr>
+              <a:t> </a:t>
+            </a:r>
+            <a:r>
+              <a:rPr lang="de-DE" altLang="de-DE" baseline="0" dirty="0" err="1" smtClean="0">
+                <a:latin typeface="Arial" pitchFamily="34" charset="0"/>
+              </a:rPr>
+              <a:t>mentions</a:t>
+            </a:r>
+            <a:endParaRPr lang="de-DE" altLang="de-DE" dirty="0" smtClean="0">
               <a:latin typeface="Arial" pitchFamily="34" charset="0"/>
             </a:endParaRPr>
           </a:p>
         </p:txBody>
       </p:sp>
     </p:spTree>
+    <p:extLst>
+      <p:ext uri="{BB962C8B-B14F-4D97-AF65-F5344CB8AC3E}">
+        <p14:creationId xmlns:p14="http://schemas.microsoft.com/office/powerpoint/2010/main" val="2381163457"/>
+      </p:ext>
+    </p:extLst>
   </p:cSld>
   <p:clrMapOvr>
     <a:masterClrMapping/>
@@ -4974,14 +5083,89 @@
           <a:bodyPr/>
           <a:lstStyle/>
           <a:p>
+            <a:pPr marL="0" marR="0" lvl="0" indent="0" algn="l" defTabSz="914400" rtl="0" eaLnBrk="1" fontAlgn="base" latinLnBrk="0" hangingPunct="1">
+              <a:lnSpc>
+                <a:spcPct val="100000"/>
+              </a:lnSpc>
+              <a:spcBef>
+                <a:spcPct val="30000"/>
+              </a:spcBef>
+              <a:spcAft>
+                <a:spcPct val="0"/>
+              </a:spcAft>
+              <a:buClrTx/>
+              <a:buSzTx/>
+              <a:buFontTx/>
+              <a:buNone/>
+              <a:tabLst/>
+              <a:defRPr/>
+            </a:pPr>
+            <a:r>
+              <a:rPr lang="de-DE" altLang="de-DE" dirty="0" smtClean="0">
+                <a:latin typeface="Arial" pitchFamily="34" charset="0"/>
+              </a:rPr>
+              <a:t>Add </a:t>
+            </a:r>
+            <a:r>
+              <a:rPr lang="de-DE" altLang="de-DE" dirty="0" err="1" smtClean="0">
+                <a:latin typeface="Arial" pitchFamily="34" charset="0"/>
+              </a:rPr>
+              <a:t>arrows</a:t>
+            </a:r>
+            <a:r>
+              <a:rPr lang="de-DE" altLang="de-DE" dirty="0" smtClean="0">
+                <a:latin typeface="Arial" pitchFamily="34" charset="0"/>
+              </a:rPr>
+              <a:t> </a:t>
+            </a:r>
+            <a:r>
+              <a:rPr lang="de-DE" altLang="de-DE" dirty="0" err="1" smtClean="0">
+                <a:latin typeface="Arial" pitchFamily="34" charset="0"/>
+              </a:rPr>
+              <a:t>for</a:t>
+            </a:r>
+            <a:r>
+              <a:rPr lang="de-DE" altLang="de-DE" baseline="0" dirty="0" smtClean="0">
+                <a:latin typeface="Arial" pitchFamily="34" charset="0"/>
+              </a:rPr>
+              <a:t> </a:t>
+            </a:r>
+            <a:r>
+              <a:rPr lang="de-DE" altLang="de-DE" baseline="0" dirty="0" err="1" smtClean="0">
+                <a:latin typeface="Arial" pitchFamily="34" charset="0"/>
+              </a:rPr>
+              <a:t>first</a:t>
+            </a:r>
+            <a:r>
+              <a:rPr lang="de-DE" altLang="de-DE" baseline="0" dirty="0" smtClean="0">
+                <a:latin typeface="Arial" pitchFamily="34" charset="0"/>
+              </a:rPr>
+              <a:t> </a:t>
+            </a:r>
+            <a:r>
+              <a:rPr lang="de-DE" altLang="de-DE" baseline="0" dirty="0" err="1" smtClean="0">
+                <a:latin typeface="Arial" pitchFamily="34" charset="0"/>
+              </a:rPr>
+              <a:t>mentions</a:t>
+            </a:r>
+            <a:endParaRPr lang="de-DE" altLang="de-DE" dirty="0" smtClean="0">
+              <a:latin typeface="Arial" pitchFamily="34" charset="0"/>
+            </a:endParaRPr>
+          </a:p>
+          <a:p>
             <a:pPr eaLnBrk="1" hangingPunct="1"/>
-            <a:endParaRPr lang="de-DE" altLang="de-DE" smtClean="0">
+            <a:endParaRPr lang="de-DE" altLang="de-DE" dirty="0" smtClean="0">
               <a:latin typeface="Arial" pitchFamily="34" charset="0"/>
             </a:endParaRPr>
           </a:p>
         </p:txBody>
       </p:sp>
     </p:spTree>
+    <p:extLst>
+      <p:ext uri="{BB962C8B-B14F-4D97-AF65-F5344CB8AC3E}">
+        <p14:creationId xmlns:p14="http://schemas.microsoft.com/office/powerpoint/2010/main" val="4186053682"/>
+      </p:ext>
+    </p:extLst>
   </p:cSld>
   <p:clrMapOvr>
     <a:masterClrMapping/>
@@ -5169,7 +5353,7 @@
           <a:lstStyle/>
           <a:p>
             <a:pPr eaLnBrk="1" hangingPunct="1"/>
-            <a:endParaRPr lang="de-DE" altLang="de-DE" smtClean="0">
+            <a:endParaRPr lang="de-DE" altLang="de-DE" dirty="0" smtClean="0">
               <a:latin typeface="Arial" pitchFamily="34" charset="0"/>
             </a:endParaRPr>
           </a:p>
@@ -5363,13 +5547,18 @@
           <a:lstStyle/>
           <a:p>
             <a:pPr eaLnBrk="1" hangingPunct="1"/>
-            <a:endParaRPr lang="de-DE" altLang="de-DE" smtClean="0">
+            <a:endParaRPr lang="de-DE" altLang="de-DE" dirty="0" smtClean="0">
               <a:latin typeface="Arial" pitchFamily="34" charset="0"/>
             </a:endParaRPr>
           </a:p>
         </p:txBody>
       </p:sp>
     </p:spTree>
+    <p:extLst>
+      <p:ext uri="{BB962C8B-B14F-4D97-AF65-F5344CB8AC3E}">
+        <p14:creationId xmlns:p14="http://schemas.microsoft.com/office/powerpoint/2010/main" val="682536161"/>
+      </p:ext>
+    </p:extLst>
   </p:cSld>
   <p:clrMapOvr>
     <a:masterClrMapping/>
@@ -5751,13 +5940,18 @@
           <a:lstStyle/>
           <a:p>
             <a:pPr eaLnBrk="1" hangingPunct="1"/>
-            <a:endParaRPr lang="de-DE" altLang="de-DE" smtClean="0">
+            <a:endParaRPr lang="de-DE" altLang="de-DE" dirty="0" smtClean="0">
               <a:latin typeface="Arial" pitchFamily="34" charset="0"/>
             </a:endParaRPr>
           </a:p>
         </p:txBody>
       </p:sp>
     </p:spTree>
+    <p:extLst>
+      <p:ext uri="{BB962C8B-B14F-4D97-AF65-F5344CB8AC3E}">
+        <p14:creationId xmlns:p14="http://schemas.microsoft.com/office/powerpoint/2010/main" val="3515314663"/>
+      </p:ext>
+    </p:extLst>
   </p:cSld>
   <p:clrMapOvr>
     <a:masterClrMapping/>
@@ -5945,13 +6139,18 @@
           <a:lstStyle/>
           <a:p>
             <a:pPr eaLnBrk="1" hangingPunct="1"/>
-            <a:endParaRPr lang="de-DE" altLang="de-DE" smtClean="0">
+            <a:endParaRPr lang="de-DE" altLang="de-DE" dirty="0" smtClean="0">
               <a:latin typeface="Arial" pitchFamily="34" charset="0"/>
             </a:endParaRPr>
           </a:p>
         </p:txBody>
       </p:sp>
     </p:spTree>
+    <p:extLst>
+      <p:ext uri="{BB962C8B-B14F-4D97-AF65-F5344CB8AC3E}">
+        <p14:creationId xmlns:p14="http://schemas.microsoft.com/office/powerpoint/2010/main" val="246948350"/>
+      </p:ext>
+    </p:extLst>
   </p:cSld>
   <p:clrMapOvr>
     <a:masterClrMapping/>
@@ -6139,13 +6338,18 @@
           <a:lstStyle/>
           <a:p>
             <a:pPr eaLnBrk="1" hangingPunct="1"/>
-            <a:endParaRPr lang="de-DE" altLang="de-DE" smtClean="0">
+            <a:endParaRPr lang="de-DE" altLang="de-DE" dirty="0" smtClean="0">
               <a:latin typeface="Arial" pitchFamily="34" charset="0"/>
             </a:endParaRPr>
           </a:p>
         </p:txBody>
       </p:sp>
     </p:spTree>
+    <p:extLst>
+      <p:ext uri="{BB962C8B-B14F-4D97-AF65-F5344CB8AC3E}">
+        <p14:creationId xmlns:p14="http://schemas.microsoft.com/office/powerpoint/2010/main" val="3382754776"/>
+      </p:ext>
+    </p:extLst>
   </p:cSld>
   <p:clrMapOvr>
     <a:masterClrMapping/>
@@ -6916,6 +7120,200 @@
           <a:p>
             <a:pPr eaLnBrk="1" hangingPunct="1"/>
             <a:endParaRPr lang="de-DE" altLang="de-DE" baseline="0" dirty="0" smtClean="0">
+              <a:latin typeface="Arial" pitchFamily="34" charset="0"/>
+            </a:endParaRPr>
+          </a:p>
+        </p:txBody>
+      </p:sp>
+    </p:spTree>
+  </p:cSld>
+  <p:clrMapOvr>
+    <a:masterClrMapping/>
+  </p:clrMapOvr>
+</p:notes>
+</file>
+
+<file path=ppt/notesSlides/notesSlide37.xml><?xml version="1.0" encoding="utf-8"?>
+<p:notes xmlns:a="http://schemas.openxmlformats.org/drawingml/2006/main" xmlns:r="http://schemas.openxmlformats.org/officeDocument/2006/relationships" xmlns:p="http://schemas.openxmlformats.org/presentationml/2006/main">
+  <p:cSld>
+    <p:spTree>
+      <p:nvGrpSpPr>
+        <p:cNvPr id="1" name=""/>
+        <p:cNvGrpSpPr/>
+        <p:nvPr/>
+      </p:nvGrpSpPr>
+      <p:grpSpPr>
+        <a:xfrm>
+          <a:off x="0" y="0"/>
+          <a:ext cx="0" cy="0"/>
+          <a:chOff x="0" y="0"/>
+          <a:chExt cx="0" cy="0"/>
+        </a:xfrm>
+      </p:grpSpPr>
+      <p:sp>
+        <p:nvSpPr>
+          <p:cNvPr id="20481" name="Rectangle 7"/>
+          <p:cNvSpPr>
+            <a:spLocks noGrp="1" noChangeArrowheads="1"/>
+          </p:cNvSpPr>
+          <p:nvPr>
+            <p:ph type="sldNum" sz="quarter" idx="5"/>
+          </p:nvPr>
+        </p:nvSpPr>
+        <p:spPr>
+          <a:noFill/>
+        </p:spPr>
+        <p:txBody>
+          <a:bodyPr/>
+          <a:lstStyle>
+            <a:lvl1pPr algn="ctr" eaLnBrk="0" hangingPunct="0">
+              <a:defRPr sz="1500">
+                <a:solidFill>
+                  <a:schemeClr val="tx1"/>
+                </a:solidFill>
+                <a:latin typeface="Arial" pitchFamily="34" charset="0"/>
+                <a:ea typeface="ＭＳ Ｐゴシック" pitchFamily="34" charset="-128"/>
+              </a:defRPr>
+            </a:lvl1pPr>
+            <a:lvl2pPr marL="742950" indent="-285750" algn="ctr" eaLnBrk="0" hangingPunct="0">
+              <a:defRPr sz="1500">
+                <a:solidFill>
+                  <a:schemeClr val="tx1"/>
+                </a:solidFill>
+                <a:latin typeface="Arial" pitchFamily="34" charset="0"/>
+                <a:ea typeface="ＭＳ Ｐゴシック" pitchFamily="34" charset="-128"/>
+              </a:defRPr>
+            </a:lvl2pPr>
+            <a:lvl3pPr marL="1143000" indent="-228600" algn="ctr" eaLnBrk="0" hangingPunct="0">
+              <a:defRPr sz="1500">
+                <a:solidFill>
+                  <a:schemeClr val="tx1"/>
+                </a:solidFill>
+                <a:latin typeface="Arial" pitchFamily="34" charset="0"/>
+                <a:ea typeface="ＭＳ Ｐゴシック" pitchFamily="34" charset="-128"/>
+              </a:defRPr>
+            </a:lvl3pPr>
+            <a:lvl4pPr marL="1600200" indent="-228600" algn="ctr" eaLnBrk="0" hangingPunct="0">
+              <a:defRPr sz="1500">
+                <a:solidFill>
+                  <a:schemeClr val="tx1"/>
+                </a:solidFill>
+                <a:latin typeface="Arial" pitchFamily="34" charset="0"/>
+                <a:ea typeface="ＭＳ Ｐゴシック" pitchFamily="34" charset="-128"/>
+              </a:defRPr>
+            </a:lvl4pPr>
+            <a:lvl5pPr marL="2057400" indent="-228600" algn="ctr" eaLnBrk="0" hangingPunct="0">
+              <a:defRPr sz="1500">
+                <a:solidFill>
+                  <a:schemeClr val="tx1"/>
+                </a:solidFill>
+                <a:latin typeface="Arial" pitchFamily="34" charset="0"/>
+                <a:ea typeface="ＭＳ Ｐゴシック" pitchFamily="34" charset="-128"/>
+              </a:defRPr>
+            </a:lvl5pPr>
+            <a:lvl6pPr marL="2514600" indent="-228600" algn="ctr" eaLnBrk="0" fontAlgn="base" hangingPunct="0">
+              <a:spcBef>
+                <a:spcPct val="0"/>
+              </a:spcBef>
+              <a:spcAft>
+                <a:spcPct val="0"/>
+              </a:spcAft>
+              <a:defRPr sz="1500">
+                <a:solidFill>
+                  <a:schemeClr val="tx1"/>
+                </a:solidFill>
+                <a:latin typeface="Arial" pitchFamily="34" charset="0"/>
+                <a:ea typeface="ＭＳ Ｐゴシック" pitchFamily="34" charset="-128"/>
+              </a:defRPr>
+            </a:lvl6pPr>
+            <a:lvl7pPr marL="2971800" indent="-228600" algn="ctr" eaLnBrk="0" fontAlgn="base" hangingPunct="0">
+              <a:spcBef>
+                <a:spcPct val="0"/>
+              </a:spcBef>
+              <a:spcAft>
+                <a:spcPct val="0"/>
+              </a:spcAft>
+              <a:defRPr sz="1500">
+                <a:solidFill>
+                  <a:schemeClr val="tx1"/>
+                </a:solidFill>
+                <a:latin typeface="Arial" pitchFamily="34" charset="0"/>
+                <a:ea typeface="ＭＳ Ｐゴシック" pitchFamily="34" charset="-128"/>
+              </a:defRPr>
+            </a:lvl7pPr>
+            <a:lvl8pPr marL="3429000" indent="-228600" algn="ctr" eaLnBrk="0" fontAlgn="base" hangingPunct="0">
+              <a:spcBef>
+                <a:spcPct val="0"/>
+              </a:spcBef>
+              <a:spcAft>
+                <a:spcPct val="0"/>
+              </a:spcAft>
+              <a:defRPr sz="1500">
+                <a:solidFill>
+                  <a:schemeClr val="tx1"/>
+                </a:solidFill>
+                <a:latin typeface="Arial" pitchFamily="34" charset="0"/>
+                <a:ea typeface="ＭＳ Ｐゴシック" pitchFamily="34" charset="-128"/>
+              </a:defRPr>
+            </a:lvl8pPr>
+            <a:lvl9pPr marL="3886200" indent="-228600" algn="ctr" eaLnBrk="0" fontAlgn="base" hangingPunct="0">
+              <a:spcBef>
+                <a:spcPct val="0"/>
+              </a:spcBef>
+              <a:spcAft>
+                <a:spcPct val="0"/>
+              </a:spcAft>
+              <a:defRPr sz="1500">
+                <a:solidFill>
+                  <a:schemeClr val="tx1"/>
+                </a:solidFill>
+                <a:latin typeface="Arial" pitchFamily="34" charset="0"/>
+                <a:ea typeface="ＭＳ Ｐゴシック" pitchFamily="34" charset="-128"/>
+              </a:defRPr>
+            </a:lvl9pPr>
+          </a:lstStyle>
+          <a:p>
+            <a:pPr algn="r" eaLnBrk="1" hangingPunct="1"/>
+            <a:fld id="{5AC1B4A2-F821-4066-A5A5-568598C250E2}" type="slidenum">
+              <a:rPr lang="de-DE" altLang="de-DE" sz="1200"/>
+              <a:pPr algn="r" eaLnBrk="1" hangingPunct="1"/>
+              <a:t>37</a:t>
+            </a:fld>
+            <a:endParaRPr lang="de-DE" altLang="de-DE" sz="1200"/>
+          </a:p>
+        </p:txBody>
+      </p:sp>
+      <p:sp>
+        <p:nvSpPr>
+          <p:cNvPr id="20482" name="Rectangle 2"/>
+          <p:cNvSpPr>
+            <a:spLocks noGrp="1" noRot="1" noChangeAspect="1" noChangeArrowheads="1" noTextEdit="1"/>
+          </p:cNvSpPr>
+          <p:nvPr>
+            <p:ph type="sldImg"/>
+          </p:nvPr>
+        </p:nvSpPr>
+        <p:spPr>
+          <a:ln/>
+        </p:spPr>
+      </p:sp>
+      <p:sp>
+        <p:nvSpPr>
+          <p:cNvPr id="20483" name="Rectangle 3"/>
+          <p:cNvSpPr>
+            <a:spLocks noGrp="1" noChangeArrowheads="1"/>
+          </p:cNvSpPr>
+          <p:nvPr>
+            <p:ph type="body" idx="1"/>
+          </p:nvPr>
+        </p:nvSpPr>
+        <p:spPr/>
+        <p:txBody>
+          <a:bodyPr/>
+          <a:lstStyle/>
+          <a:p>
+            <a:pPr eaLnBrk="1" hangingPunct="1"/>
+            <a:endParaRPr lang="de-DE" altLang="de-DE" smtClean="0">
               <a:latin typeface="Arial" pitchFamily="34" charset="0"/>
             </a:endParaRPr>
           </a:p>
@@ -8990,7 +9388,7 @@
             <a:fld id="{A254B5CB-9231-4E8A-8CE2-E25F7BB92403}" type="slidenum">
               <a:rPr lang="de-DE" altLang="de-DE" smtClean="0"/>
               <a:pPr/>
-              <a:t>‹Nr.›</a:t>
+              <a:t>‹#›</a:t>
             </a:fld>
             <a:endParaRPr lang="de-DE" altLang="de-DE" dirty="0"/>
           </a:p>
@@ -9312,7 +9710,7 @@
             <a:fld id="{336E016A-D396-4D2E-B96D-B3531398D407}" type="slidenum">
               <a:rPr lang="de-DE" altLang="de-DE" smtClean="0"/>
               <a:pPr/>
-              <a:t>‹Nr.›</a:t>
+              <a:t>‹#›</a:t>
             </a:fld>
             <a:endParaRPr lang="de-DE" altLang="de-DE"/>
           </a:p>
@@ -9770,7 +10168,7 @@
             <a:fld id="{BEEF0071-4C46-4DB0-8D8E-35340638D2AC}" type="slidenum">
               <a:rPr lang="de-DE" altLang="de-DE" smtClean="0"/>
               <a:pPr/>
-              <a:t>‹Nr.›</a:t>
+              <a:t>‹#›</a:t>
             </a:fld>
             <a:endParaRPr lang="de-DE" altLang="de-DE"/>
           </a:p>
@@ -10588,14 +10986,7 @@
                 <a:latin typeface="Calibri" panose="020F0502020204030204" pitchFamily="34" charset="0"/>
                 <a:cs typeface="Calibri" panose="020F0502020204030204" pitchFamily="34" charset="0"/>
               </a:rPr>
-              <a:t>Nicholas </a:t>
-            </a:r>
-            <a:r>
-              <a:rPr lang="de-DE" sz="1600" i="1" dirty="0" smtClean="0">
-                <a:latin typeface="Calibri" panose="020F0502020204030204" pitchFamily="34" charset="0"/>
-                <a:cs typeface="Calibri" panose="020F0502020204030204" pitchFamily="34" charset="0"/>
-              </a:rPr>
-              <a:t>Fraser</a:t>
+              <a:t>Nicholas Fraser</a:t>
             </a:r>
             <a:endParaRPr lang="en-GB" sz="1600" i="1" dirty="0" smtClean="0">
               <a:latin typeface="Calibri" panose="020F0502020204030204" pitchFamily="34" charset="0"/>
@@ -10724,7 +11115,7 @@
         <p:spPr>
           <a:xfrm>
             <a:off x="323528" y="267494"/>
-            <a:ext cx="8784976" cy="461665"/>
+            <a:ext cx="8784976" cy="400110"/>
           </a:xfrm>
           <a:prstGeom prst="rect">
             <a:avLst/>
@@ -10738,7 +11129,7 @@
           <a:lstStyle/>
           <a:p>
             <a:r>
-              <a:rPr lang="de-DE" sz="2400" b="1" dirty="0" smtClean="0">
+              <a:rPr lang="de-DE" sz="2000" b="1" dirty="0" smtClean="0">
                 <a:solidFill>
                   <a:srgbClr val="C00000"/>
                 </a:solidFill>
@@ -10748,7 +11139,7 @@
               <a:t>Development </a:t>
             </a:r>
             <a:r>
-              <a:rPr lang="de-DE" sz="2400" b="1" dirty="0" err="1" smtClean="0">
+              <a:rPr lang="de-DE" sz="2000" b="1" dirty="0" err="1" smtClean="0">
                 <a:solidFill>
                   <a:srgbClr val="C00000"/>
                 </a:solidFill>
@@ -10758,7 +11149,7 @@
               <a:t>of</a:t>
             </a:r>
             <a:r>
-              <a:rPr lang="de-DE" sz="2400" b="1" dirty="0" smtClean="0">
+              <a:rPr lang="de-DE" sz="2000" b="1" dirty="0" smtClean="0">
                 <a:solidFill>
                   <a:srgbClr val="C00000"/>
                 </a:solidFill>
@@ -10768,7 +11159,7 @@
               <a:t> </a:t>
             </a:r>
             <a:r>
-              <a:rPr lang="de-DE" sz="2400" b="1" dirty="0" err="1" smtClean="0">
+              <a:rPr lang="de-DE" sz="2000" b="1" dirty="0" err="1" smtClean="0">
                 <a:solidFill>
                   <a:srgbClr val="C00000"/>
                 </a:solidFill>
@@ -10777,7 +11168,7 @@
               </a:rPr>
               <a:t>bioRxiv</a:t>
             </a:r>
-            <a:endParaRPr lang="en-GB" sz="2400" b="1" dirty="0">
+            <a:endParaRPr lang="en-GB" sz="2000" b="1" dirty="0">
               <a:solidFill>
                 <a:srgbClr val="C00000"/>
               </a:solidFill>
@@ -10890,7 +11281,7 @@
         <p:spPr>
           <a:xfrm>
             <a:off x="323528" y="267494"/>
-            <a:ext cx="8784976" cy="461665"/>
+            <a:ext cx="8784976" cy="400110"/>
           </a:xfrm>
           <a:prstGeom prst="rect">
             <a:avLst/>
@@ -10904,7 +11295,7 @@
           <a:lstStyle/>
           <a:p>
             <a:r>
-              <a:rPr lang="de-DE" sz="2400" b="1" dirty="0" err="1" smtClean="0">
+              <a:rPr lang="de-DE" sz="2000" b="1" dirty="0" err="1" smtClean="0">
                 <a:solidFill>
                   <a:srgbClr val="C00000"/>
                 </a:solidFill>
@@ -10914,7 +11305,7 @@
               <a:t>Is</a:t>
             </a:r>
             <a:r>
-              <a:rPr lang="de-DE" sz="2400" b="1" dirty="0" smtClean="0">
+              <a:rPr lang="de-DE" sz="2000" b="1" dirty="0" smtClean="0">
                 <a:solidFill>
                   <a:srgbClr val="C00000"/>
                 </a:solidFill>
@@ -10924,7 +11315,7 @@
               <a:t> </a:t>
             </a:r>
             <a:r>
-              <a:rPr lang="de-DE" sz="2400" b="1" dirty="0" err="1" smtClean="0">
+              <a:rPr lang="de-DE" sz="2000" b="1" dirty="0" err="1" smtClean="0">
                 <a:solidFill>
                   <a:srgbClr val="C00000"/>
                 </a:solidFill>
@@ -10934,7 +11325,7 @@
               <a:t>there</a:t>
             </a:r>
             <a:r>
-              <a:rPr lang="de-DE" sz="2400" b="1" dirty="0" smtClean="0">
+              <a:rPr lang="de-DE" sz="2000" b="1" dirty="0" smtClean="0">
                 <a:solidFill>
                   <a:srgbClr val="C00000"/>
                 </a:solidFill>
@@ -10944,7 +11335,7 @@
               <a:t> an Early Access </a:t>
             </a:r>
             <a:r>
-              <a:rPr lang="de-DE" sz="2400" b="1" dirty="0" err="1" smtClean="0">
+              <a:rPr lang="de-DE" sz="2000" b="1" dirty="0" err="1" smtClean="0">
                 <a:solidFill>
                   <a:srgbClr val="C00000"/>
                 </a:solidFill>
@@ -10954,7 +11345,7 @@
               <a:t>effect</a:t>
             </a:r>
             <a:r>
-              <a:rPr lang="de-DE" sz="2400" b="1" dirty="0" smtClean="0">
+              <a:rPr lang="de-DE" sz="2000" b="1" dirty="0" smtClean="0">
                 <a:solidFill>
                   <a:srgbClr val="C00000"/>
                 </a:solidFill>
@@ -10964,7 +11355,7 @@
               <a:t> in </a:t>
             </a:r>
             <a:r>
-              <a:rPr lang="de-DE" sz="2400" b="1" dirty="0" err="1" smtClean="0">
+              <a:rPr lang="de-DE" sz="2000" b="1" dirty="0" err="1" smtClean="0">
                 <a:solidFill>
                   <a:srgbClr val="C00000"/>
                 </a:solidFill>
@@ -10974,7 +11365,7 @@
               <a:t>bioRxiv</a:t>
             </a:r>
             <a:r>
-              <a:rPr lang="de-DE" sz="2400" b="1" dirty="0" smtClean="0">
+              <a:rPr lang="de-DE" sz="2000" b="1" dirty="0" smtClean="0">
                 <a:solidFill>
                   <a:srgbClr val="C00000"/>
                 </a:solidFill>
@@ -10983,7 +11374,7 @@
               </a:rPr>
               <a:t>?</a:t>
             </a:r>
-            <a:endParaRPr lang="en-GB" sz="2400" b="1" dirty="0">
+            <a:endParaRPr lang="en-GB" sz="2000" b="1" dirty="0">
               <a:solidFill>
                 <a:srgbClr val="C00000"/>
               </a:solidFill>
@@ -11130,7 +11521,7 @@
         <p:spPr>
           <a:xfrm>
             <a:off x="323528" y="267494"/>
-            <a:ext cx="8784976" cy="461665"/>
+            <a:ext cx="8784976" cy="400110"/>
           </a:xfrm>
           <a:prstGeom prst="rect">
             <a:avLst/>
@@ -11144,7 +11535,7 @@
           <a:lstStyle/>
           <a:p>
             <a:r>
-              <a:rPr lang="de-DE" sz="2400" b="1" dirty="0" err="1" smtClean="0">
+              <a:rPr lang="de-DE" sz="2000" b="1" dirty="0" err="1" smtClean="0">
                 <a:solidFill>
                   <a:srgbClr val="C00000"/>
                 </a:solidFill>
@@ -11154,7 +11545,7 @@
               <a:t>What</a:t>
             </a:r>
             <a:r>
-              <a:rPr lang="de-DE" sz="2400" b="1" dirty="0" smtClean="0">
+              <a:rPr lang="de-DE" sz="2000" b="1" dirty="0" smtClean="0">
                 <a:solidFill>
                   <a:srgbClr val="C00000"/>
                 </a:solidFill>
@@ -11164,7 +11555,7 @@
               <a:t> </a:t>
             </a:r>
             <a:r>
-              <a:rPr lang="de-DE" sz="2400" b="1" dirty="0" err="1" smtClean="0">
+              <a:rPr lang="de-DE" sz="2000" b="1" dirty="0" err="1" smtClean="0">
                 <a:solidFill>
                   <a:srgbClr val="C00000"/>
                 </a:solidFill>
@@ -11174,7 +11565,7 @@
               <a:t>about</a:t>
             </a:r>
             <a:r>
-              <a:rPr lang="de-DE" sz="2400" b="1" dirty="0" smtClean="0">
+              <a:rPr lang="de-DE" sz="2000" b="1" dirty="0" smtClean="0">
                 <a:solidFill>
                   <a:srgbClr val="C00000"/>
                 </a:solidFill>
@@ -11184,7 +11575,7 @@
               <a:t> </a:t>
             </a:r>
             <a:r>
-              <a:rPr lang="de-DE" sz="2400" b="1" dirty="0" err="1" smtClean="0">
+              <a:rPr lang="de-DE" sz="2000" b="1" dirty="0" err="1" smtClean="0">
                 <a:solidFill>
                   <a:srgbClr val="C00000"/>
                 </a:solidFill>
@@ -11194,7 +11585,7 @@
               <a:t>altmetrics</a:t>
             </a:r>
             <a:r>
-              <a:rPr lang="de-DE" sz="2400" b="1" dirty="0" smtClean="0">
+              <a:rPr lang="de-DE" sz="2000" b="1" dirty="0" smtClean="0">
                 <a:solidFill>
                   <a:srgbClr val="C00000"/>
                 </a:solidFill>
@@ -11203,7 +11594,7 @@
               </a:rPr>
               <a:t>?</a:t>
             </a:r>
-            <a:endParaRPr lang="en-GB" sz="2400" b="1" dirty="0">
+            <a:endParaRPr lang="en-GB" sz="2000" b="1" dirty="0">
               <a:solidFill>
                 <a:srgbClr val="C00000"/>
               </a:solidFill>
@@ -11317,7 +11708,7 @@
         <p:spPr>
           <a:xfrm>
             <a:off x="323528" y="267494"/>
-            <a:ext cx="8784976" cy="461665"/>
+            <a:ext cx="8784976" cy="400110"/>
           </a:xfrm>
           <a:prstGeom prst="rect">
             <a:avLst/>
@@ -11331,7 +11722,7 @@
           <a:lstStyle/>
           <a:p>
             <a:r>
-              <a:rPr lang="de-DE" sz="2400" b="1" dirty="0" smtClean="0">
+              <a:rPr lang="de-DE" sz="2000" b="1" dirty="0" smtClean="0">
                 <a:solidFill>
                   <a:srgbClr val="C00000"/>
                 </a:solidFill>
@@ -11341,7 +11732,7 @@
               <a:t>Are </a:t>
             </a:r>
             <a:r>
-              <a:rPr lang="de-DE" sz="2400" b="1" dirty="0" err="1" smtClean="0">
+              <a:rPr lang="de-DE" sz="2000" b="1" dirty="0" err="1" smtClean="0">
                 <a:solidFill>
                   <a:srgbClr val="C00000"/>
                 </a:solidFill>
@@ -11351,7 +11742,7 @@
               <a:t>citations</a:t>
             </a:r>
             <a:r>
-              <a:rPr lang="de-DE" sz="2400" b="1" dirty="0" smtClean="0">
+              <a:rPr lang="de-DE" sz="2000" b="1" dirty="0" smtClean="0">
                 <a:solidFill>
                   <a:srgbClr val="C00000"/>
                 </a:solidFill>
@@ -11361,7 +11752,7 @@
               <a:t>/</a:t>
             </a:r>
             <a:r>
-              <a:rPr lang="de-DE" sz="2400" b="1" dirty="0" err="1" smtClean="0">
+              <a:rPr lang="de-DE" sz="2000" b="1" dirty="0" err="1" smtClean="0">
                 <a:solidFill>
                   <a:srgbClr val="C00000"/>
                 </a:solidFill>
@@ -11371,7 +11762,7 @@
               <a:t>altmetrics</a:t>
             </a:r>
             <a:r>
-              <a:rPr lang="de-DE" sz="2400" b="1" dirty="0" smtClean="0">
+              <a:rPr lang="de-DE" sz="2000" b="1" dirty="0" smtClean="0">
                 <a:solidFill>
                   <a:srgbClr val="C00000"/>
                 </a:solidFill>
@@ -11381,7 +11772,7 @@
               <a:t> </a:t>
             </a:r>
             <a:r>
-              <a:rPr lang="de-DE" sz="2400" b="1" dirty="0" err="1" smtClean="0">
+              <a:rPr lang="de-DE" sz="2000" b="1" dirty="0" err="1" smtClean="0">
                 <a:solidFill>
                   <a:srgbClr val="C00000"/>
                 </a:solidFill>
@@ -11391,7 +11782,7 @@
               <a:t>driven</a:t>
             </a:r>
             <a:r>
-              <a:rPr lang="de-DE" sz="2400" b="1" dirty="0" smtClean="0">
+              <a:rPr lang="de-DE" sz="2000" b="1" dirty="0" smtClean="0">
                 <a:solidFill>
                   <a:srgbClr val="C00000"/>
                 </a:solidFill>
@@ -11401,7 +11792,7 @@
               <a:t> </a:t>
             </a:r>
             <a:r>
-              <a:rPr lang="de-DE" sz="2400" b="1" dirty="0" err="1" smtClean="0">
+              <a:rPr lang="de-DE" sz="2000" b="1" dirty="0" err="1" smtClean="0">
                 <a:solidFill>
                   <a:srgbClr val="C00000"/>
                 </a:solidFill>
@@ -11411,7 +11802,7 @@
               <a:t>by</a:t>
             </a:r>
             <a:r>
-              <a:rPr lang="de-DE" sz="2400" b="1" dirty="0" smtClean="0">
+              <a:rPr lang="de-DE" sz="2000" b="1" dirty="0" smtClean="0">
                 <a:solidFill>
                   <a:srgbClr val="C00000"/>
                 </a:solidFill>
@@ -11421,7 +11812,7 @@
               <a:t> </a:t>
             </a:r>
             <a:r>
-              <a:rPr lang="de-DE" sz="2400" b="1" dirty="0" err="1" smtClean="0">
+              <a:rPr lang="de-DE" sz="2000" b="1" dirty="0" err="1" smtClean="0">
                 <a:solidFill>
                   <a:srgbClr val="C00000"/>
                 </a:solidFill>
@@ -11431,7 +11822,7 @@
               <a:t>author</a:t>
             </a:r>
             <a:r>
-              <a:rPr lang="de-DE" sz="2400" b="1" dirty="0" smtClean="0">
+              <a:rPr lang="de-DE" sz="2000" b="1" dirty="0" smtClean="0">
                 <a:solidFill>
                   <a:srgbClr val="C00000"/>
                 </a:solidFill>
@@ -11441,7 +11832,7 @@
               <a:t>/</a:t>
             </a:r>
             <a:r>
-              <a:rPr lang="de-DE" sz="2400" b="1" dirty="0" err="1" smtClean="0">
+              <a:rPr lang="de-DE" sz="2000" b="1" dirty="0" err="1" smtClean="0">
                 <a:solidFill>
                   <a:srgbClr val="C00000"/>
                 </a:solidFill>
@@ -11451,7 +11842,7 @@
               <a:t>article</a:t>
             </a:r>
             <a:r>
-              <a:rPr lang="de-DE" sz="2400" b="1" dirty="0" smtClean="0">
+              <a:rPr lang="de-DE" sz="2000" b="1" dirty="0" smtClean="0">
                 <a:solidFill>
                   <a:srgbClr val="C00000"/>
                 </a:solidFill>
@@ -11461,7 +11852,7 @@
               <a:t> </a:t>
             </a:r>
             <a:r>
-              <a:rPr lang="de-DE" sz="2400" b="1" dirty="0" err="1" smtClean="0">
+              <a:rPr lang="de-DE" sz="2000" b="1" dirty="0" err="1" smtClean="0">
                 <a:solidFill>
                   <a:srgbClr val="C00000"/>
                 </a:solidFill>
@@ -11471,7 +11862,7 @@
               <a:t>characteristics</a:t>
             </a:r>
             <a:r>
-              <a:rPr lang="de-DE" sz="2400" b="1" dirty="0" smtClean="0">
+              <a:rPr lang="de-DE" sz="2000" b="1" dirty="0" smtClean="0">
                 <a:solidFill>
                   <a:srgbClr val="C00000"/>
                 </a:solidFill>
@@ -11480,7 +11871,7 @@
               </a:rPr>
               <a:t>?</a:t>
             </a:r>
-            <a:endParaRPr lang="en-GB" sz="2400" b="1" dirty="0">
+            <a:endParaRPr lang="en-GB" sz="2000" b="1" dirty="0">
               <a:solidFill>
                 <a:srgbClr val="C00000"/>
               </a:solidFill>
@@ -11543,10 +11934,34 @@
                 <a:tableStyleId>{5C22544A-7EE6-4342-B048-85BDC9FD1C3A}</a:tableStyleId>
               </a:tblPr>
               <a:tblGrid>
-                <a:gridCol w="1800200"/>
-                <a:gridCol w="2304256"/>
-                <a:gridCol w="936104"/>
-                <a:gridCol w="864096"/>
+                <a:gridCol w="1800200">
+                  <a:extLst>
+                    <a:ext uri="{9D8B030D-6E8A-4147-A177-3AD203B41FA5}">
+                      <a16:colId xmlns:a16="http://schemas.microsoft.com/office/drawing/2014/main" val="20000"/>
+                    </a:ext>
+                  </a:extLst>
+                </a:gridCol>
+                <a:gridCol w="2304256">
+                  <a:extLst>
+                    <a:ext uri="{9D8B030D-6E8A-4147-A177-3AD203B41FA5}">
+                      <a16:colId xmlns:a16="http://schemas.microsoft.com/office/drawing/2014/main" val="20001"/>
+                    </a:ext>
+                  </a:extLst>
+                </a:gridCol>
+                <a:gridCol w="936104">
+                  <a:extLst>
+                    <a:ext uri="{9D8B030D-6E8A-4147-A177-3AD203B41FA5}">
+                      <a16:colId xmlns:a16="http://schemas.microsoft.com/office/drawing/2014/main" val="20002"/>
+                    </a:ext>
+                  </a:extLst>
+                </a:gridCol>
+                <a:gridCol w="864096">
+                  <a:extLst>
+                    <a:ext uri="{9D8B030D-6E8A-4147-A177-3AD203B41FA5}">
+                      <a16:colId xmlns:a16="http://schemas.microsoft.com/office/drawing/2014/main" val="20003"/>
+                    </a:ext>
+                  </a:extLst>
+                </a:gridCol>
               </a:tblGrid>
               <a:tr h="468000">
                 <a:tc>
@@ -11723,6 +12138,11 @@
                     </a:solidFill>
                   </a:tcPr>
                 </a:tc>
+                <a:extLst>
+                  <a:ext uri="{0D108BD9-81ED-4DB2-BD59-A6C34878D82A}">
+                    <a16:rowId xmlns:a16="http://schemas.microsoft.com/office/drawing/2014/main" val="10000"/>
+                  </a:ext>
+                </a:extLst>
               </a:tr>
               <a:tr h="216000">
                 <a:tc>
@@ -11865,6 +12285,11 @@
                   </a:txBody>
                   <a:tcPr marL="68580" marR="68580" marT="0" marB="0" anchor="ctr"/>
                 </a:tc>
+                <a:extLst>
+                  <a:ext uri="{0D108BD9-81ED-4DB2-BD59-A6C34878D82A}">
+                    <a16:rowId xmlns:a16="http://schemas.microsoft.com/office/drawing/2014/main" val="10001"/>
+                  </a:ext>
+                </a:extLst>
               </a:tr>
               <a:tr h="216000">
                 <a:tc>
@@ -12007,6 +12432,11 @@
                   </a:txBody>
                   <a:tcPr marL="68580" marR="68580" marT="0" marB="0" anchor="ctr"/>
                 </a:tc>
+                <a:extLst>
+                  <a:ext uri="{0D108BD9-81ED-4DB2-BD59-A6C34878D82A}">
+                    <a16:rowId xmlns:a16="http://schemas.microsoft.com/office/drawing/2014/main" val="10002"/>
+                  </a:ext>
+                </a:extLst>
               </a:tr>
               <a:tr h="216000">
                 <a:tc>
@@ -12149,6 +12579,11 @@
                   </a:txBody>
                   <a:tcPr marL="68580" marR="68580" marT="0" marB="0" anchor="ctr"/>
                 </a:tc>
+                <a:extLst>
+                  <a:ext uri="{0D108BD9-81ED-4DB2-BD59-A6C34878D82A}">
+                    <a16:rowId xmlns:a16="http://schemas.microsoft.com/office/drawing/2014/main" val="10003"/>
+                  </a:ext>
+                </a:extLst>
               </a:tr>
               <a:tr h="216000">
                 <a:tc>
@@ -12291,6 +12726,11 @@
                   </a:txBody>
                   <a:tcPr marL="68580" marR="68580" marT="0" marB="0" anchor="ctr"/>
                 </a:tc>
+                <a:extLst>
+                  <a:ext uri="{0D108BD9-81ED-4DB2-BD59-A6C34878D82A}">
+                    <a16:rowId xmlns:a16="http://schemas.microsoft.com/office/drawing/2014/main" val="10004"/>
+                  </a:ext>
+                </a:extLst>
               </a:tr>
               <a:tr h="216000">
                 <a:tc>
@@ -12433,6 +12873,11 @@
                   </a:txBody>
                   <a:tcPr marL="68580" marR="68580" marT="0" marB="0" anchor="ctr"/>
                 </a:tc>
+                <a:extLst>
+                  <a:ext uri="{0D108BD9-81ED-4DB2-BD59-A6C34878D82A}">
+                    <a16:rowId xmlns:a16="http://schemas.microsoft.com/office/drawing/2014/main" val="10005"/>
+                  </a:ext>
+                </a:extLst>
               </a:tr>
               <a:tr h="216000">
                 <a:tc>
@@ -12575,6 +13020,11 @@
                   </a:txBody>
                   <a:tcPr marL="68580" marR="68580" marT="0" marB="0" anchor="ctr"/>
                 </a:tc>
+                <a:extLst>
+                  <a:ext uri="{0D108BD9-81ED-4DB2-BD59-A6C34878D82A}">
+                    <a16:rowId xmlns:a16="http://schemas.microsoft.com/office/drawing/2014/main" val="10006"/>
+                  </a:ext>
+                </a:extLst>
               </a:tr>
               <a:tr h="216000">
                 <a:tc>
@@ -12717,6 +13167,11 @@
                   </a:txBody>
                   <a:tcPr marL="68580" marR="68580" marT="0" marB="0" anchor="ctr"/>
                 </a:tc>
+                <a:extLst>
+                  <a:ext uri="{0D108BD9-81ED-4DB2-BD59-A6C34878D82A}">
+                    <a16:rowId xmlns:a16="http://schemas.microsoft.com/office/drawing/2014/main" val="10007"/>
+                  </a:ext>
+                </a:extLst>
               </a:tr>
               <a:tr h="216000">
                 <a:tc>
@@ -12859,6 +13314,11 @@
                   </a:txBody>
                   <a:tcPr marL="68580" marR="68580" marT="0" marB="0" anchor="ctr"/>
                 </a:tc>
+                <a:extLst>
+                  <a:ext uri="{0D108BD9-81ED-4DB2-BD59-A6C34878D82A}">
+                    <a16:rowId xmlns:a16="http://schemas.microsoft.com/office/drawing/2014/main" val="10008"/>
+                  </a:ext>
+                </a:extLst>
               </a:tr>
               <a:tr h="216000">
                 <a:tc>
@@ -13001,6 +13461,11 @@
                   </a:txBody>
                   <a:tcPr marL="68580" marR="68580" marT="0" marB="0" anchor="ctr"/>
                 </a:tc>
+                <a:extLst>
+                  <a:ext uri="{0D108BD9-81ED-4DB2-BD59-A6C34878D82A}">
+                    <a16:rowId xmlns:a16="http://schemas.microsoft.com/office/drawing/2014/main" val="10009"/>
+                  </a:ext>
+                </a:extLst>
               </a:tr>
               <a:tr h="216000">
                 <a:tc>
@@ -13143,6 +13608,11 @@
                   </a:txBody>
                   <a:tcPr marL="68580" marR="68580" marT="0" marB="0" anchor="ctr"/>
                 </a:tc>
+                <a:extLst>
+                  <a:ext uri="{0D108BD9-81ED-4DB2-BD59-A6C34878D82A}">
+                    <a16:rowId xmlns:a16="http://schemas.microsoft.com/office/drawing/2014/main" val="10010"/>
+                  </a:ext>
+                </a:extLst>
               </a:tr>
             </a:tbl>
           </a:graphicData>
@@ -13686,7 +14156,7 @@
         <p:spPr>
           <a:xfrm>
             <a:off x="323528" y="267494"/>
-            <a:ext cx="8784976" cy="461665"/>
+            <a:ext cx="8784976" cy="400110"/>
           </a:xfrm>
           <a:prstGeom prst="rect">
             <a:avLst/>
@@ -13700,16 +14170,16 @@
           <a:lstStyle/>
           <a:p>
             <a:r>
-              <a:rPr lang="de-DE" sz="2400" b="1" dirty="0" smtClean="0">
+              <a:rPr lang="de-DE" sz="2000" b="1" dirty="0" smtClean="0">
                 <a:solidFill>
                   <a:srgbClr val="C00000"/>
                 </a:solidFill>
                 <a:latin typeface="Calibri" panose="020F0502020204030204" pitchFamily="34" charset="0"/>
                 <a:cs typeface="Calibri" panose="020F0502020204030204" pitchFamily="34" charset="0"/>
               </a:rPr>
-              <a:t>Summary?</a:t>
-            </a:r>
-            <a:endParaRPr lang="en-GB" sz="2400" b="1" dirty="0">
+              <a:t>Summary</a:t>
+            </a:r>
+            <a:endParaRPr lang="en-GB" sz="2000" b="1" dirty="0">
               <a:solidFill>
                 <a:srgbClr val="C00000"/>
               </a:solidFill>
@@ -13728,7 +14198,7 @@
         <p:spPr>
           <a:xfrm>
             <a:off x="395536" y="1067604"/>
-            <a:ext cx="8208912" cy="830997"/>
+            <a:ext cx="8208912" cy="3293209"/>
           </a:xfrm>
           <a:prstGeom prst="rect">
             <a:avLst/>
@@ -13741,19 +14211,177 @@
           </a:bodyPr>
           <a:lstStyle/>
           <a:p>
-            <a:r>
-              <a:rPr lang="de-DE" sz="1600" dirty="0" smtClean="0">
-                <a:latin typeface="Calibri" panose="020F0502020204030204" pitchFamily="34" charset="0"/>
-                <a:cs typeface="Calibri" panose="020F0502020204030204" pitchFamily="34" charset="0"/>
-              </a:rPr>
-              <a:t>Text</a:t>
-            </a:r>
+            <a:pPr marL="285750" indent="-285750" algn="just">
+              <a:buFont typeface="Arial" panose="020B0604020202020204" pitchFamily="34" charset="0"/>
+              <a:buChar char="•"/>
+            </a:pPr>
+            <a:r>
+              <a:rPr lang="en-US" sz="1600" dirty="0" smtClean="0">
+                <a:latin typeface="Calibri" panose="020F0502020204030204" pitchFamily="34" charset="0"/>
+                <a:cs typeface="Calibri" panose="020F0502020204030204" pitchFamily="34" charset="0"/>
+              </a:rPr>
+              <a:t>Journal articles deposited as preprints on </a:t>
+            </a:r>
+            <a:r>
+              <a:rPr lang="en-US" sz="1600" dirty="0" err="1" smtClean="0">
+                <a:latin typeface="Calibri" panose="020F0502020204030204" pitchFamily="34" charset="0"/>
+                <a:cs typeface="Calibri" panose="020F0502020204030204" pitchFamily="34" charset="0"/>
+              </a:rPr>
+              <a:t>bioRxiv</a:t>
+            </a:r>
+            <a:r>
+              <a:rPr lang="en-US" sz="1600" dirty="0" smtClean="0">
+                <a:latin typeface="Calibri" panose="020F0502020204030204" pitchFamily="34" charset="0"/>
+                <a:cs typeface="Calibri" panose="020F0502020204030204" pitchFamily="34" charset="0"/>
+              </a:rPr>
+              <a:t> received more citations and higher counts in multiple </a:t>
+            </a:r>
+            <a:r>
+              <a:rPr lang="en-US" sz="1600" dirty="0" err="1" smtClean="0">
+                <a:latin typeface="Calibri" panose="020F0502020204030204" pitchFamily="34" charset="0"/>
+                <a:cs typeface="Calibri" panose="020F0502020204030204" pitchFamily="34" charset="0"/>
+              </a:rPr>
+              <a:t>altmetric</a:t>
+            </a:r>
+            <a:r>
+              <a:rPr lang="en-US" sz="1600" dirty="0" smtClean="0">
+                <a:latin typeface="Calibri" panose="020F0502020204030204" pitchFamily="34" charset="0"/>
+                <a:cs typeface="Calibri" panose="020F0502020204030204" pitchFamily="34" charset="0"/>
+              </a:rPr>
+              <a:t> indicators than articles not deposited. </a:t>
+            </a:r>
+          </a:p>
+          <a:p>
+            <a:pPr marL="285750" indent="-285750" algn="just">
+              <a:buFont typeface="Arial" panose="020B0604020202020204" pitchFamily="34" charset="0"/>
+              <a:buChar char="•"/>
+            </a:pPr>
+            <a:endParaRPr lang="en-US" sz="1600" dirty="0">
+              <a:latin typeface="Calibri" panose="020F0502020204030204" pitchFamily="34" charset="0"/>
+              <a:cs typeface="Calibri" panose="020F0502020204030204" pitchFamily="34" charset="0"/>
+            </a:endParaRPr>
+          </a:p>
+          <a:p>
+            <a:pPr marL="285750" indent="-285750" algn="just">
+              <a:buFont typeface="Arial" panose="020B0604020202020204" pitchFamily="34" charset="0"/>
+              <a:buChar char="•"/>
+            </a:pPr>
+            <a:r>
+              <a:rPr lang="en-US" sz="1600" dirty="0" smtClean="0">
+                <a:latin typeface="Calibri" panose="020F0502020204030204" pitchFamily="34" charset="0"/>
+                <a:cs typeface="Calibri" panose="020F0502020204030204" pitchFamily="34" charset="0"/>
+              </a:rPr>
+              <a:t>The citation advantage is long-lasting (at least 36 months), in conflict with some findings from </a:t>
+            </a:r>
+            <a:r>
+              <a:rPr lang="en-US" sz="1600" dirty="0" err="1" smtClean="0">
+                <a:latin typeface="Calibri" panose="020F0502020204030204" pitchFamily="34" charset="0"/>
+                <a:cs typeface="Calibri" panose="020F0502020204030204" pitchFamily="34" charset="0"/>
+              </a:rPr>
+              <a:t>arXiv</a:t>
+            </a:r>
+            <a:r>
+              <a:rPr lang="en-US" sz="1600" dirty="0" smtClean="0">
+                <a:latin typeface="Calibri" panose="020F0502020204030204" pitchFamily="34" charset="0"/>
+                <a:cs typeface="Calibri" panose="020F0502020204030204" pitchFamily="34" charset="0"/>
+              </a:rPr>
+              <a:t> suggesting that the “Early Access effect” is only a short-term effect. </a:t>
+            </a:r>
+          </a:p>
+          <a:p>
+            <a:pPr marL="285750" indent="-285750" algn="just">
+              <a:buFont typeface="Arial" panose="020B0604020202020204" pitchFamily="34" charset="0"/>
+              <a:buChar char="•"/>
+            </a:pPr>
+            <a:endParaRPr lang="en-US" sz="1600" dirty="0">
+              <a:latin typeface="Calibri" panose="020F0502020204030204" pitchFamily="34" charset="0"/>
+              <a:cs typeface="Calibri" panose="020F0502020204030204" pitchFamily="34" charset="0"/>
+            </a:endParaRPr>
+          </a:p>
+          <a:p>
+            <a:pPr marL="285750" indent="-285750" algn="just">
+              <a:buFont typeface="Arial" panose="020B0604020202020204" pitchFamily="34" charset="0"/>
+              <a:buChar char="•"/>
+            </a:pPr>
+            <a:r>
+              <a:rPr lang="en-GB" sz="1600" dirty="0" smtClean="0">
+                <a:latin typeface="Calibri" panose="020F0502020204030204" pitchFamily="34" charset="0"/>
+                <a:cs typeface="Calibri" panose="020F0502020204030204" pitchFamily="34" charset="0"/>
+              </a:rPr>
+              <a:t>The citation and </a:t>
+            </a:r>
+            <a:r>
+              <a:rPr lang="en-GB" sz="1600" dirty="0" err="1" smtClean="0">
+                <a:latin typeface="Calibri" panose="020F0502020204030204" pitchFamily="34" charset="0"/>
+                <a:cs typeface="Calibri" panose="020F0502020204030204" pitchFamily="34" charset="0"/>
+              </a:rPr>
+              <a:t>altmetric</a:t>
+            </a:r>
+            <a:r>
+              <a:rPr lang="en-GB" sz="1600" dirty="0" smtClean="0">
+                <a:latin typeface="Calibri" panose="020F0502020204030204" pitchFamily="34" charset="0"/>
+                <a:cs typeface="Calibri" panose="020F0502020204030204" pitchFamily="34" charset="0"/>
+              </a:rPr>
+              <a:t> advantage is not well explained by a range of factors relating to the article and its authorship.</a:t>
+            </a:r>
+          </a:p>
+          <a:p>
+            <a:pPr marL="285750" indent="-285750" algn="just">
+              <a:buFont typeface="Arial" panose="020B0604020202020204" pitchFamily="34" charset="0"/>
+              <a:buChar char="•"/>
+            </a:pPr>
             <a:endParaRPr lang="en-GB" sz="1600" dirty="0">
               <a:latin typeface="Calibri" panose="020F0502020204030204" pitchFamily="34" charset="0"/>
               <a:cs typeface="Calibri" panose="020F0502020204030204" pitchFamily="34" charset="0"/>
             </a:endParaRPr>
           </a:p>
           <a:p>
+            <a:pPr marL="285750" indent="-285750" algn="just">
+              <a:buFont typeface="Arial" panose="020B0604020202020204" pitchFamily="34" charset="0"/>
+              <a:buChar char="•"/>
+            </a:pPr>
+            <a:r>
+              <a:rPr lang="en-GB" sz="1600" dirty="0" smtClean="0">
+                <a:latin typeface="Calibri" panose="020F0502020204030204" pitchFamily="34" charset="0"/>
+                <a:cs typeface="Calibri" panose="020F0502020204030204" pitchFamily="34" charset="0"/>
+              </a:rPr>
+              <a:t>Follow-up study in progress: survey of </a:t>
+            </a:r>
+            <a:r>
+              <a:rPr lang="en-GB" sz="1600" dirty="0" err="1" smtClean="0">
+                <a:latin typeface="Calibri" panose="020F0502020204030204" pitchFamily="34" charset="0"/>
+                <a:cs typeface="Calibri" panose="020F0502020204030204" pitchFamily="34" charset="0"/>
+              </a:rPr>
+              <a:t>bioRxiv</a:t>
+            </a:r>
+            <a:r>
+              <a:rPr lang="en-GB" sz="1600" dirty="0" smtClean="0">
+                <a:latin typeface="Calibri" panose="020F0502020204030204" pitchFamily="34" charset="0"/>
+                <a:cs typeface="Calibri" panose="020F0502020204030204" pitchFamily="34" charset="0"/>
+              </a:rPr>
+              <a:t> authors to investigate </a:t>
+            </a:r>
+            <a:r>
+              <a:rPr lang="en-US" sz="1600" dirty="0" smtClean="0">
+                <a:latin typeface="Calibri" panose="020F0502020204030204" pitchFamily="34" charset="0"/>
+                <a:cs typeface="Calibri" panose="020F0502020204030204" pitchFamily="34" charset="0"/>
+              </a:rPr>
+              <a:t>preprint depositing strategies (e.g. do authors deposit all of their work to </a:t>
+            </a:r>
+            <a:r>
+              <a:rPr lang="en-US" sz="1600" dirty="0" err="1" smtClean="0">
+                <a:latin typeface="Calibri" panose="020F0502020204030204" pitchFamily="34" charset="0"/>
+                <a:cs typeface="Calibri" panose="020F0502020204030204" pitchFamily="34" charset="0"/>
+              </a:rPr>
+              <a:t>bioRxiv</a:t>
+            </a:r>
+            <a:r>
+              <a:rPr lang="en-US" sz="1600" dirty="0" smtClean="0">
+                <a:latin typeface="Calibri" panose="020F0502020204030204" pitchFamily="34" charset="0"/>
+                <a:cs typeface="Calibri" panose="020F0502020204030204" pitchFamily="34" charset="0"/>
+              </a:rPr>
+              <a:t>, or just their best/most citable work….?)</a:t>
+            </a:r>
             <a:endParaRPr lang="de-DE" sz="1600" dirty="0">
               <a:latin typeface="Calibri" panose="020F0502020204030204" pitchFamily="34" charset="0"/>
               <a:cs typeface="Calibri" panose="020F0502020204030204" pitchFamily="34" charset="0"/>
@@ -13841,7 +14469,7 @@
         <p:spPr>
           <a:xfrm>
             <a:off x="323528" y="267494"/>
-            <a:ext cx="8784976" cy="461665"/>
+            <a:ext cx="8784976" cy="400110"/>
           </a:xfrm>
           <a:prstGeom prst="rect">
             <a:avLst/>
@@ -13855,7 +14483,7 @@
           <a:lstStyle/>
           <a:p>
             <a:r>
-              <a:rPr lang="de-DE" sz="2400" b="1" dirty="0" smtClean="0">
+              <a:rPr lang="de-DE" sz="2000" b="1" dirty="0" smtClean="0">
                 <a:solidFill>
                   <a:srgbClr val="C00000"/>
                 </a:solidFill>
@@ -13865,7 +14493,7 @@
               <a:t>Open Access </a:t>
             </a:r>
             <a:r>
-              <a:rPr lang="de-DE" sz="2400" b="1" dirty="0" err="1" smtClean="0">
+              <a:rPr lang="de-DE" sz="2000" b="1" dirty="0" err="1" smtClean="0">
                 <a:solidFill>
                   <a:srgbClr val="C00000"/>
                 </a:solidFill>
@@ -13875,7 +14503,7 @@
               <a:t>and</a:t>
             </a:r>
             <a:r>
-              <a:rPr lang="de-DE" sz="2400" b="1" dirty="0" smtClean="0">
+              <a:rPr lang="de-DE" sz="2000" b="1" dirty="0" smtClean="0">
                 <a:solidFill>
                   <a:srgbClr val="C00000"/>
                 </a:solidFill>
@@ -13885,7 +14513,7 @@
               <a:t> </a:t>
             </a:r>
             <a:r>
-              <a:rPr lang="de-DE" sz="2400" b="1" dirty="0" err="1" smtClean="0">
+              <a:rPr lang="de-DE" sz="2000" b="1" dirty="0" err="1" smtClean="0">
                 <a:solidFill>
                   <a:srgbClr val="C00000"/>
                 </a:solidFill>
@@ -13894,7 +14522,7 @@
               </a:rPr>
               <a:t>Altmetrics</a:t>
             </a:r>
-            <a:endParaRPr lang="en-GB" sz="2400" b="1" dirty="0">
+            <a:endParaRPr lang="en-GB" sz="2000" b="1" dirty="0">
               <a:solidFill>
                 <a:srgbClr val="C00000"/>
               </a:solidFill>
@@ -13913,7 +14541,7 @@
         <p:spPr>
           <a:xfrm>
             <a:off x="395536" y="1203598"/>
-            <a:ext cx="8208912" cy="3170099"/>
+            <a:ext cx="8208912" cy="2677656"/>
           </a:xfrm>
           <a:prstGeom prst="rect">
             <a:avLst/>
@@ -14122,6 +14750,20 @@
                 <a:latin typeface="Calibri" panose="020F0502020204030204" pitchFamily="34" charset="0"/>
                 <a:cs typeface="Calibri" panose="020F0502020204030204" pitchFamily="34" charset="0"/>
               </a:rPr>
+              <a:t>empirical</a:t>
+            </a:r>
+            <a:r>
+              <a:rPr lang="de-DE" sz="1600" dirty="0" smtClean="0">
+                <a:latin typeface="Calibri" panose="020F0502020204030204" pitchFamily="34" charset="0"/>
+                <a:cs typeface="Calibri" panose="020F0502020204030204" pitchFamily="34" charset="0"/>
+              </a:rPr>
+              <a:t> </a:t>
+            </a:r>
+            <a:r>
+              <a:rPr lang="de-DE" sz="1600" dirty="0" err="1" smtClean="0">
+                <a:latin typeface="Calibri" panose="020F0502020204030204" pitchFamily="34" charset="0"/>
+                <a:cs typeface="Calibri" panose="020F0502020204030204" pitchFamily="34" charset="0"/>
+              </a:rPr>
               <a:t>evidence</a:t>
             </a:r>
             <a:r>
@@ -14187,18 +14829,6 @@
               </a:rPr>
               <a:t>?</a:t>
             </a:r>
-            <a:endParaRPr lang="en-GB" sz="1600" dirty="0">
-              <a:latin typeface="Calibri" panose="020F0502020204030204" pitchFamily="34" charset="0"/>
-              <a:cs typeface="Calibri" panose="020F0502020204030204" pitchFamily="34" charset="0"/>
-            </a:endParaRPr>
-          </a:p>
-          <a:p>
-            <a:endParaRPr lang="de-DE" sz="1600" dirty="0">
-              <a:latin typeface="Calibri" panose="020F0502020204030204" pitchFamily="34" charset="0"/>
-              <a:cs typeface="Calibri" panose="020F0502020204030204" pitchFamily="34" charset="0"/>
-            </a:endParaRPr>
-          </a:p>
-          <a:p>
             <a:endParaRPr lang="en-GB" sz="1600" dirty="0">
               <a:latin typeface="Calibri" panose="020F0502020204030204" pitchFamily="34" charset="0"/>
               <a:cs typeface="Calibri" panose="020F0502020204030204" pitchFamily="34" charset="0"/>
@@ -14346,7 +14976,7 @@
         <p:spPr>
           <a:xfrm>
             <a:off x="323528" y="267494"/>
-            <a:ext cx="8784976" cy="461665"/>
+            <a:ext cx="8784976" cy="400110"/>
           </a:xfrm>
           <a:prstGeom prst="rect">
             <a:avLst/>
@@ -14360,76 +14990,26 @@
           <a:lstStyle/>
           <a:p>
             <a:r>
-              <a:rPr lang="de-DE" sz="2400" b="1" dirty="0" smtClean="0">
+              <a:rPr lang="de-DE" sz="2000" b="1" dirty="0" err="1" smtClean="0">
                 <a:solidFill>
                   <a:srgbClr val="C00000"/>
                 </a:solidFill>
                 <a:latin typeface="Calibri" panose="020F0502020204030204" pitchFamily="34" charset="0"/>
                 <a:cs typeface="Calibri" panose="020F0502020204030204" pitchFamily="34" charset="0"/>
               </a:rPr>
-              <a:t>Open Access </a:t>
-            </a:r>
-            <a:r>
-              <a:rPr lang="de-DE" sz="2400" b="1" dirty="0" err="1" smtClean="0">
+              <a:t>Previous</a:t>
+            </a:r>
+            <a:r>
+              <a:rPr lang="de-DE" sz="2000" b="1" dirty="0" smtClean="0">
                 <a:solidFill>
                   <a:srgbClr val="C00000"/>
                 </a:solidFill>
                 <a:latin typeface="Calibri" panose="020F0502020204030204" pitchFamily="34" charset="0"/>
                 <a:cs typeface="Calibri" panose="020F0502020204030204" pitchFamily="34" charset="0"/>
               </a:rPr>
-              <a:t>and</a:t>
-            </a:r>
-            <a:r>
-              <a:rPr lang="de-DE" sz="2400" b="1" dirty="0" smtClean="0">
-                <a:solidFill>
-                  <a:srgbClr val="C00000"/>
-                </a:solidFill>
-                <a:latin typeface="Calibri" panose="020F0502020204030204" pitchFamily="34" charset="0"/>
-                <a:cs typeface="Calibri" panose="020F0502020204030204" pitchFamily="34" charset="0"/>
-              </a:rPr>
-              <a:t> </a:t>
-            </a:r>
-            <a:r>
-              <a:rPr lang="de-DE" sz="2400" b="1" dirty="0" err="1" smtClean="0">
-                <a:solidFill>
-                  <a:srgbClr val="C00000"/>
-                </a:solidFill>
-                <a:latin typeface="Calibri" panose="020F0502020204030204" pitchFamily="34" charset="0"/>
-                <a:cs typeface="Calibri" panose="020F0502020204030204" pitchFamily="34" charset="0"/>
-              </a:rPr>
-              <a:t>Altmetrics</a:t>
-            </a:r>
-            <a:r>
-              <a:rPr lang="de-DE" sz="2400" b="1" dirty="0" smtClean="0">
-                <a:solidFill>
-                  <a:srgbClr val="C00000"/>
-                </a:solidFill>
-                <a:latin typeface="Calibri" panose="020F0502020204030204" pitchFamily="34" charset="0"/>
-                <a:cs typeface="Calibri" panose="020F0502020204030204" pitchFamily="34" charset="0"/>
-              </a:rPr>
-              <a:t>: </a:t>
-            </a:r>
-            <a:r>
-              <a:rPr lang="de-DE" sz="2400" b="1" dirty="0" err="1" smtClean="0">
-                <a:solidFill>
-                  <a:srgbClr val="C00000"/>
-                </a:solidFill>
-                <a:latin typeface="Calibri" panose="020F0502020204030204" pitchFamily="34" charset="0"/>
-                <a:cs typeface="Calibri" panose="020F0502020204030204" pitchFamily="34" charset="0"/>
-              </a:rPr>
-              <a:t>Previous</a:t>
-            </a:r>
-            <a:r>
-              <a:rPr lang="de-DE" sz="2400" b="1" dirty="0" smtClean="0">
-                <a:solidFill>
-                  <a:srgbClr val="C00000"/>
-                </a:solidFill>
-                <a:latin typeface="Calibri" panose="020F0502020204030204" pitchFamily="34" charset="0"/>
-                <a:cs typeface="Calibri" panose="020F0502020204030204" pitchFamily="34" charset="0"/>
-              </a:rPr>
               <a:t> Work</a:t>
             </a:r>
-            <a:endParaRPr lang="en-GB" sz="2400" b="1" dirty="0">
+            <a:endParaRPr lang="en-GB" sz="2000" b="1" dirty="0">
               <a:solidFill>
                 <a:srgbClr val="C00000"/>
               </a:solidFill>
@@ -14447,8 +15027,8 @@
         </p:nvSpPr>
         <p:spPr>
           <a:xfrm>
-            <a:off x="323528" y="1059582"/>
-            <a:ext cx="8136904" cy="1131079"/>
+            <a:off x="323528" y="934725"/>
+            <a:ext cx="8352928" cy="3293209"/>
           </a:xfrm>
           <a:prstGeom prst="rect">
             <a:avLst/>
@@ -14461,90 +15041,280 @@
           </a:bodyPr>
           <a:lstStyle/>
           <a:p>
-            <a:pPr marL="285750" indent="-285750">
-              <a:lnSpc>
-                <a:spcPct val="150000"/>
-              </a:lnSpc>
+            <a:pPr marL="285750" indent="-285750" algn="just">
               <a:buFont typeface="Arial" panose="020B0604020202020204" pitchFamily="34" charset="0"/>
               <a:buChar char="•"/>
             </a:pPr>
             <a:r>
-              <a:rPr lang="de-DE" dirty="0" err="1" smtClean="0"/>
+              <a:rPr lang="de-DE" sz="1600" dirty="0" smtClean="0">
+                <a:latin typeface="Calibri" panose="020F0502020204030204" pitchFamily="34" charset="0"/>
+                <a:cs typeface="Calibri" panose="020F0502020204030204" pitchFamily="34" charset="0"/>
+              </a:rPr>
+              <a:t>Robinson-Garcia et al. (2018): </a:t>
+            </a:r>
+            <a:r>
+              <a:rPr lang="en-GB" sz="1600" dirty="0" smtClean="0">
+                <a:latin typeface="Calibri" panose="020F0502020204030204" pitchFamily="34" charset="0"/>
+                <a:cs typeface="Calibri" panose="020F0502020204030204" pitchFamily="34" charset="0"/>
+              </a:rPr>
+              <a:t>“…</a:t>
+            </a:r>
+            <a:r>
+              <a:rPr lang="en-US" sz="1600" dirty="0" smtClean="0">
+                <a:latin typeface="Calibri" panose="020F0502020204030204" pitchFamily="34" charset="0"/>
+                <a:cs typeface="Calibri" panose="020F0502020204030204" pitchFamily="34" charset="0"/>
+              </a:rPr>
+              <a:t>gold </a:t>
+            </a:r>
+            <a:r>
+              <a:rPr lang="en-US" sz="1600" dirty="0">
+                <a:latin typeface="Calibri" panose="020F0502020204030204" pitchFamily="34" charset="0"/>
+                <a:cs typeface="Calibri" panose="020F0502020204030204" pitchFamily="34" charset="0"/>
+              </a:rPr>
+              <a:t>OA documents are best covered in Altmetric.com and receive higher mentions than documents with other types of </a:t>
+            </a:r>
+            <a:r>
+              <a:rPr lang="en-US" sz="1600" dirty="0" smtClean="0">
+                <a:latin typeface="Calibri" panose="020F0502020204030204" pitchFamily="34" charset="0"/>
+                <a:cs typeface="Calibri" panose="020F0502020204030204" pitchFamily="34" charset="0"/>
+              </a:rPr>
+              <a:t>access””</a:t>
+            </a:r>
+            <a:r>
+              <a:rPr lang="de-DE" sz="1600" dirty="0" smtClean="0">
+                <a:latin typeface="Calibri" panose="020F0502020204030204" pitchFamily="34" charset="0"/>
+                <a:cs typeface="Calibri" panose="020F0502020204030204" pitchFamily="34" charset="0"/>
+              </a:rPr>
+              <a:t>in </a:t>
+            </a:r>
+            <a:r>
+              <a:rPr lang="de-DE" sz="1600" dirty="0" err="1" smtClean="0">
+                <a:latin typeface="Calibri" panose="020F0502020204030204" pitchFamily="34" charset="0"/>
+                <a:cs typeface="Calibri" panose="020F0502020204030204" pitchFamily="34" charset="0"/>
+              </a:rPr>
+              <a:t>two</a:t>
+            </a:r>
+            <a:r>
+              <a:rPr lang="de-DE" sz="1600" dirty="0" smtClean="0">
+                <a:latin typeface="Calibri" panose="020F0502020204030204" pitchFamily="34" charset="0"/>
+                <a:cs typeface="Calibri" panose="020F0502020204030204" pitchFamily="34" charset="0"/>
+              </a:rPr>
+              <a:t> </a:t>
+            </a:r>
+            <a:r>
+              <a:rPr lang="de-DE" sz="1600" dirty="0" err="1" smtClean="0">
+                <a:latin typeface="Calibri" panose="020F0502020204030204" pitchFamily="34" charset="0"/>
+                <a:cs typeface="Calibri" panose="020F0502020204030204" pitchFamily="34" charset="0"/>
+              </a:rPr>
+              <a:t>Physics</a:t>
+            </a:r>
+            <a:r>
+              <a:rPr lang="de-DE" sz="1600" dirty="0" smtClean="0">
+                <a:latin typeface="Calibri" panose="020F0502020204030204" pitchFamily="34" charset="0"/>
+                <a:cs typeface="Calibri" panose="020F0502020204030204" pitchFamily="34" charset="0"/>
+              </a:rPr>
+              <a:t> </a:t>
+            </a:r>
+            <a:r>
+              <a:rPr lang="de-DE" sz="1600" dirty="0" err="1" smtClean="0">
+                <a:latin typeface="Calibri" panose="020F0502020204030204" pitchFamily="34" charset="0"/>
+                <a:cs typeface="Calibri" panose="020F0502020204030204" pitchFamily="34" charset="0"/>
+              </a:rPr>
+              <a:t>journals</a:t>
+            </a:r>
+            <a:r>
+              <a:rPr lang="de-DE" sz="1600" dirty="0" smtClean="0">
+                <a:latin typeface="Calibri" panose="020F0502020204030204" pitchFamily="34" charset="0"/>
+                <a:cs typeface="Calibri" panose="020F0502020204030204" pitchFamily="34" charset="0"/>
+              </a:rPr>
+              <a:t>.</a:t>
+            </a:r>
+          </a:p>
+          <a:p>
+            <a:pPr marL="285750" indent="-285750" algn="just">
+              <a:buFont typeface="Arial" panose="020B0604020202020204" pitchFamily="34" charset="0"/>
+              <a:buChar char="•"/>
+            </a:pPr>
+            <a:endParaRPr lang="de-DE" sz="1600" dirty="0">
+              <a:latin typeface="Calibri" panose="020F0502020204030204" pitchFamily="34" charset="0"/>
+              <a:cs typeface="Calibri" panose="020F0502020204030204" pitchFamily="34" charset="0"/>
+            </a:endParaRPr>
+          </a:p>
+          <a:p>
+            <a:pPr marL="285750" indent="-285750" algn="just">
+              <a:buFont typeface="Arial" panose="020B0604020202020204" pitchFamily="34" charset="0"/>
+              <a:buChar char="•"/>
+            </a:pPr>
+            <a:r>
+              <a:rPr lang="de-DE" sz="1600" dirty="0" err="1">
+                <a:latin typeface="Calibri" panose="020F0502020204030204" pitchFamily="34" charset="0"/>
+                <a:cs typeface="Calibri" panose="020F0502020204030204" pitchFamily="34" charset="0"/>
+              </a:rPr>
               <a:t>Holmberg</a:t>
             </a:r>
             <a:r>
-              <a:rPr lang="de-DE" dirty="0" smtClean="0"/>
-              <a:t> et al. (2019) </a:t>
-            </a:r>
-            <a:r>
-              <a:rPr lang="de-DE" dirty="0" err="1" smtClean="0"/>
-              <a:t>studied</a:t>
-            </a:r>
-            <a:r>
-              <a:rPr lang="de-DE" dirty="0" smtClean="0"/>
-              <a:t> </a:t>
-            </a:r>
-            <a:r>
-              <a:rPr lang="de-DE" dirty="0" err="1" smtClean="0"/>
-              <a:t>frequency</a:t>
-            </a:r>
-            <a:r>
-              <a:rPr lang="de-DE" dirty="0" smtClean="0"/>
-              <a:t> </a:t>
-            </a:r>
-            <a:r>
-              <a:rPr lang="de-DE" dirty="0" err="1" smtClean="0"/>
-              <a:t>of</a:t>
-            </a:r>
-            <a:r>
-              <a:rPr lang="de-DE" dirty="0" smtClean="0"/>
-              <a:t> </a:t>
-            </a:r>
-            <a:r>
-              <a:rPr lang="de-DE" dirty="0" err="1" smtClean="0"/>
-              <a:t>mentions</a:t>
-            </a:r>
-            <a:r>
-              <a:rPr lang="de-DE" dirty="0" smtClean="0"/>
-              <a:t> </a:t>
-            </a:r>
-            <a:r>
-              <a:rPr lang="de-DE" dirty="0" err="1" smtClean="0"/>
-              <a:t>to</a:t>
-            </a:r>
-            <a:r>
-              <a:rPr lang="de-DE" dirty="0" smtClean="0"/>
-              <a:t> OA </a:t>
-            </a:r>
-            <a:r>
-              <a:rPr lang="de-DE" dirty="0" err="1" smtClean="0"/>
-              <a:t>articles</a:t>
-            </a:r>
-            <a:r>
-              <a:rPr lang="de-DE" dirty="0" smtClean="0"/>
-              <a:t> versus non-OA </a:t>
-            </a:r>
-            <a:r>
-              <a:rPr lang="de-DE" dirty="0" err="1" smtClean="0"/>
-              <a:t>articles</a:t>
-            </a:r>
-            <a:r>
-              <a:rPr lang="de-DE" dirty="0" smtClean="0"/>
-              <a:t> in . „</a:t>
-            </a:r>
-            <a:r>
-              <a:rPr lang="en-GB" dirty="0" smtClean="0"/>
-              <a:t>The </a:t>
-            </a:r>
-            <a:r>
-              <a:rPr lang="en-GB" dirty="0"/>
-              <a:t>results show significant disciplinary and platform specific differences in the OA </a:t>
-            </a:r>
-            <a:r>
-              <a:rPr lang="en-GB" dirty="0" smtClean="0"/>
-              <a:t>advantage”</a:t>
-            </a:r>
-            <a:endParaRPr lang="en-GB" dirty="0"/>
+              <a:rPr lang="de-DE" sz="1600" dirty="0">
+                <a:latin typeface="Calibri" panose="020F0502020204030204" pitchFamily="34" charset="0"/>
+                <a:cs typeface="Calibri" panose="020F0502020204030204" pitchFamily="34" charset="0"/>
+              </a:rPr>
+              <a:t> et al. (2019): </a:t>
+            </a:r>
+            <a:r>
+              <a:rPr lang="en-GB" sz="1600" dirty="0">
+                <a:latin typeface="Calibri" panose="020F0502020204030204" pitchFamily="34" charset="0"/>
+                <a:cs typeface="Calibri" panose="020F0502020204030204" pitchFamily="34" charset="0"/>
+              </a:rPr>
+              <a:t>“The results show significant disciplinary and platform specific differences in the OA advantage” in a study of articles published by Finnish Universities</a:t>
+            </a:r>
+            <a:r>
+              <a:rPr lang="en-GB" sz="1600" dirty="0" smtClean="0">
+                <a:latin typeface="Calibri" panose="020F0502020204030204" pitchFamily="34" charset="0"/>
+                <a:cs typeface="Calibri" panose="020F0502020204030204" pitchFamily="34" charset="0"/>
+              </a:rPr>
+              <a:t>.</a:t>
+            </a:r>
+            <a:endParaRPr lang="de-DE" sz="1600" dirty="0">
+              <a:latin typeface="Calibri" panose="020F0502020204030204" pitchFamily="34" charset="0"/>
+              <a:cs typeface="Calibri" panose="020F0502020204030204" pitchFamily="34" charset="0"/>
+            </a:endParaRPr>
+          </a:p>
+          <a:p>
+            <a:pPr algn="just"/>
+            <a:endParaRPr lang="en-GB" sz="1600" dirty="0">
+              <a:latin typeface="Calibri" panose="020F0502020204030204" pitchFamily="34" charset="0"/>
+              <a:cs typeface="Calibri" panose="020F0502020204030204" pitchFamily="34" charset="0"/>
+            </a:endParaRPr>
+          </a:p>
+          <a:p>
+            <a:pPr marL="285750" indent="-285750" algn="just">
+              <a:buFont typeface="Arial" panose="020B0604020202020204" pitchFamily="34" charset="0"/>
+              <a:buChar char="•"/>
+            </a:pPr>
+            <a:r>
+              <a:rPr lang="en-GB" sz="1600" dirty="0" err="1" smtClean="0">
+                <a:latin typeface="Calibri" panose="020F0502020204030204" pitchFamily="34" charset="0"/>
+                <a:cs typeface="Calibri" panose="020F0502020204030204" pitchFamily="34" charset="0"/>
+              </a:rPr>
+              <a:t>Alhoori</a:t>
+            </a:r>
+            <a:r>
+              <a:rPr lang="en-GB" sz="1600" dirty="0" smtClean="0">
+                <a:latin typeface="Calibri" panose="020F0502020204030204" pitchFamily="34" charset="0"/>
+                <a:cs typeface="Calibri" panose="020F0502020204030204" pitchFamily="34" charset="0"/>
+              </a:rPr>
+              <a:t> et al. (2015): “…</a:t>
+            </a:r>
+            <a:r>
+              <a:rPr lang="en-US" sz="1600" dirty="0" smtClean="0">
+                <a:latin typeface="Calibri" panose="020F0502020204030204" pitchFamily="34" charset="0"/>
+                <a:cs typeface="Calibri" panose="020F0502020204030204" pitchFamily="34" charset="0"/>
+              </a:rPr>
+              <a:t>we </a:t>
+            </a:r>
+            <a:r>
+              <a:rPr lang="en-US" sz="1600" dirty="0">
+                <a:latin typeface="Calibri" panose="020F0502020204030204" pitchFamily="34" charset="0"/>
+                <a:cs typeface="Calibri" panose="020F0502020204030204" pitchFamily="34" charset="0"/>
+              </a:rPr>
+              <a:t>found that OA articles receive higher </a:t>
+            </a:r>
+            <a:r>
+              <a:rPr lang="en-US" sz="1600" dirty="0" err="1">
+                <a:latin typeface="Calibri" panose="020F0502020204030204" pitchFamily="34" charset="0"/>
+                <a:cs typeface="Calibri" panose="020F0502020204030204" pitchFamily="34" charset="0"/>
+              </a:rPr>
+              <a:t>altmetrics</a:t>
+            </a:r>
+            <a:r>
+              <a:rPr lang="en-US" sz="1600" dirty="0">
+                <a:latin typeface="Calibri" panose="020F0502020204030204" pitchFamily="34" charset="0"/>
+                <a:cs typeface="Calibri" panose="020F0502020204030204" pitchFamily="34" charset="0"/>
+              </a:rPr>
+              <a:t> than </a:t>
+            </a:r>
+            <a:r>
+              <a:rPr lang="en-US" sz="1600" dirty="0" smtClean="0">
+                <a:latin typeface="Calibri" panose="020F0502020204030204" pitchFamily="34" charset="0"/>
+                <a:cs typeface="Calibri" panose="020F0502020204030204" pitchFamily="34" charset="0"/>
+              </a:rPr>
+              <a:t>[closed] </a:t>
+            </a:r>
+            <a:r>
+              <a:rPr lang="en-US" sz="1600" dirty="0">
+                <a:latin typeface="Calibri" panose="020F0502020204030204" pitchFamily="34" charset="0"/>
+                <a:cs typeface="Calibri" panose="020F0502020204030204" pitchFamily="34" charset="0"/>
+              </a:rPr>
+              <a:t>articles; however, we found less significant differences when taking into consideration some influential factors such as journal, publication year, and citation </a:t>
+            </a:r>
+            <a:r>
+              <a:rPr lang="en-US" sz="1600" dirty="0" smtClean="0">
+                <a:latin typeface="Calibri" panose="020F0502020204030204" pitchFamily="34" charset="0"/>
+                <a:cs typeface="Calibri" panose="020F0502020204030204" pitchFamily="34" charset="0"/>
+              </a:rPr>
+              <a:t>count</a:t>
+            </a:r>
+            <a:r>
+              <a:rPr lang="en-GB" sz="1600" dirty="0" smtClean="0">
+                <a:latin typeface="Calibri" panose="020F0502020204030204" pitchFamily="34" charset="0"/>
+                <a:cs typeface="Calibri" panose="020F0502020204030204" pitchFamily="34" charset="0"/>
+              </a:rPr>
+              <a:t>” based on comparisons of OA and closed articles in Hybrid journals.</a:t>
+            </a:r>
+          </a:p>
+          <a:p>
+            <a:pPr marL="285750" indent="-285750" algn="just">
+              <a:buFont typeface="Arial" panose="020B0604020202020204" pitchFamily="34" charset="0"/>
+              <a:buChar char="•"/>
+            </a:pPr>
+            <a:endParaRPr lang="en-GB" sz="1600" dirty="0">
+              <a:latin typeface="Calibri" panose="020F0502020204030204" pitchFamily="34" charset="0"/>
+              <a:cs typeface="Calibri" panose="020F0502020204030204" pitchFamily="34" charset="0"/>
+            </a:endParaRPr>
+          </a:p>
+          <a:p>
+            <a:pPr marL="285750" indent="-285750" algn="just">
+              <a:buFont typeface="Arial" panose="020B0604020202020204" pitchFamily="34" charset="0"/>
+              <a:buChar char="•"/>
+            </a:pPr>
+            <a:r>
+              <a:rPr lang="en-GB" sz="1600" dirty="0" err="1" smtClean="0">
+                <a:latin typeface="Calibri" panose="020F0502020204030204" pitchFamily="34" charset="0"/>
+                <a:cs typeface="Calibri" panose="020F0502020204030204" pitchFamily="34" charset="0"/>
+              </a:rPr>
+              <a:t>Teplitskiy</a:t>
+            </a:r>
+            <a:r>
+              <a:rPr lang="en-GB" sz="1600" dirty="0" smtClean="0">
+                <a:latin typeface="Calibri" panose="020F0502020204030204" pitchFamily="34" charset="0"/>
+                <a:cs typeface="Calibri" panose="020F0502020204030204" pitchFamily="34" charset="0"/>
+              </a:rPr>
+              <a:t> et al. (2016): “</a:t>
+            </a:r>
+            <a:r>
+              <a:rPr lang="en-US" sz="1600" dirty="0">
+                <a:latin typeface="Calibri" panose="020F0502020204030204" pitchFamily="34" charset="0"/>
+                <a:cs typeface="Calibri" panose="020F0502020204030204" pitchFamily="34" charset="0"/>
+              </a:rPr>
+              <a:t>Controlling for field and impact factor, the odds that an open access journal is referenced on the English Wikipedia are 47% higher compared to paywall </a:t>
+            </a:r>
+            <a:r>
+              <a:rPr lang="en-US" sz="1600" dirty="0" smtClean="0">
+                <a:latin typeface="Calibri" panose="020F0502020204030204" pitchFamily="34" charset="0"/>
+                <a:cs typeface="Calibri" panose="020F0502020204030204" pitchFamily="34" charset="0"/>
+              </a:rPr>
+              <a:t>journals.</a:t>
+            </a:r>
+            <a:r>
+              <a:rPr lang="en-GB" sz="1600" dirty="0" smtClean="0">
+                <a:latin typeface="Calibri" panose="020F0502020204030204" pitchFamily="34" charset="0"/>
+                <a:cs typeface="Calibri" panose="020F0502020204030204" pitchFamily="34" charset="0"/>
+              </a:rPr>
+              <a:t>”</a:t>
+            </a:r>
+            <a:endParaRPr lang="en-GB" sz="1600" dirty="0">
+              <a:latin typeface="Calibri" panose="020F0502020204030204" pitchFamily="34" charset="0"/>
+              <a:cs typeface="Calibri" panose="020F0502020204030204" pitchFamily="34" charset="0"/>
+            </a:endParaRPr>
           </a:p>
         </p:txBody>
       </p:sp>
@@ -14622,7 +15392,7 @@
         <p:spPr>
           <a:xfrm>
             <a:off x="323528" y="267494"/>
-            <a:ext cx="8784976" cy="461665"/>
+            <a:ext cx="8784976" cy="400110"/>
           </a:xfrm>
           <a:prstGeom prst="rect">
             <a:avLst/>
@@ -14636,7 +15406,7 @@
           <a:lstStyle/>
           <a:p>
             <a:r>
-              <a:rPr lang="de-DE" sz="2400" b="1" dirty="0" smtClean="0">
+              <a:rPr lang="de-DE" sz="2000" b="1" dirty="0" smtClean="0">
                 <a:solidFill>
                   <a:srgbClr val="C00000"/>
                 </a:solidFill>
@@ -14646,7 +15416,7 @@
               <a:t>Research </a:t>
             </a:r>
             <a:r>
-              <a:rPr lang="de-DE" sz="2400" b="1" dirty="0" err="1" smtClean="0">
+              <a:rPr lang="de-DE" sz="2000" b="1" dirty="0" err="1" smtClean="0">
                 <a:solidFill>
                   <a:srgbClr val="C00000"/>
                 </a:solidFill>
@@ -14655,7 +15425,7 @@
               </a:rPr>
               <a:t>Questions</a:t>
             </a:r>
-            <a:endParaRPr lang="en-GB" sz="2400" b="1" dirty="0">
+            <a:endParaRPr lang="en-GB" sz="2000" b="1" dirty="0">
               <a:solidFill>
                 <a:srgbClr val="C00000"/>
               </a:solidFill>
@@ -14673,8 +15443,8 @@
         </p:nvSpPr>
         <p:spPr>
           <a:xfrm>
-            <a:off x="395536" y="1203598"/>
-            <a:ext cx="8208912" cy="2923877"/>
+            <a:off x="395536" y="1114988"/>
+            <a:ext cx="8208912" cy="3293209"/>
           </a:xfrm>
           <a:prstGeom prst="rect">
             <a:avLst/>
@@ -14727,8 +15497,19 @@
                 <a:latin typeface="Calibri" panose="020F0502020204030204" pitchFamily="34" charset="0"/>
                 <a:cs typeface="Calibri" panose="020F0502020204030204" pitchFamily="34" charset="0"/>
               </a:rPr>
-              <a:t> attention than non-OA articles?</a:t>
-            </a:r>
+              <a:t> attention than non-OA </a:t>
+            </a:r>
+            <a:r>
+              <a:rPr lang="en-GB" sz="1600" dirty="0" smtClean="0">
+                <a:latin typeface="Calibri" panose="020F0502020204030204" pitchFamily="34" charset="0"/>
+                <a:cs typeface="Calibri" panose="020F0502020204030204" pitchFamily="34" charset="0"/>
+              </a:rPr>
+              <a:t>articles at the global level?</a:t>
+            </a:r>
+            <a:endParaRPr lang="en-GB" sz="1600" dirty="0">
+              <a:latin typeface="Calibri" panose="020F0502020204030204" pitchFamily="34" charset="0"/>
+              <a:cs typeface="Calibri" panose="020F0502020204030204" pitchFamily="34" charset="0"/>
+            </a:endParaRPr>
           </a:p>
           <a:p>
             <a:pPr marL="285750" indent="-285750">
@@ -14961,6 +15742,13 @@
                 <a:cs typeface="Calibri" panose="020F0502020204030204" pitchFamily="34" charset="0"/>
               </a:rPr>
               <a:t>prestige</a:t>
+            </a:r>
+            <a:r>
+              <a:rPr lang="de-DE" sz="1600" dirty="0" smtClean="0">
+                <a:latin typeface="Calibri" panose="020F0502020204030204" pitchFamily="34" charset="0"/>
+                <a:cs typeface="Calibri" panose="020F0502020204030204" pitchFamily="34" charset="0"/>
+              </a:rPr>
+              <a:t>…</a:t>
             </a:r>
             <a:endParaRPr lang="de-DE" sz="1600" dirty="0">
               <a:latin typeface="Calibri" panose="020F0502020204030204" pitchFamily="34" charset="0"/>
@@ -15049,7 +15837,7 @@
         <p:spPr>
           <a:xfrm>
             <a:off x="323528" y="267494"/>
-            <a:ext cx="8784976" cy="461665"/>
+            <a:ext cx="8784976" cy="400110"/>
           </a:xfrm>
           <a:prstGeom prst="rect">
             <a:avLst/>
@@ -15063,16 +15851,26 @@
           <a:lstStyle/>
           <a:p>
             <a:r>
-              <a:rPr lang="de-DE" sz="2400" b="1" dirty="0" err="1" smtClean="0">
+              <a:rPr lang="de-DE" sz="2000" b="1" dirty="0" smtClean="0">
                 <a:solidFill>
                   <a:srgbClr val="C00000"/>
                 </a:solidFill>
                 <a:latin typeface="Calibri" panose="020F0502020204030204" pitchFamily="34" charset="0"/>
                 <a:cs typeface="Calibri" panose="020F0502020204030204" pitchFamily="34" charset="0"/>
               </a:rPr>
-              <a:t>Methods</a:t>
-            </a:r>
-            <a:endParaRPr lang="en-GB" sz="2400" b="1" dirty="0">
+              <a:t>Data </a:t>
+            </a:r>
+            <a:r>
+              <a:rPr lang="de-DE" sz="2000" b="1" dirty="0" err="1" smtClean="0">
+                <a:solidFill>
+                  <a:srgbClr val="C00000"/>
+                </a:solidFill>
+                <a:latin typeface="Calibri" panose="020F0502020204030204" pitchFamily="34" charset="0"/>
+                <a:cs typeface="Calibri" panose="020F0502020204030204" pitchFamily="34" charset="0"/>
+              </a:rPr>
+              <a:t>retrieval</a:t>
+            </a:r>
+            <a:endParaRPr lang="en-GB" sz="2000" b="1" dirty="0">
               <a:solidFill>
                 <a:srgbClr val="C00000"/>
               </a:solidFill>
@@ -15411,7 +16209,7 @@
         </p:nvSpPr>
         <p:spPr>
           <a:xfrm>
-            <a:off x="2699792" y="1419622"/>
+            <a:off x="2699792" y="1398193"/>
             <a:ext cx="3456384" cy="246221"/>
           </a:xfrm>
           <a:prstGeom prst="rect">
@@ -15552,6 +16350,73 @@
           </a:p>
         </p:txBody>
       </p:sp>
+      <p:sp>
+        <p:nvSpPr>
+          <p:cNvPr id="13" name="TextBox 15"/>
+          <p:cNvSpPr txBox="1"/>
+          <p:nvPr/>
+        </p:nvSpPr>
+        <p:spPr>
+          <a:xfrm>
+            <a:off x="2699792" y="3363838"/>
+            <a:ext cx="3456384" cy="246221"/>
+          </a:xfrm>
+          <a:prstGeom prst="rect">
+            <a:avLst/>
+          </a:prstGeom>
+          <a:solidFill>
+            <a:schemeClr val="bg2">
+              <a:lumMod val="20000"/>
+              <a:lumOff val="80000"/>
+            </a:schemeClr>
+          </a:solidFill>
+        </p:spPr>
+        <p:txBody>
+          <a:bodyPr wrap="square" rtlCol="0">
+            <a:spAutoFit/>
+          </a:bodyPr>
+          <a:lstStyle/>
+          <a:p>
+            <a:pPr algn="ctr">
+              <a:spcAft>
+                <a:spcPts val="600"/>
+              </a:spcAft>
+            </a:pPr>
+            <a:r>
+              <a:rPr lang="de-DE" sz="1000" dirty="0" err="1" smtClean="0">
+                <a:latin typeface="Calibri" panose="020F0502020204030204" pitchFamily="34" charset="0"/>
+                <a:cs typeface="Calibri" panose="020F0502020204030204" pitchFamily="34" charset="0"/>
+              </a:rPr>
+              <a:t>Altmetrics</a:t>
+            </a:r>
+            <a:r>
+              <a:rPr lang="de-DE" sz="1000" dirty="0" smtClean="0">
+                <a:latin typeface="Calibri" panose="020F0502020204030204" pitchFamily="34" charset="0"/>
+                <a:cs typeface="Calibri" panose="020F0502020204030204" pitchFamily="34" charset="0"/>
+              </a:rPr>
+              <a:t> </a:t>
+            </a:r>
+            <a:r>
+              <a:rPr lang="de-DE" sz="1000" dirty="0" err="1" smtClean="0">
+                <a:latin typeface="Calibri" panose="020F0502020204030204" pitchFamily="34" charset="0"/>
+                <a:cs typeface="Calibri" panose="020F0502020204030204" pitchFamily="34" charset="0"/>
+              </a:rPr>
+              <a:t>information</a:t>
+            </a:r>
+            <a:r>
+              <a:rPr lang="de-DE" sz="1000" dirty="0" smtClean="0">
+                <a:latin typeface="Calibri" panose="020F0502020204030204" pitchFamily="34" charset="0"/>
+                <a:cs typeface="Calibri" panose="020F0502020204030204" pitchFamily="34" charset="0"/>
+              </a:rPr>
+              <a:t> (Altmetric.com)</a:t>
+            </a:r>
+            <a:endParaRPr lang="en-GB" sz="1000" i="1" dirty="0">
+              <a:latin typeface="Calibri" panose="020F0502020204030204" pitchFamily="34" charset="0"/>
+              <a:cs typeface="Calibri" panose="020F0502020204030204" pitchFamily="34" charset="0"/>
+            </a:endParaRPr>
+          </a:p>
+        </p:txBody>
+      </p:sp>
     </p:spTree>
     <p:extLst>
       <p:ext uri="{BB962C8B-B14F-4D97-AF65-F5344CB8AC3E}">
@@ -15598,7 +16463,7 @@
         <p:spPr>
           <a:xfrm>
             <a:off x="323528" y="267494"/>
-            <a:ext cx="8784976" cy="461665"/>
+            <a:ext cx="8784976" cy="400110"/>
           </a:xfrm>
           <a:prstGeom prst="rect">
             <a:avLst/>
@@ -15612,7 +16477,7 @@
           <a:lstStyle/>
           <a:p>
             <a:r>
-              <a:rPr lang="de-DE" sz="2400" b="1" dirty="0" smtClean="0">
+              <a:rPr lang="de-DE" sz="2000" b="1" dirty="0" smtClean="0">
                 <a:solidFill>
                   <a:srgbClr val="C00000"/>
                 </a:solidFill>
@@ -15622,7 +16487,7 @@
               <a:t>Open Access </a:t>
             </a:r>
             <a:r>
-              <a:rPr lang="de-DE" sz="2400" b="1" dirty="0" err="1" smtClean="0">
+              <a:rPr lang="de-DE" sz="2000" b="1" dirty="0" err="1" smtClean="0">
                 <a:solidFill>
                   <a:srgbClr val="C00000"/>
                 </a:solidFill>
@@ -15631,7 +16496,7 @@
               </a:rPr>
               <a:t>Classification</a:t>
             </a:r>
-            <a:endParaRPr lang="en-GB" sz="2400" b="1" dirty="0">
+            <a:endParaRPr lang="en-GB" sz="2000" b="1" dirty="0">
               <a:solidFill>
                 <a:srgbClr val="C00000"/>
               </a:solidFill>
@@ -15691,8 +16556,8 @@
         </p:blipFill>
         <p:spPr>
           <a:xfrm>
-            <a:off x="323528" y="1682120"/>
-            <a:ext cx="4468974" cy="2621704"/>
+            <a:off x="3131840" y="1337714"/>
+            <a:ext cx="5189054" cy="3044136"/>
           </a:xfrm>
           <a:prstGeom prst="rect">
             <a:avLst/>
@@ -15707,8 +16572,8 @@
         </p:nvSpPr>
         <p:spPr>
           <a:xfrm>
-            <a:off x="323528" y="915566"/>
-            <a:ext cx="4468974" cy="584775"/>
+            <a:off x="368300" y="782340"/>
+            <a:ext cx="5859884" cy="3416320"/>
           </a:xfrm>
           <a:prstGeom prst="rect">
             <a:avLst/>
@@ -15721,131 +16586,149 @@
           </a:bodyPr>
           <a:lstStyle/>
           <a:p>
-            <a:r>
-              <a:rPr lang="de-DE" sz="1600" dirty="0" err="1" smtClean="0">
-                <a:latin typeface="Calibri" panose="020F0502020204030204" pitchFamily="34" charset="0"/>
-                <a:cs typeface="Calibri" panose="020F0502020204030204" pitchFamily="34" charset="0"/>
-              </a:rPr>
-              <a:t>Followed</a:t>
-            </a:r>
-            <a:r>
-              <a:rPr lang="de-DE" sz="1600" dirty="0" smtClean="0">
-                <a:latin typeface="Calibri" panose="020F0502020204030204" pitchFamily="34" charset="0"/>
-                <a:cs typeface="Calibri" panose="020F0502020204030204" pitchFamily="34" charset="0"/>
-              </a:rPr>
-              <a:t> </a:t>
-            </a:r>
-            <a:r>
-              <a:rPr lang="de-DE" sz="1600" dirty="0" err="1" smtClean="0">
-                <a:latin typeface="Calibri" panose="020F0502020204030204" pitchFamily="34" charset="0"/>
-                <a:cs typeface="Calibri" panose="020F0502020204030204" pitchFamily="34" charset="0"/>
-              </a:rPr>
-              <a:t>the</a:t>
-            </a:r>
-            <a:r>
-              <a:rPr lang="de-DE" sz="1600" dirty="0" smtClean="0">
-                <a:latin typeface="Calibri" panose="020F0502020204030204" pitchFamily="34" charset="0"/>
-                <a:cs typeface="Calibri" panose="020F0502020204030204" pitchFamily="34" charset="0"/>
-              </a:rPr>
-              <a:t> </a:t>
-            </a:r>
-            <a:r>
-              <a:rPr lang="de-DE" sz="1600" dirty="0" err="1" smtClean="0">
-                <a:latin typeface="Calibri" panose="020F0502020204030204" pitchFamily="34" charset="0"/>
-                <a:cs typeface="Calibri" panose="020F0502020204030204" pitchFamily="34" charset="0"/>
-              </a:rPr>
-              <a:t>classification</a:t>
-            </a:r>
-            <a:r>
-              <a:rPr lang="de-DE" sz="1600" dirty="0" smtClean="0">
-                <a:latin typeface="Calibri" panose="020F0502020204030204" pitchFamily="34" charset="0"/>
-                <a:cs typeface="Calibri" panose="020F0502020204030204" pitchFamily="34" charset="0"/>
-              </a:rPr>
-              <a:t> </a:t>
-            </a:r>
-            <a:r>
-              <a:rPr lang="de-DE" sz="1600" dirty="0" err="1" smtClean="0">
-                <a:latin typeface="Calibri" panose="020F0502020204030204" pitchFamily="34" charset="0"/>
-                <a:cs typeface="Calibri" panose="020F0502020204030204" pitchFamily="34" charset="0"/>
-              </a:rPr>
-              <a:t>scheme</a:t>
-            </a:r>
-            <a:r>
-              <a:rPr lang="de-DE" sz="1600" dirty="0" smtClean="0">
-                <a:latin typeface="Calibri" panose="020F0502020204030204" pitchFamily="34" charset="0"/>
-                <a:cs typeface="Calibri" panose="020F0502020204030204" pitchFamily="34" charset="0"/>
-              </a:rPr>
-              <a:t> </a:t>
-            </a:r>
-            <a:r>
-              <a:rPr lang="de-DE" sz="1600" dirty="0" err="1" smtClean="0">
-                <a:latin typeface="Calibri" panose="020F0502020204030204" pitchFamily="34" charset="0"/>
-                <a:cs typeface="Calibri" panose="020F0502020204030204" pitchFamily="34" charset="0"/>
-              </a:rPr>
-              <a:t>of</a:t>
-            </a:r>
-            <a:r>
-              <a:rPr lang="de-DE" sz="1600" dirty="0" smtClean="0">
-                <a:latin typeface="Calibri" panose="020F0502020204030204" pitchFamily="34" charset="0"/>
-                <a:cs typeface="Calibri" panose="020F0502020204030204" pitchFamily="34" charset="0"/>
-              </a:rPr>
-              <a:t> Robinson-Garcia et al. (2019), </a:t>
-            </a:r>
-            <a:r>
-              <a:rPr lang="de-DE" sz="1600" dirty="0" err="1" smtClean="0">
-                <a:latin typeface="Calibri" panose="020F0502020204030204" pitchFamily="34" charset="0"/>
-                <a:cs typeface="Calibri" panose="020F0502020204030204" pitchFamily="34" charset="0"/>
-              </a:rPr>
-              <a:t>based</a:t>
-            </a:r>
-            <a:r>
-              <a:rPr lang="de-DE" sz="1600" dirty="0" smtClean="0">
-                <a:latin typeface="Calibri" panose="020F0502020204030204" pitchFamily="34" charset="0"/>
-                <a:cs typeface="Calibri" panose="020F0502020204030204" pitchFamily="34" charset="0"/>
-              </a:rPr>
-              <a:t> on </a:t>
-            </a:r>
-            <a:r>
-              <a:rPr lang="de-DE" sz="1600" dirty="0" err="1" smtClean="0">
-                <a:latin typeface="Calibri" panose="020F0502020204030204" pitchFamily="34" charset="0"/>
-                <a:cs typeface="Calibri" panose="020F0502020204030204" pitchFamily="34" charset="0"/>
-              </a:rPr>
-              <a:t>data</a:t>
-            </a:r>
-            <a:r>
-              <a:rPr lang="de-DE" sz="1600" dirty="0" smtClean="0">
-                <a:latin typeface="Calibri" panose="020F0502020204030204" pitchFamily="34" charset="0"/>
-                <a:cs typeface="Calibri" panose="020F0502020204030204" pitchFamily="34" charset="0"/>
-              </a:rPr>
-              <a:t> </a:t>
-            </a:r>
-            <a:r>
-              <a:rPr lang="de-DE" sz="1600" dirty="0" err="1" smtClean="0">
-                <a:latin typeface="Calibri" panose="020F0502020204030204" pitchFamily="34" charset="0"/>
-                <a:cs typeface="Calibri" panose="020F0502020204030204" pitchFamily="34" charset="0"/>
-              </a:rPr>
-              <a:t>from</a:t>
-            </a:r>
-            <a:r>
-              <a:rPr lang="de-DE" sz="1600" dirty="0" smtClean="0">
-                <a:latin typeface="Calibri" panose="020F0502020204030204" pitchFamily="34" charset="0"/>
-                <a:cs typeface="Calibri" panose="020F0502020204030204" pitchFamily="34" charset="0"/>
-              </a:rPr>
-              <a:t> </a:t>
-            </a:r>
-            <a:r>
-              <a:rPr lang="de-DE" sz="1600" dirty="0" err="1" smtClean="0">
+            <a:pPr>
+              <a:lnSpc>
+                <a:spcPct val="150000"/>
+              </a:lnSpc>
+            </a:pPr>
+            <a:r>
+              <a:rPr lang="en-GB" sz="1600" dirty="0" smtClean="0">
+                <a:latin typeface="Calibri" panose="020F0502020204030204" pitchFamily="34" charset="0"/>
+                <a:cs typeface="Calibri" panose="020F0502020204030204" pitchFamily="34" charset="0"/>
+              </a:rPr>
+              <a:t>Classifications at two levels, based on </a:t>
+            </a:r>
+            <a:r>
+              <a:rPr lang="en-GB" sz="1600" dirty="0" err="1" smtClean="0">
                 <a:latin typeface="Calibri" panose="020F0502020204030204" pitchFamily="34" charset="0"/>
                 <a:cs typeface="Calibri" panose="020F0502020204030204" pitchFamily="34" charset="0"/>
               </a:rPr>
               <a:t>Unpaywall</a:t>
             </a:r>
             <a:r>
-              <a:rPr lang="de-DE" sz="1600" dirty="0" smtClean="0">
-                <a:latin typeface="Calibri" panose="020F0502020204030204" pitchFamily="34" charset="0"/>
-                <a:cs typeface="Calibri" panose="020F0502020204030204" pitchFamily="34" charset="0"/>
-              </a:rPr>
-              <a:t>:</a:t>
+              <a:rPr lang="en-GB" sz="1600" dirty="0" smtClean="0">
+                <a:latin typeface="Calibri" panose="020F0502020204030204" pitchFamily="34" charset="0"/>
+                <a:cs typeface="Calibri" panose="020F0502020204030204" pitchFamily="34" charset="0"/>
+              </a:rPr>
+              <a:t> metadata schema:</a:t>
+            </a:r>
+          </a:p>
+          <a:p>
+            <a:pPr marL="285750" indent="-285750">
+              <a:lnSpc>
+                <a:spcPct val="150000"/>
+              </a:lnSpc>
+              <a:buFont typeface="Arial" panose="020B0604020202020204" pitchFamily="34" charset="0"/>
+              <a:buChar char="•"/>
+            </a:pPr>
+            <a:r>
+              <a:rPr lang="en-GB" sz="1600" dirty="0" smtClean="0">
+                <a:latin typeface="Calibri" panose="020F0502020204030204" pitchFamily="34" charset="0"/>
+                <a:cs typeface="Calibri" panose="020F0502020204030204" pitchFamily="34" charset="0"/>
+              </a:rPr>
+              <a:t>OA versus non-OA</a:t>
+            </a:r>
+          </a:p>
+          <a:p>
+            <a:pPr>
+              <a:lnSpc>
+                <a:spcPct val="150000"/>
+              </a:lnSpc>
+            </a:pPr>
+            <a:endParaRPr lang="en-GB" sz="1600" dirty="0" smtClean="0">
+              <a:latin typeface="Calibri" panose="020F0502020204030204" pitchFamily="34" charset="0"/>
+              <a:cs typeface="Calibri" panose="020F0502020204030204" pitchFamily="34" charset="0"/>
+            </a:endParaRPr>
+          </a:p>
+          <a:p>
+            <a:pPr>
+              <a:lnSpc>
+                <a:spcPct val="150000"/>
+              </a:lnSpc>
+            </a:pPr>
+            <a:endParaRPr lang="en-GB" sz="1600" dirty="0" smtClean="0">
+              <a:latin typeface="Calibri" panose="020F0502020204030204" pitchFamily="34" charset="0"/>
+              <a:cs typeface="Calibri" panose="020F0502020204030204" pitchFamily="34" charset="0"/>
+            </a:endParaRPr>
+          </a:p>
+          <a:p>
+            <a:pPr marL="285750" indent="-285750">
+              <a:lnSpc>
+                <a:spcPct val="150000"/>
+              </a:lnSpc>
+              <a:buFont typeface="Arial" panose="020B0604020202020204" pitchFamily="34" charset="0"/>
+              <a:buChar char="•"/>
+            </a:pPr>
+            <a:r>
+              <a:rPr lang="en-GB" sz="1600" dirty="0" smtClean="0">
+                <a:latin typeface="Calibri" panose="020F0502020204030204" pitchFamily="34" charset="0"/>
+                <a:cs typeface="Calibri" panose="020F0502020204030204" pitchFamily="34" charset="0"/>
+              </a:rPr>
+              <a:t>By OA types:</a:t>
+            </a:r>
+          </a:p>
+          <a:p>
+            <a:pPr marL="571500" lvl="1" indent="-285750">
+              <a:lnSpc>
+                <a:spcPct val="150000"/>
+              </a:lnSpc>
+              <a:buFont typeface="Courier New" panose="02070309020205020404" pitchFamily="49" charset="0"/>
+              <a:buChar char="o"/>
+            </a:pPr>
+            <a:r>
+              <a:rPr lang="en-GB" sz="1600" dirty="0" smtClean="0">
+                <a:latin typeface="Calibri" panose="020F0502020204030204" pitchFamily="34" charset="0"/>
+                <a:cs typeface="Calibri" panose="020F0502020204030204" pitchFamily="34" charset="0"/>
+              </a:rPr>
+              <a:t>Gold</a:t>
+            </a:r>
+          </a:p>
+          <a:p>
+            <a:pPr marL="571500" lvl="1" indent="-285750">
+              <a:lnSpc>
+                <a:spcPct val="150000"/>
+              </a:lnSpc>
+              <a:buFont typeface="Courier New" panose="02070309020205020404" pitchFamily="49" charset="0"/>
+              <a:buChar char="o"/>
+            </a:pPr>
+            <a:r>
+              <a:rPr lang="en-GB" sz="1600" dirty="0" smtClean="0">
+                <a:latin typeface="Calibri" panose="020F0502020204030204" pitchFamily="34" charset="0"/>
+                <a:cs typeface="Calibri" panose="020F0502020204030204" pitchFamily="34" charset="0"/>
+              </a:rPr>
+              <a:t>Hybrid</a:t>
+            </a:r>
+          </a:p>
+          <a:p>
+            <a:pPr marL="571500" lvl="1" indent="-285750">
+              <a:lnSpc>
+                <a:spcPct val="150000"/>
+              </a:lnSpc>
+              <a:buFont typeface="Courier New" panose="02070309020205020404" pitchFamily="49" charset="0"/>
+              <a:buChar char="o"/>
+            </a:pPr>
+            <a:r>
+              <a:rPr lang="en-GB" sz="1600" dirty="0" smtClean="0">
+                <a:latin typeface="Calibri" panose="020F0502020204030204" pitchFamily="34" charset="0"/>
+                <a:cs typeface="Calibri" panose="020F0502020204030204" pitchFamily="34" charset="0"/>
+              </a:rPr>
+              <a:t>Bronze</a:t>
+            </a:r>
+          </a:p>
+          <a:p>
+            <a:pPr marL="571500" lvl="1" indent="-285750">
+              <a:lnSpc>
+                <a:spcPct val="150000"/>
+              </a:lnSpc>
+              <a:buFont typeface="Courier New" panose="02070309020205020404" pitchFamily="49" charset="0"/>
+              <a:buChar char="o"/>
+            </a:pPr>
+            <a:r>
+              <a:rPr lang="en-GB" sz="1600" dirty="0" smtClean="0">
+                <a:latin typeface="Calibri" panose="020F0502020204030204" pitchFamily="34" charset="0"/>
+                <a:cs typeface="Calibri" panose="020F0502020204030204" pitchFamily="34" charset="0"/>
+              </a:rPr>
+              <a:t>Green</a:t>
             </a:r>
             <a:endParaRPr lang="en-GB" sz="1600" dirty="0">
               <a:latin typeface="Calibri" panose="020F0502020204030204" pitchFamily="34" charset="0"/>
@@ -16010,46 +16893,255 @@
           </a:p>
         </p:txBody>
       </p:sp>
-      <p:pic>
-        <p:nvPicPr>
-          <p:cNvPr id="10" name="Grafik 9"/>
-          <p:cNvPicPr>
-            <a:picLocks noChangeAspect="1"/>
-          </p:cNvPicPr>
+      <p:sp>
+        <p:nvSpPr>
+          <p:cNvPr id="12" name="Right Arrow 11"/>
+          <p:cNvSpPr/>
           <p:nvPr/>
-        </p:nvPicPr>
-        <p:blipFill>
-          <a:blip r:embed="rId4">
-            <a:clrChange>
-              <a:clrFrom>
-                <a:srgbClr val="FFFFFF"/>
-              </a:clrFrom>
-              <a:clrTo>
-                <a:srgbClr val="FFFFFF">
-                  <a:alpha val="0"/>
-                </a:srgbClr>
-              </a:clrTo>
-            </a:clrChange>
-            <a:extLst>
-              <a:ext uri="{28A0092B-C50C-407E-A947-70E740481C1C}">
-                <a14:useLocalDpi xmlns:a14="http://schemas.microsoft.com/office/drawing/2010/main" val="0"/>
-              </a:ext>
-            </a:extLst>
-          </a:blip>
-          <a:stretch>
-            <a:fillRect/>
-          </a:stretch>
-        </p:blipFill>
-        <p:spPr>
+        </p:nvSpPr>
+        <p:spPr bwMode="auto">
           <a:xfrm>
-            <a:off x="5713817" y="320675"/>
-            <a:ext cx="2962639" cy="4443958"/>
+            <a:off x="2420928" y="1347614"/>
+            <a:ext cx="504056" cy="144016"/>
+          </a:xfrm>
+          <a:prstGeom prst="rightArrow">
+            <a:avLst/>
+          </a:prstGeom>
+          <a:solidFill>
+            <a:schemeClr val="bg1">
+              <a:lumMod val="75000"/>
+            </a:schemeClr>
+          </a:solidFill>
+          <a:ln>
+            <a:noFill/>
+          </a:ln>
+          <a:effectLst/>
+          <a:extLst/>
+        </p:spPr>
+        <p:txBody>
+          <a:bodyPr vert="horz" wrap="none" lIns="91440" tIns="45720" rIns="91440" bIns="45720" numCol="1" rtlCol="0" anchor="ctr" anchorCtr="0" compatLnSpc="1">
+            <a:prstTxWarp prst="textNoShape">
+              <a:avLst/>
+            </a:prstTxWarp>
+          </a:bodyPr>
+          <a:lstStyle/>
+          <a:p>
+            <a:pPr marL="0" marR="0" indent="0" algn="ctr" defTabSz="1241425" rtl="0" eaLnBrk="1" fontAlgn="base" latinLnBrk="0" hangingPunct="1">
+              <a:lnSpc>
+                <a:spcPct val="100000"/>
+              </a:lnSpc>
+              <a:spcBef>
+                <a:spcPct val="0"/>
+              </a:spcBef>
+              <a:spcAft>
+                <a:spcPct val="0"/>
+              </a:spcAft>
+              <a:buClrTx/>
+              <a:buSzTx/>
+              <a:buFontTx/>
+              <a:buNone/>
+              <a:tabLst/>
+            </a:pPr>
+            <a:endParaRPr kumimoji="0" lang="nl-NL" sz="2400" b="0" i="0" u="none" strike="noStrike" cap="none" normalizeH="0" baseline="0" smtClean="0">
+              <a:ln>
+                <a:noFill/>
+              </a:ln>
+              <a:solidFill>
+                <a:schemeClr val="tx1"/>
+              </a:solidFill>
+              <a:effectLst/>
+              <a:latin typeface="Arial" charset="0"/>
+            </a:endParaRPr>
+          </a:p>
+        </p:txBody>
+      </p:sp>
+      <p:sp>
+        <p:nvSpPr>
+          <p:cNvPr id="13" name="Right Arrow 12"/>
+          <p:cNvSpPr/>
+          <p:nvPr/>
+        </p:nvSpPr>
+        <p:spPr bwMode="auto">
+          <a:xfrm>
+            <a:off x="2420928" y="2427734"/>
+            <a:ext cx="504056" cy="144016"/>
+          </a:xfrm>
+          <a:prstGeom prst="rightArrow">
+            <a:avLst/>
+          </a:prstGeom>
+          <a:solidFill>
+            <a:srgbClr val="00B0F0">
+              <a:alpha val="50000"/>
+            </a:srgbClr>
+          </a:solidFill>
+          <a:ln>
+            <a:noFill/>
+          </a:ln>
+          <a:effectLst/>
+          <a:extLst/>
+        </p:spPr>
+        <p:txBody>
+          <a:bodyPr vert="horz" wrap="none" lIns="91440" tIns="45720" rIns="91440" bIns="45720" numCol="1" rtlCol="0" anchor="ctr" anchorCtr="0" compatLnSpc="1">
+            <a:prstTxWarp prst="textNoShape">
+              <a:avLst/>
+            </a:prstTxWarp>
+          </a:bodyPr>
+          <a:lstStyle/>
+          <a:p>
+            <a:pPr marL="0" marR="0" indent="0" algn="ctr" defTabSz="1241425" rtl="0" eaLnBrk="1" fontAlgn="base" latinLnBrk="0" hangingPunct="1">
+              <a:lnSpc>
+                <a:spcPct val="100000"/>
+              </a:lnSpc>
+              <a:spcBef>
+                <a:spcPct val="0"/>
+              </a:spcBef>
+              <a:spcAft>
+                <a:spcPct val="0"/>
+              </a:spcAft>
+              <a:buClrTx/>
+              <a:buSzTx/>
+              <a:buFontTx/>
+              <a:buNone/>
+              <a:tabLst/>
+            </a:pPr>
+            <a:endParaRPr kumimoji="0" lang="nl-NL" sz="2400" b="0" i="0" u="none" strike="noStrike" cap="none" normalizeH="0" baseline="0" smtClean="0">
+              <a:ln>
+                <a:noFill/>
+              </a:ln>
+              <a:solidFill>
+                <a:schemeClr val="tx1"/>
+              </a:solidFill>
+              <a:effectLst/>
+              <a:latin typeface="Arial" charset="0"/>
+            </a:endParaRPr>
+          </a:p>
+        </p:txBody>
+      </p:sp>
+      <p:sp>
+        <p:nvSpPr>
+          <p:cNvPr id="14" name="Rectangle 13"/>
+          <p:cNvSpPr/>
+          <p:nvPr/>
+        </p:nvSpPr>
+        <p:spPr bwMode="auto">
+          <a:xfrm>
+            <a:off x="3149392" y="2095341"/>
+            <a:ext cx="5171502" cy="2286509"/>
           </a:xfrm>
           <a:prstGeom prst="rect">
             <a:avLst/>
           </a:prstGeom>
+          <a:solidFill>
+            <a:srgbClr val="00B0F0">
+              <a:alpha val="15000"/>
+            </a:srgbClr>
+          </a:solidFill>
+          <a:ln>
+            <a:noFill/>
+          </a:ln>
+          <a:effectLst/>
+          <a:extLst/>
         </p:spPr>
-      </p:pic>
+        <p:txBody>
+          <a:bodyPr vert="horz" wrap="none" lIns="91440" tIns="45720" rIns="91440" bIns="45720" numCol="1" rtlCol="0" anchor="ctr" anchorCtr="0" compatLnSpc="1">
+            <a:prstTxWarp prst="textNoShape">
+              <a:avLst/>
+            </a:prstTxWarp>
+          </a:bodyPr>
+          <a:lstStyle/>
+          <a:p>
+            <a:pPr marL="0" marR="0" indent="0" algn="ctr" defTabSz="1241425" rtl="0" eaLnBrk="1" fontAlgn="base" latinLnBrk="0" hangingPunct="1">
+              <a:lnSpc>
+                <a:spcPct val="100000"/>
+              </a:lnSpc>
+              <a:spcBef>
+                <a:spcPct val="0"/>
+              </a:spcBef>
+              <a:spcAft>
+                <a:spcPct val="0"/>
+              </a:spcAft>
+              <a:buClrTx/>
+              <a:buSzTx/>
+              <a:buFontTx/>
+              <a:buNone/>
+              <a:tabLst/>
+            </a:pPr>
+            <a:endParaRPr kumimoji="0" lang="nl-NL" sz="2400" b="0" i="0" u="none" strike="noStrike" cap="none" normalizeH="0" baseline="0" smtClean="0">
+              <a:ln>
+                <a:noFill/>
+              </a:ln>
+              <a:solidFill>
+                <a:schemeClr val="tx1"/>
+              </a:solidFill>
+              <a:effectLst/>
+              <a:latin typeface="Arial" charset="0"/>
+            </a:endParaRPr>
+          </a:p>
+        </p:txBody>
+      </p:sp>
+      <p:sp>
+        <p:nvSpPr>
+          <p:cNvPr id="11" name="Rectangle 10"/>
+          <p:cNvSpPr/>
+          <p:nvPr/>
+        </p:nvSpPr>
+        <p:spPr bwMode="auto">
+          <a:xfrm>
+            <a:off x="3149392" y="1284533"/>
+            <a:ext cx="2102688" cy="1008112"/>
+          </a:xfrm>
+          <a:prstGeom prst="rect">
+            <a:avLst/>
+          </a:prstGeom>
+          <a:solidFill>
+            <a:schemeClr val="bg1">
+              <a:lumMod val="50000"/>
+              <a:alpha val="15000"/>
+            </a:schemeClr>
+          </a:solidFill>
+          <a:ln>
+            <a:noFill/>
+          </a:ln>
+          <a:effectLst/>
+          <a:extLst/>
+        </p:spPr>
+        <p:txBody>
+          <a:bodyPr vert="horz" wrap="none" lIns="91440" tIns="45720" rIns="91440" bIns="45720" numCol="1" rtlCol="0" anchor="ctr" anchorCtr="0" compatLnSpc="1">
+            <a:prstTxWarp prst="textNoShape">
+              <a:avLst/>
+            </a:prstTxWarp>
+          </a:bodyPr>
+          <a:lstStyle/>
+          <a:p>
+            <a:pPr marL="0" marR="0" indent="0" algn="ctr" defTabSz="1241425" rtl="0" eaLnBrk="1" fontAlgn="base" latinLnBrk="0" hangingPunct="1">
+              <a:lnSpc>
+                <a:spcPct val="100000"/>
+              </a:lnSpc>
+              <a:spcBef>
+                <a:spcPct val="0"/>
+              </a:spcBef>
+              <a:spcAft>
+                <a:spcPct val="0"/>
+              </a:spcAft>
+              <a:buClrTx/>
+              <a:buSzTx/>
+              <a:buFontTx/>
+              <a:buNone/>
+              <a:tabLst/>
+            </a:pPr>
+            <a:endParaRPr kumimoji="0" lang="nl-NL" sz="2400" b="0" i="0" u="none" strike="noStrike" cap="none" normalizeH="0" baseline="0" smtClean="0">
+              <a:ln>
+                <a:noFill/>
+              </a:ln>
+              <a:solidFill>
+                <a:schemeClr val="tx1"/>
+              </a:solidFill>
+              <a:effectLst/>
+              <a:latin typeface="Arial" charset="0"/>
+            </a:endParaRPr>
+          </a:p>
+        </p:txBody>
+      </p:sp>
     </p:spTree>
     <p:extLst>
       <p:ext uri="{BB962C8B-B14F-4D97-AF65-F5344CB8AC3E}">
@@ -16081,7 +17173,7 @@
                             </p:stCondLst>
                             <p:childTnLst>
                               <p:par>
-                                <p:cTn id="5" presetID="1" presetClass="entr" presetSubtype="0" fill="hold" nodeType="clickEffect">
+                                <p:cTn id="5" presetID="1" presetClass="entr" presetSubtype="0" fill="hold" grpId="0" nodeType="clickEffect">
                                   <p:stCondLst>
                                     <p:cond delay="0"/>
                                   </p:stCondLst>
@@ -16094,7 +17186,106 @@
                                           </p:stCondLst>
                                         </p:cTn>
                                         <p:tgtEl>
-                                          <p:spTgt spid="10"/>
+                                          <p:spTgt spid="12"/>
+                                        </p:tgtEl>
+                                        <p:attrNameLst>
+                                          <p:attrName>style.visibility</p:attrName>
+                                        </p:attrNameLst>
+                                      </p:cBhvr>
+                                      <p:to>
+                                        <p:strVal val="visible"/>
+                                      </p:to>
+                                    </p:set>
+                                  </p:childTnLst>
+                                </p:cTn>
+                              </p:par>
+                              <p:par>
+                                <p:cTn id="7" presetID="1" presetClass="entr" presetSubtype="0" fill="hold" grpId="0" nodeType="withEffect">
+                                  <p:stCondLst>
+                                    <p:cond delay="0"/>
+                                  </p:stCondLst>
+                                  <p:childTnLst>
+                                    <p:set>
+                                      <p:cBhvr>
+                                        <p:cTn id="8" dur="1" fill="hold">
+                                          <p:stCondLst>
+                                            <p:cond delay="0"/>
+                                          </p:stCondLst>
+                                        </p:cTn>
+                                        <p:tgtEl>
+                                          <p:spTgt spid="11"/>
+                                        </p:tgtEl>
+                                        <p:attrNameLst>
+                                          <p:attrName>style.visibility</p:attrName>
+                                        </p:attrNameLst>
+                                      </p:cBhvr>
+                                      <p:to>
+                                        <p:strVal val="visible"/>
+                                      </p:to>
+                                    </p:set>
+                                  </p:childTnLst>
+                                </p:cTn>
+                              </p:par>
+                            </p:childTnLst>
+                          </p:cTn>
+                        </p:par>
+                      </p:childTnLst>
+                    </p:cTn>
+                  </p:par>
+                  <p:par>
+                    <p:cTn id="9" fill="hold">
+                      <p:stCondLst>
+                        <p:cond delay="indefinite"/>
+                      </p:stCondLst>
+                      <p:childTnLst>
+                        <p:par>
+                          <p:cTn id="10" fill="hold">
+                            <p:stCondLst>
+                              <p:cond delay="0"/>
+                            </p:stCondLst>
+                            <p:childTnLst>
+                              <p:par>
+                                <p:cTn id="11" presetID="1" presetClass="entr" presetSubtype="0" fill="hold" grpId="0" nodeType="clickEffect">
+                                  <p:stCondLst>
+                                    <p:cond delay="0"/>
+                                  </p:stCondLst>
+                                  <p:childTnLst>
+                                    <p:set>
+                                      <p:cBhvr>
+                                        <p:cTn id="12" dur="1" fill="hold">
+                                          <p:stCondLst>
+                                            <p:cond delay="0"/>
+                                          </p:stCondLst>
+                                        </p:cTn>
+                                        <p:tgtEl>
+                                          <p:spTgt spid="13"/>
+                                        </p:tgtEl>
+                                        <p:attrNameLst>
+                                          <p:attrName>style.visibility</p:attrName>
+                                        </p:attrNameLst>
+                                      </p:cBhvr>
+                                      <p:to>
+                                        <p:strVal val="visible"/>
+                                      </p:to>
+                                    </p:set>
+                                  </p:childTnLst>
+                                </p:cTn>
+                              </p:par>
+                              <p:par>
+                                <p:cTn id="13" presetID="1" presetClass="entr" presetSubtype="0" fill="hold" grpId="0" nodeType="withEffect">
+                                  <p:stCondLst>
+                                    <p:cond delay="0"/>
+                                  </p:stCondLst>
+                                  <p:childTnLst>
+                                    <p:set>
+                                      <p:cBhvr>
+                                        <p:cTn id="14" dur="1" fill="hold">
+                                          <p:stCondLst>
+                                            <p:cond delay="0"/>
+                                          </p:stCondLst>
+                                        </p:cTn>
+                                        <p:tgtEl>
+                                          <p:spTgt spid="14"/>
                                         </p:tgtEl>
                                         <p:attrNameLst>
                                           <p:attrName>style.visibility</p:attrName>
@@ -16134,6 +17325,12 @@
         </p:cTn>
       </p:par>
     </p:tnLst>
+    <p:bldLst>
+      <p:bldP spid="12" grpId="0" animBg="1"/>
+      <p:bldP spid="13" grpId="0" animBg="1"/>
+      <p:bldP spid="14" grpId="0" animBg="1"/>
+      <p:bldP spid="11" grpId="0" animBg="1"/>
+    </p:bldLst>
   </p:timing>
 </p:sld>
 </file>
@@ -16619,7 +17816,7 @@
         <p:spPr>
           <a:xfrm>
             <a:off x="323528" y="267494"/>
-            <a:ext cx="8784976" cy="1200329"/>
+            <a:ext cx="8784976" cy="707886"/>
           </a:xfrm>
           <a:prstGeom prst="rect">
             <a:avLst/>
@@ -16633,7 +17830,7 @@
           <a:lstStyle/>
           <a:p>
             <a:r>
-              <a:rPr lang="en-GB" sz="2400" b="1" dirty="0">
+              <a:rPr lang="en-GB" sz="2000" b="1" dirty="0">
                 <a:solidFill>
                   <a:srgbClr val="C00000"/>
                 </a:solidFill>
@@ -16643,7 +17840,7 @@
               <a:t>RQ1: Do OA articles receive more/different </a:t>
             </a:r>
             <a:r>
-              <a:rPr lang="en-GB" sz="2400" b="1" dirty="0" err="1">
+              <a:rPr lang="en-GB" sz="2000" b="1" dirty="0" err="1">
                 <a:solidFill>
                   <a:srgbClr val="C00000"/>
                 </a:solidFill>
@@ -16653,17 +17850,25 @@
               <a:t>altmetric</a:t>
             </a:r>
             <a:r>
-              <a:rPr lang="en-GB" sz="2400" b="1" dirty="0">
+              <a:rPr lang="en-GB" sz="2000" b="1" dirty="0">
                 <a:solidFill>
                   <a:srgbClr val="C00000"/>
                 </a:solidFill>
                 <a:latin typeface="Calibri" panose="020F0502020204030204" pitchFamily="34" charset="0"/>
                 <a:cs typeface="Calibri" panose="020F0502020204030204" pitchFamily="34" charset="0"/>
               </a:rPr>
-              <a:t> attention than non-OA articles?</a:t>
-            </a:r>
-          </a:p>
-          <a:p>
+              <a:t> attention than non-OA articles</a:t>
+            </a:r>
+            <a:r>
+              <a:rPr lang="en-GB" sz="2000" b="1" dirty="0" smtClean="0">
+                <a:solidFill>
+                  <a:srgbClr val="C00000"/>
+                </a:solidFill>
+                <a:latin typeface="Calibri" panose="020F0502020204030204" pitchFamily="34" charset="0"/>
+                <a:cs typeface="Calibri" panose="020F0502020204030204" pitchFamily="34" charset="0"/>
+              </a:rPr>
+              <a:t>?</a:t>
+            </a:r>
             <a:endParaRPr lang="en-GB" sz="2400" b="1" dirty="0">
               <a:solidFill>
                 <a:srgbClr val="C00000"/>
@@ -16734,7 +17939,7 @@
         </p:blipFill>
         <p:spPr>
           <a:xfrm>
-            <a:off x="655588" y="751089"/>
+            <a:off x="683568" y="751089"/>
             <a:ext cx="7704856" cy="3852428"/>
           </a:xfrm>
           <a:prstGeom prst="rect">
@@ -16750,7 +17955,7 @@
         </p:nvSpPr>
         <p:spPr bwMode="auto">
           <a:xfrm>
-            <a:off x="2483768" y="2931790"/>
+            <a:off x="2555776" y="2931790"/>
             <a:ext cx="6192688" cy="1656184"/>
           </a:xfrm>
           <a:prstGeom prst="rect">
@@ -16802,10 +18007,207 @@
           </a:p>
         </p:txBody>
       </p:sp>
+      <mc:AlternateContent xmlns:mc="http://schemas.openxmlformats.org/markup-compatibility/2006">
+        <mc:Choice xmlns:a14="http://schemas.microsoft.com/office/drawing/2010/main" Requires="a14">
+          <p:sp>
+            <p:nvSpPr>
+              <p:cNvPr id="3" name="TextBox 2"/>
+              <p:cNvSpPr txBox="1"/>
+              <p:nvPr/>
+            </p:nvSpPr>
+            <p:spPr>
+              <a:xfrm>
+                <a:off x="323528" y="3442692"/>
+                <a:ext cx="1656184" cy="534826"/>
+              </a:xfrm>
+              <a:prstGeom prst="rect">
+                <a:avLst/>
+              </a:prstGeom>
+              <a:noFill/>
+            </p:spPr>
+            <p:txBody>
+              <a:bodyPr wrap="square" rtlCol="0">
+                <a:spAutoFit/>
+              </a:bodyPr>
+              <a:lstStyle/>
+              <a:p>
+                <a14:m>
+                  <m:oMathPara xmlns:m="http://schemas.openxmlformats.org/officeDocument/2006/math">
+                    <m:oMathParaPr>
+                      <m:jc m:val="centerGroup"/>
+                    </m:oMathParaPr>
+                    <m:oMath xmlns:m="http://schemas.openxmlformats.org/officeDocument/2006/math">
+                      <m:f>
+                        <m:fPr>
+                          <m:ctrlPr>
+                            <a:rPr lang="nl-NL" sz="1400" smtClean="0">
+                              <a:latin typeface="Cambria Math" panose="02040503050406030204" pitchFamily="18" charset="0"/>
+                            </a:rPr>
+                          </m:ctrlPr>
+                        </m:fPr>
+                        <m:num>
+                          <m:sSub>
+                            <m:sSubPr>
+                              <m:ctrlPr>
+                                <a:rPr lang="nl-NL" sz="1400" smtClean="0">
+                                  <a:latin typeface="Cambria Math" panose="02040503050406030204" pitchFamily="18" charset="0"/>
+                                </a:rPr>
+                              </m:ctrlPr>
+                            </m:sSubPr>
+                            <m:e>
+                              <m:r>
+                                <m:rPr>
+                                  <m:sty m:val="p"/>
+                                </m:rPr>
+                                <a:rPr lang="en-US" sz="1400" b="0" i="0" smtClean="0">
+                                  <a:latin typeface="Cambria Math" panose="02040503050406030204" pitchFamily="18" charset="0"/>
+                                </a:rPr>
+                                <m:t>Coverage</m:t>
+                              </m:r>
+                            </m:e>
+                            <m:sub>
+                              <m:r>
+                                <m:rPr>
+                                  <m:sty m:val="p"/>
+                                </m:rPr>
+                                <a:rPr lang="en-US" sz="1400" b="0" i="0" smtClean="0">
+                                  <a:latin typeface="Cambria Math" panose="02040503050406030204" pitchFamily="18" charset="0"/>
+                                </a:rPr>
+                                <m:t>subset</m:t>
+                              </m:r>
+                            </m:sub>
+                          </m:sSub>
+                        </m:num>
+                        <m:den>
+                          <m:sSub>
+                            <m:sSubPr>
+                              <m:ctrlPr>
+                                <a:rPr lang="nl-NL" sz="1400" smtClean="0">
+                                  <a:latin typeface="Cambria Math" panose="02040503050406030204" pitchFamily="18" charset="0"/>
+                                </a:rPr>
+                              </m:ctrlPr>
+                            </m:sSubPr>
+                            <m:e>
+                              <m:r>
+                                <m:rPr>
+                                  <m:sty m:val="p"/>
+                                </m:rPr>
+                                <a:rPr lang="en-US" sz="1400" b="0" i="0" smtClean="0">
+                                  <a:latin typeface="Cambria Math" panose="02040503050406030204" pitchFamily="18" charset="0"/>
+                                </a:rPr>
+                                <m:t>Coverage</m:t>
+                              </m:r>
+                            </m:e>
+                            <m:sub>
+                              <m:r>
+                                <m:rPr>
+                                  <m:sty m:val="p"/>
+                                </m:rPr>
+                                <a:rPr lang="en-US" sz="1400" b="0" i="0" smtClean="0">
+                                  <a:latin typeface="Cambria Math" panose="02040503050406030204" pitchFamily="18" charset="0"/>
+                                </a:rPr>
+                                <m:t>all</m:t>
+                              </m:r>
+                            </m:sub>
+                          </m:sSub>
+                        </m:den>
+                      </m:f>
+                    </m:oMath>
+                  </m:oMathPara>
+                </a14:m>
+                <a:endParaRPr lang="nl-NL" sz="1400" dirty="0">
+                  <a:latin typeface="Cambria" panose="02040503050406030204" pitchFamily="18" charset="0"/>
+                  <a:ea typeface="Cambria" panose="02040503050406030204" pitchFamily="18" charset="0"/>
+                </a:endParaRPr>
+              </a:p>
+            </p:txBody>
+          </p:sp>
+        </mc:Choice>
+        <mc:Fallback>
+          <p:sp>
+            <p:nvSpPr>
+              <p:cNvPr id="3" name="TextBox 2"/>
+              <p:cNvSpPr txBox="1">
+                <a:spLocks noRot="1" noChangeAspect="1" noMove="1" noResize="1" noEditPoints="1" noAdjustHandles="1" noChangeArrowheads="1" noChangeShapeType="1" noTextEdit="1"/>
+              </p:cNvSpPr>
+              <p:nvPr/>
+            </p:nvSpPr>
+            <p:spPr>
+              <a:xfrm>
+                <a:off x="323528" y="3442692"/>
+                <a:ext cx="1656184" cy="534826"/>
+              </a:xfrm>
+              <a:prstGeom prst="rect">
+                <a:avLst/>
+              </a:prstGeom>
+              <a:blipFill>
+                <a:blip r:embed="rId4"/>
+                <a:stretch>
+                  <a:fillRect b="-4598"/>
+                </a:stretch>
+              </a:blipFill>
+            </p:spPr>
+            <p:txBody>
+              <a:bodyPr/>
+              <a:lstStyle/>
+              <a:p>
+                <a:r>
+                  <a:rPr lang="nl-NL">
+                    <a:noFill/>
+                  </a:rPr>
+                  <a:t> </a:t>
+                </a:r>
+              </a:p>
+            </p:txBody>
+          </p:sp>
+        </mc:Fallback>
+      </mc:AlternateContent>
+      <p:cxnSp>
+        <p:nvCxnSpPr>
+          <p:cNvPr id="8" name="Straight Arrow Connector 7"/>
+          <p:cNvCxnSpPr>
+            <a:endCxn id="3" idx="3"/>
+          </p:cNvCxnSpPr>
+          <p:nvPr/>
+        </p:nvCxnSpPr>
+        <p:spPr bwMode="auto">
+          <a:xfrm flipH="1">
+            <a:off x="1979712" y="3710105"/>
+            <a:ext cx="504056" cy="0"/>
+          </a:xfrm>
+          <a:prstGeom prst="straightConnector1">
+            <a:avLst/>
+          </a:prstGeom>
+          <a:solidFill>
+            <a:schemeClr val="folHlink"/>
+          </a:solidFill>
+          <a:ln w="9525" cap="flat" cmpd="sng" algn="ctr">
+            <a:solidFill>
+              <a:schemeClr val="tx1"/>
+            </a:solidFill>
+            <a:prstDash val="solid"/>
+            <a:round/>
+            <a:headEnd type="none" w="med" len="med"/>
+            <a:tailEnd type="triangle" w="med" len="med"/>
+          </a:ln>
+          <a:effectLst/>
+          <a:extLst>
+            <a:ext uri="{AF507438-7753-43E0-B8FC-AC1667EBCBE1}">
+              <a14:hiddenEffects xmlns:a14="http://schemas.microsoft.com/office/drawing/2010/main">
+                <a:effectLst>
+                  <a:outerShdw dist="35921" dir="2700000" algn="ctr" rotWithShape="0">
+                    <a:schemeClr val="bg2"/>
+                  </a:outerShdw>
+                </a:effectLst>
+              </a14:hiddenEffects>
+            </a:ext>
+          </a:extLst>
+        </p:spPr>
+      </p:cxnSp>
     </p:spTree>
     <p:extLst>
       <p:ext uri="{BB962C8B-B14F-4D97-AF65-F5344CB8AC3E}">
-        <p14:creationId xmlns:p14="http://schemas.microsoft.com/office/powerpoint/2010/main" val="50399336"/>
+        <p14:creationId xmlns:p14="http://schemas.microsoft.com/office/powerpoint/2010/main" val="767924736"/>
       </p:ext>
     </p:extLst>
   </p:cSld>
@@ -16859,6 +18261,60 @@
                                   </p:childTnLst>
                                 </p:cTn>
                               </p:par>
+                              <p:par>
+                                <p:cTn id="7" presetID="1" presetClass="entr" presetSubtype="0" fill="hold" nodeType="withEffect">
+                                  <p:stCondLst>
+                                    <p:cond delay="0"/>
+                                  </p:stCondLst>
+                                  <p:childTnLst>
+                                    <p:set>
+                                      <p:cBhvr>
+                                        <p:cTn id="8" dur="1" fill="hold">
+                                          <p:stCondLst>
+                                            <p:cond delay="0"/>
+                                          </p:stCondLst>
+                                        </p:cTn>
+                                        <p:tgtEl>
+                                          <p:spTgt spid="8"/>
+                                        </p:tgtEl>
+                                        <p:attrNameLst>
+                                          <p:attrName>style.visibility</p:attrName>
+                                        </p:attrNameLst>
+                                      </p:cBhvr>
+                                      <p:to>
+                                        <p:strVal val="visible"/>
+                                      </p:to>
+                                    </p:set>
+                                  </p:childTnLst>
+                                </p:cTn>
+                              </p:par>
+                              <p:par>
+                                <p:cTn id="9" presetID="1" presetClass="entr" presetSubtype="0" fill="hold" grpId="0" nodeType="withEffect">
+                                  <p:stCondLst>
+                                    <p:cond delay="0"/>
+                                  </p:stCondLst>
+                                  <p:childTnLst>
+                                    <p:set>
+                                      <p:cBhvr>
+                                        <p:cTn id="10" dur="1" fill="hold">
+                                          <p:stCondLst>
+                                            <p:cond delay="0"/>
+                                          </p:stCondLst>
+                                        </p:cTn>
+                                        <p:tgtEl>
+                                          <p:spTgt spid="3"/>
+                                        </p:tgtEl>
+                                        <p:attrNameLst>
+                                          <p:attrName>style.visibility</p:attrName>
+                                        </p:attrNameLst>
+                                      </p:cBhvr>
+                                      <p:to>
+                                        <p:strVal val="visible"/>
+                                      </p:to>
+                                    </p:set>
+                                  </p:childTnLst>
+                                </p:cTn>
+                              </p:par>
                             </p:childTnLst>
                           </p:cTn>
                         </p:par>
@@ -16888,6 +18344,7 @@
     </p:tnLst>
     <p:bldLst>
       <p:bldP spid="7" grpId="0" animBg="1"/>
+      <p:bldP spid="3" grpId="0"/>
     </p:bldLst>
   </p:timing>
 </p:sld>
@@ -16912,70 +18369,6 @@
       </p:grpSpPr>
       <p:sp>
         <p:nvSpPr>
-          <p:cNvPr id="2" name="Textfeld 1"/>
-          <p:cNvSpPr txBox="1"/>
-          <p:nvPr/>
-        </p:nvSpPr>
-        <p:spPr>
-          <a:xfrm>
-            <a:off x="323528" y="267494"/>
-            <a:ext cx="8784976" cy="1200329"/>
-          </a:xfrm>
-          <a:prstGeom prst="rect">
-            <a:avLst/>
-          </a:prstGeom>
-          <a:noFill/>
-        </p:spPr>
-        <p:txBody>
-          <a:bodyPr wrap="square" rtlCol="0">
-            <a:spAutoFit/>
-          </a:bodyPr>
-          <a:lstStyle/>
-          <a:p>
-            <a:r>
-              <a:rPr lang="en-GB" sz="2400" b="1" dirty="0">
-                <a:solidFill>
-                  <a:srgbClr val="C00000"/>
-                </a:solidFill>
-                <a:latin typeface="Calibri" panose="020F0502020204030204" pitchFamily="34" charset="0"/>
-                <a:cs typeface="Calibri" panose="020F0502020204030204" pitchFamily="34" charset="0"/>
-              </a:rPr>
-              <a:t>RQ1: Do OA articles receive more/different </a:t>
-            </a:r>
-            <a:r>
-              <a:rPr lang="en-GB" sz="2400" b="1" dirty="0" err="1">
-                <a:solidFill>
-                  <a:srgbClr val="C00000"/>
-                </a:solidFill>
-                <a:latin typeface="Calibri" panose="020F0502020204030204" pitchFamily="34" charset="0"/>
-                <a:cs typeface="Calibri" panose="020F0502020204030204" pitchFamily="34" charset="0"/>
-              </a:rPr>
-              <a:t>altmetric</a:t>
-            </a:r>
-            <a:r>
-              <a:rPr lang="en-GB" sz="2400" b="1" dirty="0">
-                <a:solidFill>
-                  <a:srgbClr val="C00000"/>
-                </a:solidFill>
-                <a:latin typeface="Calibri" panose="020F0502020204030204" pitchFamily="34" charset="0"/>
-                <a:cs typeface="Calibri" panose="020F0502020204030204" pitchFamily="34" charset="0"/>
-              </a:rPr>
-              <a:t> attention than non-OA articles?</a:t>
-            </a:r>
-          </a:p>
-          <a:p>
-            <a:endParaRPr lang="en-GB" sz="2400" b="1" dirty="0">
-              <a:solidFill>
-                <a:srgbClr val="C00000"/>
-              </a:solidFill>
-              <a:latin typeface="Calibri" panose="020F0502020204030204" pitchFamily="34" charset="0"/>
-              <a:cs typeface="Calibri" panose="020F0502020204030204" pitchFamily="34" charset="0"/>
-            </a:endParaRPr>
-          </a:p>
-        </p:txBody>
-      </p:sp>
-      <p:sp>
-        <p:nvSpPr>
           <p:cNvPr id="6" name="Foliennummernplatzhalter 5"/>
           <p:cNvSpPr>
             <a:spLocks noGrp="1"/>
@@ -17024,7 +18417,7 @@
         </p:blipFill>
         <p:spPr>
           <a:xfrm>
-            <a:off x="827584" y="1743957"/>
+            <a:off x="827584" y="1555143"/>
             <a:ext cx="4050000" cy="2700001"/>
           </a:xfrm>
           <a:prstGeom prst="rect">
@@ -17054,7 +18447,7 @@
         </p:blipFill>
         <p:spPr>
           <a:xfrm>
-            <a:off x="4283968" y="1743957"/>
+            <a:off x="4283968" y="1555143"/>
             <a:ext cx="4050000" cy="2700001"/>
           </a:xfrm>
           <a:prstGeom prst="rect">
@@ -17070,8 +18463,8 @@
         </p:nvSpPr>
         <p:spPr>
           <a:xfrm>
-            <a:off x="1403648" y="1467823"/>
-            <a:ext cx="2736304" cy="276999"/>
+            <a:off x="1403648" y="1347614"/>
+            <a:ext cx="2736304" cy="230832"/>
           </a:xfrm>
           <a:prstGeom prst="rect">
             <a:avLst/>
@@ -17086,14 +18479,14 @@
           <a:p>
             <a:pPr algn="ctr"/>
             <a:r>
-              <a:rPr lang="de-DE" sz="1200" b="1" dirty="0" smtClean="0">
-                <a:latin typeface="Calibri" panose="020F0502020204030204" pitchFamily="34" charset="0"/>
+              <a:rPr lang="de-DE" sz="900" dirty="0" smtClean="0">
+                <a:latin typeface="+mn-lt"/>
                 <a:cs typeface="Calibri" panose="020F0502020204030204" pitchFamily="34" charset="0"/>
               </a:rPr>
               <a:t>Twitter</a:t>
             </a:r>
-            <a:endParaRPr lang="en-GB" sz="1200" b="1" dirty="0">
-              <a:latin typeface="Calibri" panose="020F0502020204030204" pitchFamily="34" charset="0"/>
+            <a:endParaRPr lang="en-GB" sz="900" dirty="0">
+              <a:latin typeface="+mn-lt"/>
               <a:cs typeface="Calibri" panose="020F0502020204030204" pitchFamily="34" charset="0"/>
             </a:endParaRPr>
           </a:p>
@@ -17107,8 +18500,8 @@
         </p:nvSpPr>
         <p:spPr>
           <a:xfrm>
-            <a:off x="4860032" y="1480225"/>
-            <a:ext cx="2736304" cy="276999"/>
+            <a:off x="4860032" y="1360016"/>
+            <a:ext cx="2736304" cy="230832"/>
           </a:xfrm>
           <a:prstGeom prst="rect">
             <a:avLst/>
@@ -17123,13 +18516,85 @@
           <a:p>
             <a:pPr algn="ctr"/>
             <a:r>
-              <a:rPr lang="de-DE" sz="1200" b="1" dirty="0" smtClean="0">
-                <a:latin typeface="Calibri" panose="020F0502020204030204" pitchFamily="34" charset="0"/>
+              <a:rPr lang="de-DE" sz="900" dirty="0" smtClean="0">
+                <a:latin typeface="+mn-lt"/>
                 <a:cs typeface="Calibri" panose="020F0502020204030204" pitchFamily="34" charset="0"/>
               </a:rPr>
               <a:t>Facebook</a:t>
             </a:r>
-            <a:endParaRPr lang="en-GB" sz="1200" b="1" dirty="0">
+            <a:endParaRPr lang="en-GB" sz="900" dirty="0">
+              <a:latin typeface="+mn-lt"/>
+              <a:cs typeface="Calibri" panose="020F0502020204030204" pitchFamily="34" charset="0"/>
+            </a:endParaRPr>
+          </a:p>
+        </p:txBody>
+      </p:sp>
+      <p:sp>
+        <p:nvSpPr>
+          <p:cNvPr id="9" name="Textfeld 1"/>
+          <p:cNvSpPr txBox="1"/>
+          <p:nvPr/>
+        </p:nvSpPr>
+        <p:spPr>
+          <a:xfrm>
+            <a:off x="323528" y="267494"/>
+            <a:ext cx="8784976" cy="707886"/>
+          </a:xfrm>
+          <a:prstGeom prst="rect">
+            <a:avLst/>
+          </a:prstGeom>
+          <a:noFill/>
+        </p:spPr>
+        <p:txBody>
+          <a:bodyPr wrap="square" rtlCol="0">
+            <a:spAutoFit/>
+          </a:bodyPr>
+          <a:lstStyle/>
+          <a:p>
+            <a:r>
+              <a:rPr lang="en-GB" sz="2000" b="1" dirty="0">
+                <a:solidFill>
+                  <a:srgbClr val="C00000"/>
+                </a:solidFill>
+                <a:latin typeface="Calibri" panose="020F0502020204030204" pitchFamily="34" charset="0"/>
+                <a:cs typeface="Calibri" panose="020F0502020204030204" pitchFamily="34" charset="0"/>
+              </a:rPr>
+              <a:t>RQ1: Do OA articles receive more/different </a:t>
+            </a:r>
+            <a:r>
+              <a:rPr lang="en-GB" sz="2000" b="1" dirty="0" err="1">
+                <a:solidFill>
+                  <a:srgbClr val="C00000"/>
+                </a:solidFill>
+                <a:latin typeface="Calibri" panose="020F0502020204030204" pitchFamily="34" charset="0"/>
+                <a:cs typeface="Calibri" panose="020F0502020204030204" pitchFamily="34" charset="0"/>
+              </a:rPr>
+              <a:t>altmetric</a:t>
+            </a:r>
+            <a:r>
+              <a:rPr lang="en-GB" sz="2000" b="1" dirty="0">
+                <a:solidFill>
+                  <a:srgbClr val="C00000"/>
+                </a:solidFill>
+                <a:latin typeface="Calibri" panose="020F0502020204030204" pitchFamily="34" charset="0"/>
+                <a:cs typeface="Calibri" panose="020F0502020204030204" pitchFamily="34" charset="0"/>
+              </a:rPr>
+              <a:t> attention than non-OA articles</a:t>
+            </a:r>
+            <a:r>
+              <a:rPr lang="en-GB" sz="2000" b="1" dirty="0" smtClean="0">
+                <a:solidFill>
+                  <a:srgbClr val="C00000"/>
+                </a:solidFill>
+                <a:latin typeface="Calibri" panose="020F0502020204030204" pitchFamily="34" charset="0"/>
+                <a:cs typeface="Calibri" panose="020F0502020204030204" pitchFamily="34" charset="0"/>
+              </a:rPr>
+              <a:t>?</a:t>
+            </a:r>
+            <a:endParaRPr lang="en-GB" sz="2400" b="1" dirty="0">
+              <a:solidFill>
+                <a:srgbClr val="C00000"/>
+              </a:solidFill>
               <a:latin typeface="Calibri" panose="020F0502020204030204" pitchFamily="34" charset="0"/>
               <a:cs typeface="Calibri" panose="020F0502020204030204" pitchFamily="34" charset="0"/>
             </a:endParaRPr>
@@ -17139,7 +18604,7 @@
     </p:spTree>
     <p:extLst>
       <p:ext uri="{BB962C8B-B14F-4D97-AF65-F5344CB8AC3E}">
-        <p14:creationId xmlns:p14="http://schemas.microsoft.com/office/powerpoint/2010/main" val="2907799929"/>
+        <p14:creationId xmlns:p14="http://schemas.microsoft.com/office/powerpoint/2010/main" val="1258562729"/>
       </p:ext>
     </p:extLst>
   </p:cSld>
@@ -17175,70 +18640,6 @@
       </p:grpSpPr>
       <p:sp>
         <p:nvSpPr>
-          <p:cNvPr id="2" name="Textfeld 1"/>
-          <p:cNvSpPr txBox="1"/>
-          <p:nvPr/>
-        </p:nvSpPr>
-        <p:spPr>
-          <a:xfrm>
-            <a:off x="323528" y="267494"/>
-            <a:ext cx="8784976" cy="1200329"/>
-          </a:xfrm>
-          <a:prstGeom prst="rect">
-            <a:avLst/>
-          </a:prstGeom>
-          <a:noFill/>
-        </p:spPr>
-        <p:txBody>
-          <a:bodyPr wrap="square" rtlCol="0">
-            <a:spAutoFit/>
-          </a:bodyPr>
-          <a:lstStyle/>
-          <a:p>
-            <a:r>
-              <a:rPr lang="en-GB" sz="2400" b="1" dirty="0">
-                <a:solidFill>
-                  <a:srgbClr val="C00000"/>
-                </a:solidFill>
-                <a:latin typeface="Calibri" panose="020F0502020204030204" pitchFamily="34" charset="0"/>
-                <a:cs typeface="Calibri" panose="020F0502020204030204" pitchFamily="34" charset="0"/>
-              </a:rPr>
-              <a:t>RQ1: Do OA articles receive more/different </a:t>
-            </a:r>
-            <a:r>
-              <a:rPr lang="en-GB" sz="2400" b="1" dirty="0" err="1">
-                <a:solidFill>
-                  <a:srgbClr val="C00000"/>
-                </a:solidFill>
-                <a:latin typeface="Calibri" panose="020F0502020204030204" pitchFamily="34" charset="0"/>
-                <a:cs typeface="Calibri" panose="020F0502020204030204" pitchFamily="34" charset="0"/>
-              </a:rPr>
-              <a:t>altmetric</a:t>
-            </a:r>
-            <a:r>
-              <a:rPr lang="en-GB" sz="2400" b="1" dirty="0">
-                <a:solidFill>
-                  <a:srgbClr val="C00000"/>
-                </a:solidFill>
-                <a:latin typeface="Calibri" panose="020F0502020204030204" pitchFamily="34" charset="0"/>
-                <a:cs typeface="Calibri" panose="020F0502020204030204" pitchFamily="34" charset="0"/>
-              </a:rPr>
-              <a:t> attention than non-OA articles?</a:t>
-            </a:r>
-          </a:p>
-          <a:p>
-            <a:endParaRPr lang="en-GB" sz="2400" b="1" dirty="0">
-              <a:solidFill>
-                <a:srgbClr val="C00000"/>
-              </a:solidFill>
-              <a:latin typeface="Calibri" panose="020F0502020204030204" pitchFamily="34" charset="0"/>
-              <a:cs typeface="Calibri" panose="020F0502020204030204" pitchFamily="34" charset="0"/>
-            </a:endParaRPr>
-          </a:p>
-        </p:txBody>
-      </p:sp>
-      <p:sp>
-        <p:nvSpPr>
           <p:cNvPr id="6" name="Foliennummernplatzhalter 5"/>
           <p:cNvSpPr>
             <a:spLocks noGrp="1"/>
@@ -17287,8 +18688,8 @@
         </p:blipFill>
         <p:spPr>
           <a:xfrm>
-            <a:off x="827584" y="1743957"/>
-            <a:ext cx="4050000" cy="2700001"/>
+            <a:off x="827584" y="1555143"/>
+            <a:ext cx="4050000" cy="2700000"/>
           </a:xfrm>
           <a:prstGeom prst="rect">
             <a:avLst/>
@@ -17317,8 +18718,8 @@
         </p:blipFill>
         <p:spPr>
           <a:xfrm>
-            <a:off x="4283968" y="1743957"/>
-            <a:ext cx="4050000" cy="2700001"/>
+            <a:off x="4283968" y="1555143"/>
+            <a:ext cx="4050000" cy="2700000"/>
           </a:xfrm>
           <a:prstGeom prst="rect">
             <a:avLst/>
@@ -17327,14 +18728,14 @@
       </p:pic>
       <p:sp>
         <p:nvSpPr>
-          <p:cNvPr id="13" name="Textfeld 12"/>
+          <p:cNvPr id="9" name="Textfeld 12"/>
           <p:cNvSpPr txBox="1"/>
           <p:nvPr/>
         </p:nvSpPr>
         <p:spPr>
           <a:xfrm>
-            <a:off x="1403648" y="1467823"/>
-            <a:ext cx="2736304" cy="276999"/>
+            <a:off x="1403648" y="1347614"/>
+            <a:ext cx="2736304" cy="230832"/>
           </a:xfrm>
           <a:prstGeom prst="rect">
             <a:avLst/>
@@ -17349,14 +18750,14 @@
           <a:p>
             <a:pPr algn="ctr"/>
             <a:r>
-              <a:rPr lang="de-DE" sz="1200" b="1" dirty="0" smtClean="0">
-                <a:latin typeface="Calibri" panose="020F0502020204030204" pitchFamily="34" charset="0"/>
-                <a:cs typeface="Calibri" panose="020F0502020204030204" pitchFamily="34" charset="0"/>
-              </a:rPr>
-              <a:t>Twitter</a:t>
-            </a:r>
-            <a:endParaRPr lang="en-GB" sz="1200" b="1" dirty="0">
-              <a:latin typeface="Calibri" panose="020F0502020204030204" pitchFamily="34" charset="0"/>
+              <a:rPr lang="de-DE" sz="900" dirty="0" smtClean="0">
+                <a:latin typeface="+mn-lt"/>
+                <a:cs typeface="Calibri" panose="020F0502020204030204" pitchFamily="34" charset="0"/>
+              </a:rPr>
+              <a:t>News</a:t>
+            </a:r>
+            <a:endParaRPr lang="en-GB" sz="900" dirty="0">
+              <a:latin typeface="+mn-lt"/>
               <a:cs typeface="Calibri" panose="020F0502020204030204" pitchFamily="34" charset="0"/>
             </a:endParaRPr>
           </a:p>
@@ -17364,14 +18765,14 @@
       </p:sp>
       <p:sp>
         <p:nvSpPr>
-          <p:cNvPr id="14" name="Textfeld 13"/>
+          <p:cNvPr id="10" name="Textfeld 13"/>
           <p:cNvSpPr txBox="1"/>
           <p:nvPr/>
         </p:nvSpPr>
         <p:spPr>
           <a:xfrm>
-            <a:off x="4860032" y="1480225"/>
-            <a:ext cx="2736304" cy="276999"/>
+            <a:off x="4860032" y="1360016"/>
+            <a:ext cx="2736304" cy="230832"/>
           </a:xfrm>
           <a:prstGeom prst="rect">
             <a:avLst/>
@@ -17386,13 +18787,85 @@
           <a:p>
             <a:pPr algn="ctr"/>
             <a:r>
-              <a:rPr lang="de-DE" sz="1200" b="1" dirty="0" smtClean="0">
-                <a:latin typeface="Calibri" panose="020F0502020204030204" pitchFamily="34" charset="0"/>
-                <a:cs typeface="Calibri" panose="020F0502020204030204" pitchFamily="34" charset="0"/>
-              </a:rPr>
-              <a:t>Facebook</a:t>
-            </a:r>
-            <a:endParaRPr lang="en-GB" sz="1200" b="1" dirty="0">
+              <a:rPr lang="de-DE" sz="900" dirty="0" smtClean="0">
+                <a:latin typeface="+mn-lt"/>
+                <a:cs typeface="Calibri" panose="020F0502020204030204" pitchFamily="34" charset="0"/>
+              </a:rPr>
+              <a:t>Blogs</a:t>
+            </a:r>
+            <a:endParaRPr lang="en-GB" sz="900" dirty="0">
+              <a:latin typeface="+mn-lt"/>
+              <a:cs typeface="Calibri" panose="020F0502020204030204" pitchFamily="34" charset="0"/>
+            </a:endParaRPr>
+          </a:p>
+        </p:txBody>
+      </p:sp>
+      <p:sp>
+        <p:nvSpPr>
+          <p:cNvPr id="11" name="Textfeld 1"/>
+          <p:cNvSpPr txBox="1"/>
+          <p:nvPr/>
+        </p:nvSpPr>
+        <p:spPr>
+          <a:xfrm>
+            <a:off x="323528" y="267494"/>
+            <a:ext cx="8784976" cy="707886"/>
+          </a:xfrm>
+          <a:prstGeom prst="rect">
+            <a:avLst/>
+          </a:prstGeom>
+          <a:noFill/>
+        </p:spPr>
+        <p:txBody>
+          <a:bodyPr wrap="square" rtlCol="0">
+            <a:spAutoFit/>
+          </a:bodyPr>
+          <a:lstStyle/>
+          <a:p>
+            <a:r>
+              <a:rPr lang="en-GB" sz="2000" b="1" dirty="0">
+                <a:solidFill>
+                  <a:srgbClr val="C00000"/>
+                </a:solidFill>
+                <a:latin typeface="Calibri" panose="020F0502020204030204" pitchFamily="34" charset="0"/>
+                <a:cs typeface="Calibri" panose="020F0502020204030204" pitchFamily="34" charset="0"/>
+              </a:rPr>
+              <a:t>RQ1: Do OA articles receive more/different </a:t>
+            </a:r>
+            <a:r>
+              <a:rPr lang="en-GB" sz="2000" b="1" dirty="0" err="1">
+                <a:solidFill>
+                  <a:srgbClr val="C00000"/>
+                </a:solidFill>
+                <a:latin typeface="Calibri" panose="020F0502020204030204" pitchFamily="34" charset="0"/>
+                <a:cs typeface="Calibri" panose="020F0502020204030204" pitchFamily="34" charset="0"/>
+              </a:rPr>
+              <a:t>altmetric</a:t>
+            </a:r>
+            <a:r>
+              <a:rPr lang="en-GB" sz="2000" b="1" dirty="0">
+                <a:solidFill>
+                  <a:srgbClr val="C00000"/>
+                </a:solidFill>
+                <a:latin typeface="Calibri" panose="020F0502020204030204" pitchFamily="34" charset="0"/>
+                <a:cs typeface="Calibri" panose="020F0502020204030204" pitchFamily="34" charset="0"/>
+              </a:rPr>
+              <a:t> attention than non-OA articles</a:t>
+            </a:r>
+            <a:r>
+              <a:rPr lang="en-GB" sz="2000" b="1" dirty="0" smtClean="0">
+                <a:solidFill>
+                  <a:srgbClr val="C00000"/>
+                </a:solidFill>
+                <a:latin typeface="Calibri" panose="020F0502020204030204" pitchFamily="34" charset="0"/>
+                <a:cs typeface="Calibri" panose="020F0502020204030204" pitchFamily="34" charset="0"/>
+              </a:rPr>
+              <a:t>?</a:t>
+            </a:r>
+            <a:endParaRPr lang="en-GB" sz="2400" b="1" dirty="0">
+              <a:solidFill>
+                <a:srgbClr val="C00000"/>
+              </a:solidFill>
               <a:latin typeface="Calibri" panose="020F0502020204030204" pitchFamily="34" charset="0"/>
               <a:cs typeface="Calibri" panose="020F0502020204030204" pitchFamily="34" charset="0"/>
             </a:endParaRPr>
@@ -17402,7 +18875,7 @@
     </p:spTree>
     <p:extLst>
       <p:ext uri="{BB962C8B-B14F-4D97-AF65-F5344CB8AC3E}">
-        <p14:creationId xmlns:p14="http://schemas.microsoft.com/office/powerpoint/2010/main" val="2570355719"/>
+        <p14:creationId xmlns:p14="http://schemas.microsoft.com/office/powerpoint/2010/main" val="3088525994"/>
       </p:ext>
     </p:extLst>
   </p:cSld>
@@ -17438,70 +18911,6 @@
       </p:grpSpPr>
       <p:sp>
         <p:nvSpPr>
-          <p:cNvPr id="2" name="Textfeld 1"/>
-          <p:cNvSpPr txBox="1"/>
-          <p:nvPr/>
-        </p:nvSpPr>
-        <p:spPr>
-          <a:xfrm>
-            <a:off x="323528" y="267494"/>
-            <a:ext cx="8784976" cy="1200329"/>
-          </a:xfrm>
-          <a:prstGeom prst="rect">
-            <a:avLst/>
-          </a:prstGeom>
-          <a:noFill/>
-        </p:spPr>
-        <p:txBody>
-          <a:bodyPr wrap="square" rtlCol="0">
-            <a:spAutoFit/>
-          </a:bodyPr>
-          <a:lstStyle/>
-          <a:p>
-            <a:r>
-              <a:rPr lang="en-GB" sz="2400" b="1" dirty="0">
-                <a:solidFill>
-                  <a:srgbClr val="C00000"/>
-                </a:solidFill>
-                <a:latin typeface="Calibri" panose="020F0502020204030204" pitchFamily="34" charset="0"/>
-                <a:cs typeface="Calibri" panose="020F0502020204030204" pitchFamily="34" charset="0"/>
-              </a:rPr>
-              <a:t>RQ1: Do OA articles receive more/different </a:t>
-            </a:r>
-            <a:r>
-              <a:rPr lang="en-GB" sz="2400" b="1" dirty="0" err="1">
-                <a:solidFill>
-                  <a:srgbClr val="C00000"/>
-                </a:solidFill>
-                <a:latin typeface="Calibri" panose="020F0502020204030204" pitchFamily="34" charset="0"/>
-                <a:cs typeface="Calibri" panose="020F0502020204030204" pitchFamily="34" charset="0"/>
-              </a:rPr>
-              <a:t>altmetric</a:t>
-            </a:r>
-            <a:r>
-              <a:rPr lang="en-GB" sz="2400" b="1" dirty="0">
-                <a:solidFill>
-                  <a:srgbClr val="C00000"/>
-                </a:solidFill>
-                <a:latin typeface="Calibri" panose="020F0502020204030204" pitchFamily="34" charset="0"/>
-                <a:cs typeface="Calibri" panose="020F0502020204030204" pitchFamily="34" charset="0"/>
-              </a:rPr>
-              <a:t> attention than non-OA articles?</a:t>
-            </a:r>
-          </a:p>
-          <a:p>
-            <a:endParaRPr lang="en-GB" sz="2400" b="1" dirty="0">
-              <a:solidFill>
-                <a:srgbClr val="C00000"/>
-              </a:solidFill>
-              <a:latin typeface="Calibri" panose="020F0502020204030204" pitchFamily="34" charset="0"/>
-              <a:cs typeface="Calibri" panose="020F0502020204030204" pitchFamily="34" charset="0"/>
-            </a:endParaRPr>
-          </a:p>
-        </p:txBody>
-      </p:sp>
-      <p:sp>
-        <p:nvSpPr>
           <p:cNvPr id="6" name="Foliennummernplatzhalter 5"/>
           <p:cNvSpPr>
             <a:spLocks noGrp="1"/>
@@ -17550,8 +18959,8 @@
         </p:blipFill>
         <p:spPr>
           <a:xfrm>
-            <a:off x="827584" y="1743957"/>
-            <a:ext cx="4050000" cy="2700000"/>
+            <a:off x="827584" y="1555143"/>
+            <a:ext cx="4049999" cy="2700000"/>
           </a:xfrm>
           <a:prstGeom prst="rect">
             <a:avLst/>
@@ -17580,8 +18989,8 @@
         </p:blipFill>
         <p:spPr>
           <a:xfrm>
-            <a:off x="4283968" y="1743957"/>
-            <a:ext cx="4050000" cy="2700000"/>
+            <a:off x="4283968" y="1555143"/>
+            <a:ext cx="4049999" cy="2700000"/>
           </a:xfrm>
           <a:prstGeom prst="rect">
             <a:avLst/>
@@ -17590,14 +18999,14 @@
       </p:pic>
       <p:sp>
         <p:nvSpPr>
-          <p:cNvPr id="13" name="Textfeld 12"/>
+          <p:cNvPr id="9" name="Textfeld 12"/>
           <p:cNvSpPr txBox="1"/>
           <p:nvPr/>
         </p:nvSpPr>
         <p:spPr>
           <a:xfrm>
-            <a:off x="1403648" y="1467823"/>
-            <a:ext cx="2736304" cy="276999"/>
+            <a:off x="1403648" y="1347614"/>
+            <a:ext cx="2736304" cy="230832"/>
           </a:xfrm>
           <a:prstGeom prst="rect">
             <a:avLst/>
@@ -17612,14 +19021,14 @@
           <a:p>
             <a:pPr algn="ctr"/>
             <a:r>
-              <a:rPr lang="de-DE" sz="1200" b="1" dirty="0" smtClean="0">
-                <a:latin typeface="Calibri" panose="020F0502020204030204" pitchFamily="34" charset="0"/>
-                <a:cs typeface="Calibri" panose="020F0502020204030204" pitchFamily="34" charset="0"/>
-              </a:rPr>
-              <a:t>News</a:t>
-            </a:r>
-            <a:endParaRPr lang="en-GB" sz="1200" b="1" dirty="0">
-              <a:latin typeface="Calibri" panose="020F0502020204030204" pitchFamily="34" charset="0"/>
+              <a:rPr lang="de-DE" sz="900" dirty="0" smtClean="0">
+                <a:latin typeface="+mn-lt"/>
+                <a:cs typeface="Calibri" panose="020F0502020204030204" pitchFamily="34" charset="0"/>
+              </a:rPr>
+              <a:t>Wikipedia</a:t>
+            </a:r>
+            <a:endParaRPr lang="en-GB" sz="900" dirty="0">
+              <a:latin typeface="+mn-lt"/>
               <a:cs typeface="Calibri" panose="020F0502020204030204" pitchFamily="34" charset="0"/>
             </a:endParaRPr>
           </a:p>
@@ -17627,14 +19036,14 @@
       </p:sp>
       <p:sp>
         <p:nvSpPr>
-          <p:cNvPr id="14" name="Textfeld 13"/>
+          <p:cNvPr id="10" name="Textfeld 13"/>
           <p:cNvSpPr txBox="1"/>
           <p:nvPr/>
         </p:nvSpPr>
         <p:spPr>
           <a:xfrm>
-            <a:off x="4860032" y="1480225"/>
-            <a:ext cx="2736304" cy="276999"/>
+            <a:off x="4860032" y="1360016"/>
+            <a:ext cx="2736304" cy="230832"/>
           </a:xfrm>
           <a:prstGeom prst="rect">
             <a:avLst/>
@@ -17649,13 +19058,85 @@
           <a:p>
             <a:pPr algn="ctr"/>
             <a:r>
-              <a:rPr lang="de-DE" sz="1200" b="1" dirty="0" smtClean="0">
-                <a:latin typeface="Calibri" panose="020F0502020204030204" pitchFamily="34" charset="0"/>
-                <a:cs typeface="Calibri" panose="020F0502020204030204" pitchFamily="34" charset="0"/>
-              </a:rPr>
-              <a:t>Blogs</a:t>
-            </a:r>
-            <a:endParaRPr lang="en-GB" sz="1200" b="1" dirty="0">
+              <a:rPr lang="de-DE" sz="900" dirty="0" err="1" smtClean="0">
+                <a:latin typeface="+mn-lt"/>
+                <a:cs typeface="Calibri" panose="020F0502020204030204" pitchFamily="34" charset="0"/>
+              </a:rPr>
+              <a:t>Policies</a:t>
+            </a:r>
+            <a:endParaRPr lang="en-GB" sz="900" dirty="0">
+              <a:latin typeface="+mn-lt"/>
+              <a:cs typeface="Calibri" panose="020F0502020204030204" pitchFamily="34" charset="0"/>
+            </a:endParaRPr>
+          </a:p>
+        </p:txBody>
+      </p:sp>
+      <p:sp>
+        <p:nvSpPr>
+          <p:cNvPr id="12" name="Textfeld 1"/>
+          <p:cNvSpPr txBox="1"/>
+          <p:nvPr/>
+        </p:nvSpPr>
+        <p:spPr>
+          <a:xfrm>
+            <a:off x="323528" y="267494"/>
+            <a:ext cx="8784976" cy="707886"/>
+          </a:xfrm>
+          <a:prstGeom prst="rect">
+            <a:avLst/>
+          </a:prstGeom>
+          <a:noFill/>
+        </p:spPr>
+        <p:txBody>
+          <a:bodyPr wrap="square" rtlCol="0">
+            <a:spAutoFit/>
+          </a:bodyPr>
+          <a:lstStyle/>
+          <a:p>
+            <a:r>
+              <a:rPr lang="en-GB" sz="2000" b="1" dirty="0">
+                <a:solidFill>
+                  <a:srgbClr val="C00000"/>
+                </a:solidFill>
+                <a:latin typeface="Calibri" panose="020F0502020204030204" pitchFamily="34" charset="0"/>
+                <a:cs typeface="Calibri" panose="020F0502020204030204" pitchFamily="34" charset="0"/>
+              </a:rPr>
+              <a:t>RQ1: Do OA articles receive more/different </a:t>
+            </a:r>
+            <a:r>
+              <a:rPr lang="en-GB" sz="2000" b="1" dirty="0" err="1">
+                <a:solidFill>
+                  <a:srgbClr val="C00000"/>
+                </a:solidFill>
+                <a:latin typeface="Calibri" panose="020F0502020204030204" pitchFamily="34" charset="0"/>
+                <a:cs typeface="Calibri" panose="020F0502020204030204" pitchFamily="34" charset="0"/>
+              </a:rPr>
+              <a:t>altmetric</a:t>
+            </a:r>
+            <a:r>
+              <a:rPr lang="en-GB" sz="2000" b="1" dirty="0">
+                <a:solidFill>
+                  <a:srgbClr val="C00000"/>
+                </a:solidFill>
+                <a:latin typeface="Calibri" panose="020F0502020204030204" pitchFamily="34" charset="0"/>
+                <a:cs typeface="Calibri" panose="020F0502020204030204" pitchFamily="34" charset="0"/>
+              </a:rPr>
+              <a:t> attention than non-OA articles</a:t>
+            </a:r>
+            <a:r>
+              <a:rPr lang="en-GB" sz="2000" b="1" dirty="0" smtClean="0">
+                <a:solidFill>
+                  <a:srgbClr val="C00000"/>
+                </a:solidFill>
+                <a:latin typeface="Calibri" panose="020F0502020204030204" pitchFamily="34" charset="0"/>
+                <a:cs typeface="Calibri" panose="020F0502020204030204" pitchFamily="34" charset="0"/>
+              </a:rPr>
+              <a:t>?</a:t>
+            </a:r>
+            <a:endParaRPr lang="en-GB" sz="2400" b="1" dirty="0">
+              <a:solidFill>
+                <a:srgbClr val="C00000"/>
+              </a:solidFill>
               <a:latin typeface="Calibri" panose="020F0502020204030204" pitchFamily="34" charset="0"/>
               <a:cs typeface="Calibri" panose="020F0502020204030204" pitchFamily="34" charset="0"/>
             </a:endParaRPr>
@@ -17665,7 +19146,7 @@
     </p:spTree>
     <p:extLst>
       <p:ext uri="{BB962C8B-B14F-4D97-AF65-F5344CB8AC3E}">
-        <p14:creationId xmlns:p14="http://schemas.microsoft.com/office/powerpoint/2010/main" val="2570355719"/>
+        <p14:creationId xmlns:p14="http://schemas.microsoft.com/office/powerpoint/2010/main" val="1149736396"/>
       </p:ext>
     </p:extLst>
   </p:cSld>
@@ -17701,70 +19182,6 @@
       </p:grpSpPr>
       <p:sp>
         <p:nvSpPr>
-          <p:cNvPr id="2" name="Textfeld 1"/>
-          <p:cNvSpPr txBox="1"/>
-          <p:nvPr/>
-        </p:nvSpPr>
-        <p:spPr>
-          <a:xfrm>
-            <a:off x="323528" y="267494"/>
-            <a:ext cx="8784976" cy="1200329"/>
-          </a:xfrm>
-          <a:prstGeom prst="rect">
-            <a:avLst/>
-          </a:prstGeom>
-          <a:noFill/>
-        </p:spPr>
-        <p:txBody>
-          <a:bodyPr wrap="square" rtlCol="0">
-            <a:spAutoFit/>
-          </a:bodyPr>
-          <a:lstStyle/>
-          <a:p>
-            <a:r>
-              <a:rPr lang="en-GB" sz="2400" b="1" dirty="0">
-                <a:solidFill>
-                  <a:srgbClr val="C00000"/>
-                </a:solidFill>
-                <a:latin typeface="Calibri" panose="020F0502020204030204" pitchFamily="34" charset="0"/>
-                <a:cs typeface="Calibri" panose="020F0502020204030204" pitchFamily="34" charset="0"/>
-              </a:rPr>
-              <a:t>RQ1: Do OA articles receive more/different </a:t>
-            </a:r>
-            <a:r>
-              <a:rPr lang="en-GB" sz="2400" b="1" dirty="0" err="1">
-                <a:solidFill>
-                  <a:srgbClr val="C00000"/>
-                </a:solidFill>
-                <a:latin typeface="Calibri" panose="020F0502020204030204" pitchFamily="34" charset="0"/>
-                <a:cs typeface="Calibri" panose="020F0502020204030204" pitchFamily="34" charset="0"/>
-              </a:rPr>
-              <a:t>altmetric</a:t>
-            </a:r>
-            <a:r>
-              <a:rPr lang="en-GB" sz="2400" b="1" dirty="0">
-                <a:solidFill>
-                  <a:srgbClr val="C00000"/>
-                </a:solidFill>
-                <a:latin typeface="Calibri" panose="020F0502020204030204" pitchFamily="34" charset="0"/>
-                <a:cs typeface="Calibri" panose="020F0502020204030204" pitchFamily="34" charset="0"/>
-              </a:rPr>
-              <a:t> attention than non-OA articles?</a:t>
-            </a:r>
-          </a:p>
-          <a:p>
-            <a:endParaRPr lang="en-GB" sz="2400" b="1" dirty="0">
-              <a:solidFill>
-                <a:srgbClr val="C00000"/>
-              </a:solidFill>
-              <a:latin typeface="Calibri" panose="020F0502020204030204" pitchFamily="34" charset="0"/>
-              <a:cs typeface="Calibri" panose="020F0502020204030204" pitchFamily="34" charset="0"/>
-            </a:endParaRPr>
-          </a:p>
-        </p:txBody>
-      </p:sp>
-      <p:sp>
-        <p:nvSpPr>
           <p:cNvPr id="6" name="Foliennummernplatzhalter 5"/>
           <p:cNvSpPr>
             <a:spLocks noGrp="1"/>
@@ -17791,76 +19208,16 @@
           </a:p>
         </p:txBody>
       </p:sp>
-      <p:pic>
-        <p:nvPicPr>
-          <p:cNvPr id="7" name="Grafik 6"/>
-          <p:cNvPicPr>
-            <a:picLocks noChangeAspect="1"/>
-          </p:cNvPicPr>
-          <p:nvPr/>
-        </p:nvPicPr>
-        <p:blipFill>
-          <a:blip r:embed="rId3">
-            <a:extLst>
-              <a:ext uri="{28A0092B-C50C-407E-A947-70E740481C1C}">
-                <a14:useLocalDpi xmlns:a14="http://schemas.microsoft.com/office/drawing/2010/main" val="0"/>
-              </a:ext>
-            </a:extLst>
-          </a:blip>
-          <a:stretch>
-            <a:fillRect/>
-          </a:stretch>
-        </p:blipFill>
-        <p:spPr>
-          <a:xfrm>
-            <a:off x="827584" y="1743957"/>
-            <a:ext cx="4049999" cy="2700000"/>
-          </a:xfrm>
-          <a:prstGeom prst="rect">
-            <a:avLst/>
-          </a:prstGeom>
-        </p:spPr>
-      </p:pic>
-      <p:pic>
-        <p:nvPicPr>
-          <p:cNvPr id="8" name="Grafik 7"/>
-          <p:cNvPicPr>
-            <a:picLocks noChangeAspect="1"/>
-          </p:cNvPicPr>
-          <p:nvPr/>
-        </p:nvPicPr>
-        <p:blipFill>
-          <a:blip r:embed="rId4">
-            <a:extLst>
-              <a:ext uri="{28A0092B-C50C-407E-A947-70E740481C1C}">
-                <a14:useLocalDpi xmlns:a14="http://schemas.microsoft.com/office/drawing/2010/main" val="0"/>
-              </a:ext>
-            </a:extLst>
-          </a:blip>
-          <a:stretch>
-            <a:fillRect/>
-          </a:stretch>
-        </p:blipFill>
-        <p:spPr>
-          <a:xfrm>
-            <a:off x="4283968" y="1743957"/>
-            <a:ext cx="4049999" cy="2700000"/>
-          </a:xfrm>
-          <a:prstGeom prst="rect">
-            <a:avLst/>
-          </a:prstGeom>
-        </p:spPr>
-      </p:pic>
       <p:sp>
         <p:nvSpPr>
-          <p:cNvPr id="13" name="Textfeld 12"/>
+          <p:cNvPr id="7" name="Textfeld 6"/>
           <p:cNvSpPr txBox="1"/>
           <p:nvPr/>
         </p:nvSpPr>
         <p:spPr>
           <a:xfrm>
-            <a:off x="1403648" y="1467823"/>
-            <a:ext cx="2736304" cy="276999"/>
+            <a:off x="323528" y="267494"/>
+            <a:ext cx="8640960" cy="707886"/>
           </a:xfrm>
           <a:prstGeom prst="rect">
             <a:avLst/>
@@ -17873,147 +19230,8 @@
           </a:bodyPr>
           <a:lstStyle/>
           <a:p>
-            <a:pPr algn="ctr"/>
-            <a:r>
-              <a:rPr lang="de-DE" sz="1200" b="1" dirty="0" smtClean="0">
-                <a:latin typeface="Calibri" panose="020F0502020204030204" pitchFamily="34" charset="0"/>
-                <a:cs typeface="Calibri" panose="020F0502020204030204" pitchFamily="34" charset="0"/>
-              </a:rPr>
-              <a:t>Wikipedia</a:t>
-            </a:r>
-            <a:endParaRPr lang="en-GB" sz="1200" b="1" dirty="0">
-              <a:latin typeface="Calibri" panose="020F0502020204030204" pitchFamily="34" charset="0"/>
-              <a:cs typeface="Calibri" panose="020F0502020204030204" pitchFamily="34" charset="0"/>
-            </a:endParaRPr>
-          </a:p>
-        </p:txBody>
-      </p:sp>
-      <p:sp>
-        <p:nvSpPr>
-          <p:cNvPr id="14" name="Textfeld 13"/>
-          <p:cNvSpPr txBox="1"/>
-          <p:nvPr/>
-        </p:nvSpPr>
-        <p:spPr>
-          <a:xfrm>
-            <a:off x="4860032" y="1480225"/>
-            <a:ext cx="2736304" cy="276999"/>
-          </a:xfrm>
-          <a:prstGeom prst="rect">
-            <a:avLst/>
-          </a:prstGeom>
-          <a:noFill/>
-        </p:spPr>
-        <p:txBody>
-          <a:bodyPr wrap="square" rtlCol="0">
-            <a:spAutoFit/>
-          </a:bodyPr>
-          <a:lstStyle/>
-          <a:p>
-            <a:pPr algn="ctr"/>
-            <a:r>
-              <a:rPr lang="de-DE" sz="1200" b="1" dirty="0" err="1" smtClean="0">
-                <a:latin typeface="Calibri" panose="020F0502020204030204" pitchFamily="34" charset="0"/>
-                <a:cs typeface="Calibri" panose="020F0502020204030204" pitchFamily="34" charset="0"/>
-              </a:rPr>
-              <a:t>Policies</a:t>
-            </a:r>
-            <a:endParaRPr lang="en-GB" sz="1200" b="1" dirty="0">
-              <a:latin typeface="Calibri" panose="020F0502020204030204" pitchFamily="34" charset="0"/>
-              <a:cs typeface="Calibri" panose="020F0502020204030204" pitchFamily="34" charset="0"/>
-            </a:endParaRPr>
-          </a:p>
-        </p:txBody>
-      </p:sp>
-    </p:spTree>
-    <p:extLst>
-      <p:ext uri="{BB962C8B-B14F-4D97-AF65-F5344CB8AC3E}">
-        <p14:creationId xmlns:p14="http://schemas.microsoft.com/office/powerpoint/2010/main" val="3143278400"/>
-      </p:ext>
-    </p:extLst>
-  </p:cSld>
-  <p:clrMapOvr>
-    <a:masterClrMapping/>
-  </p:clrMapOvr>
-  <p:timing>
-    <p:tnLst>
-      <p:par>
-        <p:cTn id="1" dur="indefinite" restart="never" nodeType="tmRoot"/>
-      </p:par>
-    </p:tnLst>
-  </p:timing>
-</p:sld>
-</file>
-
-<file path=ppt/slides/slide25.xml><?xml version="1.0" encoding="utf-8"?>
-<p:sld xmlns:a="http://schemas.openxmlformats.org/drawingml/2006/main" xmlns:r="http://schemas.openxmlformats.org/officeDocument/2006/relationships" xmlns:p="http://schemas.openxmlformats.org/presentationml/2006/main">
-  <p:cSld>
-    <p:spTree>
-      <p:nvGrpSpPr>
-        <p:cNvPr id="1" name=""/>
-        <p:cNvGrpSpPr/>
-        <p:nvPr/>
-      </p:nvGrpSpPr>
-      <p:grpSpPr>
-        <a:xfrm>
-          <a:off x="0" y="0"/>
-          <a:ext cx="0" cy="0"/>
-          <a:chOff x="0" y="0"/>
-          <a:chExt cx="0" cy="0"/>
-        </a:xfrm>
-      </p:grpSpPr>
-      <p:sp>
-        <p:nvSpPr>
-          <p:cNvPr id="6" name="Foliennummernplatzhalter 5"/>
-          <p:cNvSpPr>
-            <a:spLocks noGrp="1"/>
-          </p:cNvSpPr>
-          <p:nvPr>
-            <p:ph type="sldNum" sz="quarter" idx="11"/>
-          </p:nvPr>
-        </p:nvSpPr>
-        <p:spPr/>
-        <p:txBody>
-          <a:bodyPr/>
-          <a:lstStyle/>
-          <a:p>
-            <a:r>
-              <a:rPr lang="de-DE" altLang="de-DE" smtClean="0"/>
-              <a:t>Slide </a:t>
-            </a:r>
-            <a:fld id="{A254B5CB-9231-4E8A-8CE2-E25F7BB92403}" type="slidenum">
-              <a:rPr lang="de-DE" altLang="de-DE" smtClean="0"/>
-              <a:pPr/>
-              <a:t>25</a:t>
-            </a:fld>
-            <a:endParaRPr lang="de-DE" altLang="de-DE" dirty="0"/>
-          </a:p>
-        </p:txBody>
-      </p:sp>
-      <p:sp>
-        <p:nvSpPr>
-          <p:cNvPr id="7" name="Textfeld 6"/>
-          <p:cNvSpPr txBox="1"/>
-          <p:nvPr/>
-        </p:nvSpPr>
-        <p:spPr>
-          <a:xfrm>
-            <a:off x="323528" y="267494"/>
-            <a:ext cx="8784976" cy="830997"/>
-          </a:xfrm>
-          <a:prstGeom prst="rect">
-            <a:avLst/>
-          </a:prstGeom>
-          <a:noFill/>
-        </p:spPr>
-        <p:txBody>
-          <a:bodyPr wrap="square" rtlCol="0">
-            <a:spAutoFit/>
-          </a:bodyPr>
-          <a:lstStyle/>
-          <a:p>
-            <a:r>
-              <a:rPr lang="en-GB" sz="2400" b="1" dirty="0" smtClean="0">
+            <a:r>
+              <a:rPr lang="en-GB" sz="2000" b="1" dirty="0" smtClean="0">
                 <a:solidFill>
                   <a:srgbClr val="C00000"/>
                 </a:solidFill>
@@ -18023,7 +19241,7 @@
               <a:t>RQ2: </a:t>
             </a:r>
             <a:r>
-              <a:rPr lang="en-GB" sz="2400" b="1" dirty="0">
+              <a:rPr lang="en-GB" sz="2000" b="1" dirty="0">
                 <a:solidFill>
                   <a:srgbClr val="C00000"/>
                 </a:solidFill>
@@ -18033,7 +19251,7 @@
               <a:t>Do articles with different types of OA differ in the </a:t>
             </a:r>
             <a:r>
-              <a:rPr lang="en-GB" sz="2400" b="1" dirty="0" err="1">
+              <a:rPr lang="en-GB" sz="2000" b="1" dirty="0" err="1">
                 <a:solidFill>
                   <a:srgbClr val="C00000"/>
                 </a:solidFill>
@@ -18043,7 +19261,7 @@
               <a:t>altmetric</a:t>
             </a:r>
             <a:r>
-              <a:rPr lang="en-GB" sz="2400" b="1" dirty="0">
+              <a:rPr lang="en-GB" sz="2000" b="1" dirty="0">
                 <a:solidFill>
                   <a:srgbClr val="C00000"/>
                 </a:solidFill>
@@ -18053,7 +19271,7 @@
               <a:t> attention they receive</a:t>
             </a:r>
             <a:r>
-              <a:rPr lang="en-GB" sz="2400" b="1" dirty="0" smtClean="0">
+              <a:rPr lang="en-GB" sz="2000" b="1" dirty="0" smtClean="0">
                 <a:solidFill>
                   <a:srgbClr val="C00000"/>
                 </a:solidFill>
@@ -18062,7 +19280,7 @@
               </a:rPr>
               <a:t>?</a:t>
             </a:r>
-            <a:endParaRPr lang="en-GB" sz="2400" b="1" dirty="0">
+            <a:endParaRPr lang="en-GB" sz="2000" b="1" dirty="0">
               <a:solidFill>
                 <a:srgbClr val="C00000"/>
               </a:solidFill>
@@ -18132,6 +19350,277 @@
 </p:sld>
 </file>
 
+<file path=ppt/slides/slide25.xml><?xml version="1.0" encoding="utf-8"?>
+<p:sld xmlns:a="http://schemas.openxmlformats.org/drawingml/2006/main" xmlns:r="http://schemas.openxmlformats.org/officeDocument/2006/relationships" xmlns:p="http://schemas.openxmlformats.org/presentationml/2006/main">
+  <p:cSld>
+    <p:spTree>
+      <p:nvGrpSpPr>
+        <p:cNvPr id="1" name=""/>
+        <p:cNvGrpSpPr/>
+        <p:nvPr/>
+      </p:nvGrpSpPr>
+      <p:grpSpPr>
+        <a:xfrm>
+          <a:off x="0" y="0"/>
+          <a:ext cx="0" cy="0"/>
+          <a:chOff x="0" y="0"/>
+          <a:chExt cx="0" cy="0"/>
+        </a:xfrm>
+      </p:grpSpPr>
+      <p:sp>
+        <p:nvSpPr>
+          <p:cNvPr id="2" name="Textfeld 1"/>
+          <p:cNvSpPr txBox="1"/>
+          <p:nvPr/>
+        </p:nvSpPr>
+        <p:spPr>
+          <a:xfrm>
+            <a:off x="323528" y="267494"/>
+            <a:ext cx="8784976" cy="707886"/>
+          </a:xfrm>
+          <a:prstGeom prst="rect">
+            <a:avLst/>
+          </a:prstGeom>
+          <a:noFill/>
+        </p:spPr>
+        <p:txBody>
+          <a:bodyPr wrap="square" rtlCol="0">
+            <a:spAutoFit/>
+          </a:bodyPr>
+          <a:lstStyle/>
+          <a:p>
+            <a:r>
+              <a:rPr lang="en-GB" sz="2000" b="1" dirty="0">
+                <a:solidFill>
+                  <a:srgbClr val="C00000"/>
+                </a:solidFill>
+                <a:latin typeface="Calibri" panose="020F0502020204030204" pitchFamily="34" charset="0"/>
+                <a:cs typeface="Calibri" panose="020F0502020204030204" pitchFamily="34" charset="0"/>
+              </a:rPr>
+              <a:t>RQ2: Do articles with different types of OA differ in the </a:t>
+            </a:r>
+            <a:r>
+              <a:rPr lang="en-GB" sz="2000" b="1" dirty="0" err="1">
+                <a:solidFill>
+                  <a:srgbClr val="C00000"/>
+                </a:solidFill>
+                <a:latin typeface="Calibri" panose="020F0502020204030204" pitchFamily="34" charset="0"/>
+                <a:cs typeface="Calibri" panose="020F0502020204030204" pitchFamily="34" charset="0"/>
+              </a:rPr>
+              <a:t>altmetric</a:t>
+            </a:r>
+            <a:r>
+              <a:rPr lang="en-GB" sz="2000" b="1" dirty="0">
+                <a:solidFill>
+                  <a:srgbClr val="C00000"/>
+                </a:solidFill>
+                <a:latin typeface="Calibri" panose="020F0502020204030204" pitchFamily="34" charset="0"/>
+                <a:cs typeface="Calibri" panose="020F0502020204030204" pitchFamily="34" charset="0"/>
+              </a:rPr>
+              <a:t> attention they receive</a:t>
+            </a:r>
+            <a:r>
+              <a:rPr lang="en-GB" sz="2000" b="1" dirty="0" smtClean="0">
+                <a:solidFill>
+                  <a:srgbClr val="C00000"/>
+                </a:solidFill>
+                <a:latin typeface="Calibri" panose="020F0502020204030204" pitchFamily="34" charset="0"/>
+                <a:cs typeface="Calibri" panose="020F0502020204030204" pitchFamily="34" charset="0"/>
+              </a:rPr>
+              <a:t>?</a:t>
+            </a:r>
+            <a:endParaRPr lang="en-GB" sz="2000" b="1" dirty="0">
+              <a:solidFill>
+                <a:srgbClr val="C00000"/>
+              </a:solidFill>
+              <a:latin typeface="Calibri" panose="020F0502020204030204" pitchFamily="34" charset="0"/>
+              <a:cs typeface="Calibri" panose="020F0502020204030204" pitchFamily="34" charset="0"/>
+            </a:endParaRPr>
+          </a:p>
+        </p:txBody>
+      </p:sp>
+      <p:sp>
+        <p:nvSpPr>
+          <p:cNvPr id="6" name="Foliennummernplatzhalter 5"/>
+          <p:cNvSpPr>
+            <a:spLocks noGrp="1"/>
+          </p:cNvSpPr>
+          <p:nvPr>
+            <p:ph type="sldNum" sz="quarter" idx="11"/>
+          </p:nvPr>
+        </p:nvSpPr>
+        <p:spPr/>
+        <p:txBody>
+          <a:bodyPr/>
+          <a:lstStyle/>
+          <a:p>
+            <a:r>
+              <a:rPr lang="de-DE" altLang="de-DE" smtClean="0"/>
+              <a:t>Slide </a:t>
+            </a:r>
+            <a:fld id="{A254B5CB-9231-4E8A-8CE2-E25F7BB92403}" type="slidenum">
+              <a:rPr lang="de-DE" altLang="de-DE" smtClean="0"/>
+              <a:pPr/>
+              <a:t>25</a:t>
+            </a:fld>
+            <a:endParaRPr lang="de-DE" altLang="de-DE" dirty="0"/>
+          </a:p>
+        </p:txBody>
+      </p:sp>
+      <p:pic>
+        <p:nvPicPr>
+          <p:cNvPr id="7" name="Grafik 6"/>
+          <p:cNvPicPr>
+            <a:picLocks noChangeAspect="1"/>
+          </p:cNvPicPr>
+          <p:nvPr/>
+        </p:nvPicPr>
+        <p:blipFill>
+          <a:blip r:embed="rId3">
+            <a:extLst>
+              <a:ext uri="{28A0092B-C50C-407E-A947-70E740481C1C}">
+                <a14:useLocalDpi xmlns:a14="http://schemas.microsoft.com/office/drawing/2010/main" val="0"/>
+              </a:ext>
+            </a:extLst>
+          </a:blip>
+          <a:stretch>
+            <a:fillRect/>
+          </a:stretch>
+        </p:blipFill>
+        <p:spPr>
+          <a:xfrm>
+            <a:off x="827584" y="1555143"/>
+            <a:ext cx="4050000" cy="2700000"/>
+          </a:xfrm>
+          <a:prstGeom prst="rect">
+            <a:avLst/>
+          </a:prstGeom>
+        </p:spPr>
+      </p:pic>
+      <p:pic>
+        <p:nvPicPr>
+          <p:cNvPr id="8" name="Grafik 7"/>
+          <p:cNvPicPr>
+            <a:picLocks noChangeAspect="1"/>
+          </p:cNvPicPr>
+          <p:nvPr/>
+        </p:nvPicPr>
+        <p:blipFill>
+          <a:blip r:embed="rId4">
+            <a:extLst>
+              <a:ext uri="{28A0092B-C50C-407E-A947-70E740481C1C}">
+                <a14:useLocalDpi xmlns:a14="http://schemas.microsoft.com/office/drawing/2010/main" val="0"/>
+              </a:ext>
+            </a:extLst>
+          </a:blip>
+          <a:stretch>
+            <a:fillRect/>
+          </a:stretch>
+        </p:blipFill>
+        <p:spPr>
+          <a:xfrm>
+            <a:off x="4283968" y="1555143"/>
+            <a:ext cx="4050000" cy="2700000"/>
+          </a:xfrm>
+          <a:prstGeom prst="rect">
+            <a:avLst/>
+          </a:prstGeom>
+        </p:spPr>
+      </p:pic>
+      <p:sp>
+        <p:nvSpPr>
+          <p:cNvPr id="13" name="Textfeld 12"/>
+          <p:cNvSpPr txBox="1"/>
+          <p:nvPr/>
+        </p:nvSpPr>
+        <p:spPr>
+          <a:xfrm>
+            <a:off x="1403648" y="1347614"/>
+            <a:ext cx="2736304" cy="230832"/>
+          </a:xfrm>
+          <a:prstGeom prst="rect">
+            <a:avLst/>
+          </a:prstGeom>
+          <a:noFill/>
+        </p:spPr>
+        <p:txBody>
+          <a:bodyPr wrap="square" rtlCol="0">
+            <a:spAutoFit/>
+          </a:bodyPr>
+          <a:lstStyle/>
+          <a:p>
+            <a:pPr algn="ctr"/>
+            <a:r>
+              <a:rPr lang="de-DE" sz="900" dirty="0" smtClean="0">
+                <a:latin typeface="+mn-lt"/>
+                <a:cs typeface="Calibri" panose="020F0502020204030204" pitchFamily="34" charset="0"/>
+              </a:rPr>
+              <a:t>Twitter</a:t>
+            </a:r>
+            <a:endParaRPr lang="en-GB" sz="900" dirty="0">
+              <a:latin typeface="+mn-lt"/>
+              <a:cs typeface="Calibri" panose="020F0502020204030204" pitchFamily="34" charset="0"/>
+            </a:endParaRPr>
+          </a:p>
+        </p:txBody>
+      </p:sp>
+      <p:sp>
+        <p:nvSpPr>
+          <p:cNvPr id="14" name="Textfeld 13"/>
+          <p:cNvSpPr txBox="1"/>
+          <p:nvPr/>
+        </p:nvSpPr>
+        <p:spPr>
+          <a:xfrm>
+            <a:off x="4860032" y="1360016"/>
+            <a:ext cx="2736304" cy="230832"/>
+          </a:xfrm>
+          <a:prstGeom prst="rect">
+            <a:avLst/>
+          </a:prstGeom>
+          <a:noFill/>
+        </p:spPr>
+        <p:txBody>
+          <a:bodyPr wrap="square" rtlCol="0">
+            <a:spAutoFit/>
+          </a:bodyPr>
+          <a:lstStyle/>
+          <a:p>
+            <a:pPr algn="ctr"/>
+            <a:r>
+              <a:rPr lang="de-DE" sz="900" dirty="0" smtClean="0">
+                <a:latin typeface="+mn-lt"/>
+                <a:cs typeface="Calibri" panose="020F0502020204030204" pitchFamily="34" charset="0"/>
+              </a:rPr>
+              <a:t>Facebook</a:t>
+            </a:r>
+            <a:endParaRPr lang="en-GB" sz="900" dirty="0">
+              <a:latin typeface="+mn-lt"/>
+              <a:cs typeface="Calibri" panose="020F0502020204030204" pitchFamily="34" charset="0"/>
+            </a:endParaRPr>
+          </a:p>
+        </p:txBody>
+      </p:sp>
+    </p:spTree>
+    <p:extLst>
+      <p:ext uri="{BB962C8B-B14F-4D97-AF65-F5344CB8AC3E}">
+        <p14:creationId xmlns:p14="http://schemas.microsoft.com/office/powerpoint/2010/main" val="1596183770"/>
+      </p:ext>
+    </p:extLst>
+  </p:cSld>
+  <p:clrMapOvr>
+    <a:masterClrMapping/>
+  </p:clrMapOvr>
+  <p:timing>
+    <p:tnLst>
+      <p:par>
+        <p:cTn id="1" dur="indefinite" restart="never" nodeType="tmRoot"/>
+      </p:par>
+    </p:tnLst>
+  </p:timing>
+</p:sld>
+</file>
+
 <file path=ppt/slides/slide26.xml><?xml version="1.0" encoding="utf-8"?>
 <p:sld xmlns:a="http://schemas.openxmlformats.org/drawingml/2006/main" xmlns:r="http://schemas.openxmlformats.org/officeDocument/2006/relationships" xmlns:p="http://schemas.openxmlformats.org/presentationml/2006/main">
   <p:cSld>
@@ -18151,6 +19640,78 @@
       </p:grpSpPr>
       <p:sp>
         <p:nvSpPr>
+          <p:cNvPr id="2" name="Textfeld 1"/>
+          <p:cNvSpPr txBox="1"/>
+          <p:nvPr/>
+        </p:nvSpPr>
+        <p:spPr>
+          <a:xfrm>
+            <a:off x="323528" y="267494"/>
+            <a:ext cx="8784976" cy="707886"/>
+          </a:xfrm>
+          <a:prstGeom prst="rect">
+            <a:avLst/>
+          </a:prstGeom>
+          <a:noFill/>
+        </p:spPr>
+        <p:txBody>
+          <a:bodyPr wrap="square" rtlCol="0">
+            <a:spAutoFit/>
+          </a:bodyPr>
+          <a:lstStyle/>
+          <a:p>
+            <a:r>
+              <a:rPr lang="en-GB" sz="2000" b="1" dirty="0">
+                <a:solidFill>
+                  <a:srgbClr val="C00000"/>
+                </a:solidFill>
+                <a:latin typeface="Calibri" panose="020F0502020204030204" pitchFamily="34" charset="0"/>
+                <a:cs typeface="Calibri" panose="020F0502020204030204" pitchFamily="34" charset="0"/>
+              </a:rPr>
+              <a:t>RQ2: Do articles with different types of OA differ in the </a:t>
+            </a:r>
+            <a:r>
+              <a:rPr lang="en-GB" sz="2000" b="1" dirty="0" err="1">
+                <a:solidFill>
+                  <a:srgbClr val="C00000"/>
+                </a:solidFill>
+                <a:latin typeface="Calibri" panose="020F0502020204030204" pitchFamily="34" charset="0"/>
+                <a:cs typeface="Calibri" panose="020F0502020204030204" pitchFamily="34" charset="0"/>
+              </a:rPr>
+              <a:t>altmetric</a:t>
+            </a:r>
+            <a:r>
+              <a:rPr lang="en-GB" sz="2000" b="1" dirty="0">
+                <a:solidFill>
+                  <a:srgbClr val="C00000"/>
+                </a:solidFill>
+                <a:latin typeface="Calibri" panose="020F0502020204030204" pitchFamily="34" charset="0"/>
+                <a:cs typeface="Calibri" panose="020F0502020204030204" pitchFamily="34" charset="0"/>
+              </a:rPr>
+              <a:t> attention they receive</a:t>
+            </a:r>
+            <a:r>
+              <a:rPr lang="en-GB" sz="2000" b="1" dirty="0" smtClean="0">
+                <a:solidFill>
+                  <a:srgbClr val="C00000"/>
+                </a:solidFill>
+                <a:latin typeface="Calibri" panose="020F0502020204030204" pitchFamily="34" charset="0"/>
+                <a:cs typeface="Calibri" panose="020F0502020204030204" pitchFamily="34" charset="0"/>
+              </a:rPr>
+              <a:t>?</a:t>
+            </a:r>
+            <a:endParaRPr lang="en-GB" sz="2000" b="1" dirty="0">
+              <a:solidFill>
+                <a:srgbClr val="C00000"/>
+              </a:solidFill>
+              <a:latin typeface="Calibri" panose="020F0502020204030204" pitchFamily="34" charset="0"/>
+              <a:cs typeface="Calibri" panose="020F0502020204030204" pitchFamily="34" charset="0"/>
+            </a:endParaRPr>
+          </a:p>
+        </p:txBody>
+      </p:sp>
+      <p:sp>
+        <p:nvSpPr>
           <p:cNvPr id="6" name="Foliennummernplatzhalter 5"/>
           <p:cNvSpPr>
             <a:spLocks noGrp="1"/>
@@ -18177,91 +19738,9 @@
           </a:p>
         </p:txBody>
       </p:sp>
-      <p:sp>
-        <p:nvSpPr>
-          <p:cNvPr id="9" name="Textfeld 8"/>
-          <p:cNvSpPr txBox="1"/>
-          <p:nvPr/>
-        </p:nvSpPr>
-        <p:spPr>
-          <a:xfrm>
-            <a:off x="323528" y="267494"/>
-            <a:ext cx="8784976" cy="830997"/>
-          </a:xfrm>
-          <a:prstGeom prst="rect">
-            <a:avLst/>
-          </a:prstGeom>
-          <a:noFill/>
-        </p:spPr>
-        <p:txBody>
-          <a:bodyPr wrap="square" rtlCol="0">
-            <a:spAutoFit/>
-          </a:bodyPr>
-          <a:lstStyle/>
-          <a:p>
-            <a:r>
-              <a:rPr lang="en-GB" sz="2400" b="1" dirty="0" smtClean="0">
-                <a:solidFill>
-                  <a:srgbClr val="C00000"/>
-                </a:solidFill>
-                <a:latin typeface="Calibri" panose="020F0502020204030204" pitchFamily="34" charset="0"/>
-                <a:cs typeface="Calibri" panose="020F0502020204030204" pitchFamily="34" charset="0"/>
-              </a:rPr>
-              <a:t>RQ2: </a:t>
-            </a:r>
-            <a:r>
-              <a:rPr lang="en-GB" sz="2400" b="1" dirty="0">
-                <a:solidFill>
-                  <a:srgbClr val="C00000"/>
-                </a:solidFill>
-                <a:latin typeface="Calibri" panose="020F0502020204030204" pitchFamily="34" charset="0"/>
-                <a:cs typeface="Calibri" panose="020F0502020204030204" pitchFamily="34" charset="0"/>
-              </a:rPr>
-              <a:t>Do articles with different types of OA differ in the </a:t>
-            </a:r>
-            <a:r>
-              <a:rPr lang="en-GB" sz="2400" b="1" dirty="0" err="1">
-                <a:solidFill>
-                  <a:srgbClr val="C00000"/>
-                </a:solidFill>
-                <a:latin typeface="Calibri" panose="020F0502020204030204" pitchFamily="34" charset="0"/>
-                <a:cs typeface="Calibri" panose="020F0502020204030204" pitchFamily="34" charset="0"/>
-              </a:rPr>
-              <a:t>altmetric</a:t>
-            </a:r>
-            <a:r>
-              <a:rPr lang="en-GB" sz="2400" b="1" dirty="0">
-                <a:solidFill>
-                  <a:srgbClr val="C00000"/>
-                </a:solidFill>
-                <a:latin typeface="Calibri" panose="020F0502020204030204" pitchFamily="34" charset="0"/>
-                <a:cs typeface="Calibri" panose="020F0502020204030204" pitchFamily="34" charset="0"/>
-              </a:rPr>
-              <a:t> attention they receive</a:t>
-            </a:r>
-            <a:r>
-              <a:rPr lang="en-GB" sz="2400" b="1" dirty="0" smtClean="0">
-                <a:solidFill>
-                  <a:srgbClr val="C00000"/>
-                </a:solidFill>
-                <a:latin typeface="Calibri" panose="020F0502020204030204" pitchFamily="34" charset="0"/>
-                <a:cs typeface="Calibri" panose="020F0502020204030204" pitchFamily="34" charset="0"/>
-              </a:rPr>
-              <a:t>?</a:t>
-            </a:r>
-            <a:endParaRPr lang="en-GB" sz="2400" b="1" dirty="0">
-              <a:solidFill>
-                <a:srgbClr val="C00000"/>
-              </a:solidFill>
-              <a:latin typeface="Calibri" panose="020F0502020204030204" pitchFamily="34" charset="0"/>
-              <a:cs typeface="Calibri" panose="020F0502020204030204" pitchFamily="34" charset="0"/>
-            </a:endParaRPr>
-          </a:p>
-        </p:txBody>
-      </p:sp>
       <p:pic>
         <p:nvPicPr>
-          <p:cNvPr id="10" name="Grafik 9"/>
+          <p:cNvPr id="7" name="Grafik 6"/>
           <p:cNvPicPr>
             <a:picLocks noChangeAspect="1"/>
           </p:cNvPicPr>
@@ -18281,8 +19760,8 @@
         </p:blipFill>
         <p:spPr>
           <a:xfrm>
-            <a:off x="827584" y="1743957"/>
-            <a:ext cx="4049999" cy="2699999"/>
+            <a:off x="827584" y="1555143"/>
+            <a:ext cx="4049999" cy="2700000"/>
           </a:xfrm>
           <a:prstGeom prst="rect">
             <a:avLst/>
@@ -18291,7 +19770,7 @@
       </p:pic>
       <p:pic>
         <p:nvPicPr>
-          <p:cNvPr id="11" name="Grafik 10"/>
+          <p:cNvPr id="8" name="Grafik 7"/>
           <p:cNvPicPr>
             <a:picLocks noChangeAspect="1"/>
           </p:cNvPicPr>
@@ -18311,8 +19790,8 @@
         </p:blipFill>
         <p:spPr>
           <a:xfrm>
-            <a:off x="4283968" y="1743957"/>
-            <a:ext cx="4049999" cy="2699999"/>
+            <a:off x="4283968" y="1555143"/>
+            <a:ext cx="4049999" cy="2700000"/>
           </a:xfrm>
           <a:prstGeom prst="rect">
             <a:avLst/>
@@ -18321,14 +19800,14 @@
       </p:pic>
       <p:sp>
         <p:nvSpPr>
-          <p:cNvPr id="12" name="Textfeld 11"/>
+          <p:cNvPr id="9" name="Textfeld 12"/>
           <p:cNvSpPr txBox="1"/>
           <p:nvPr/>
         </p:nvSpPr>
         <p:spPr>
           <a:xfrm>
-            <a:off x="1403648" y="1467823"/>
-            <a:ext cx="2736304" cy="276999"/>
+            <a:off x="1403648" y="1347614"/>
+            <a:ext cx="2736304" cy="230832"/>
           </a:xfrm>
           <a:prstGeom prst="rect">
             <a:avLst/>
@@ -18343,14 +19822,14 @@
           <a:p>
             <a:pPr algn="ctr"/>
             <a:r>
-              <a:rPr lang="de-DE" sz="1200" b="1" dirty="0" smtClean="0">
-                <a:latin typeface="Calibri" panose="020F0502020204030204" pitchFamily="34" charset="0"/>
-                <a:cs typeface="Calibri" panose="020F0502020204030204" pitchFamily="34" charset="0"/>
-              </a:rPr>
-              <a:t>Twitter</a:t>
-            </a:r>
-            <a:endParaRPr lang="en-GB" sz="1200" b="1" dirty="0">
-              <a:latin typeface="Calibri" panose="020F0502020204030204" pitchFamily="34" charset="0"/>
+              <a:rPr lang="de-DE" sz="900" dirty="0" smtClean="0">
+                <a:latin typeface="+mn-lt"/>
+                <a:cs typeface="Calibri" panose="020F0502020204030204" pitchFamily="34" charset="0"/>
+              </a:rPr>
+              <a:t>News</a:t>
+            </a:r>
+            <a:endParaRPr lang="en-GB" sz="900" dirty="0">
+              <a:latin typeface="+mn-lt"/>
               <a:cs typeface="Calibri" panose="020F0502020204030204" pitchFamily="34" charset="0"/>
             </a:endParaRPr>
           </a:p>
@@ -18358,14 +19837,14 @@
       </p:sp>
       <p:sp>
         <p:nvSpPr>
-          <p:cNvPr id="13" name="Textfeld 12"/>
+          <p:cNvPr id="10" name="Textfeld 13"/>
           <p:cNvSpPr txBox="1"/>
           <p:nvPr/>
         </p:nvSpPr>
         <p:spPr>
           <a:xfrm>
-            <a:off x="4860032" y="1480225"/>
-            <a:ext cx="2736304" cy="276999"/>
+            <a:off x="4860032" y="1360016"/>
+            <a:ext cx="2736304" cy="230832"/>
           </a:xfrm>
           <a:prstGeom prst="rect">
             <a:avLst/>
@@ -18380,14 +19859,14 @@
           <a:p>
             <a:pPr algn="ctr"/>
             <a:r>
-              <a:rPr lang="de-DE" sz="1200" b="1" dirty="0" smtClean="0">
-                <a:latin typeface="Calibri" panose="020F0502020204030204" pitchFamily="34" charset="0"/>
-                <a:cs typeface="Calibri" panose="020F0502020204030204" pitchFamily="34" charset="0"/>
-              </a:rPr>
-              <a:t>Facebook</a:t>
-            </a:r>
-            <a:endParaRPr lang="en-GB" sz="1200" b="1" dirty="0">
-              <a:latin typeface="Calibri" panose="020F0502020204030204" pitchFamily="34" charset="0"/>
+              <a:rPr lang="de-DE" sz="900" dirty="0" smtClean="0">
+                <a:latin typeface="+mn-lt"/>
+                <a:cs typeface="Calibri" panose="020F0502020204030204" pitchFamily="34" charset="0"/>
+              </a:rPr>
+              <a:t>Blogs</a:t>
+            </a:r>
+            <a:endParaRPr lang="en-GB" sz="900" dirty="0">
+              <a:latin typeface="+mn-lt"/>
               <a:cs typeface="Calibri" panose="020F0502020204030204" pitchFamily="34" charset="0"/>
             </a:endParaRPr>
           </a:p>
@@ -18396,7 +19875,7 @@
     </p:spTree>
     <p:extLst>
       <p:ext uri="{BB962C8B-B14F-4D97-AF65-F5344CB8AC3E}">
-        <p14:creationId xmlns:p14="http://schemas.microsoft.com/office/powerpoint/2010/main" val="111474460"/>
+        <p14:creationId xmlns:p14="http://schemas.microsoft.com/office/powerpoint/2010/main" val="1637225663"/>
       </p:ext>
     </p:extLst>
   </p:cSld>
@@ -18432,6 +19911,78 @@
       </p:grpSpPr>
       <p:sp>
         <p:nvSpPr>
+          <p:cNvPr id="2" name="Textfeld 1"/>
+          <p:cNvSpPr txBox="1"/>
+          <p:nvPr/>
+        </p:nvSpPr>
+        <p:spPr>
+          <a:xfrm>
+            <a:off x="323528" y="267494"/>
+            <a:ext cx="8784976" cy="707886"/>
+          </a:xfrm>
+          <a:prstGeom prst="rect">
+            <a:avLst/>
+          </a:prstGeom>
+          <a:noFill/>
+        </p:spPr>
+        <p:txBody>
+          <a:bodyPr wrap="square" rtlCol="0">
+            <a:spAutoFit/>
+          </a:bodyPr>
+          <a:lstStyle/>
+          <a:p>
+            <a:r>
+              <a:rPr lang="en-GB" sz="2000" b="1" dirty="0">
+                <a:solidFill>
+                  <a:srgbClr val="C00000"/>
+                </a:solidFill>
+                <a:latin typeface="Calibri" panose="020F0502020204030204" pitchFamily="34" charset="0"/>
+                <a:cs typeface="Calibri" panose="020F0502020204030204" pitchFamily="34" charset="0"/>
+              </a:rPr>
+              <a:t>RQ2: Do articles with different types of OA differ in the </a:t>
+            </a:r>
+            <a:r>
+              <a:rPr lang="en-GB" sz="2000" b="1" dirty="0" err="1">
+                <a:solidFill>
+                  <a:srgbClr val="C00000"/>
+                </a:solidFill>
+                <a:latin typeface="Calibri" panose="020F0502020204030204" pitchFamily="34" charset="0"/>
+                <a:cs typeface="Calibri" panose="020F0502020204030204" pitchFamily="34" charset="0"/>
+              </a:rPr>
+              <a:t>altmetric</a:t>
+            </a:r>
+            <a:r>
+              <a:rPr lang="en-GB" sz="2000" b="1" dirty="0">
+                <a:solidFill>
+                  <a:srgbClr val="C00000"/>
+                </a:solidFill>
+                <a:latin typeface="Calibri" panose="020F0502020204030204" pitchFamily="34" charset="0"/>
+                <a:cs typeface="Calibri" panose="020F0502020204030204" pitchFamily="34" charset="0"/>
+              </a:rPr>
+              <a:t> attention they receive</a:t>
+            </a:r>
+            <a:r>
+              <a:rPr lang="en-GB" sz="2000" b="1" dirty="0" smtClean="0">
+                <a:solidFill>
+                  <a:srgbClr val="C00000"/>
+                </a:solidFill>
+                <a:latin typeface="Calibri" panose="020F0502020204030204" pitchFamily="34" charset="0"/>
+                <a:cs typeface="Calibri" panose="020F0502020204030204" pitchFamily="34" charset="0"/>
+              </a:rPr>
+              <a:t>?</a:t>
+            </a:r>
+            <a:endParaRPr lang="en-GB" sz="2000" b="1" dirty="0">
+              <a:solidFill>
+                <a:srgbClr val="C00000"/>
+              </a:solidFill>
+              <a:latin typeface="Calibri" panose="020F0502020204030204" pitchFamily="34" charset="0"/>
+              <a:cs typeface="Calibri" panose="020F0502020204030204" pitchFamily="34" charset="0"/>
+            </a:endParaRPr>
+          </a:p>
+        </p:txBody>
+      </p:sp>
+      <p:sp>
+        <p:nvSpPr>
           <p:cNvPr id="6" name="Foliennummernplatzhalter 5"/>
           <p:cNvSpPr>
             <a:spLocks noGrp="1"/>
@@ -18458,91 +20009,9 @@
           </a:p>
         </p:txBody>
       </p:sp>
-      <p:sp>
-        <p:nvSpPr>
-          <p:cNvPr id="9" name="Textfeld 8"/>
-          <p:cNvSpPr txBox="1"/>
-          <p:nvPr/>
-        </p:nvSpPr>
-        <p:spPr>
-          <a:xfrm>
-            <a:off x="323528" y="267494"/>
-            <a:ext cx="8784976" cy="830997"/>
-          </a:xfrm>
-          <a:prstGeom prst="rect">
-            <a:avLst/>
-          </a:prstGeom>
-          <a:noFill/>
-        </p:spPr>
-        <p:txBody>
-          <a:bodyPr wrap="square" rtlCol="0">
-            <a:spAutoFit/>
-          </a:bodyPr>
-          <a:lstStyle/>
-          <a:p>
-            <a:r>
-              <a:rPr lang="en-GB" sz="2400" b="1" dirty="0" smtClean="0">
-                <a:solidFill>
-                  <a:srgbClr val="C00000"/>
-                </a:solidFill>
-                <a:latin typeface="Calibri" panose="020F0502020204030204" pitchFamily="34" charset="0"/>
-                <a:cs typeface="Calibri" panose="020F0502020204030204" pitchFamily="34" charset="0"/>
-              </a:rPr>
-              <a:t>RQ2: </a:t>
-            </a:r>
-            <a:r>
-              <a:rPr lang="en-GB" sz="2400" b="1" dirty="0">
-                <a:solidFill>
-                  <a:srgbClr val="C00000"/>
-                </a:solidFill>
-                <a:latin typeface="Calibri" panose="020F0502020204030204" pitchFamily="34" charset="0"/>
-                <a:cs typeface="Calibri" panose="020F0502020204030204" pitchFamily="34" charset="0"/>
-              </a:rPr>
-              <a:t>Do articles with different types of OA differ in the </a:t>
-            </a:r>
-            <a:r>
-              <a:rPr lang="en-GB" sz="2400" b="1" dirty="0" err="1">
-                <a:solidFill>
-                  <a:srgbClr val="C00000"/>
-                </a:solidFill>
-                <a:latin typeface="Calibri" panose="020F0502020204030204" pitchFamily="34" charset="0"/>
-                <a:cs typeface="Calibri" panose="020F0502020204030204" pitchFamily="34" charset="0"/>
-              </a:rPr>
-              <a:t>altmetric</a:t>
-            </a:r>
-            <a:r>
-              <a:rPr lang="en-GB" sz="2400" b="1" dirty="0">
-                <a:solidFill>
-                  <a:srgbClr val="C00000"/>
-                </a:solidFill>
-                <a:latin typeface="Calibri" panose="020F0502020204030204" pitchFamily="34" charset="0"/>
-                <a:cs typeface="Calibri" panose="020F0502020204030204" pitchFamily="34" charset="0"/>
-              </a:rPr>
-              <a:t> attention they receive</a:t>
-            </a:r>
-            <a:r>
-              <a:rPr lang="en-GB" sz="2400" b="1" dirty="0" smtClean="0">
-                <a:solidFill>
-                  <a:srgbClr val="C00000"/>
-                </a:solidFill>
-                <a:latin typeface="Calibri" panose="020F0502020204030204" pitchFamily="34" charset="0"/>
-                <a:cs typeface="Calibri" panose="020F0502020204030204" pitchFamily="34" charset="0"/>
-              </a:rPr>
-              <a:t>?</a:t>
-            </a:r>
-            <a:endParaRPr lang="en-GB" sz="2400" b="1" dirty="0">
-              <a:solidFill>
-                <a:srgbClr val="C00000"/>
-              </a:solidFill>
-              <a:latin typeface="Calibri" panose="020F0502020204030204" pitchFamily="34" charset="0"/>
-              <a:cs typeface="Calibri" panose="020F0502020204030204" pitchFamily="34" charset="0"/>
-            </a:endParaRPr>
-          </a:p>
-        </p:txBody>
-      </p:sp>
       <p:pic>
         <p:nvPicPr>
-          <p:cNvPr id="10" name="Grafik 9"/>
+          <p:cNvPr id="7" name="Grafik 6"/>
           <p:cNvPicPr>
             <a:picLocks noChangeAspect="1"/>
           </p:cNvPicPr>
@@ -18562,7 +20031,7 @@
         </p:blipFill>
         <p:spPr>
           <a:xfrm>
-            <a:off x="827584" y="1743957"/>
+            <a:off x="827584" y="1555143"/>
             <a:ext cx="4049999" cy="2699999"/>
           </a:xfrm>
           <a:prstGeom prst="rect">
@@ -18572,7 +20041,7 @@
       </p:pic>
       <p:pic>
         <p:nvPicPr>
-          <p:cNvPr id="11" name="Grafik 10"/>
+          <p:cNvPr id="8" name="Grafik 7"/>
           <p:cNvPicPr>
             <a:picLocks noChangeAspect="1"/>
           </p:cNvPicPr>
@@ -18592,7 +20061,7 @@
         </p:blipFill>
         <p:spPr>
           <a:xfrm>
-            <a:off x="4283968" y="1743957"/>
+            <a:off x="4283968" y="1555143"/>
             <a:ext cx="4049999" cy="2699999"/>
           </a:xfrm>
           <a:prstGeom prst="rect">
@@ -18602,14 +20071,14 @@
       </p:pic>
       <p:sp>
         <p:nvSpPr>
-          <p:cNvPr id="12" name="Textfeld 11"/>
+          <p:cNvPr id="9" name="Textfeld 12"/>
           <p:cNvSpPr txBox="1"/>
           <p:nvPr/>
         </p:nvSpPr>
         <p:spPr>
           <a:xfrm>
-            <a:off x="1403648" y="1467823"/>
-            <a:ext cx="2736304" cy="276999"/>
+            <a:off x="1403648" y="1347614"/>
+            <a:ext cx="2736304" cy="230832"/>
           </a:xfrm>
           <a:prstGeom prst="rect">
             <a:avLst/>
@@ -18624,14 +20093,14 @@
           <a:p>
             <a:pPr algn="ctr"/>
             <a:r>
-              <a:rPr lang="de-DE" sz="1200" b="1" dirty="0" smtClean="0">
-                <a:latin typeface="Calibri" panose="020F0502020204030204" pitchFamily="34" charset="0"/>
-                <a:cs typeface="Calibri" panose="020F0502020204030204" pitchFamily="34" charset="0"/>
-              </a:rPr>
-              <a:t>Twitter</a:t>
-            </a:r>
-            <a:endParaRPr lang="en-GB" sz="1200" b="1" dirty="0">
-              <a:latin typeface="Calibri" panose="020F0502020204030204" pitchFamily="34" charset="0"/>
+              <a:rPr lang="de-DE" sz="900" dirty="0" smtClean="0">
+                <a:latin typeface="+mn-lt"/>
+                <a:cs typeface="Calibri" panose="020F0502020204030204" pitchFamily="34" charset="0"/>
+              </a:rPr>
+              <a:t>Wikipedia</a:t>
+            </a:r>
+            <a:endParaRPr lang="en-GB" sz="900" dirty="0">
+              <a:latin typeface="+mn-lt"/>
               <a:cs typeface="Calibri" panose="020F0502020204030204" pitchFamily="34" charset="0"/>
             </a:endParaRPr>
           </a:p>
@@ -18639,14 +20108,14 @@
       </p:sp>
       <p:sp>
         <p:nvSpPr>
-          <p:cNvPr id="13" name="Textfeld 12"/>
+          <p:cNvPr id="10" name="Textfeld 13"/>
           <p:cNvSpPr txBox="1"/>
           <p:nvPr/>
         </p:nvSpPr>
         <p:spPr>
           <a:xfrm>
-            <a:off x="4860032" y="1480225"/>
-            <a:ext cx="2736304" cy="276999"/>
+            <a:off x="4860032" y="1360016"/>
+            <a:ext cx="2736304" cy="230832"/>
           </a:xfrm>
           <a:prstGeom prst="rect">
             <a:avLst/>
@@ -18661,14 +20130,14 @@
           <a:p>
             <a:pPr algn="ctr"/>
             <a:r>
-              <a:rPr lang="de-DE" sz="1200" b="1" dirty="0" smtClean="0">
-                <a:latin typeface="Calibri" panose="020F0502020204030204" pitchFamily="34" charset="0"/>
-                <a:cs typeface="Calibri" panose="020F0502020204030204" pitchFamily="34" charset="0"/>
-              </a:rPr>
-              <a:t>Facebook</a:t>
-            </a:r>
-            <a:endParaRPr lang="en-GB" sz="1200" b="1" dirty="0">
-              <a:latin typeface="Calibri" panose="020F0502020204030204" pitchFamily="34" charset="0"/>
+              <a:rPr lang="de-DE" sz="900" dirty="0" err="1" smtClean="0">
+                <a:latin typeface="+mn-lt"/>
+                <a:cs typeface="Calibri" panose="020F0502020204030204" pitchFamily="34" charset="0"/>
+              </a:rPr>
+              <a:t>Policies</a:t>
+            </a:r>
+            <a:endParaRPr lang="en-GB" sz="900" dirty="0">
+              <a:latin typeface="+mn-lt"/>
               <a:cs typeface="Calibri" panose="020F0502020204030204" pitchFamily="34" charset="0"/>
             </a:endParaRPr>
           </a:p>
@@ -18677,7 +20146,7 @@
     </p:spTree>
     <p:extLst>
       <p:ext uri="{BB962C8B-B14F-4D97-AF65-F5344CB8AC3E}">
-        <p14:creationId xmlns:p14="http://schemas.microsoft.com/office/powerpoint/2010/main" val="2907659654"/>
+        <p14:creationId xmlns:p14="http://schemas.microsoft.com/office/powerpoint/2010/main" val="2678695772"/>
       </p:ext>
     </p:extLst>
   </p:cSld>
@@ -18713,6 +20182,68 @@
       </p:grpSpPr>
       <p:sp>
         <p:nvSpPr>
+          <p:cNvPr id="2" name="Textfeld 1"/>
+          <p:cNvSpPr txBox="1"/>
+          <p:nvPr/>
+        </p:nvSpPr>
+        <p:spPr>
+          <a:xfrm>
+            <a:off x="323528" y="267494"/>
+            <a:ext cx="8784976" cy="707886"/>
+          </a:xfrm>
+          <a:prstGeom prst="rect">
+            <a:avLst/>
+          </a:prstGeom>
+          <a:noFill/>
+        </p:spPr>
+        <p:txBody>
+          <a:bodyPr wrap="square" rtlCol="0">
+            <a:spAutoFit/>
+          </a:bodyPr>
+          <a:lstStyle/>
+          <a:p>
+            <a:r>
+              <a:rPr lang="en-GB" sz="2000" b="1" dirty="0">
+                <a:solidFill>
+                  <a:srgbClr val="C00000"/>
+                </a:solidFill>
+                <a:latin typeface="Calibri" panose="020F0502020204030204" pitchFamily="34" charset="0"/>
+                <a:cs typeface="Calibri" panose="020F0502020204030204" pitchFamily="34" charset="0"/>
+              </a:rPr>
+              <a:t>RQ3: Which additional factors influence the relationship between OA and </a:t>
+            </a:r>
+            <a:r>
+              <a:rPr lang="en-GB" sz="2000" b="1" dirty="0" err="1" smtClean="0">
+                <a:solidFill>
+                  <a:srgbClr val="C00000"/>
+                </a:solidFill>
+                <a:latin typeface="Calibri" panose="020F0502020204030204" pitchFamily="34" charset="0"/>
+                <a:cs typeface="Calibri" panose="020F0502020204030204" pitchFamily="34" charset="0"/>
+              </a:rPr>
+              <a:t>altmetrics</a:t>
+            </a:r>
+            <a:r>
+              <a:rPr lang="en-GB" sz="2000" b="1" dirty="0" smtClean="0">
+                <a:solidFill>
+                  <a:srgbClr val="C00000"/>
+                </a:solidFill>
+                <a:latin typeface="Calibri" panose="020F0502020204030204" pitchFamily="34" charset="0"/>
+                <a:cs typeface="Calibri" panose="020F0502020204030204" pitchFamily="34" charset="0"/>
+              </a:rPr>
+              <a:t>? -&gt; Disciplines</a:t>
+            </a:r>
+            <a:endParaRPr lang="de-DE" sz="2000" b="1" dirty="0" smtClean="0">
+              <a:solidFill>
+                <a:srgbClr val="C00000"/>
+              </a:solidFill>
+              <a:latin typeface="Calibri" panose="020F0502020204030204" pitchFamily="34" charset="0"/>
+              <a:cs typeface="Calibri" panose="020F0502020204030204" pitchFamily="34" charset="0"/>
+            </a:endParaRPr>
+          </a:p>
+        </p:txBody>
+      </p:sp>
+      <p:sp>
+        <p:nvSpPr>
           <p:cNvPr id="6" name="Foliennummernplatzhalter 5"/>
           <p:cNvSpPr>
             <a:spLocks noGrp="1"/>
@@ -18739,91 +20270,9 @@
           </a:p>
         </p:txBody>
       </p:sp>
-      <p:sp>
-        <p:nvSpPr>
-          <p:cNvPr id="9" name="Textfeld 8"/>
-          <p:cNvSpPr txBox="1"/>
-          <p:nvPr/>
-        </p:nvSpPr>
-        <p:spPr>
-          <a:xfrm>
-            <a:off x="323528" y="267494"/>
-            <a:ext cx="8784976" cy="830997"/>
-          </a:xfrm>
-          <a:prstGeom prst="rect">
-            <a:avLst/>
-          </a:prstGeom>
-          <a:noFill/>
-        </p:spPr>
-        <p:txBody>
-          <a:bodyPr wrap="square" rtlCol="0">
-            <a:spAutoFit/>
-          </a:bodyPr>
-          <a:lstStyle/>
-          <a:p>
-            <a:r>
-              <a:rPr lang="en-GB" sz="2400" b="1" dirty="0" smtClean="0">
-                <a:solidFill>
-                  <a:srgbClr val="C00000"/>
-                </a:solidFill>
-                <a:latin typeface="Calibri" panose="020F0502020204030204" pitchFamily="34" charset="0"/>
-                <a:cs typeface="Calibri" panose="020F0502020204030204" pitchFamily="34" charset="0"/>
-              </a:rPr>
-              <a:t>RQ2: </a:t>
-            </a:r>
-            <a:r>
-              <a:rPr lang="en-GB" sz="2400" b="1" dirty="0">
-                <a:solidFill>
-                  <a:srgbClr val="C00000"/>
-                </a:solidFill>
-                <a:latin typeface="Calibri" panose="020F0502020204030204" pitchFamily="34" charset="0"/>
-                <a:cs typeface="Calibri" panose="020F0502020204030204" pitchFamily="34" charset="0"/>
-              </a:rPr>
-              <a:t>Do articles with different types of OA differ in the </a:t>
-            </a:r>
-            <a:r>
-              <a:rPr lang="en-GB" sz="2400" b="1" dirty="0" err="1">
-                <a:solidFill>
-                  <a:srgbClr val="C00000"/>
-                </a:solidFill>
-                <a:latin typeface="Calibri" panose="020F0502020204030204" pitchFamily="34" charset="0"/>
-                <a:cs typeface="Calibri" panose="020F0502020204030204" pitchFamily="34" charset="0"/>
-              </a:rPr>
-              <a:t>altmetric</a:t>
-            </a:r>
-            <a:r>
-              <a:rPr lang="en-GB" sz="2400" b="1" dirty="0">
-                <a:solidFill>
-                  <a:srgbClr val="C00000"/>
-                </a:solidFill>
-                <a:latin typeface="Calibri" panose="020F0502020204030204" pitchFamily="34" charset="0"/>
-                <a:cs typeface="Calibri" panose="020F0502020204030204" pitchFamily="34" charset="0"/>
-              </a:rPr>
-              <a:t> attention they receive</a:t>
-            </a:r>
-            <a:r>
-              <a:rPr lang="en-GB" sz="2400" b="1" dirty="0" smtClean="0">
-                <a:solidFill>
-                  <a:srgbClr val="C00000"/>
-                </a:solidFill>
-                <a:latin typeface="Calibri" panose="020F0502020204030204" pitchFamily="34" charset="0"/>
-                <a:cs typeface="Calibri" panose="020F0502020204030204" pitchFamily="34" charset="0"/>
-              </a:rPr>
-              <a:t>?</a:t>
-            </a:r>
-            <a:endParaRPr lang="en-GB" sz="2400" b="1" dirty="0">
-              <a:solidFill>
-                <a:srgbClr val="C00000"/>
-              </a:solidFill>
-              <a:latin typeface="Calibri" panose="020F0502020204030204" pitchFamily="34" charset="0"/>
-              <a:cs typeface="Calibri" panose="020F0502020204030204" pitchFamily="34" charset="0"/>
-            </a:endParaRPr>
-          </a:p>
-        </p:txBody>
-      </p:sp>
       <p:pic>
         <p:nvPicPr>
-          <p:cNvPr id="10" name="Grafik 9"/>
+          <p:cNvPr id="5" name="Grafik 4"/>
           <p:cNvPicPr>
             <a:picLocks noChangeAspect="1"/>
           </p:cNvPicPr>
@@ -18831,6 +20280,16 @@
         </p:nvPicPr>
         <p:blipFill>
           <a:blip r:embed="rId3">
+            <a:clrChange>
+              <a:clrFrom>
+                <a:srgbClr val="FFFFFF"/>
+              </a:clrFrom>
+              <a:clrTo>
+                <a:srgbClr val="FFFFFF">
+                  <a:alpha val="0"/>
+                </a:srgbClr>
+              </a:clrTo>
+            </a:clrChange>
             <a:extLst>
               <a:ext uri="{28A0092B-C50C-407E-A947-70E740481C1C}">
                 <a14:useLocalDpi xmlns:a14="http://schemas.microsoft.com/office/drawing/2010/main" val="0"/>
@@ -18843,38 +20302,8 @@
         </p:blipFill>
         <p:spPr>
           <a:xfrm>
-            <a:off x="827584" y="1743957"/>
-            <a:ext cx="4049999" cy="2699999"/>
-          </a:xfrm>
-          <a:prstGeom prst="rect">
-            <a:avLst/>
-          </a:prstGeom>
-        </p:spPr>
-      </p:pic>
-      <p:pic>
-        <p:nvPicPr>
-          <p:cNvPr id="11" name="Grafik 10"/>
-          <p:cNvPicPr>
-            <a:picLocks noChangeAspect="1"/>
-          </p:cNvPicPr>
-          <p:nvPr/>
-        </p:nvPicPr>
-        <p:blipFill>
-          <a:blip r:embed="rId4">
-            <a:extLst>
-              <a:ext uri="{28A0092B-C50C-407E-A947-70E740481C1C}">
-                <a14:useLocalDpi xmlns:a14="http://schemas.microsoft.com/office/drawing/2010/main" val="0"/>
-              </a:ext>
-            </a:extLst>
-          </a:blip>
-          <a:stretch>
-            <a:fillRect/>
-          </a:stretch>
-        </p:blipFill>
-        <p:spPr>
-          <a:xfrm>
-            <a:off x="4283968" y="1743957"/>
-            <a:ext cx="4049999" cy="2699999"/>
+            <a:off x="611560" y="879982"/>
+            <a:ext cx="7560000" cy="3780000"/>
           </a:xfrm>
           <a:prstGeom prst="rect">
             <a:avLst/>
@@ -18883,74 +20312,137 @@
       </p:pic>
       <p:sp>
         <p:nvSpPr>
-          <p:cNvPr id="12" name="Textfeld 11"/>
+          <p:cNvPr id="4" name="TextBox 3"/>
           <p:cNvSpPr txBox="1"/>
           <p:nvPr/>
         </p:nvSpPr>
         <p:spPr>
-          <a:xfrm>
-            <a:off x="1403648" y="1467823"/>
-            <a:ext cx="2736304" cy="276999"/>
+          <a:xfrm rot="16200000">
+            <a:off x="720000" y="3204008"/>
+            <a:ext cx="1944216" cy="900246"/>
           </a:xfrm>
           <a:prstGeom prst="rect">
             <a:avLst/>
           </a:prstGeom>
-          <a:noFill/>
+          <a:solidFill>
+            <a:schemeClr val="bg1"/>
+          </a:solidFill>
+          <a:ln>
+            <a:noFill/>
+          </a:ln>
         </p:spPr>
         <p:txBody>
-          <a:bodyPr wrap="square" rtlCol="0">
+          <a:bodyPr wrap="square" rIns="72000" rtlCol="0">
             <a:spAutoFit/>
           </a:bodyPr>
           <a:lstStyle/>
           <a:p>
-            <a:pPr algn="ctr"/>
-            <a:r>
-              <a:rPr lang="de-DE" sz="1200" b="1" dirty="0" smtClean="0">
-                <a:latin typeface="Calibri" panose="020F0502020204030204" pitchFamily="34" charset="0"/>
-                <a:cs typeface="Calibri" panose="020F0502020204030204" pitchFamily="34" charset="0"/>
-              </a:rPr>
-              <a:t>Twitter</a:t>
-            </a:r>
-            <a:endParaRPr lang="en-GB" sz="1200" b="1" dirty="0">
-              <a:latin typeface="Calibri" panose="020F0502020204030204" pitchFamily="34" charset="0"/>
-              <a:cs typeface="Calibri" panose="020F0502020204030204" pitchFamily="34" charset="0"/>
-            </a:endParaRPr>
-          </a:p>
-        </p:txBody>
-      </p:sp>
-      <p:sp>
-        <p:nvSpPr>
-          <p:cNvPr id="13" name="Textfeld 12"/>
-          <p:cNvSpPr txBox="1"/>
-          <p:nvPr/>
-        </p:nvSpPr>
-        <p:spPr>
-          <a:xfrm>
-            <a:off x="4860032" y="1480225"/>
-            <a:ext cx="2736304" cy="276999"/>
-          </a:xfrm>
-          <a:prstGeom prst="rect">
-            <a:avLst/>
-          </a:prstGeom>
-          <a:noFill/>
-        </p:spPr>
-        <p:txBody>
-          <a:bodyPr wrap="square" rtlCol="0">
-            <a:spAutoFit/>
-          </a:bodyPr>
-          <a:lstStyle/>
-          <a:p>
-            <a:pPr algn="ctr"/>
-            <a:r>
-              <a:rPr lang="de-DE" sz="1200" b="1" dirty="0" smtClean="0">
-                <a:latin typeface="Calibri" panose="020F0502020204030204" pitchFamily="34" charset="0"/>
-                <a:cs typeface="Calibri" panose="020F0502020204030204" pitchFamily="34" charset="0"/>
-              </a:rPr>
-              <a:t>Facebook</a:t>
-            </a:r>
-            <a:endParaRPr lang="en-GB" sz="1200" b="1" dirty="0">
-              <a:latin typeface="Calibri" panose="020F0502020204030204" pitchFamily="34" charset="0"/>
-              <a:cs typeface="Calibri" panose="020F0502020204030204" pitchFamily="34" charset="0"/>
+            <a:pPr algn="r">
+              <a:lnSpc>
+                <a:spcPct val="150000"/>
+              </a:lnSpc>
+            </a:pPr>
+            <a:r>
+              <a:rPr lang="en-US" sz="700" dirty="0" smtClean="0">
+                <a:solidFill>
+                  <a:schemeClr val="accent4">
+                    <a:lumMod val="65000"/>
+                    <a:lumOff val="35000"/>
+                  </a:schemeClr>
+                </a:solidFill>
+              </a:rPr>
+              <a:t>Biomedical and Health Sciences</a:t>
+            </a:r>
+          </a:p>
+          <a:p>
+            <a:pPr algn="r">
+              <a:lnSpc>
+                <a:spcPct val="150000"/>
+              </a:lnSpc>
+            </a:pPr>
+            <a:r>
+              <a:rPr lang="en-US" sz="700" dirty="0" smtClean="0">
+                <a:solidFill>
+                  <a:schemeClr val="accent4">
+                    <a:lumMod val="65000"/>
+                    <a:lumOff val="35000"/>
+                  </a:schemeClr>
+                </a:solidFill>
+              </a:rPr>
+              <a:t>Life and Earth Sciences</a:t>
+            </a:r>
+          </a:p>
+          <a:p>
+            <a:pPr algn="r">
+              <a:lnSpc>
+                <a:spcPct val="150000"/>
+              </a:lnSpc>
+            </a:pPr>
+            <a:r>
+              <a:rPr lang="en-US" sz="700" dirty="0" smtClean="0">
+                <a:solidFill>
+                  <a:schemeClr val="accent4">
+                    <a:lumMod val="65000"/>
+                    <a:lumOff val="35000"/>
+                  </a:schemeClr>
+                </a:solidFill>
+              </a:rPr>
+              <a:t>Mathematical and Computer Sciences</a:t>
+            </a:r>
+          </a:p>
+          <a:p>
+            <a:pPr algn="r">
+              <a:lnSpc>
+                <a:spcPct val="150000"/>
+              </a:lnSpc>
+            </a:pPr>
+            <a:r>
+              <a:rPr lang="en-US" sz="700" dirty="0" smtClean="0">
+                <a:solidFill>
+                  <a:schemeClr val="accent4">
+                    <a:lumMod val="65000"/>
+                    <a:lumOff val="35000"/>
+                  </a:schemeClr>
+                </a:solidFill>
+              </a:rPr>
+              <a:t>Physical Sciences and Engineering</a:t>
+            </a:r>
+          </a:p>
+          <a:p>
+            <a:pPr algn="r">
+              <a:lnSpc>
+                <a:spcPct val="150000"/>
+              </a:lnSpc>
+            </a:pPr>
+            <a:r>
+              <a:rPr lang="en-US" sz="700" b="1" dirty="0" smtClean="0">
+                <a:solidFill>
+                  <a:schemeClr val="accent4">
+                    <a:lumMod val="65000"/>
+                    <a:lumOff val="35000"/>
+                  </a:schemeClr>
+                </a:solidFill>
+              </a:rPr>
+              <a:t>S</a:t>
+            </a:r>
+            <a:r>
+              <a:rPr lang="en-US" sz="700" dirty="0" smtClean="0">
+                <a:solidFill>
+                  <a:schemeClr val="accent4">
+                    <a:lumMod val="65000"/>
+                    <a:lumOff val="35000"/>
+                  </a:schemeClr>
+                </a:solidFill>
+              </a:rPr>
+              <a:t>ocial Sciences and Humanities</a:t>
+            </a:r>
+            <a:endParaRPr lang="nl-NL" sz="700" dirty="0">
+              <a:solidFill>
+                <a:schemeClr val="accent4">
+                  <a:lumMod val="65000"/>
+                  <a:lumOff val="35000"/>
+                </a:schemeClr>
+              </a:solidFill>
             </a:endParaRPr>
           </a:p>
         </p:txBody>
@@ -18958,7 +20450,7 @@
     </p:spTree>
     <p:extLst>
       <p:ext uri="{BB962C8B-B14F-4D97-AF65-F5344CB8AC3E}">
-        <p14:creationId xmlns:p14="http://schemas.microsoft.com/office/powerpoint/2010/main" val="2907659654"/>
+        <p14:creationId xmlns:p14="http://schemas.microsoft.com/office/powerpoint/2010/main" val="148915795"/>
       </p:ext>
     </p:extLst>
   </p:cSld>
@@ -19001,7 +20493,7 @@
         <p:spPr>
           <a:xfrm>
             <a:off x="323528" y="267494"/>
-            <a:ext cx="8784976" cy="830997"/>
+            <a:ext cx="8784976" cy="707886"/>
           </a:xfrm>
           <a:prstGeom prst="rect">
             <a:avLst/>
@@ -19015,7 +20507,7 @@
           <a:lstStyle/>
           <a:p>
             <a:r>
-              <a:rPr lang="en-GB" sz="2400" b="1" dirty="0">
+              <a:rPr lang="en-GB" sz="2000" b="1" dirty="0">
                 <a:solidFill>
                   <a:srgbClr val="C00000"/>
                 </a:solidFill>
@@ -19025,7 +20517,7 @@
               <a:t>RQ3: Which additional factors influence the relationship between OA and </a:t>
             </a:r>
             <a:r>
-              <a:rPr lang="en-GB" sz="2400" b="1" dirty="0" err="1" smtClean="0">
+              <a:rPr lang="en-GB" sz="2000" b="1" dirty="0" err="1" smtClean="0">
                 <a:solidFill>
                   <a:srgbClr val="C00000"/>
                 </a:solidFill>
@@ -19035,16 +20527,16 @@
               <a:t>altmetrics</a:t>
             </a:r>
             <a:r>
-              <a:rPr lang="en-GB" sz="2400" b="1" dirty="0" smtClean="0">
+              <a:rPr lang="en-GB" sz="2000" b="1" dirty="0" smtClean="0">
                 <a:solidFill>
                   <a:srgbClr val="C00000"/>
                 </a:solidFill>
                 <a:latin typeface="Calibri" panose="020F0502020204030204" pitchFamily="34" charset="0"/>
                 <a:cs typeface="Calibri" panose="020F0502020204030204" pitchFamily="34" charset="0"/>
               </a:rPr>
-              <a:t>?</a:t>
-            </a:r>
-            <a:endParaRPr lang="de-DE" sz="2400" b="1" dirty="0" smtClean="0">
+              <a:t>? -&gt; Disciplines</a:t>
+            </a:r>
+            <a:endParaRPr lang="de-DE" sz="2000" b="1" dirty="0" smtClean="0">
               <a:solidFill>
                 <a:srgbClr val="C00000"/>
               </a:solidFill>
@@ -19114,7 +20606,7 @@
         </p:blipFill>
         <p:spPr>
           <a:xfrm>
-            <a:off x="611560" y="807974"/>
+            <a:off x="611560" y="843558"/>
             <a:ext cx="7560000" cy="3780000"/>
           </a:xfrm>
           <a:prstGeom prst="rect">
@@ -19122,10 +20614,147 @@
           </a:prstGeom>
         </p:spPr>
       </p:pic>
+      <p:sp>
+        <p:nvSpPr>
+          <p:cNvPr id="4" name="TextBox 3"/>
+          <p:cNvSpPr txBox="1"/>
+          <p:nvPr/>
+        </p:nvSpPr>
+        <p:spPr>
+          <a:xfrm rot="16200000">
+            <a:off x="828932" y="3058652"/>
+            <a:ext cx="1726351" cy="900246"/>
+          </a:xfrm>
+          <a:prstGeom prst="rect">
+            <a:avLst/>
+          </a:prstGeom>
+          <a:solidFill>
+            <a:schemeClr val="bg1"/>
+          </a:solidFill>
+          <a:ln>
+            <a:noFill/>
+          </a:ln>
+        </p:spPr>
+        <p:txBody>
+          <a:bodyPr wrap="square" rIns="72000" rtlCol="0">
+            <a:spAutoFit/>
+          </a:bodyPr>
+          <a:lstStyle/>
+          <a:p>
+            <a:pPr algn="r">
+              <a:lnSpc>
+                <a:spcPct val="150000"/>
+              </a:lnSpc>
+            </a:pPr>
+            <a:r>
+              <a:rPr lang="en-US" sz="700" dirty="0" smtClean="0">
+                <a:solidFill>
+                  <a:schemeClr val="accent4">
+                    <a:lumMod val="65000"/>
+                    <a:lumOff val="35000"/>
+                  </a:schemeClr>
+                </a:solidFill>
+              </a:rPr>
+              <a:t>Biomedical and Health Sciences</a:t>
+            </a:r>
+          </a:p>
+          <a:p>
+            <a:pPr algn="r">
+              <a:lnSpc>
+                <a:spcPct val="150000"/>
+              </a:lnSpc>
+            </a:pPr>
+            <a:r>
+              <a:rPr lang="en-US" sz="700" dirty="0" smtClean="0">
+                <a:solidFill>
+                  <a:schemeClr val="accent4">
+                    <a:lumMod val="65000"/>
+                    <a:lumOff val="35000"/>
+                  </a:schemeClr>
+                </a:solidFill>
+              </a:rPr>
+              <a:t>Life and Earth Sciences</a:t>
+            </a:r>
+          </a:p>
+          <a:p>
+            <a:pPr algn="r">
+              <a:lnSpc>
+                <a:spcPct val="150000"/>
+              </a:lnSpc>
+            </a:pPr>
+            <a:r>
+              <a:rPr lang="en-US" sz="700" dirty="0" smtClean="0">
+                <a:solidFill>
+                  <a:schemeClr val="accent4">
+                    <a:lumMod val="65000"/>
+                    <a:lumOff val="35000"/>
+                  </a:schemeClr>
+                </a:solidFill>
+              </a:rPr>
+              <a:t>Mathematical and Computer Sciences</a:t>
+            </a:r>
+          </a:p>
+          <a:p>
+            <a:pPr algn="r">
+              <a:lnSpc>
+                <a:spcPct val="150000"/>
+              </a:lnSpc>
+            </a:pPr>
+            <a:r>
+              <a:rPr lang="en-US" sz="700" dirty="0" smtClean="0">
+                <a:solidFill>
+                  <a:schemeClr val="accent4">
+                    <a:lumMod val="65000"/>
+                    <a:lumOff val="35000"/>
+                  </a:schemeClr>
+                </a:solidFill>
+              </a:rPr>
+              <a:t>Physical Sciences and Engineering</a:t>
+            </a:r>
+          </a:p>
+          <a:p>
+            <a:pPr algn="r">
+              <a:lnSpc>
+                <a:spcPct val="150000"/>
+              </a:lnSpc>
+            </a:pPr>
+            <a:r>
+              <a:rPr lang="en-US" sz="700" b="1" dirty="0" smtClean="0">
+                <a:solidFill>
+                  <a:schemeClr val="accent4">
+                    <a:lumMod val="65000"/>
+                    <a:lumOff val="35000"/>
+                  </a:schemeClr>
+                </a:solidFill>
+              </a:rPr>
+              <a:t>S</a:t>
+            </a:r>
+            <a:r>
+              <a:rPr lang="en-US" sz="700" dirty="0" smtClean="0">
+                <a:solidFill>
+                  <a:schemeClr val="accent4">
+                    <a:lumMod val="65000"/>
+                    <a:lumOff val="35000"/>
+                  </a:schemeClr>
+                </a:solidFill>
+              </a:rPr>
+              <a:t>ocial Sciences and Humanities</a:t>
+            </a:r>
+            <a:endParaRPr lang="nl-NL" sz="700" dirty="0">
+              <a:solidFill>
+                <a:schemeClr val="accent4">
+                  <a:lumMod val="65000"/>
+                  <a:lumOff val="35000"/>
+                </a:schemeClr>
+              </a:solidFill>
+            </a:endParaRPr>
+          </a:p>
+        </p:txBody>
+      </p:sp>
     </p:spTree>
     <p:extLst>
       <p:ext uri="{BB962C8B-B14F-4D97-AF65-F5344CB8AC3E}">
-        <p14:creationId xmlns:p14="http://schemas.microsoft.com/office/powerpoint/2010/main" val="148915795"/>
+        <p14:creationId xmlns:p14="http://schemas.microsoft.com/office/powerpoint/2010/main" val="1299274185"/>
       </p:ext>
     </p:extLst>
   </p:cSld>
@@ -19347,7 +20976,56 @@
                 <a:latin typeface="Calibri" panose="020F0502020204030204" pitchFamily="34" charset="0"/>
                 <a:cs typeface="Calibri" panose="020F0502020204030204" pitchFamily="34" charset="0"/>
               </a:rPr>
-              <a:t>, Fakhri Momeni) and ZBW (Isabella Peters, Nicholas Fraser).</a:t>
+              <a:t>, </a:t>
+            </a:r>
+            <a:r>
+              <a:rPr lang="en-GB" sz="1600" dirty="0" err="1" smtClean="0">
+                <a:latin typeface="Calibri" panose="020F0502020204030204" pitchFamily="34" charset="0"/>
+                <a:cs typeface="Calibri" panose="020F0502020204030204" pitchFamily="34" charset="0"/>
+              </a:rPr>
+              <a:t>Masoud</a:t>
+            </a:r>
+            <a:r>
+              <a:rPr lang="en-GB" sz="1600" dirty="0" smtClean="0">
+                <a:latin typeface="Calibri" panose="020F0502020204030204" pitchFamily="34" charset="0"/>
+                <a:cs typeface="Calibri" panose="020F0502020204030204" pitchFamily="34" charset="0"/>
+              </a:rPr>
+              <a:t> </a:t>
+            </a:r>
+            <a:r>
+              <a:rPr lang="en-GB" sz="1600" dirty="0" err="1" smtClean="0">
+                <a:latin typeface="Calibri" panose="020F0502020204030204" pitchFamily="34" charset="0"/>
+                <a:cs typeface="Calibri" panose="020F0502020204030204" pitchFamily="34" charset="0"/>
+              </a:rPr>
+              <a:t>Davari</a:t>
+            </a:r>
+            <a:r>
+              <a:rPr lang="en-GB" sz="1600" dirty="0" smtClean="0">
+                <a:latin typeface="Calibri" panose="020F0502020204030204" pitchFamily="34" charset="0"/>
+                <a:cs typeface="Calibri" panose="020F0502020204030204" pitchFamily="34" charset="0"/>
+              </a:rPr>
+              <a:t>, </a:t>
+            </a:r>
+            <a:r>
+              <a:rPr lang="en-GB" sz="1600" dirty="0" err="1" smtClean="0">
+                <a:latin typeface="Calibri" panose="020F0502020204030204" pitchFamily="34" charset="0"/>
+                <a:cs typeface="Calibri" panose="020F0502020204030204" pitchFamily="34" charset="0"/>
+              </a:rPr>
+              <a:t>Fakhri</a:t>
+            </a:r>
+            <a:r>
+              <a:rPr lang="en-GB" sz="1600" dirty="0" smtClean="0">
+                <a:latin typeface="Calibri" panose="020F0502020204030204" pitchFamily="34" charset="0"/>
+                <a:cs typeface="Calibri" panose="020F0502020204030204" pitchFamily="34" charset="0"/>
+              </a:rPr>
+              <a:t> </a:t>
+            </a:r>
+            <a:r>
+              <a:rPr lang="en-GB" sz="1600" dirty="0" smtClean="0">
+                <a:latin typeface="Calibri" panose="020F0502020204030204" pitchFamily="34" charset="0"/>
+                <a:cs typeface="Calibri" panose="020F0502020204030204" pitchFamily="34" charset="0"/>
+              </a:rPr>
+              <a:t>Momeni) and ZBW (Isabella Peters, Nicholas Fraser).</a:t>
             </a:r>
           </a:p>
           <a:p>
@@ -19487,7 +21165,7 @@
         <p:spPr>
           <a:xfrm>
             <a:off x="323528" y="267494"/>
-            <a:ext cx="8784976" cy="461665"/>
+            <a:ext cx="8784976" cy="707886"/>
           </a:xfrm>
           <a:prstGeom prst="rect">
             <a:avLst/>
@@ -19501,15 +21179,42 @@
           <a:lstStyle/>
           <a:p>
             <a:r>
-              <a:rPr lang="de-DE" sz="2400" b="1" dirty="0" smtClean="0">
+              <a:rPr lang="en-GB" sz="2000" b="1" dirty="0">
                 <a:solidFill>
                   <a:srgbClr val="C00000"/>
                 </a:solidFill>
                 <a:latin typeface="Calibri" panose="020F0502020204030204" pitchFamily="34" charset="0"/>
                 <a:cs typeface="Calibri" panose="020F0502020204030204" pitchFamily="34" charset="0"/>
               </a:rPr>
-              <a:t>Title</a:t>
-            </a:r>
+              <a:t>RQ3: Which additional factors influence the relationship between OA and </a:t>
+            </a:r>
+            <a:r>
+              <a:rPr lang="en-GB" sz="2000" b="1" dirty="0" err="1" smtClean="0">
+                <a:solidFill>
+                  <a:srgbClr val="C00000"/>
+                </a:solidFill>
+                <a:latin typeface="Calibri" panose="020F0502020204030204" pitchFamily="34" charset="0"/>
+                <a:cs typeface="Calibri" panose="020F0502020204030204" pitchFamily="34" charset="0"/>
+              </a:rPr>
+              <a:t>altmetrics</a:t>
+            </a:r>
+            <a:r>
+              <a:rPr lang="en-GB" sz="2000" b="1" dirty="0" smtClean="0">
+                <a:solidFill>
+                  <a:srgbClr val="C00000"/>
+                </a:solidFill>
+                <a:latin typeface="Calibri" panose="020F0502020204030204" pitchFamily="34" charset="0"/>
+                <a:cs typeface="Calibri" panose="020F0502020204030204" pitchFamily="34" charset="0"/>
+              </a:rPr>
+              <a:t>? -&gt; Journals</a:t>
+            </a:r>
+            <a:endParaRPr lang="de-DE" sz="2000" b="1" dirty="0" smtClean="0">
+              <a:solidFill>
+                <a:srgbClr val="C00000"/>
+              </a:solidFill>
+              <a:latin typeface="Calibri" panose="020F0502020204030204" pitchFamily="34" charset="0"/>
+              <a:cs typeface="Calibri" panose="020F0502020204030204" pitchFamily="34" charset="0"/>
+            </a:endParaRPr>
           </a:p>
         </p:txBody>
       </p:sp>
@@ -19541,58 +21246,50 @@
           </a:p>
         </p:txBody>
       </p:sp>
-      <p:sp>
-        <p:nvSpPr>
-          <p:cNvPr id="7" name="Textfeld 6"/>
-          <p:cNvSpPr txBox="1"/>
+      <p:pic>
+        <p:nvPicPr>
+          <p:cNvPr id="7" name="Grafik 4"/>
+          <p:cNvPicPr>
+            <a:picLocks noChangeAspect="1"/>
+          </p:cNvPicPr>
           <p:nvPr/>
-        </p:nvSpPr>
+        </p:nvPicPr>
+        <p:blipFill>
+          <a:blip r:embed="rId3">
+            <a:clrChange>
+              <a:clrFrom>
+                <a:srgbClr val="FFFFFF"/>
+              </a:clrFrom>
+              <a:clrTo>
+                <a:srgbClr val="FFFFFF">
+                  <a:alpha val="0"/>
+                </a:srgbClr>
+              </a:clrTo>
+            </a:clrChange>
+            <a:extLst>
+              <a:ext uri="{28A0092B-C50C-407E-A947-70E740481C1C}">
+                <a14:useLocalDpi xmlns:a14="http://schemas.microsoft.com/office/drawing/2010/main" val="0"/>
+              </a:ext>
+            </a:extLst>
+          </a:blip>
+          <a:stretch>
+            <a:fillRect/>
+          </a:stretch>
+        </p:blipFill>
         <p:spPr>
           <a:xfrm>
-            <a:off x="395536" y="1067604"/>
-            <a:ext cx="8208912" cy="830997"/>
+            <a:off x="611560" y="771550"/>
+            <a:ext cx="7560000" cy="3780000"/>
           </a:xfrm>
           <a:prstGeom prst="rect">
             <a:avLst/>
           </a:prstGeom>
-          <a:noFill/>
         </p:spPr>
-        <p:txBody>
-          <a:bodyPr wrap="square" rtlCol="0">
-            <a:spAutoFit/>
-          </a:bodyPr>
-          <a:lstStyle/>
-          <a:p>
-            <a:r>
-              <a:rPr lang="de-DE" sz="1600" dirty="0" smtClean="0">
-                <a:latin typeface="Calibri" panose="020F0502020204030204" pitchFamily="34" charset="0"/>
-                <a:cs typeface="Calibri" panose="020F0502020204030204" pitchFamily="34" charset="0"/>
-              </a:rPr>
-              <a:t>Text</a:t>
-            </a:r>
-            <a:endParaRPr lang="en-GB" sz="1600" dirty="0">
-              <a:latin typeface="Calibri" panose="020F0502020204030204" pitchFamily="34" charset="0"/>
-              <a:cs typeface="Calibri" panose="020F0502020204030204" pitchFamily="34" charset="0"/>
-            </a:endParaRPr>
-          </a:p>
-          <a:p>
-            <a:endParaRPr lang="de-DE" sz="1600" dirty="0">
-              <a:latin typeface="Calibri" panose="020F0502020204030204" pitchFamily="34" charset="0"/>
-              <a:cs typeface="Calibri" panose="020F0502020204030204" pitchFamily="34" charset="0"/>
-            </a:endParaRPr>
-          </a:p>
-          <a:p>
-            <a:endParaRPr lang="en-GB" sz="1600" dirty="0">
-              <a:latin typeface="Calibri" panose="020F0502020204030204" pitchFamily="34" charset="0"/>
-              <a:cs typeface="Calibri" panose="020F0502020204030204" pitchFamily="34" charset="0"/>
-            </a:endParaRPr>
-          </a:p>
-        </p:txBody>
-      </p:sp>
+      </p:pic>
     </p:spTree>
     <p:extLst>
       <p:ext uri="{BB962C8B-B14F-4D97-AF65-F5344CB8AC3E}">
-        <p14:creationId xmlns:p14="http://schemas.microsoft.com/office/powerpoint/2010/main" val="148915795"/>
+        <p14:creationId xmlns:p14="http://schemas.microsoft.com/office/powerpoint/2010/main" val="2949282627"/>
       </p:ext>
     </p:extLst>
   </p:cSld>
@@ -19635,7 +21332,7 @@
         <p:spPr>
           <a:xfrm>
             <a:off x="323528" y="267494"/>
-            <a:ext cx="8784976" cy="461665"/>
+            <a:ext cx="8784976" cy="707886"/>
           </a:xfrm>
           <a:prstGeom prst="rect">
             <a:avLst/>
@@ -19649,15 +21346,42 @@
           <a:lstStyle/>
           <a:p>
             <a:r>
-              <a:rPr lang="de-DE" sz="2400" b="1" dirty="0" smtClean="0">
+              <a:rPr lang="en-GB" sz="2000" b="1" dirty="0">
                 <a:solidFill>
                   <a:srgbClr val="C00000"/>
                 </a:solidFill>
                 <a:latin typeface="Calibri" panose="020F0502020204030204" pitchFamily="34" charset="0"/>
                 <a:cs typeface="Calibri" panose="020F0502020204030204" pitchFamily="34" charset="0"/>
               </a:rPr>
-              <a:t>Title</a:t>
-            </a:r>
+              <a:t>RQ3: Which additional factors influence the relationship between OA and </a:t>
+            </a:r>
+            <a:r>
+              <a:rPr lang="en-GB" sz="2000" b="1" dirty="0" err="1" smtClean="0">
+                <a:solidFill>
+                  <a:srgbClr val="C00000"/>
+                </a:solidFill>
+                <a:latin typeface="Calibri" panose="020F0502020204030204" pitchFamily="34" charset="0"/>
+                <a:cs typeface="Calibri" panose="020F0502020204030204" pitchFamily="34" charset="0"/>
+              </a:rPr>
+              <a:t>altmetrics</a:t>
+            </a:r>
+            <a:r>
+              <a:rPr lang="en-GB" sz="2000" b="1" dirty="0" smtClean="0">
+                <a:solidFill>
+                  <a:srgbClr val="C00000"/>
+                </a:solidFill>
+                <a:latin typeface="Calibri" panose="020F0502020204030204" pitchFamily="34" charset="0"/>
+                <a:cs typeface="Calibri" panose="020F0502020204030204" pitchFamily="34" charset="0"/>
+              </a:rPr>
+              <a:t>? -&gt; Journals</a:t>
+            </a:r>
+            <a:endParaRPr lang="de-DE" sz="2000" b="1" dirty="0" smtClean="0">
+              <a:solidFill>
+                <a:srgbClr val="C00000"/>
+              </a:solidFill>
+              <a:latin typeface="Calibri" panose="020F0502020204030204" pitchFamily="34" charset="0"/>
+              <a:cs typeface="Calibri" panose="020F0502020204030204" pitchFamily="34" charset="0"/>
+            </a:endParaRPr>
           </a:p>
         </p:txBody>
       </p:sp>
@@ -19689,58 +21413,50 @@
           </a:p>
         </p:txBody>
       </p:sp>
-      <p:sp>
-        <p:nvSpPr>
-          <p:cNvPr id="7" name="Textfeld 6"/>
-          <p:cNvSpPr txBox="1"/>
+      <p:pic>
+        <p:nvPicPr>
+          <p:cNvPr id="7" name="Grafik 4"/>
+          <p:cNvPicPr>
+            <a:picLocks noChangeAspect="1"/>
+          </p:cNvPicPr>
           <p:nvPr/>
-        </p:nvSpPr>
+        </p:nvPicPr>
+        <p:blipFill>
+          <a:blip r:embed="rId3">
+            <a:clrChange>
+              <a:clrFrom>
+                <a:srgbClr val="FFFFFF"/>
+              </a:clrFrom>
+              <a:clrTo>
+                <a:srgbClr val="FFFFFF">
+                  <a:alpha val="0"/>
+                </a:srgbClr>
+              </a:clrTo>
+            </a:clrChange>
+            <a:extLst>
+              <a:ext uri="{28A0092B-C50C-407E-A947-70E740481C1C}">
+                <a14:useLocalDpi xmlns:a14="http://schemas.microsoft.com/office/drawing/2010/main" val="0"/>
+              </a:ext>
+            </a:extLst>
+          </a:blip>
+          <a:stretch>
+            <a:fillRect/>
+          </a:stretch>
+        </p:blipFill>
         <p:spPr>
           <a:xfrm>
-            <a:off x="395536" y="1067604"/>
-            <a:ext cx="8208912" cy="830997"/>
+            <a:off x="611560" y="771550"/>
+            <a:ext cx="7560000" cy="3780000"/>
           </a:xfrm>
           <a:prstGeom prst="rect">
             <a:avLst/>
           </a:prstGeom>
-          <a:noFill/>
         </p:spPr>
-        <p:txBody>
-          <a:bodyPr wrap="square" rtlCol="0">
-            <a:spAutoFit/>
-          </a:bodyPr>
-          <a:lstStyle/>
-          <a:p>
-            <a:r>
-              <a:rPr lang="de-DE" sz="1600" dirty="0" smtClean="0">
-                <a:latin typeface="Calibri" panose="020F0502020204030204" pitchFamily="34" charset="0"/>
-                <a:cs typeface="Calibri" panose="020F0502020204030204" pitchFamily="34" charset="0"/>
-              </a:rPr>
-              <a:t>Text</a:t>
-            </a:r>
-            <a:endParaRPr lang="en-GB" sz="1600" dirty="0">
-              <a:latin typeface="Calibri" panose="020F0502020204030204" pitchFamily="34" charset="0"/>
-              <a:cs typeface="Calibri" panose="020F0502020204030204" pitchFamily="34" charset="0"/>
-            </a:endParaRPr>
-          </a:p>
-          <a:p>
-            <a:endParaRPr lang="de-DE" sz="1600" dirty="0">
-              <a:latin typeface="Calibri" panose="020F0502020204030204" pitchFamily="34" charset="0"/>
-              <a:cs typeface="Calibri" panose="020F0502020204030204" pitchFamily="34" charset="0"/>
-            </a:endParaRPr>
-          </a:p>
-          <a:p>
-            <a:endParaRPr lang="en-GB" sz="1600" dirty="0">
-              <a:latin typeface="Calibri" panose="020F0502020204030204" pitchFamily="34" charset="0"/>
-              <a:cs typeface="Calibri" panose="020F0502020204030204" pitchFamily="34" charset="0"/>
-            </a:endParaRPr>
-          </a:p>
-        </p:txBody>
-      </p:sp>
+      </p:pic>
     </p:spTree>
     <p:extLst>
       <p:ext uri="{BB962C8B-B14F-4D97-AF65-F5344CB8AC3E}">
-        <p14:creationId xmlns:p14="http://schemas.microsoft.com/office/powerpoint/2010/main" val="148915795"/>
+        <p14:creationId xmlns:p14="http://schemas.microsoft.com/office/powerpoint/2010/main" val="181685129"/>
       </p:ext>
     </p:extLst>
   </p:cSld>
@@ -19783,7 +21499,7 @@
         <p:spPr>
           <a:xfrm>
             <a:off x="323528" y="267494"/>
-            <a:ext cx="8784976" cy="830997"/>
+            <a:ext cx="8784976" cy="707886"/>
           </a:xfrm>
           <a:prstGeom prst="rect">
             <a:avLst/>
@@ -19797,56 +21513,36 @@
           <a:lstStyle/>
           <a:p>
             <a:r>
-              <a:rPr lang="en-GB" sz="2400" b="1" dirty="0">
+              <a:rPr lang="en-GB" sz="2000" b="1" dirty="0">
                 <a:solidFill>
                   <a:srgbClr val="C00000"/>
                 </a:solidFill>
                 <a:latin typeface="Calibri" panose="020F0502020204030204" pitchFamily="34" charset="0"/>
                 <a:cs typeface="Calibri" panose="020F0502020204030204" pitchFamily="34" charset="0"/>
               </a:rPr>
-              <a:t>RQ4: What are the limitations </a:t>
-            </a:r>
-            <a:r>
-              <a:rPr lang="en-GB" sz="2400" b="1" dirty="0" smtClean="0">
+              <a:t>RQ3: Which additional factors influence the relationship between OA and </a:t>
+            </a:r>
+            <a:r>
+              <a:rPr lang="en-GB" sz="2000" b="1" dirty="0" err="1" smtClean="0">
                 <a:solidFill>
                   <a:srgbClr val="C00000"/>
                 </a:solidFill>
                 <a:latin typeface="Calibri" panose="020F0502020204030204" pitchFamily="34" charset="0"/>
                 <a:cs typeface="Calibri" panose="020F0502020204030204" pitchFamily="34" charset="0"/>
               </a:rPr>
-              <a:t>in </a:t>
-            </a:r>
-            <a:r>
-              <a:rPr lang="en-GB" sz="2400" b="1" dirty="0">
+              <a:t>altmetrics</a:t>
+            </a:r>
+            <a:r>
+              <a:rPr lang="en-GB" sz="2000" b="1" dirty="0" smtClean="0">
                 <a:solidFill>
                   <a:srgbClr val="C00000"/>
                 </a:solidFill>
                 <a:latin typeface="Calibri" panose="020F0502020204030204" pitchFamily="34" charset="0"/>
                 <a:cs typeface="Calibri" panose="020F0502020204030204" pitchFamily="34" charset="0"/>
               </a:rPr>
-              <a:t>measuring the large-scale relationship between OA and </a:t>
-            </a:r>
-            <a:r>
-              <a:rPr lang="en-GB" sz="2400" b="1" dirty="0" err="1">
-                <a:solidFill>
-                  <a:srgbClr val="C00000"/>
-                </a:solidFill>
-                <a:latin typeface="Calibri" panose="020F0502020204030204" pitchFamily="34" charset="0"/>
-                <a:cs typeface="Calibri" panose="020F0502020204030204" pitchFamily="34" charset="0"/>
-              </a:rPr>
-              <a:t>altmetrics</a:t>
-            </a:r>
-            <a:r>
-              <a:rPr lang="en-GB" sz="2400" b="1" dirty="0" smtClean="0">
-                <a:solidFill>
-                  <a:srgbClr val="C00000"/>
-                </a:solidFill>
-                <a:latin typeface="Calibri" panose="020F0502020204030204" pitchFamily="34" charset="0"/>
-                <a:cs typeface="Calibri" panose="020F0502020204030204" pitchFamily="34" charset="0"/>
-              </a:rPr>
-              <a:t>?</a:t>
-            </a:r>
-            <a:endParaRPr lang="en-GB" sz="2400" b="1" dirty="0">
+              <a:t>? -&gt; Countries?</a:t>
+            </a:r>
+            <a:endParaRPr lang="de-DE" sz="2000" b="1" dirty="0" smtClean="0">
               <a:solidFill>
                 <a:srgbClr val="C00000"/>
               </a:solidFill>
@@ -19884,705 +21580,10 @@
           </a:p>
         </p:txBody>
       </p:sp>
-      <p:sp>
-        <p:nvSpPr>
-          <p:cNvPr id="7" name="Textfeld 6"/>
-          <p:cNvSpPr txBox="1"/>
-          <p:nvPr/>
-        </p:nvSpPr>
-        <p:spPr>
-          <a:xfrm>
-            <a:off x="322040" y="1419622"/>
-            <a:ext cx="8208912" cy="1815882"/>
-          </a:xfrm>
-          <a:prstGeom prst="rect">
-            <a:avLst/>
-          </a:prstGeom>
-          <a:noFill/>
-        </p:spPr>
-        <p:txBody>
-          <a:bodyPr wrap="square" rtlCol="0">
-            <a:spAutoFit/>
-          </a:bodyPr>
-          <a:lstStyle/>
-          <a:p>
-            <a:pPr marL="285750" indent="-285750">
-              <a:buFont typeface="Arial" panose="020B0604020202020204" pitchFamily="34" charset="0"/>
-              <a:buChar char="•"/>
-            </a:pPr>
-            <a:r>
-              <a:rPr lang="de-DE" sz="1600" dirty="0" smtClean="0">
-                <a:latin typeface="Calibri" panose="020F0502020204030204" pitchFamily="34" charset="0"/>
-                <a:cs typeface="Calibri" panose="020F0502020204030204" pitchFamily="34" charset="0"/>
-              </a:rPr>
-              <a:t>Units </a:t>
-            </a:r>
-            <a:r>
-              <a:rPr lang="de-DE" sz="1600" dirty="0" err="1" smtClean="0">
-                <a:latin typeface="Calibri" panose="020F0502020204030204" pitchFamily="34" charset="0"/>
-                <a:cs typeface="Calibri" panose="020F0502020204030204" pitchFamily="34" charset="0"/>
-              </a:rPr>
-              <a:t>of</a:t>
-            </a:r>
-            <a:r>
-              <a:rPr lang="de-DE" sz="1600" dirty="0" smtClean="0">
-                <a:latin typeface="Calibri" panose="020F0502020204030204" pitchFamily="34" charset="0"/>
-                <a:cs typeface="Calibri" panose="020F0502020204030204" pitchFamily="34" charset="0"/>
-              </a:rPr>
-              <a:t> </a:t>
-            </a:r>
-            <a:r>
-              <a:rPr lang="de-DE" sz="1600" dirty="0" err="1" smtClean="0">
-                <a:latin typeface="Calibri" panose="020F0502020204030204" pitchFamily="34" charset="0"/>
-                <a:cs typeface="Calibri" panose="020F0502020204030204" pitchFamily="34" charset="0"/>
-              </a:rPr>
-              <a:t>analysis</a:t>
-            </a:r>
-            <a:r>
-              <a:rPr lang="de-DE" sz="1600" dirty="0" smtClean="0">
-                <a:latin typeface="Calibri" panose="020F0502020204030204" pitchFamily="34" charset="0"/>
-                <a:cs typeface="Calibri" panose="020F0502020204030204" pitchFamily="34" charset="0"/>
-              </a:rPr>
-              <a:t> (</a:t>
-            </a:r>
-            <a:r>
-              <a:rPr lang="de-DE" sz="1600" dirty="0" err="1" smtClean="0">
-                <a:latin typeface="Calibri" panose="020F0502020204030204" pitchFamily="34" charset="0"/>
-                <a:cs typeface="Calibri" panose="020F0502020204030204" pitchFamily="34" charset="0"/>
-              </a:rPr>
-              <a:t>discipline</a:t>
-            </a:r>
-            <a:r>
-              <a:rPr lang="de-DE" sz="1600" dirty="0" smtClean="0">
-                <a:latin typeface="Calibri" panose="020F0502020204030204" pitchFamily="34" charset="0"/>
-                <a:cs typeface="Calibri" panose="020F0502020204030204" pitchFamily="34" charset="0"/>
-              </a:rPr>
-              <a:t>/countries/</a:t>
-            </a:r>
-            <a:r>
-              <a:rPr lang="de-DE" sz="1600" dirty="0" err="1" smtClean="0">
-                <a:latin typeface="Calibri" panose="020F0502020204030204" pitchFamily="34" charset="0"/>
-                <a:cs typeface="Calibri" panose="020F0502020204030204" pitchFamily="34" charset="0"/>
-              </a:rPr>
-              <a:t>document</a:t>
-            </a:r>
-            <a:r>
-              <a:rPr lang="de-DE" sz="1600" dirty="0" smtClean="0">
-                <a:latin typeface="Calibri" panose="020F0502020204030204" pitchFamily="34" charset="0"/>
-                <a:cs typeface="Calibri" panose="020F0502020204030204" pitchFamily="34" charset="0"/>
-              </a:rPr>
-              <a:t> </a:t>
-            </a:r>
-            <a:r>
-              <a:rPr lang="de-DE" sz="1600" dirty="0" err="1" smtClean="0">
-                <a:latin typeface="Calibri" panose="020F0502020204030204" pitchFamily="34" charset="0"/>
-                <a:cs typeface="Calibri" panose="020F0502020204030204" pitchFamily="34" charset="0"/>
-              </a:rPr>
-              <a:t>types</a:t>
-            </a:r>
-            <a:r>
-              <a:rPr lang="de-DE" sz="1600" dirty="0" smtClean="0">
-                <a:latin typeface="Calibri" panose="020F0502020204030204" pitchFamily="34" charset="0"/>
-                <a:cs typeface="Calibri" panose="020F0502020204030204" pitchFamily="34" charset="0"/>
-              </a:rPr>
-              <a:t>) </a:t>
-            </a:r>
-            <a:r>
-              <a:rPr lang="de-DE" sz="1600" dirty="0" err="1" smtClean="0">
-                <a:latin typeface="Calibri" panose="020F0502020204030204" pitchFamily="34" charset="0"/>
-                <a:cs typeface="Calibri" panose="020F0502020204030204" pitchFamily="34" charset="0"/>
-              </a:rPr>
-              <a:t>cannot</a:t>
-            </a:r>
-            <a:r>
-              <a:rPr lang="de-DE" sz="1600" dirty="0" smtClean="0">
-                <a:latin typeface="Calibri" panose="020F0502020204030204" pitchFamily="34" charset="0"/>
-                <a:cs typeface="Calibri" panose="020F0502020204030204" pitchFamily="34" charset="0"/>
-              </a:rPr>
-              <a:t> </a:t>
-            </a:r>
-            <a:r>
-              <a:rPr lang="de-DE" sz="1600" dirty="0" err="1" smtClean="0">
-                <a:latin typeface="Calibri" panose="020F0502020204030204" pitchFamily="34" charset="0"/>
-                <a:cs typeface="Calibri" panose="020F0502020204030204" pitchFamily="34" charset="0"/>
-              </a:rPr>
-              <a:t>be</a:t>
-            </a:r>
-            <a:r>
-              <a:rPr lang="de-DE" sz="1600" dirty="0" smtClean="0">
-                <a:latin typeface="Calibri" panose="020F0502020204030204" pitchFamily="34" charset="0"/>
-                <a:cs typeface="Calibri" panose="020F0502020204030204" pitchFamily="34" charset="0"/>
-              </a:rPr>
-              <a:t> </a:t>
-            </a:r>
-            <a:r>
-              <a:rPr lang="de-DE" sz="1600" dirty="0" err="1" smtClean="0">
-                <a:latin typeface="Calibri" panose="020F0502020204030204" pitchFamily="34" charset="0"/>
-                <a:cs typeface="Calibri" panose="020F0502020204030204" pitchFamily="34" charset="0"/>
-              </a:rPr>
-              <a:t>considered</a:t>
-            </a:r>
-            <a:r>
-              <a:rPr lang="de-DE" sz="1600" dirty="0" smtClean="0">
-                <a:latin typeface="Calibri" panose="020F0502020204030204" pitchFamily="34" charset="0"/>
-                <a:cs typeface="Calibri" panose="020F0502020204030204" pitchFamily="34" charset="0"/>
-              </a:rPr>
-              <a:t> in </a:t>
-            </a:r>
-            <a:r>
-              <a:rPr lang="de-DE" sz="1600" dirty="0" err="1" smtClean="0">
-                <a:latin typeface="Calibri" panose="020F0502020204030204" pitchFamily="34" charset="0"/>
-                <a:cs typeface="Calibri" panose="020F0502020204030204" pitchFamily="34" charset="0"/>
-              </a:rPr>
-              <a:t>isolation</a:t>
-            </a:r>
-            <a:r>
-              <a:rPr lang="de-DE" sz="1600" dirty="0" smtClean="0">
-                <a:latin typeface="Calibri" panose="020F0502020204030204" pitchFamily="34" charset="0"/>
-                <a:cs typeface="Calibri" panose="020F0502020204030204" pitchFamily="34" charset="0"/>
-              </a:rPr>
-              <a:t> – </a:t>
-            </a:r>
-            <a:r>
-              <a:rPr lang="de-DE" sz="1600" dirty="0" err="1" smtClean="0">
-                <a:latin typeface="Calibri" panose="020F0502020204030204" pitchFamily="34" charset="0"/>
-                <a:cs typeface="Calibri" panose="020F0502020204030204" pitchFamily="34" charset="0"/>
-              </a:rPr>
-              <a:t>there</a:t>
-            </a:r>
-            <a:r>
-              <a:rPr lang="de-DE" sz="1600" dirty="0" smtClean="0">
-                <a:latin typeface="Calibri" panose="020F0502020204030204" pitchFamily="34" charset="0"/>
-                <a:cs typeface="Calibri" panose="020F0502020204030204" pitchFamily="34" charset="0"/>
-              </a:rPr>
-              <a:t> </a:t>
-            </a:r>
-            <a:r>
-              <a:rPr lang="de-DE" sz="1600" dirty="0" err="1" smtClean="0">
-                <a:latin typeface="Calibri" panose="020F0502020204030204" pitchFamily="34" charset="0"/>
-                <a:cs typeface="Calibri" panose="020F0502020204030204" pitchFamily="34" charset="0"/>
-              </a:rPr>
-              <a:t>is</a:t>
-            </a:r>
-            <a:r>
-              <a:rPr lang="de-DE" sz="1600" dirty="0" smtClean="0">
-                <a:latin typeface="Calibri" panose="020F0502020204030204" pitchFamily="34" charset="0"/>
-                <a:cs typeface="Calibri" panose="020F0502020204030204" pitchFamily="34" charset="0"/>
-              </a:rPr>
-              <a:t> </a:t>
-            </a:r>
-            <a:r>
-              <a:rPr lang="de-DE" sz="1600" dirty="0" err="1" smtClean="0">
-                <a:latin typeface="Calibri" panose="020F0502020204030204" pitchFamily="34" charset="0"/>
-                <a:cs typeface="Calibri" panose="020F0502020204030204" pitchFamily="34" charset="0"/>
-              </a:rPr>
-              <a:t>likely</a:t>
-            </a:r>
-            <a:r>
-              <a:rPr lang="de-DE" sz="1600" dirty="0" smtClean="0">
-                <a:latin typeface="Calibri" panose="020F0502020204030204" pitchFamily="34" charset="0"/>
-                <a:cs typeface="Calibri" panose="020F0502020204030204" pitchFamily="34" charset="0"/>
-              </a:rPr>
-              <a:t> </a:t>
-            </a:r>
-            <a:r>
-              <a:rPr lang="de-DE" sz="1600" dirty="0" err="1" smtClean="0">
-                <a:latin typeface="Calibri" panose="020F0502020204030204" pitchFamily="34" charset="0"/>
-                <a:cs typeface="Calibri" panose="020F0502020204030204" pitchFamily="34" charset="0"/>
-              </a:rPr>
-              <a:t>interaction</a:t>
-            </a:r>
-            <a:r>
-              <a:rPr lang="de-DE" sz="1600" dirty="0" smtClean="0">
-                <a:latin typeface="Calibri" panose="020F0502020204030204" pitchFamily="34" charset="0"/>
-                <a:cs typeface="Calibri" panose="020F0502020204030204" pitchFamily="34" charset="0"/>
-              </a:rPr>
-              <a:t> </a:t>
-            </a:r>
-            <a:r>
-              <a:rPr lang="de-DE" sz="1600" dirty="0" err="1" smtClean="0">
-                <a:latin typeface="Calibri" panose="020F0502020204030204" pitchFamily="34" charset="0"/>
-                <a:cs typeface="Calibri" panose="020F0502020204030204" pitchFamily="34" charset="0"/>
-              </a:rPr>
-              <a:t>between</a:t>
-            </a:r>
-            <a:r>
-              <a:rPr lang="de-DE" sz="1600" dirty="0" smtClean="0">
-                <a:latin typeface="Calibri" panose="020F0502020204030204" pitchFamily="34" charset="0"/>
-                <a:cs typeface="Calibri" panose="020F0502020204030204" pitchFamily="34" charset="0"/>
-              </a:rPr>
-              <a:t> </a:t>
-            </a:r>
-            <a:r>
-              <a:rPr lang="de-DE" sz="1600" dirty="0" err="1" smtClean="0">
-                <a:latin typeface="Calibri" panose="020F0502020204030204" pitchFamily="34" charset="0"/>
-                <a:cs typeface="Calibri" panose="020F0502020204030204" pitchFamily="34" charset="0"/>
-              </a:rPr>
-              <a:t>each</a:t>
-            </a:r>
-            <a:r>
-              <a:rPr lang="de-DE" sz="1600" dirty="0" smtClean="0">
-                <a:latin typeface="Calibri" panose="020F0502020204030204" pitchFamily="34" charset="0"/>
-                <a:cs typeface="Calibri" panose="020F0502020204030204" pitchFamily="34" charset="0"/>
-              </a:rPr>
-              <a:t> </a:t>
-            </a:r>
-            <a:r>
-              <a:rPr lang="de-DE" sz="1600" dirty="0" err="1" smtClean="0">
-                <a:latin typeface="Calibri" panose="020F0502020204030204" pitchFamily="34" charset="0"/>
-                <a:cs typeface="Calibri" panose="020F0502020204030204" pitchFamily="34" charset="0"/>
-              </a:rPr>
-              <a:t>unit</a:t>
-            </a:r>
-            <a:r>
-              <a:rPr lang="de-DE" sz="1600" dirty="0" smtClean="0">
-                <a:latin typeface="Calibri" panose="020F0502020204030204" pitchFamily="34" charset="0"/>
-                <a:cs typeface="Calibri" panose="020F0502020204030204" pitchFamily="34" charset="0"/>
-              </a:rPr>
-              <a:t>.</a:t>
-            </a:r>
-          </a:p>
-          <a:p>
-            <a:pPr marL="285750" indent="-285750">
-              <a:buFont typeface="Arial" panose="020B0604020202020204" pitchFamily="34" charset="0"/>
-              <a:buChar char="•"/>
-            </a:pPr>
-            <a:endParaRPr lang="de-DE" sz="1600" dirty="0" smtClean="0">
-              <a:latin typeface="Calibri" panose="020F0502020204030204" pitchFamily="34" charset="0"/>
-              <a:cs typeface="Calibri" panose="020F0502020204030204" pitchFamily="34" charset="0"/>
-            </a:endParaRPr>
-          </a:p>
-          <a:p>
-            <a:pPr marL="285750" indent="-285750">
-              <a:buFont typeface="Arial" panose="020B0604020202020204" pitchFamily="34" charset="0"/>
-              <a:buChar char="•"/>
-            </a:pPr>
-            <a:r>
-              <a:rPr lang="de-DE" sz="1600" dirty="0" smtClean="0">
-                <a:latin typeface="Calibri" panose="020F0502020204030204" pitchFamily="34" charset="0"/>
-                <a:cs typeface="Calibri" panose="020F0502020204030204" pitchFamily="34" charset="0"/>
-              </a:rPr>
-              <a:t>Data </a:t>
-            </a:r>
-            <a:r>
-              <a:rPr lang="de-DE" sz="1600" dirty="0" err="1" smtClean="0">
-                <a:latin typeface="Calibri" panose="020F0502020204030204" pitchFamily="34" charset="0"/>
-                <a:cs typeface="Calibri" panose="020F0502020204030204" pitchFamily="34" charset="0"/>
-              </a:rPr>
-              <a:t>presented</a:t>
-            </a:r>
-            <a:r>
-              <a:rPr lang="de-DE" sz="1600" dirty="0" smtClean="0">
-                <a:latin typeface="Calibri" panose="020F0502020204030204" pitchFamily="34" charset="0"/>
-                <a:cs typeface="Calibri" panose="020F0502020204030204" pitchFamily="34" charset="0"/>
-              </a:rPr>
-              <a:t> </a:t>
-            </a:r>
-            <a:r>
-              <a:rPr lang="de-DE" sz="1600" dirty="0" err="1" smtClean="0">
-                <a:latin typeface="Calibri" panose="020F0502020204030204" pitchFamily="34" charset="0"/>
-                <a:cs typeface="Calibri" panose="020F0502020204030204" pitchFamily="34" charset="0"/>
-              </a:rPr>
-              <a:t>here</a:t>
-            </a:r>
-            <a:r>
-              <a:rPr lang="de-DE" sz="1600" dirty="0" smtClean="0">
-                <a:latin typeface="Calibri" panose="020F0502020204030204" pitchFamily="34" charset="0"/>
-                <a:cs typeface="Calibri" panose="020F0502020204030204" pitchFamily="34" charset="0"/>
-              </a:rPr>
-              <a:t> </a:t>
-            </a:r>
-            <a:r>
-              <a:rPr lang="de-DE" sz="1600" dirty="0" err="1" smtClean="0">
-                <a:latin typeface="Calibri" panose="020F0502020204030204" pitchFamily="34" charset="0"/>
-                <a:cs typeface="Calibri" panose="020F0502020204030204" pitchFamily="34" charset="0"/>
-              </a:rPr>
-              <a:t>are</a:t>
-            </a:r>
-            <a:r>
-              <a:rPr lang="de-DE" sz="1600" dirty="0" smtClean="0">
-                <a:latin typeface="Calibri" panose="020F0502020204030204" pitchFamily="34" charset="0"/>
-                <a:cs typeface="Calibri" panose="020F0502020204030204" pitchFamily="34" charset="0"/>
-              </a:rPr>
-              <a:t> </a:t>
-            </a:r>
-            <a:r>
-              <a:rPr lang="de-DE" sz="1600" dirty="0" err="1" smtClean="0">
-                <a:latin typeface="Calibri" panose="020F0502020204030204" pitchFamily="34" charset="0"/>
-                <a:cs typeface="Calibri" panose="020F0502020204030204" pitchFamily="34" charset="0"/>
-              </a:rPr>
-              <a:t>purely</a:t>
-            </a:r>
-            <a:r>
-              <a:rPr lang="de-DE" sz="1600" dirty="0" smtClean="0">
-                <a:latin typeface="Calibri" panose="020F0502020204030204" pitchFamily="34" charset="0"/>
-                <a:cs typeface="Calibri" panose="020F0502020204030204" pitchFamily="34" charset="0"/>
-              </a:rPr>
-              <a:t> </a:t>
-            </a:r>
-            <a:r>
-              <a:rPr lang="de-DE" sz="1600" dirty="0" err="1" smtClean="0">
-                <a:latin typeface="Calibri" panose="020F0502020204030204" pitchFamily="34" charset="0"/>
-                <a:cs typeface="Calibri" panose="020F0502020204030204" pitchFamily="34" charset="0"/>
-              </a:rPr>
-              <a:t>observational</a:t>
-            </a:r>
-            <a:r>
-              <a:rPr lang="de-DE" sz="1600" dirty="0" smtClean="0">
-                <a:latin typeface="Calibri" panose="020F0502020204030204" pitchFamily="34" charset="0"/>
-                <a:cs typeface="Calibri" panose="020F0502020204030204" pitchFamily="34" charset="0"/>
-              </a:rPr>
-              <a:t> – </a:t>
-            </a:r>
-            <a:r>
-              <a:rPr lang="de-DE" sz="1600" dirty="0" err="1" smtClean="0">
-                <a:latin typeface="Calibri" panose="020F0502020204030204" pitchFamily="34" charset="0"/>
-                <a:cs typeface="Calibri" panose="020F0502020204030204" pitchFamily="34" charset="0"/>
-              </a:rPr>
-              <a:t>no</a:t>
-            </a:r>
-            <a:r>
-              <a:rPr lang="de-DE" sz="1600" dirty="0" smtClean="0">
-                <a:latin typeface="Calibri" panose="020F0502020204030204" pitchFamily="34" charset="0"/>
-                <a:cs typeface="Calibri" panose="020F0502020204030204" pitchFamily="34" charset="0"/>
-              </a:rPr>
-              <a:t> </a:t>
-            </a:r>
-            <a:r>
-              <a:rPr lang="de-DE" sz="1600" dirty="0" err="1" smtClean="0">
-                <a:latin typeface="Calibri" panose="020F0502020204030204" pitchFamily="34" charset="0"/>
-                <a:cs typeface="Calibri" panose="020F0502020204030204" pitchFamily="34" charset="0"/>
-              </a:rPr>
-              <a:t>proof</a:t>
-            </a:r>
-            <a:r>
-              <a:rPr lang="de-DE" sz="1600" dirty="0" smtClean="0">
-                <a:latin typeface="Calibri" panose="020F0502020204030204" pitchFamily="34" charset="0"/>
-                <a:cs typeface="Calibri" panose="020F0502020204030204" pitchFamily="34" charset="0"/>
-              </a:rPr>
-              <a:t> </a:t>
-            </a:r>
-            <a:r>
-              <a:rPr lang="de-DE" sz="1600" dirty="0" err="1" smtClean="0">
-                <a:latin typeface="Calibri" panose="020F0502020204030204" pitchFamily="34" charset="0"/>
-                <a:cs typeface="Calibri" panose="020F0502020204030204" pitchFamily="34" charset="0"/>
-              </a:rPr>
-              <a:t>of</a:t>
-            </a:r>
-            <a:r>
-              <a:rPr lang="de-DE" sz="1600" dirty="0" smtClean="0">
-                <a:latin typeface="Calibri" panose="020F0502020204030204" pitchFamily="34" charset="0"/>
-                <a:cs typeface="Calibri" panose="020F0502020204030204" pitchFamily="34" charset="0"/>
-              </a:rPr>
-              <a:t> </a:t>
-            </a:r>
-            <a:r>
-              <a:rPr lang="de-DE" sz="1600" dirty="0" err="1" smtClean="0">
-                <a:latin typeface="Calibri" panose="020F0502020204030204" pitchFamily="34" charset="0"/>
-                <a:cs typeface="Calibri" panose="020F0502020204030204" pitchFamily="34" charset="0"/>
-              </a:rPr>
-              <a:t>causality</a:t>
-            </a:r>
-            <a:r>
-              <a:rPr lang="de-DE" sz="1600" dirty="0" smtClean="0">
-                <a:latin typeface="Calibri" panose="020F0502020204030204" pitchFamily="34" charset="0"/>
-                <a:cs typeface="Calibri" panose="020F0502020204030204" pitchFamily="34" charset="0"/>
-              </a:rPr>
-              <a:t>.</a:t>
-            </a:r>
-          </a:p>
-          <a:p>
-            <a:pPr marL="285750" indent="-285750">
-              <a:buFont typeface="Arial" panose="020B0604020202020204" pitchFamily="34" charset="0"/>
-              <a:buChar char="•"/>
-            </a:pPr>
-            <a:endParaRPr lang="de-DE" sz="1600" dirty="0">
-              <a:latin typeface="Calibri" panose="020F0502020204030204" pitchFamily="34" charset="0"/>
-              <a:cs typeface="Calibri" panose="020F0502020204030204" pitchFamily="34" charset="0"/>
-            </a:endParaRPr>
-          </a:p>
-          <a:p>
-            <a:pPr marL="285750" indent="-285750">
-              <a:buFont typeface="Arial" panose="020B0604020202020204" pitchFamily="34" charset="0"/>
-              <a:buChar char="•"/>
-            </a:pPr>
-            <a:r>
-              <a:rPr lang="de-DE" sz="1600" dirty="0" err="1" smtClean="0">
-                <a:latin typeface="Calibri" panose="020F0502020204030204" pitchFamily="34" charset="0"/>
-                <a:cs typeface="Calibri" panose="020F0502020204030204" pitchFamily="34" charset="0"/>
-              </a:rPr>
-              <a:t>Significant</a:t>
-            </a:r>
-            <a:r>
-              <a:rPr lang="de-DE" sz="1600" dirty="0" smtClean="0">
-                <a:latin typeface="Calibri" panose="020F0502020204030204" pitchFamily="34" charset="0"/>
-                <a:cs typeface="Calibri" panose="020F0502020204030204" pitchFamily="34" charset="0"/>
-              </a:rPr>
-              <a:t> </a:t>
-            </a:r>
-            <a:r>
-              <a:rPr lang="de-DE" sz="1600" dirty="0" err="1" smtClean="0">
-                <a:latin typeface="Calibri" panose="020F0502020204030204" pitchFamily="34" charset="0"/>
-                <a:cs typeface="Calibri" panose="020F0502020204030204" pitchFamily="34" charset="0"/>
-              </a:rPr>
-              <a:t>barriers</a:t>
-            </a:r>
-            <a:r>
-              <a:rPr lang="de-DE" sz="1600" dirty="0" smtClean="0">
-                <a:latin typeface="Calibri" panose="020F0502020204030204" pitchFamily="34" charset="0"/>
-                <a:cs typeface="Calibri" panose="020F0502020204030204" pitchFamily="34" charset="0"/>
-              </a:rPr>
-              <a:t> </a:t>
-            </a:r>
-            <a:r>
-              <a:rPr lang="de-DE" sz="1600" dirty="0" err="1" smtClean="0">
-                <a:latin typeface="Calibri" panose="020F0502020204030204" pitchFamily="34" charset="0"/>
-                <a:cs typeface="Calibri" panose="020F0502020204030204" pitchFamily="34" charset="0"/>
-              </a:rPr>
-              <a:t>with</a:t>
-            </a:r>
-            <a:r>
-              <a:rPr lang="de-DE" sz="1600" dirty="0" smtClean="0">
-                <a:latin typeface="Calibri" panose="020F0502020204030204" pitchFamily="34" charset="0"/>
-                <a:cs typeface="Calibri" panose="020F0502020204030204" pitchFamily="34" charset="0"/>
-              </a:rPr>
-              <a:t> </a:t>
-            </a:r>
-            <a:r>
-              <a:rPr lang="de-DE" sz="1600" dirty="0" err="1" smtClean="0">
-                <a:latin typeface="Calibri" panose="020F0502020204030204" pitchFamily="34" charset="0"/>
-                <a:cs typeface="Calibri" panose="020F0502020204030204" pitchFamily="34" charset="0"/>
-              </a:rPr>
-              <a:t>respect</a:t>
-            </a:r>
-            <a:r>
-              <a:rPr lang="de-DE" sz="1600" dirty="0" smtClean="0">
-                <a:latin typeface="Calibri" panose="020F0502020204030204" pitchFamily="34" charset="0"/>
-                <a:cs typeface="Calibri" panose="020F0502020204030204" pitchFamily="34" charset="0"/>
-              </a:rPr>
-              <a:t> </a:t>
-            </a:r>
-            <a:r>
-              <a:rPr lang="de-DE" sz="1600" dirty="0" err="1" smtClean="0">
-                <a:latin typeface="Calibri" panose="020F0502020204030204" pitchFamily="34" charset="0"/>
-                <a:cs typeface="Calibri" panose="020F0502020204030204" pitchFamily="34" charset="0"/>
-              </a:rPr>
-              <a:t>to</a:t>
-            </a:r>
-            <a:r>
-              <a:rPr lang="de-DE" sz="1600" dirty="0" smtClean="0">
-                <a:latin typeface="Calibri" panose="020F0502020204030204" pitchFamily="34" charset="0"/>
-                <a:cs typeface="Calibri" panose="020F0502020204030204" pitchFamily="34" charset="0"/>
-              </a:rPr>
-              <a:t> </a:t>
-            </a:r>
-            <a:r>
-              <a:rPr lang="de-DE" sz="1600" dirty="0" err="1" smtClean="0">
-                <a:latin typeface="Calibri" panose="020F0502020204030204" pitchFamily="34" charset="0"/>
-                <a:cs typeface="Calibri" panose="020F0502020204030204" pitchFamily="34" charset="0"/>
-              </a:rPr>
-              <a:t>coverage</a:t>
-            </a:r>
-            <a:r>
-              <a:rPr lang="de-DE" sz="1600" dirty="0" smtClean="0">
-                <a:latin typeface="Calibri" panose="020F0502020204030204" pitchFamily="34" charset="0"/>
-                <a:cs typeface="Calibri" panose="020F0502020204030204" pitchFamily="34" charset="0"/>
-              </a:rPr>
-              <a:t> </a:t>
-            </a:r>
-            <a:r>
-              <a:rPr lang="de-DE" sz="1600" dirty="0" err="1" smtClean="0">
-                <a:latin typeface="Calibri" panose="020F0502020204030204" pitchFamily="34" charset="0"/>
-                <a:cs typeface="Calibri" panose="020F0502020204030204" pitchFamily="34" charset="0"/>
-              </a:rPr>
-              <a:t>and</a:t>
-            </a:r>
-            <a:r>
-              <a:rPr lang="de-DE" sz="1600" dirty="0" smtClean="0">
-                <a:latin typeface="Calibri" panose="020F0502020204030204" pitchFamily="34" charset="0"/>
-                <a:cs typeface="Calibri" panose="020F0502020204030204" pitchFamily="34" charset="0"/>
-              </a:rPr>
-              <a:t> </a:t>
-            </a:r>
-            <a:r>
-              <a:rPr lang="de-DE" sz="1600" dirty="0" err="1" smtClean="0">
-                <a:latin typeface="Calibri" panose="020F0502020204030204" pitchFamily="34" charset="0"/>
-                <a:cs typeface="Calibri" panose="020F0502020204030204" pitchFamily="34" charset="0"/>
-              </a:rPr>
-              <a:t>content</a:t>
-            </a:r>
-            <a:r>
-              <a:rPr lang="de-DE" sz="1600" dirty="0" smtClean="0">
-                <a:latin typeface="Calibri" panose="020F0502020204030204" pitchFamily="34" charset="0"/>
-                <a:cs typeface="Calibri" panose="020F0502020204030204" pitchFamily="34" charset="0"/>
-              </a:rPr>
-              <a:t> </a:t>
-            </a:r>
-            <a:r>
-              <a:rPr lang="de-DE" sz="1600" dirty="0" err="1" smtClean="0">
-                <a:latin typeface="Calibri" panose="020F0502020204030204" pitchFamily="34" charset="0"/>
-                <a:cs typeface="Calibri" panose="020F0502020204030204" pitchFamily="34" charset="0"/>
-              </a:rPr>
-              <a:t>of</a:t>
-            </a:r>
-            <a:r>
-              <a:rPr lang="de-DE" sz="1600" dirty="0" smtClean="0">
-                <a:latin typeface="Calibri" panose="020F0502020204030204" pitchFamily="34" charset="0"/>
-                <a:cs typeface="Calibri" panose="020F0502020204030204" pitchFamily="34" charset="0"/>
-              </a:rPr>
-              <a:t> </a:t>
-            </a:r>
-            <a:r>
-              <a:rPr lang="de-DE" sz="1600" dirty="0" err="1" smtClean="0">
-                <a:latin typeface="Calibri" panose="020F0502020204030204" pitchFamily="34" charset="0"/>
-                <a:cs typeface="Calibri" panose="020F0502020204030204" pitchFamily="34" charset="0"/>
-              </a:rPr>
-              <a:t>data</a:t>
-            </a:r>
-            <a:r>
-              <a:rPr lang="de-DE" sz="1600" dirty="0" smtClean="0">
-                <a:latin typeface="Calibri" panose="020F0502020204030204" pitchFamily="34" charset="0"/>
-                <a:cs typeface="Calibri" panose="020F0502020204030204" pitchFamily="34" charset="0"/>
-              </a:rPr>
-              <a:t> </a:t>
-            </a:r>
-            <a:r>
-              <a:rPr lang="de-DE" sz="1600" dirty="0" err="1" smtClean="0">
-                <a:latin typeface="Calibri" panose="020F0502020204030204" pitchFamily="34" charset="0"/>
-                <a:cs typeface="Calibri" panose="020F0502020204030204" pitchFamily="34" charset="0"/>
-              </a:rPr>
-              <a:t>sources</a:t>
-            </a:r>
-            <a:r>
-              <a:rPr lang="de-DE" sz="1600" dirty="0" smtClean="0">
-                <a:latin typeface="Calibri" panose="020F0502020204030204" pitchFamily="34" charset="0"/>
-                <a:cs typeface="Calibri" panose="020F0502020204030204" pitchFamily="34" charset="0"/>
-              </a:rPr>
-              <a:t> </a:t>
-            </a:r>
-            <a:r>
-              <a:rPr lang="de-DE" sz="1600" dirty="0" err="1" smtClean="0">
-                <a:latin typeface="Calibri" panose="020F0502020204030204" pitchFamily="34" charset="0"/>
-                <a:cs typeface="Calibri" panose="020F0502020204030204" pitchFamily="34" charset="0"/>
-              </a:rPr>
-              <a:t>themselves</a:t>
-            </a:r>
-            <a:r>
-              <a:rPr lang="de-DE" sz="1600" dirty="0" smtClean="0">
-                <a:latin typeface="Calibri" panose="020F0502020204030204" pitchFamily="34" charset="0"/>
-                <a:cs typeface="Calibri" panose="020F0502020204030204" pitchFamily="34" charset="0"/>
-              </a:rPr>
-              <a:t>, </a:t>
-            </a:r>
-            <a:r>
-              <a:rPr lang="de-DE" sz="1600" dirty="0" err="1" smtClean="0">
-                <a:latin typeface="Calibri" panose="020F0502020204030204" pitchFamily="34" charset="0"/>
-                <a:cs typeface="Calibri" panose="020F0502020204030204" pitchFamily="34" charset="0"/>
-              </a:rPr>
-              <a:t>which</a:t>
-            </a:r>
-            <a:r>
-              <a:rPr lang="de-DE" sz="1600" dirty="0" smtClean="0">
-                <a:latin typeface="Calibri" panose="020F0502020204030204" pitchFamily="34" charset="0"/>
-                <a:cs typeface="Calibri" panose="020F0502020204030204" pitchFamily="34" charset="0"/>
-              </a:rPr>
-              <a:t> </a:t>
-            </a:r>
-            <a:r>
-              <a:rPr lang="de-DE" sz="1600" dirty="0" err="1" smtClean="0">
-                <a:latin typeface="Calibri" panose="020F0502020204030204" pitchFamily="34" charset="0"/>
-                <a:cs typeface="Calibri" panose="020F0502020204030204" pitchFamily="34" charset="0"/>
-              </a:rPr>
-              <a:t>may</a:t>
-            </a:r>
-            <a:r>
-              <a:rPr lang="de-DE" sz="1600" dirty="0" smtClean="0">
-                <a:latin typeface="Calibri" panose="020F0502020204030204" pitchFamily="34" charset="0"/>
-                <a:cs typeface="Calibri" panose="020F0502020204030204" pitchFamily="34" charset="0"/>
-              </a:rPr>
-              <a:t> </a:t>
-            </a:r>
-            <a:r>
-              <a:rPr lang="de-DE" sz="1600" dirty="0" err="1" smtClean="0">
-                <a:latin typeface="Calibri" panose="020F0502020204030204" pitchFamily="34" charset="0"/>
-                <a:cs typeface="Calibri" panose="020F0502020204030204" pitchFamily="34" charset="0"/>
-              </a:rPr>
-              <a:t>introduce</a:t>
-            </a:r>
-            <a:r>
-              <a:rPr lang="de-DE" sz="1600" dirty="0" smtClean="0">
-                <a:latin typeface="Calibri" panose="020F0502020204030204" pitchFamily="34" charset="0"/>
-                <a:cs typeface="Calibri" panose="020F0502020204030204" pitchFamily="34" charset="0"/>
-              </a:rPr>
-              <a:t> </a:t>
-            </a:r>
-            <a:r>
-              <a:rPr lang="de-DE" sz="1600" dirty="0" err="1" smtClean="0">
-                <a:latin typeface="Calibri" panose="020F0502020204030204" pitchFamily="34" charset="0"/>
-                <a:cs typeface="Calibri" panose="020F0502020204030204" pitchFamily="34" charset="0"/>
-              </a:rPr>
-              <a:t>systematic</a:t>
-            </a:r>
-            <a:r>
-              <a:rPr lang="de-DE" sz="1600" dirty="0" smtClean="0">
-                <a:latin typeface="Calibri" panose="020F0502020204030204" pitchFamily="34" charset="0"/>
-                <a:cs typeface="Calibri" panose="020F0502020204030204" pitchFamily="34" charset="0"/>
-              </a:rPr>
-              <a:t> </a:t>
-            </a:r>
-            <a:r>
-              <a:rPr lang="de-DE" sz="1600" dirty="0" err="1" smtClean="0">
-                <a:latin typeface="Calibri" panose="020F0502020204030204" pitchFamily="34" charset="0"/>
-                <a:cs typeface="Calibri" panose="020F0502020204030204" pitchFamily="34" charset="0"/>
-              </a:rPr>
-              <a:t>bias</a:t>
-            </a:r>
-            <a:r>
-              <a:rPr lang="de-DE" sz="1600" dirty="0" smtClean="0">
-                <a:latin typeface="Calibri" panose="020F0502020204030204" pitchFamily="34" charset="0"/>
-                <a:cs typeface="Calibri" panose="020F0502020204030204" pitchFamily="34" charset="0"/>
-              </a:rPr>
-              <a:t> </a:t>
-            </a:r>
-            <a:r>
-              <a:rPr lang="de-DE" sz="1600" dirty="0" err="1" smtClean="0">
-                <a:latin typeface="Calibri" panose="020F0502020204030204" pitchFamily="34" charset="0"/>
-                <a:cs typeface="Calibri" panose="020F0502020204030204" pitchFamily="34" charset="0"/>
-              </a:rPr>
-              <a:t>into</a:t>
-            </a:r>
-            <a:r>
-              <a:rPr lang="de-DE" sz="1600" dirty="0" smtClean="0">
-                <a:latin typeface="Calibri" panose="020F0502020204030204" pitchFamily="34" charset="0"/>
-                <a:cs typeface="Calibri" panose="020F0502020204030204" pitchFamily="34" charset="0"/>
-              </a:rPr>
-              <a:t> </a:t>
-            </a:r>
-            <a:r>
-              <a:rPr lang="de-DE" sz="1600" dirty="0" err="1" smtClean="0">
-                <a:latin typeface="Calibri" panose="020F0502020204030204" pitchFamily="34" charset="0"/>
-                <a:cs typeface="Calibri" panose="020F0502020204030204" pitchFamily="34" charset="0"/>
-              </a:rPr>
-              <a:t>analyses</a:t>
-            </a:r>
-            <a:r>
-              <a:rPr lang="de-DE" sz="1600" dirty="0" smtClean="0">
-                <a:latin typeface="Calibri" panose="020F0502020204030204" pitchFamily="34" charset="0"/>
-                <a:cs typeface="Calibri" panose="020F0502020204030204" pitchFamily="34" charset="0"/>
-              </a:rPr>
-              <a:t>.</a:t>
-            </a:r>
-            <a:endParaRPr lang="en-GB" sz="1600" dirty="0">
-              <a:latin typeface="Calibri" panose="020F0502020204030204" pitchFamily="34" charset="0"/>
-              <a:cs typeface="Calibri" panose="020F0502020204030204" pitchFamily="34" charset="0"/>
-            </a:endParaRPr>
-          </a:p>
-        </p:txBody>
-      </p:sp>
     </p:spTree>
     <p:extLst>
       <p:ext uri="{BB962C8B-B14F-4D97-AF65-F5344CB8AC3E}">
-        <p14:creationId xmlns:p14="http://schemas.microsoft.com/office/powerpoint/2010/main" val="4078312780"/>
+        <p14:creationId xmlns:p14="http://schemas.microsoft.com/office/powerpoint/2010/main" val="3349163616"/>
       </p:ext>
     </p:extLst>
   </p:cSld>
@@ -20625,7 +21626,7 @@
         <p:spPr>
           <a:xfrm>
             <a:off x="323528" y="267494"/>
-            <a:ext cx="8784976" cy="830997"/>
+            <a:ext cx="8784976" cy="707886"/>
           </a:xfrm>
           <a:prstGeom prst="rect">
             <a:avLst/>
@@ -20639,7 +21640,7 @@
           <a:lstStyle/>
           <a:p>
             <a:r>
-              <a:rPr lang="en-GB" sz="2400" b="1" dirty="0">
+              <a:rPr lang="en-GB" sz="2000" b="1" dirty="0">
                 <a:solidFill>
                   <a:srgbClr val="C00000"/>
                 </a:solidFill>
@@ -20649,7 +21650,7 @@
               <a:t>RQ4: What are the limitations </a:t>
             </a:r>
             <a:r>
-              <a:rPr lang="en-GB" sz="2400" b="1" dirty="0" smtClean="0">
+              <a:rPr lang="en-GB" sz="2000" b="1" dirty="0" smtClean="0">
                 <a:solidFill>
                   <a:srgbClr val="C00000"/>
                 </a:solidFill>
@@ -20659,7 +21660,7 @@
               <a:t>in </a:t>
             </a:r>
             <a:r>
-              <a:rPr lang="en-GB" sz="2400" b="1" dirty="0">
+              <a:rPr lang="en-GB" sz="2000" b="1" dirty="0">
                 <a:solidFill>
                   <a:srgbClr val="C00000"/>
                 </a:solidFill>
@@ -20669,7 +21670,7 @@
               <a:t>measuring the large-scale relationship between OA and </a:t>
             </a:r>
             <a:r>
-              <a:rPr lang="en-GB" sz="2400" b="1" dirty="0" err="1">
+              <a:rPr lang="en-GB" sz="2000" b="1" dirty="0" err="1">
                 <a:solidFill>
                   <a:srgbClr val="C00000"/>
                 </a:solidFill>
@@ -20679,7 +21680,7 @@
               <a:t>altmetrics</a:t>
             </a:r>
             <a:r>
-              <a:rPr lang="en-GB" sz="2400" b="1" dirty="0" smtClean="0">
+              <a:rPr lang="en-GB" sz="2000" b="1" dirty="0" smtClean="0">
                 <a:solidFill>
                   <a:srgbClr val="C00000"/>
                 </a:solidFill>
@@ -20688,7 +21689,7 @@
               </a:rPr>
               <a:t>?</a:t>
             </a:r>
-            <a:endParaRPr lang="en-GB" sz="2400" b="1" dirty="0">
+            <a:endParaRPr lang="en-GB" sz="2000" b="1" dirty="0">
               <a:solidFill>
                 <a:srgbClr val="C00000"/>
               </a:solidFill>
@@ -20726,74 +21727,16 @@
           </a:p>
         </p:txBody>
       </p:sp>
-      <p:pic>
-        <p:nvPicPr>
-          <p:cNvPr id="3" name="Grafik 2"/>
-          <p:cNvPicPr>
-            <a:picLocks noChangeAspect="1"/>
-          </p:cNvPicPr>
-          <p:nvPr/>
-        </p:nvPicPr>
-        <p:blipFill rotWithShape="1">
-          <a:blip r:embed="rId3">
-            <a:extLst>
-              <a:ext uri="{28A0092B-C50C-407E-A947-70E740481C1C}">
-                <a14:useLocalDpi xmlns:a14="http://schemas.microsoft.com/office/drawing/2010/main" val="0"/>
-              </a:ext>
-            </a:extLst>
-          </a:blip>
-          <a:srcRect l="23518" r="23394"/>
-          <a:stretch/>
-        </p:blipFill>
-        <p:spPr>
-          <a:xfrm>
-            <a:off x="611560" y="1318598"/>
-            <a:ext cx="3528392" cy="3323128"/>
-          </a:xfrm>
-          <a:prstGeom prst="rect">
-            <a:avLst/>
-          </a:prstGeom>
-        </p:spPr>
-      </p:pic>
-      <p:pic>
-        <p:nvPicPr>
-          <p:cNvPr id="4" name="Grafik 3"/>
-          <p:cNvPicPr>
-            <a:picLocks noChangeAspect="1"/>
-          </p:cNvPicPr>
-          <p:nvPr/>
-        </p:nvPicPr>
-        <p:blipFill rotWithShape="1">
-          <a:blip r:embed="rId4">
-            <a:extLst>
-              <a:ext uri="{28A0092B-C50C-407E-A947-70E740481C1C}">
-                <a14:useLocalDpi xmlns:a14="http://schemas.microsoft.com/office/drawing/2010/main" val="0"/>
-              </a:ext>
-            </a:extLst>
-          </a:blip>
-          <a:srcRect l="23500" r="23666"/>
-          <a:stretch/>
-        </p:blipFill>
-        <p:spPr>
-          <a:xfrm>
-            <a:off x="4932040" y="1318598"/>
-            <a:ext cx="3511439" cy="3323128"/>
-          </a:xfrm>
-          <a:prstGeom prst="rect">
-            <a:avLst/>
-          </a:prstGeom>
-        </p:spPr>
-      </p:pic>
       <p:sp>
         <p:nvSpPr>
-          <p:cNvPr id="5" name="Textfeld 4"/>
+          <p:cNvPr id="7" name="Textfeld 6"/>
           <p:cNvSpPr txBox="1"/>
           <p:nvPr/>
         </p:nvSpPr>
         <p:spPr>
           <a:xfrm>
-            <a:off x="611560" y="1059582"/>
-            <a:ext cx="1080120" cy="400110"/>
+            <a:off x="322040" y="1635646"/>
+            <a:ext cx="8208912" cy="1815882"/>
           </a:xfrm>
           <a:prstGeom prst="rect">
             <a:avLst/>
@@ -20806,264 +21749,660 @@
           </a:bodyPr>
           <a:lstStyle/>
           <a:p>
-            <a:r>
-              <a:rPr lang="de-DE" sz="1000" b="1" dirty="0" smtClean="0">
-                <a:latin typeface="Calibri" panose="020F0502020204030204" pitchFamily="34" charset="0"/>
-                <a:cs typeface="Calibri" panose="020F0502020204030204" pitchFamily="34" charset="0"/>
-              </a:rPr>
-              <a:t>Countries </a:t>
-            </a:r>
-            <a:r>
-              <a:rPr lang="de-DE" sz="1000" b="1" dirty="0" err="1" smtClean="0">
+            <a:pPr marL="285750" indent="-285750">
+              <a:buFont typeface="Arial" panose="020B0604020202020204" pitchFamily="34" charset="0"/>
+              <a:buChar char="•"/>
+            </a:pPr>
+            <a:r>
+              <a:rPr lang="de-DE" sz="1600" dirty="0" smtClean="0">
+                <a:latin typeface="Calibri" panose="020F0502020204030204" pitchFamily="34" charset="0"/>
+                <a:cs typeface="Calibri" panose="020F0502020204030204" pitchFamily="34" charset="0"/>
+              </a:rPr>
+              <a:t>Units </a:t>
+            </a:r>
+            <a:r>
+              <a:rPr lang="de-DE" sz="1600" dirty="0" err="1" smtClean="0">
                 <a:latin typeface="Calibri" panose="020F0502020204030204" pitchFamily="34" charset="0"/>
                 <a:cs typeface="Calibri" panose="020F0502020204030204" pitchFamily="34" charset="0"/>
               </a:rPr>
               <a:t>of</a:t>
             </a:r>
             <a:r>
-              <a:rPr lang="de-DE" sz="1000" b="1" dirty="0" smtClean="0">
+              <a:rPr lang="de-DE" sz="1600" dirty="0" smtClean="0">
                 <a:latin typeface="Calibri" panose="020F0502020204030204" pitchFamily="34" charset="0"/>
                 <a:cs typeface="Calibri" panose="020F0502020204030204" pitchFamily="34" charset="0"/>
               </a:rPr>
               <a:t> </a:t>
             </a:r>
             <a:r>
-              <a:rPr lang="de-DE" sz="1000" b="1" dirty="0" err="1" smtClean="0">
-                <a:latin typeface="Calibri" panose="020F0502020204030204" pitchFamily="34" charset="0"/>
-                <a:cs typeface="Calibri" panose="020F0502020204030204" pitchFamily="34" charset="0"/>
-              </a:rPr>
-              <a:t>tweeted</a:t>
-            </a:r>
-            <a:r>
-              <a:rPr lang="de-DE" sz="1000" b="1" dirty="0" smtClean="0">
+              <a:rPr lang="de-DE" sz="1600" dirty="0" err="1" smtClean="0">
+                <a:latin typeface="Calibri" panose="020F0502020204030204" pitchFamily="34" charset="0"/>
+                <a:cs typeface="Calibri" panose="020F0502020204030204" pitchFamily="34" charset="0"/>
+              </a:rPr>
+              <a:t>analysis</a:t>
+            </a:r>
+            <a:r>
+              <a:rPr lang="de-DE" sz="1600" dirty="0" smtClean="0">
+                <a:latin typeface="Calibri" panose="020F0502020204030204" pitchFamily="34" charset="0"/>
+                <a:cs typeface="Calibri" panose="020F0502020204030204" pitchFamily="34" charset="0"/>
+              </a:rPr>
+              <a:t> (</a:t>
+            </a:r>
+            <a:r>
+              <a:rPr lang="de-DE" sz="1600" dirty="0" err="1" smtClean="0">
+                <a:latin typeface="Calibri" panose="020F0502020204030204" pitchFamily="34" charset="0"/>
+                <a:cs typeface="Calibri" panose="020F0502020204030204" pitchFamily="34" charset="0"/>
+              </a:rPr>
+              <a:t>discipline</a:t>
+            </a:r>
+            <a:r>
+              <a:rPr lang="de-DE" sz="1600" dirty="0" smtClean="0">
+                <a:latin typeface="Calibri" panose="020F0502020204030204" pitchFamily="34" charset="0"/>
+                <a:cs typeface="Calibri" panose="020F0502020204030204" pitchFamily="34" charset="0"/>
+              </a:rPr>
+              <a:t>/countries/</a:t>
+            </a:r>
+            <a:r>
+              <a:rPr lang="de-DE" sz="1600" dirty="0" err="1" smtClean="0">
+                <a:latin typeface="Calibri" panose="020F0502020204030204" pitchFamily="34" charset="0"/>
+                <a:cs typeface="Calibri" panose="020F0502020204030204" pitchFamily="34" charset="0"/>
+              </a:rPr>
+              <a:t>document</a:t>
+            </a:r>
+            <a:r>
+              <a:rPr lang="de-DE" sz="1600" dirty="0" smtClean="0">
                 <a:latin typeface="Calibri" panose="020F0502020204030204" pitchFamily="34" charset="0"/>
                 <a:cs typeface="Calibri" panose="020F0502020204030204" pitchFamily="34" charset="0"/>
               </a:rPr>
               <a:t> </a:t>
             </a:r>
             <a:r>
-              <a:rPr lang="de-DE" sz="1000" b="1" dirty="0" err="1" smtClean="0">
-                <a:latin typeface="Calibri" panose="020F0502020204030204" pitchFamily="34" charset="0"/>
-                <a:cs typeface="Calibri" panose="020F0502020204030204" pitchFamily="34" charset="0"/>
-              </a:rPr>
-              <a:t>papers</a:t>
-            </a:r>
-            <a:endParaRPr lang="en-GB" sz="1000" b="1" dirty="0">
+              <a:rPr lang="de-DE" sz="1600" dirty="0" err="1" smtClean="0">
+                <a:latin typeface="Calibri" panose="020F0502020204030204" pitchFamily="34" charset="0"/>
+                <a:cs typeface="Calibri" panose="020F0502020204030204" pitchFamily="34" charset="0"/>
+              </a:rPr>
+              <a:t>types</a:t>
+            </a:r>
+            <a:r>
+              <a:rPr lang="de-DE" sz="1600" dirty="0" smtClean="0">
+                <a:latin typeface="Calibri" panose="020F0502020204030204" pitchFamily="34" charset="0"/>
+                <a:cs typeface="Calibri" panose="020F0502020204030204" pitchFamily="34" charset="0"/>
+              </a:rPr>
+              <a:t>) </a:t>
+            </a:r>
+            <a:r>
+              <a:rPr lang="de-DE" sz="1600" dirty="0" err="1" smtClean="0">
+                <a:latin typeface="Calibri" panose="020F0502020204030204" pitchFamily="34" charset="0"/>
+                <a:cs typeface="Calibri" panose="020F0502020204030204" pitchFamily="34" charset="0"/>
+              </a:rPr>
+              <a:t>cannot</a:t>
+            </a:r>
+            <a:r>
+              <a:rPr lang="de-DE" sz="1600" dirty="0" smtClean="0">
+                <a:latin typeface="Calibri" panose="020F0502020204030204" pitchFamily="34" charset="0"/>
+                <a:cs typeface="Calibri" panose="020F0502020204030204" pitchFamily="34" charset="0"/>
+              </a:rPr>
+              <a:t> </a:t>
+            </a:r>
+            <a:r>
+              <a:rPr lang="de-DE" sz="1600" dirty="0" err="1" smtClean="0">
+                <a:latin typeface="Calibri" panose="020F0502020204030204" pitchFamily="34" charset="0"/>
+                <a:cs typeface="Calibri" panose="020F0502020204030204" pitchFamily="34" charset="0"/>
+              </a:rPr>
+              <a:t>be</a:t>
+            </a:r>
+            <a:r>
+              <a:rPr lang="de-DE" sz="1600" dirty="0" smtClean="0">
+                <a:latin typeface="Calibri" panose="020F0502020204030204" pitchFamily="34" charset="0"/>
+                <a:cs typeface="Calibri" panose="020F0502020204030204" pitchFamily="34" charset="0"/>
+              </a:rPr>
+              <a:t> </a:t>
+            </a:r>
+            <a:r>
+              <a:rPr lang="de-DE" sz="1600" dirty="0" err="1" smtClean="0">
+                <a:latin typeface="Calibri" panose="020F0502020204030204" pitchFamily="34" charset="0"/>
+                <a:cs typeface="Calibri" panose="020F0502020204030204" pitchFamily="34" charset="0"/>
+              </a:rPr>
+              <a:t>considered</a:t>
+            </a:r>
+            <a:r>
+              <a:rPr lang="de-DE" sz="1600" dirty="0" smtClean="0">
+                <a:latin typeface="Calibri" panose="020F0502020204030204" pitchFamily="34" charset="0"/>
+                <a:cs typeface="Calibri" panose="020F0502020204030204" pitchFamily="34" charset="0"/>
+              </a:rPr>
+              <a:t> in </a:t>
+            </a:r>
+            <a:r>
+              <a:rPr lang="de-DE" sz="1600" dirty="0" err="1" smtClean="0">
+                <a:latin typeface="Calibri" panose="020F0502020204030204" pitchFamily="34" charset="0"/>
+                <a:cs typeface="Calibri" panose="020F0502020204030204" pitchFamily="34" charset="0"/>
+              </a:rPr>
+              <a:t>isolation</a:t>
+            </a:r>
+            <a:r>
+              <a:rPr lang="de-DE" sz="1600" dirty="0" smtClean="0">
+                <a:latin typeface="Calibri" panose="020F0502020204030204" pitchFamily="34" charset="0"/>
+                <a:cs typeface="Calibri" panose="020F0502020204030204" pitchFamily="34" charset="0"/>
+              </a:rPr>
+              <a:t> – </a:t>
+            </a:r>
+            <a:r>
+              <a:rPr lang="de-DE" sz="1600" dirty="0" err="1" smtClean="0">
+                <a:latin typeface="Calibri" panose="020F0502020204030204" pitchFamily="34" charset="0"/>
+                <a:cs typeface="Calibri" panose="020F0502020204030204" pitchFamily="34" charset="0"/>
+              </a:rPr>
+              <a:t>interaction</a:t>
+            </a:r>
+            <a:r>
+              <a:rPr lang="de-DE" sz="1600" dirty="0" smtClean="0">
+                <a:latin typeface="Calibri" panose="020F0502020204030204" pitchFamily="34" charset="0"/>
+                <a:cs typeface="Calibri" panose="020F0502020204030204" pitchFamily="34" charset="0"/>
+              </a:rPr>
+              <a:t> </a:t>
+            </a:r>
+            <a:r>
+              <a:rPr lang="de-DE" sz="1600" dirty="0" err="1" smtClean="0">
+                <a:latin typeface="Calibri" panose="020F0502020204030204" pitchFamily="34" charset="0"/>
+                <a:cs typeface="Calibri" panose="020F0502020204030204" pitchFamily="34" charset="0"/>
+              </a:rPr>
+              <a:t>between</a:t>
+            </a:r>
+            <a:r>
+              <a:rPr lang="de-DE" sz="1600" dirty="0" smtClean="0">
+                <a:latin typeface="Calibri" panose="020F0502020204030204" pitchFamily="34" charset="0"/>
+                <a:cs typeface="Calibri" panose="020F0502020204030204" pitchFamily="34" charset="0"/>
+              </a:rPr>
+              <a:t> different </a:t>
+            </a:r>
+            <a:r>
+              <a:rPr lang="de-DE" sz="1600" dirty="0" err="1" smtClean="0">
+                <a:latin typeface="Calibri" panose="020F0502020204030204" pitchFamily="34" charset="0"/>
+                <a:cs typeface="Calibri" panose="020F0502020204030204" pitchFamily="34" charset="0"/>
+              </a:rPr>
+              <a:t>factors</a:t>
+            </a:r>
+            <a:r>
+              <a:rPr lang="de-DE" sz="1600" dirty="0" smtClean="0">
+                <a:latin typeface="Calibri" panose="020F0502020204030204" pitchFamily="34" charset="0"/>
+                <a:cs typeface="Calibri" panose="020F0502020204030204" pitchFamily="34" charset="0"/>
+              </a:rPr>
+              <a:t> must </a:t>
+            </a:r>
+            <a:r>
+              <a:rPr lang="de-DE" sz="1600" dirty="0" err="1" smtClean="0">
+                <a:latin typeface="Calibri" panose="020F0502020204030204" pitchFamily="34" charset="0"/>
+                <a:cs typeface="Calibri" panose="020F0502020204030204" pitchFamily="34" charset="0"/>
+              </a:rPr>
+              <a:t>be</a:t>
+            </a:r>
+            <a:r>
+              <a:rPr lang="de-DE" sz="1600" dirty="0" smtClean="0">
+                <a:latin typeface="Calibri" panose="020F0502020204030204" pitchFamily="34" charset="0"/>
+                <a:cs typeface="Calibri" panose="020F0502020204030204" pitchFamily="34" charset="0"/>
+              </a:rPr>
+              <a:t> </a:t>
+            </a:r>
+            <a:r>
+              <a:rPr lang="de-DE" sz="1600" dirty="0" err="1" smtClean="0">
+                <a:latin typeface="Calibri" panose="020F0502020204030204" pitchFamily="34" charset="0"/>
+                <a:cs typeface="Calibri" panose="020F0502020204030204" pitchFamily="34" charset="0"/>
+              </a:rPr>
+              <a:t>considered</a:t>
+            </a:r>
+            <a:r>
+              <a:rPr lang="de-DE" sz="1600" dirty="0" smtClean="0">
+                <a:latin typeface="Calibri" panose="020F0502020204030204" pitchFamily="34" charset="0"/>
+                <a:cs typeface="Calibri" panose="020F0502020204030204" pitchFamily="34" charset="0"/>
+              </a:rPr>
+              <a:t>.</a:t>
+            </a:r>
+            <a:endParaRPr lang="de-DE" sz="1600" dirty="0" smtClean="0">
               <a:latin typeface="Calibri" panose="020F0502020204030204" pitchFamily="34" charset="0"/>
               <a:cs typeface="Calibri" panose="020F0502020204030204" pitchFamily="34" charset="0"/>
             </a:endParaRPr>
           </a:p>
-        </p:txBody>
-      </p:sp>
-      <p:sp>
-        <p:nvSpPr>
-          <p:cNvPr id="8" name="Textfeld 7"/>
-          <p:cNvSpPr txBox="1"/>
-          <p:nvPr/>
-        </p:nvSpPr>
-        <p:spPr>
-          <a:xfrm>
-            <a:off x="3048824" y="1059984"/>
-            <a:ext cx="1080120" cy="400110"/>
-          </a:xfrm>
-          <a:prstGeom prst="rect">
-            <a:avLst/>
-          </a:prstGeom>
-          <a:noFill/>
-        </p:spPr>
-        <p:txBody>
-          <a:bodyPr wrap="square" rtlCol="0">
-            <a:spAutoFit/>
-          </a:bodyPr>
-          <a:lstStyle/>
-          <a:p>
-            <a:pPr algn="r"/>
-            <a:r>
-              <a:rPr lang="de-DE" sz="1000" b="1" dirty="0" smtClean="0">
-                <a:latin typeface="Calibri" panose="020F0502020204030204" pitchFamily="34" charset="0"/>
-                <a:cs typeface="Calibri" panose="020F0502020204030204" pitchFamily="34" charset="0"/>
-              </a:rPr>
-              <a:t>Countries </a:t>
-            </a:r>
-            <a:r>
-              <a:rPr lang="de-DE" sz="1000" b="1" dirty="0" err="1" smtClean="0">
-                <a:latin typeface="Calibri" panose="020F0502020204030204" pitchFamily="34" charset="0"/>
-                <a:cs typeface="Calibri" panose="020F0502020204030204" pitchFamily="34" charset="0"/>
-              </a:rPr>
-              <a:t>of</a:t>
-            </a:r>
-            <a:r>
-              <a:rPr lang="de-DE" sz="1000" b="1" dirty="0" smtClean="0">
-                <a:latin typeface="Calibri" panose="020F0502020204030204" pitchFamily="34" charset="0"/>
-                <a:cs typeface="Calibri" panose="020F0502020204030204" pitchFamily="34" charset="0"/>
-              </a:rPr>
-              <a:t> </a:t>
-            </a:r>
-            <a:r>
-              <a:rPr lang="de-DE" sz="1000" b="1" dirty="0" err="1" smtClean="0">
-                <a:latin typeface="Calibri" panose="020F0502020204030204" pitchFamily="34" charset="0"/>
-                <a:cs typeface="Calibri" panose="020F0502020204030204" pitchFamily="34" charset="0"/>
-              </a:rPr>
-              <a:t>tweeters</a:t>
-            </a:r>
-            <a:endParaRPr lang="en-GB" sz="1000" b="1" dirty="0">
+          <a:p>
+            <a:pPr marL="285750" indent="-285750">
+              <a:buFont typeface="Arial" panose="020B0604020202020204" pitchFamily="34" charset="0"/>
+              <a:buChar char="•"/>
+            </a:pPr>
+            <a:endParaRPr lang="de-DE" sz="1600" dirty="0" smtClean="0">
               <a:latin typeface="Calibri" panose="020F0502020204030204" pitchFamily="34" charset="0"/>
               <a:cs typeface="Calibri" panose="020F0502020204030204" pitchFamily="34" charset="0"/>
             </a:endParaRPr>
           </a:p>
-        </p:txBody>
-      </p:sp>
-      <p:sp>
-        <p:nvSpPr>
-          <p:cNvPr id="9" name="Textfeld 8"/>
-          <p:cNvSpPr txBox="1"/>
-          <p:nvPr/>
-        </p:nvSpPr>
-        <p:spPr>
-          <a:xfrm>
-            <a:off x="4932040" y="1059582"/>
-            <a:ext cx="1224136" cy="400110"/>
-          </a:xfrm>
-          <a:prstGeom prst="rect">
-            <a:avLst/>
-          </a:prstGeom>
-          <a:noFill/>
-        </p:spPr>
-        <p:txBody>
-          <a:bodyPr wrap="square" rtlCol="0">
-            <a:spAutoFit/>
-          </a:bodyPr>
-          <a:lstStyle/>
-          <a:p>
-            <a:r>
-              <a:rPr lang="de-DE" sz="1000" b="1" dirty="0" smtClean="0">
-                <a:latin typeface="Calibri" panose="020F0502020204030204" pitchFamily="34" charset="0"/>
-                <a:cs typeface="Calibri" panose="020F0502020204030204" pitchFamily="34" charset="0"/>
-              </a:rPr>
-              <a:t>Countries </a:t>
-            </a:r>
-            <a:r>
-              <a:rPr lang="de-DE" sz="1000" b="1" dirty="0" err="1" smtClean="0">
+          <a:p>
+            <a:pPr marL="285750" indent="-285750">
+              <a:buFont typeface="Arial" panose="020B0604020202020204" pitchFamily="34" charset="0"/>
+              <a:buChar char="•"/>
+            </a:pPr>
+            <a:r>
+              <a:rPr lang="de-DE" sz="1600" dirty="0" smtClean="0">
+                <a:latin typeface="Calibri" panose="020F0502020204030204" pitchFamily="34" charset="0"/>
+                <a:cs typeface="Calibri" panose="020F0502020204030204" pitchFamily="34" charset="0"/>
+              </a:rPr>
+              <a:t>Data </a:t>
+            </a:r>
+            <a:r>
+              <a:rPr lang="de-DE" sz="1600" dirty="0" err="1" smtClean="0">
+                <a:latin typeface="Calibri" panose="020F0502020204030204" pitchFamily="34" charset="0"/>
+                <a:cs typeface="Calibri" panose="020F0502020204030204" pitchFamily="34" charset="0"/>
+              </a:rPr>
+              <a:t>presented</a:t>
+            </a:r>
+            <a:r>
+              <a:rPr lang="de-DE" sz="1600" dirty="0" smtClean="0">
+                <a:latin typeface="Calibri" panose="020F0502020204030204" pitchFamily="34" charset="0"/>
+                <a:cs typeface="Calibri" panose="020F0502020204030204" pitchFamily="34" charset="0"/>
+              </a:rPr>
+              <a:t> </a:t>
+            </a:r>
+            <a:r>
+              <a:rPr lang="de-DE" sz="1600" dirty="0" err="1" smtClean="0">
+                <a:latin typeface="Calibri" panose="020F0502020204030204" pitchFamily="34" charset="0"/>
+                <a:cs typeface="Calibri" panose="020F0502020204030204" pitchFamily="34" charset="0"/>
+              </a:rPr>
+              <a:t>here</a:t>
+            </a:r>
+            <a:r>
+              <a:rPr lang="de-DE" sz="1600" dirty="0" smtClean="0">
+                <a:latin typeface="Calibri" panose="020F0502020204030204" pitchFamily="34" charset="0"/>
+                <a:cs typeface="Calibri" panose="020F0502020204030204" pitchFamily="34" charset="0"/>
+              </a:rPr>
+              <a:t> </a:t>
+            </a:r>
+            <a:r>
+              <a:rPr lang="de-DE" sz="1600" dirty="0" err="1" smtClean="0">
+                <a:latin typeface="Calibri" panose="020F0502020204030204" pitchFamily="34" charset="0"/>
+                <a:cs typeface="Calibri" panose="020F0502020204030204" pitchFamily="34" charset="0"/>
+              </a:rPr>
+              <a:t>are</a:t>
+            </a:r>
+            <a:r>
+              <a:rPr lang="de-DE" sz="1600" dirty="0" smtClean="0">
+                <a:latin typeface="Calibri" panose="020F0502020204030204" pitchFamily="34" charset="0"/>
+                <a:cs typeface="Calibri" panose="020F0502020204030204" pitchFamily="34" charset="0"/>
+              </a:rPr>
+              <a:t> </a:t>
+            </a:r>
+            <a:r>
+              <a:rPr lang="de-DE" sz="1600" dirty="0" err="1" smtClean="0">
+                <a:latin typeface="Calibri" panose="020F0502020204030204" pitchFamily="34" charset="0"/>
+                <a:cs typeface="Calibri" panose="020F0502020204030204" pitchFamily="34" charset="0"/>
+              </a:rPr>
+              <a:t>purely</a:t>
+            </a:r>
+            <a:r>
+              <a:rPr lang="de-DE" sz="1600" dirty="0" smtClean="0">
+                <a:latin typeface="Calibri" panose="020F0502020204030204" pitchFamily="34" charset="0"/>
+                <a:cs typeface="Calibri" panose="020F0502020204030204" pitchFamily="34" charset="0"/>
+              </a:rPr>
+              <a:t> </a:t>
+            </a:r>
+            <a:r>
+              <a:rPr lang="de-DE" sz="1600" dirty="0" err="1" smtClean="0">
+                <a:latin typeface="Calibri" panose="020F0502020204030204" pitchFamily="34" charset="0"/>
+                <a:cs typeface="Calibri" panose="020F0502020204030204" pitchFamily="34" charset="0"/>
+              </a:rPr>
+              <a:t>observational</a:t>
+            </a:r>
+            <a:r>
+              <a:rPr lang="de-DE" sz="1600" dirty="0" smtClean="0">
+                <a:latin typeface="Calibri" panose="020F0502020204030204" pitchFamily="34" charset="0"/>
+                <a:cs typeface="Calibri" panose="020F0502020204030204" pitchFamily="34" charset="0"/>
+              </a:rPr>
+              <a:t> – </a:t>
+            </a:r>
+            <a:r>
+              <a:rPr lang="de-DE" sz="1600" dirty="0" err="1" smtClean="0">
+                <a:latin typeface="Calibri" panose="020F0502020204030204" pitchFamily="34" charset="0"/>
+                <a:cs typeface="Calibri" panose="020F0502020204030204" pitchFamily="34" charset="0"/>
+              </a:rPr>
+              <a:t>no</a:t>
+            </a:r>
+            <a:r>
+              <a:rPr lang="de-DE" sz="1600" dirty="0" smtClean="0">
+                <a:latin typeface="Calibri" panose="020F0502020204030204" pitchFamily="34" charset="0"/>
+                <a:cs typeface="Calibri" panose="020F0502020204030204" pitchFamily="34" charset="0"/>
+              </a:rPr>
+              <a:t> </a:t>
+            </a:r>
+            <a:r>
+              <a:rPr lang="de-DE" sz="1600" dirty="0" err="1" smtClean="0">
+                <a:latin typeface="Calibri" panose="020F0502020204030204" pitchFamily="34" charset="0"/>
+                <a:cs typeface="Calibri" panose="020F0502020204030204" pitchFamily="34" charset="0"/>
+              </a:rPr>
+              <a:t>proof</a:t>
+            </a:r>
+            <a:r>
+              <a:rPr lang="de-DE" sz="1600" dirty="0" smtClean="0">
+                <a:latin typeface="Calibri" panose="020F0502020204030204" pitchFamily="34" charset="0"/>
+                <a:cs typeface="Calibri" panose="020F0502020204030204" pitchFamily="34" charset="0"/>
+              </a:rPr>
+              <a:t> </a:t>
+            </a:r>
+            <a:r>
+              <a:rPr lang="de-DE" sz="1600" dirty="0" err="1" smtClean="0">
                 <a:latin typeface="Calibri" panose="020F0502020204030204" pitchFamily="34" charset="0"/>
                 <a:cs typeface="Calibri" panose="020F0502020204030204" pitchFamily="34" charset="0"/>
               </a:rPr>
               <a:t>of</a:t>
             </a:r>
             <a:r>
-              <a:rPr lang="de-DE" sz="1000" b="1" dirty="0" smtClean="0">
+              <a:rPr lang="de-DE" sz="1600" dirty="0" smtClean="0">
                 <a:latin typeface="Calibri" panose="020F0502020204030204" pitchFamily="34" charset="0"/>
                 <a:cs typeface="Calibri" panose="020F0502020204030204" pitchFamily="34" charset="0"/>
               </a:rPr>
               <a:t> </a:t>
             </a:r>
             <a:r>
-              <a:rPr lang="de-DE" sz="1000" b="1" dirty="0" err="1" smtClean="0">
-                <a:latin typeface="Calibri" panose="020F0502020204030204" pitchFamily="34" charset="0"/>
-                <a:cs typeface="Calibri" panose="020F0502020204030204" pitchFamily="34" charset="0"/>
-              </a:rPr>
-              <a:t>papers</a:t>
-            </a:r>
-            <a:r>
-              <a:rPr lang="de-DE" sz="1000" b="1" dirty="0" smtClean="0">
+              <a:rPr lang="de-DE" sz="1600" dirty="0" err="1" smtClean="0">
+                <a:latin typeface="Calibri" panose="020F0502020204030204" pitchFamily="34" charset="0"/>
+                <a:cs typeface="Calibri" panose="020F0502020204030204" pitchFamily="34" charset="0"/>
+              </a:rPr>
+              <a:t>causality</a:t>
+            </a:r>
+            <a:r>
+              <a:rPr lang="de-DE" sz="1600" dirty="0">
                 <a:latin typeface="Calibri" panose="020F0502020204030204" pitchFamily="34" charset="0"/>
                 <a:cs typeface="Calibri" panose="020F0502020204030204" pitchFamily="34" charset="0"/>
               </a:rPr>
               <a:t> </a:t>
             </a:r>
             <a:r>
-              <a:rPr lang="de-DE" sz="1000" b="1" dirty="0" err="1" smtClean="0">
-                <a:latin typeface="Calibri" panose="020F0502020204030204" pitchFamily="34" charset="0"/>
-                <a:cs typeface="Calibri" panose="020F0502020204030204" pitchFamily="34" charset="0"/>
-              </a:rPr>
-              <a:t>cited</a:t>
-            </a:r>
-            <a:r>
-              <a:rPr lang="de-DE" sz="1000" b="1" dirty="0" smtClean="0">
-                <a:latin typeface="Calibri" panose="020F0502020204030204" pitchFamily="34" charset="0"/>
-                <a:cs typeface="Calibri" panose="020F0502020204030204" pitchFamily="34" charset="0"/>
-              </a:rPr>
-              <a:t> in </a:t>
-            </a:r>
-            <a:r>
-              <a:rPr lang="de-DE" sz="1000" b="1" dirty="0" err="1" smtClean="0">
-                <a:latin typeface="Calibri" panose="020F0502020204030204" pitchFamily="34" charset="0"/>
-                <a:cs typeface="Calibri" panose="020F0502020204030204" pitchFamily="34" charset="0"/>
-              </a:rPr>
-              <a:t>policies</a:t>
-            </a:r>
-            <a:endParaRPr lang="en-GB" sz="1000" b="1" dirty="0">
+              <a:rPr lang="de-DE" sz="1600" dirty="0" smtClean="0">
+                <a:latin typeface="Calibri" panose="020F0502020204030204" pitchFamily="34" charset="0"/>
+                <a:cs typeface="Calibri" panose="020F0502020204030204" pitchFamily="34" charset="0"/>
+              </a:rPr>
+              <a:t>(!).</a:t>
+            </a:r>
+            <a:endParaRPr lang="de-DE" sz="1600" dirty="0" smtClean="0">
               <a:latin typeface="Calibri" panose="020F0502020204030204" pitchFamily="34" charset="0"/>
               <a:cs typeface="Calibri" panose="020F0502020204030204" pitchFamily="34" charset="0"/>
             </a:endParaRPr>
           </a:p>
-        </p:txBody>
-      </p:sp>
-      <p:sp>
-        <p:nvSpPr>
-          <p:cNvPr id="10" name="Textfeld 9"/>
-          <p:cNvSpPr txBox="1"/>
-          <p:nvPr/>
-        </p:nvSpPr>
-        <p:spPr>
-          <a:xfrm>
-            <a:off x="7452319" y="1059582"/>
-            <a:ext cx="991159" cy="400110"/>
-          </a:xfrm>
-          <a:prstGeom prst="rect">
-            <a:avLst/>
-          </a:prstGeom>
-          <a:noFill/>
-        </p:spPr>
-        <p:txBody>
-          <a:bodyPr wrap="square" rtlCol="0">
-            <a:spAutoFit/>
-          </a:bodyPr>
-          <a:lstStyle/>
-          <a:p>
-            <a:pPr algn="r"/>
-            <a:r>
-              <a:rPr lang="de-DE" sz="1000" b="1" dirty="0" smtClean="0">
-                <a:latin typeface="Calibri" panose="020F0502020204030204" pitchFamily="34" charset="0"/>
-                <a:cs typeface="Calibri" panose="020F0502020204030204" pitchFamily="34" charset="0"/>
-              </a:rPr>
-              <a:t>Source </a:t>
-            </a:r>
-            <a:r>
-              <a:rPr lang="de-DE" sz="1000" b="1" dirty="0" err="1" smtClean="0">
-                <a:latin typeface="Calibri" panose="020F0502020204030204" pitchFamily="34" charset="0"/>
-                <a:cs typeface="Calibri" panose="020F0502020204030204" pitchFamily="34" charset="0"/>
-              </a:rPr>
-              <a:t>country</a:t>
-            </a:r>
-            <a:r>
-              <a:rPr lang="de-DE" sz="1000" b="1" dirty="0" smtClean="0">
+          <a:p>
+            <a:pPr marL="285750" indent="-285750">
+              <a:buFont typeface="Arial" panose="020B0604020202020204" pitchFamily="34" charset="0"/>
+              <a:buChar char="•"/>
+            </a:pPr>
+            <a:endParaRPr lang="de-DE" sz="1600" dirty="0">
+              <a:latin typeface="Calibri" panose="020F0502020204030204" pitchFamily="34" charset="0"/>
+              <a:cs typeface="Calibri" panose="020F0502020204030204" pitchFamily="34" charset="0"/>
+            </a:endParaRPr>
+          </a:p>
+          <a:p>
+            <a:pPr marL="285750" indent="-285750">
+              <a:buFont typeface="Arial" panose="020B0604020202020204" pitchFamily="34" charset="0"/>
+              <a:buChar char="•"/>
+            </a:pPr>
+            <a:r>
+              <a:rPr lang="de-DE" sz="1600" dirty="0" err="1" smtClean="0">
+                <a:latin typeface="Calibri" panose="020F0502020204030204" pitchFamily="34" charset="0"/>
+                <a:cs typeface="Calibri" panose="020F0502020204030204" pitchFamily="34" charset="0"/>
+              </a:rPr>
+              <a:t>Significant</a:t>
+            </a:r>
+            <a:r>
+              <a:rPr lang="de-DE" sz="1600" dirty="0" smtClean="0">
                 <a:latin typeface="Calibri" panose="020F0502020204030204" pitchFamily="34" charset="0"/>
                 <a:cs typeface="Calibri" panose="020F0502020204030204" pitchFamily="34" charset="0"/>
               </a:rPr>
               <a:t> </a:t>
             </a:r>
             <a:r>
-              <a:rPr lang="de-DE" sz="1000" b="1" dirty="0" err="1" smtClean="0">
+              <a:rPr lang="de-DE" sz="1600" dirty="0" err="1" smtClean="0">
+                <a:latin typeface="Calibri" panose="020F0502020204030204" pitchFamily="34" charset="0"/>
+                <a:cs typeface="Calibri" panose="020F0502020204030204" pitchFamily="34" charset="0"/>
+              </a:rPr>
+              <a:t>barriers</a:t>
+            </a:r>
+            <a:r>
+              <a:rPr lang="de-DE" sz="1600" dirty="0" smtClean="0">
+                <a:latin typeface="Calibri" panose="020F0502020204030204" pitchFamily="34" charset="0"/>
+                <a:cs typeface="Calibri" panose="020F0502020204030204" pitchFamily="34" charset="0"/>
+              </a:rPr>
+              <a:t> </a:t>
+            </a:r>
+            <a:r>
+              <a:rPr lang="de-DE" sz="1600" dirty="0" err="1" smtClean="0">
+                <a:latin typeface="Calibri" panose="020F0502020204030204" pitchFamily="34" charset="0"/>
+                <a:cs typeface="Calibri" panose="020F0502020204030204" pitchFamily="34" charset="0"/>
+              </a:rPr>
+              <a:t>with</a:t>
+            </a:r>
+            <a:r>
+              <a:rPr lang="de-DE" sz="1600" dirty="0" smtClean="0">
+                <a:latin typeface="Calibri" panose="020F0502020204030204" pitchFamily="34" charset="0"/>
+                <a:cs typeface="Calibri" panose="020F0502020204030204" pitchFamily="34" charset="0"/>
+              </a:rPr>
+              <a:t> </a:t>
+            </a:r>
+            <a:r>
+              <a:rPr lang="de-DE" sz="1600" dirty="0" err="1" smtClean="0">
+                <a:latin typeface="Calibri" panose="020F0502020204030204" pitchFamily="34" charset="0"/>
+                <a:cs typeface="Calibri" panose="020F0502020204030204" pitchFamily="34" charset="0"/>
+              </a:rPr>
+              <a:t>respect</a:t>
+            </a:r>
+            <a:r>
+              <a:rPr lang="de-DE" sz="1600" dirty="0" smtClean="0">
+                <a:latin typeface="Calibri" panose="020F0502020204030204" pitchFamily="34" charset="0"/>
+                <a:cs typeface="Calibri" panose="020F0502020204030204" pitchFamily="34" charset="0"/>
+              </a:rPr>
+              <a:t> </a:t>
+            </a:r>
+            <a:r>
+              <a:rPr lang="de-DE" sz="1600" dirty="0" err="1" smtClean="0">
+                <a:latin typeface="Calibri" panose="020F0502020204030204" pitchFamily="34" charset="0"/>
+                <a:cs typeface="Calibri" panose="020F0502020204030204" pitchFamily="34" charset="0"/>
+              </a:rPr>
+              <a:t>to</a:t>
+            </a:r>
+            <a:r>
+              <a:rPr lang="de-DE" sz="1600" dirty="0" smtClean="0">
+                <a:latin typeface="Calibri" panose="020F0502020204030204" pitchFamily="34" charset="0"/>
+                <a:cs typeface="Calibri" panose="020F0502020204030204" pitchFamily="34" charset="0"/>
+              </a:rPr>
+              <a:t> </a:t>
+            </a:r>
+            <a:r>
+              <a:rPr lang="de-DE" sz="1600" dirty="0" err="1" smtClean="0">
+                <a:latin typeface="Calibri" panose="020F0502020204030204" pitchFamily="34" charset="0"/>
+                <a:cs typeface="Calibri" panose="020F0502020204030204" pitchFamily="34" charset="0"/>
+              </a:rPr>
+              <a:t>coverage</a:t>
+            </a:r>
+            <a:r>
+              <a:rPr lang="de-DE" sz="1600" dirty="0" smtClean="0">
+                <a:latin typeface="Calibri" panose="020F0502020204030204" pitchFamily="34" charset="0"/>
+                <a:cs typeface="Calibri" panose="020F0502020204030204" pitchFamily="34" charset="0"/>
+              </a:rPr>
+              <a:t> </a:t>
+            </a:r>
+            <a:r>
+              <a:rPr lang="de-DE" sz="1600" dirty="0" err="1" smtClean="0">
+                <a:latin typeface="Calibri" panose="020F0502020204030204" pitchFamily="34" charset="0"/>
+                <a:cs typeface="Calibri" panose="020F0502020204030204" pitchFamily="34" charset="0"/>
+              </a:rPr>
+              <a:t>and</a:t>
+            </a:r>
+            <a:r>
+              <a:rPr lang="de-DE" sz="1600" dirty="0" smtClean="0">
+                <a:latin typeface="Calibri" panose="020F0502020204030204" pitchFamily="34" charset="0"/>
+                <a:cs typeface="Calibri" panose="020F0502020204030204" pitchFamily="34" charset="0"/>
+              </a:rPr>
+              <a:t> </a:t>
+            </a:r>
+            <a:r>
+              <a:rPr lang="de-DE" sz="1600" dirty="0" err="1" smtClean="0">
+                <a:latin typeface="Calibri" panose="020F0502020204030204" pitchFamily="34" charset="0"/>
+                <a:cs typeface="Calibri" panose="020F0502020204030204" pitchFamily="34" charset="0"/>
+              </a:rPr>
+              <a:t>content</a:t>
+            </a:r>
+            <a:r>
+              <a:rPr lang="de-DE" sz="1600" dirty="0" smtClean="0">
+                <a:latin typeface="Calibri" panose="020F0502020204030204" pitchFamily="34" charset="0"/>
+                <a:cs typeface="Calibri" panose="020F0502020204030204" pitchFamily="34" charset="0"/>
+              </a:rPr>
+              <a:t> </a:t>
+            </a:r>
+            <a:r>
+              <a:rPr lang="de-DE" sz="1600" dirty="0" err="1" smtClean="0">
                 <a:latin typeface="Calibri" panose="020F0502020204030204" pitchFamily="34" charset="0"/>
                 <a:cs typeface="Calibri" panose="020F0502020204030204" pitchFamily="34" charset="0"/>
               </a:rPr>
               <a:t>of</a:t>
             </a:r>
             <a:r>
-              <a:rPr lang="de-DE" sz="1000" b="1" dirty="0" smtClean="0">
+              <a:rPr lang="de-DE" sz="1600" dirty="0" smtClean="0">
                 <a:latin typeface="Calibri" panose="020F0502020204030204" pitchFamily="34" charset="0"/>
                 <a:cs typeface="Calibri" panose="020F0502020204030204" pitchFamily="34" charset="0"/>
               </a:rPr>
               <a:t> </a:t>
             </a:r>
             <a:r>
-              <a:rPr lang="de-DE" sz="1000" b="1" dirty="0" err="1" smtClean="0">
-                <a:latin typeface="Calibri" panose="020F0502020204030204" pitchFamily="34" charset="0"/>
-                <a:cs typeface="Calibri" panose="020F0502020204030204" pitchFamily="34" charset="0"/>
-              </a:rPr>
-              <a:t>policies</a:t>
-            </a:r>
-            <a:endParaRPr lang="en-GB" sz="1000" b="1" dirty="0">
+              <a:rPr lang="de-DE" sz="1600" dirty="0" err="1" smtClean="0">
+                <a:latin typeface="Calibri" panose="020F0502020204030204" pitchFamily="34" charset="0"/>
+                <a:cs typeface="Calibri" panose="020F0502020204030204" pitchFamily="34" charset="0"/>
+              </a:rPr>
+              <a:t>data</a:t>
+            </a:r>
+            <a:r>
+              <a:rPr lang="de-DE" sz="1600" dirty="0" smtClean="0">
+                <a:latin typeface="Calibri" panose="020F0502020204030204" pitchFamily="34" charset="0"/>
+                <a:cs typeface="Calibri" panose="020F0502020204030204" pitchFamily="34" charset="0"/>
+              </a:rPr>
+              <a:t> </a:t>
+            </a:r>
+            <a:r>
+              <a:rPr lang="de-DE" sz="1600" dirty="0" err="1" smtClean="0">
+                <a:latin typeface="Calibri" panose="020F0502020204030204" pitchFamily="34" charset="0"/>
+                <a:cs typeface="Calibri" panose="020F0502020204030204" pitchFamily="34" charset="0"/>
+              </a:rPr>
+              <a:t>sources</a:t>
+            </a:r>
+            <a:r>
+              <a:rPr lang="de-DE" sz="1600" dirty="0" smtClean="0">
+                <a:latin typeface="Calibri" panose="020F0502020204030204" pitchFamily="34" charset="0"/>
+                <a:cs typeface="Calibri" panose="020F0502020204030204" pitchFamily="34" charset="0"/>
+              </a:rPr>
+              <a:t> </a:t>
+            </a:r>
+            <a:r>
+              <a:rPr lang="de-DE" sz="1600" dirty="0" err="1" smtClean="0">
+                <a:latin typeface="Calibri" panose="020F0502020204030204" pitchFamily="34" charset="0"/>
+                <a:cs typeface="Calibri" panose="020F0502020204030204" pitchFamily="34" charset="0"/>
+              </a:rPr>
+              <a:t>themselves</a:t>
+            </a:r>
+            <a:r>
+              <a:rPr lang="de-DE" sz="1600" dirty="0" smtClean="0">
+                <a:latin typeface="Calibri" panose="020F0502020204030204" pitchFamily="34" charset="0"/>
+                <a:cs typeface="Calibri" panose="020F0502020204030204" pitchFamily="34" charset="0"/>
+              </a:rPr>
+              <a:t>, </a:t>
+            </a:r>
+            <a:r>
+              <a:rPr lang="de-DE" sz="1600" dirty="0" err="1" smtClean="0">
+                <a:latin typeface="Calibri" panose="020F0502020204030204" pitchFamily="34" charset="0"/>
+                <a:cs typeface="Calibri" panose="020F0502020204030204" pitchFamily="34" charset="0"/>
+              </a:rPr>
+              <a:t>which</a:t>
+            </a:r>
+            <a:r>
+              <a:rPr lang="de-DE" sz="1600" dirty="0" smtClean="0">
+                <a:latin typeface="Calibri" panose="020F0502020204030204" pitchFamily="34" charset="0"/>
+                <a:cs typeface="Calibri" panose="020F0502020204030204" pitchFamily="34" charset="0"/>
+              </a:rPr>
+              <a:t> </a:t>
+            </a:r>
+            <a:r>
+              <a:rPr lang="de-DE" sz="1600" dirty="0" err="1" smtClean="0">
+                <a:latin typeface="Calibri" panose="020F0502020204030204" pitchFamily="34" charset="0"/>
+                <a:cs typeface="Calibri" panose="020F0502020204030204" pitchFamily="34" charset="0"/>
+              </a:rPr>
+              <a:t>may</a:t>
+            </a:r>
+            <a:r>
+              <a:rPr lang="de-DE" sz="1600" dirty="0" smtClean="0">
+                <a:latin typeface="Calibri" panose="020F0502020204030204" pitchFamily="34" charset="0"/>
+                <a:cs typeface="Calibri" panose="020F0502020204030204" pitchFamily="34" charset="0"/>
+              </a:rPr>
+              <a:t> </a:t>
+            </a:r>
+            <a:r>
+              <a:rPr lang="de-DE" sz="1600" dirty="0" err="1" smtClean="0">
+                <a:latin typeface="Calibri" panose="020F0502020204030204" pitchFamily="34" charset="0"/>
+                <a:cs typeface="Calibri" panose="020F0502020204030204" pitchFamily="34" charset="0"/>
+              </a:rPr>
+              <a:t>introduce</a:t>
+            </a:r>
+            <a:r>
+              <a:rPr lang="de-DE" sz="1600" dirty="0" smtClean="0">
+                <a:latin typeface="Calibri" panose="020F0502020204030204" pitchFamily="34" charset="0"/>
+                <a:cs typeface="Calibri" panose="020F0502020204030204" pitchFamily="34" charset="0"/>
+              </a:rPr>
+              <a:t> </a:t>
+            </a:r>
+            <a:r>
+              <a:rPr lang="de-DE" sz="1600" dirty="0" err="1" smtClean="0">
+                <a:latin typeface="Calibri" panose="020F0502020204030204" pitchFamily="34" charset="0"/>
+                <a:cs typeface="Calibri" panose="020F0502020204030204" pitchFamily="34" charset="0"/>
+              </a:rPr>
+              <a:t>systematic</a:t>
+            </a:r>
+            <a:r>
+              <a:rPr lang="de-DE" sz="1600" dirty="0" smtClean="0">
+                <a:latin typeface="Calibri" panose="020F0502020204030204" pitchFamily="34" charset="0"/>
+                <a:cs typeface="Calibri" panose="020F0502020204030204" pitchFamily="34" charset="0"/>
+              </a:rPr>
+              <a:t> </a:t>
+            </a:r>
+            <a:r>
+              <a:rPr lang="de-DE" sz="1600" dirty="0" err="1" smtClean="0">
+                <a:latin typeface="Calibri" panose="020F0502020204030204" pitchFamily="34" charset="0"/>
+                <a:cs typeface="Calibri" panose="020F0502020204030204" pitchFamily="34" charset="0"/>
+              </a:rPr>
+              <a:t>bias</a:t>
+            </a:r>
+            <a:r>
+              <a:rPr lang="de-DE" sz="1600" dirty="0" smtClean="0">
+                <a:latin typeface="Calibri" panose="020F0502020204030204" pitchFamily="34" charset="0"/>
+                <a:cs typeface="Calibri" panose="020F0502020204030204" pitchFamily="34" charset="0"/>
+              </a:rPr>
+              <a:t> </a:t>
+            </a:r>
+            <a:r>
+              <a:rPr lang="de-DE" sz="1600" dirty="0" err="1" smtClean="0">
+                <a:latin typeface="Calibri" panose="020F0502020204030204" pitchFamily="34" charset="0"/>
+                <a:cs typeface="Calibri" panose="020F0502020204030204" pitchFamily="34" charset="0"/>
+              </a:rPr>
+              <a:t>into</a:t>
+            </a:r>
+            <a:r>
+              <a:rPr lang="de-DE" sz="1600" dirty="0" smtClean="0">
+                <a:latin typeface="Calibri" panose="020F0502020204030204" pitchFamily="34" charset="0"/>
+                <a:cs typeface="Calibri" panose="020F0502020204030204" pitchFamily="34" charset="0"/>
+              </a:rPr>
+              <a:t> </a:t>
+            </a:r>
+            <a:r>
+              <a:rPr lang="de-DE" sz="1600" dirty="0" err="1" smtClean="0">
+                <a:latin typeface="Calibri" panose="020F0502020204030204" pitchFamily="34" charset="0"/>
+                <a:cs typeface="Calibri" panose="020F0502020204030204" pitchFamily="34" charset="0"/>
+              </a:rPr>
+              <a:t>analyses</a:t>
+            </a:r>
+            <a:r>
+              <a:rPr lang="de-DE" sz="1600" dirty="0" smtClean="0">
+                <a:latin typeface="Calibri" panose="020F0502020204030204" pitchFamily="34" charset="0"/>
+                <a:cs typeface="Calibri" panose="020F0502020204030204" pitchFamily="34" charset="0"/>
+              </a:rPr>
+              <a:t>.</a:t>
+            </a:r>
+            <a:endParaRPr lang="en-GB" sz="1600" dirty="0">
               <a:latin typeface="Calibri" panose="020F0502020204030204" pitchFamily="34" charset="0"/>
               <a:cs typeface="Calibri" panose="020F0502020204030204" pitchFamily="34" charset="0"/>
             </a:endParaRPr>
@@ -21073,7 +22412,7 @@
     </p:spTree>
     <p:extLst>
       <p:ext uri="{BB962C8B-B14F-4D97-AF65-F5344CB8AC3E}">
-        <p14:creationId xmlns:p14="http://schemas.microsoft.com/office/powerpoint/2010/main" val="3554779486"/>
+        <p14:creationId xmlns:p14="http://schemas.microsoft.com/office/powerpoint/2010/main" val="4078312780"/>
       </p:ext>
     </p:extLst>
   </p:cSld>
@@ -21116,7 +22455,7 @@
         <p:spPr>
           <a:xfrm>
             <a:off x="323528" y="267494"/>
-            <a:ext cx="8784976" cy="461665"/>
+            <a:ext cx="8784976" cy="400110"/>
           </a:xfrm>
           <a:prstGeom prst="rect">
             <a:avLst/>
@@ -21130,7 +22469,7 @@
           <a:lstStyle/>
           <a:p>
             <a:r>
-              <a:rPr lang="de-DE" sz="2400" b="1" dirty="0" smtClean="0">
+              <a:rPr lang="de-DE" sz="2000" b="1" dirty="0" smtClean="0">
                 <a:solidFill>
                   <a:srgbClr val="C00000"/>
                 </a:solidFill>
@@ -21139,7 +22478,7 @@
               </a:rPr>
               <a:t>Summary</a:t>
             </a:r>
-            <a:endParaRPr lang="en-GB" sz="2400" b="1" dirty="0">
+            <a:endParaRPr lang="en-GB" sz="2000" b="1" dirty="0">
               <a:solidFill>
                 <a:srgbClr val="C00000"/>
               </a:solidFill>
@@ -21335,6 +22674,113 @@
           <a:lstStyle/>
           <a:p>
             <a:endParaRPr lang="en-GB"/>
+          </a:p>
+        </p:txBody>
+      </p:sp>
+      <p:sp>
+        <p:nvSpPr>
+          <p:cNvPr id="10" name="Textfeld 6"/>
+          <p:cNvSpPr txBox="1"/>
+          <p:nvPr/>
+        </p:nvSpPr>
+        <p:spPr>
+          <a:xfrm>
+            <a:off x="322040" y="1419622"/>
+            <a:ext cx="8208912" cy="2062103"/>
+          </a:xfrm>
+          <a:prstGeom prst="rect">
+            <a:avLst/>
+          </a:prstGeom>
+          <a:noFill/>
+        </p:spPr>
+        <p:txBody>
+          <a:bodyPr wrap="square" rtlCol="0">
+            <a:spAutoFit/>
+          </a:bodyPr>
+          <a:lstStyle/>
+          <a:p>
+            <a:pPr marL="285750" indent="-285750">
+              <a:buFont typeface="Arial" panose="020B0604020202020204" pitchFamily="34" charset="0"/>
+              <a:buChar char="•"/>
+            </a:pPr>
+            <a:r>
+              <a:rPr lang="en-GB" sz="1600" dirty="0" smtClean="0">
+                <a:latin typeface="Calibri" panose="020F0502020204030204" pitchFamily="34" charset="0"/>
+                <a:cs typeface="Calibri" panose="020F0502020204030204" pitchFamily="34" charset="0"/>
+              </a:rPr>
+              <a:t>Combining data from the Web of Science, </a:t>
+            </a:r>
+            <a:r>
+              <a:rPr lang="en-GB" sz="1600" dirty="0" err="1" smtClean="0">
+                <a:latin typeface="Calibri" panose="020F0502020204030204" pitchFamily="34" charset="0"/>
+                <a:cs typeface="Calibri" panose="020F0502020204030204" pitchFamily="34" charset="0"/>
+              </a:rPr>
+              <a:t>Unpaywall</a:t>
+            </a:r>
+            <a:r>
+              <a:rPr lang="en-GB" sz="1600" dirty="0" smtClean="0">
+                <a:latin typeface="Calibri" panose="020F0502020204030204" pitchFamily="34" charset="0"/>
+                <a:cs typeface="Calibri" panose="020F0502020204030204" pitchFamily="34" charset="0"/>
+              </a:rPr>
+              <a:t> and Altmetric.com, we observe that OA articles are shared, mentioned and cited more than closed articles in multiple </a:t>
+            </a:r>
+            <a:r>
+              <a:rPr lang="en-GB" sz="1600" dirty="0" err="1" smtClean="0">
+                <a:latin typeface="Calibri" panose="020F0502020204030204" pitchFamily="34" charset="0"/>
+                <a:cs typeface="Calibri" panose="020F0502020204030204" pitchFamily="34" charset="0"/>
+              </a:rPr>
+              <a:t>altmetric</a:t>
+            </a:r>
+            <a:r>
+              <a:rPr lang="en-GB" sz="1600" dirty="0" smtClean="0">
+                <a:latin typeface="Calibri" panose="020F0502020204030204" pitchFamily="34" charset="0"/>
+                <a:cs typeface="Calibri" panose="020F0502020204030204" pitchFamily="34" charset="0"/>
+              </a:rPr>
+              <a:t> sources (blogs, Facebook, news, policies, Twitter, Wikipedia). In addition, OA articles are shared more rapidly on plat</a:t>
+            </a:r>
+          </a:p>
+          <a:p>
+            <a:pPr marL="285750" indent="-285750">
+              <a:buFont typeface="Arial" panose="020B0604020202020204" pitchFamily="34" charset="0"/>
+              <a:buChar char="•"/>
+            </a:pPr>
+            <a:endParaRPr lang="en-GB" sz="1600" dirty="0">
+              <a:latin typeface="Calibri" panose="020F0502020204030204" pitchFamily="34" charset="0"/>
+              <a:cs typeface="Calibri" panose="020F0502020204030204" pitchFamily="34" charset="0"/>
+            </a:endParaRPr>
+          </a:p>
+          <a:p>
+            <a:pPr marL="285750" indent="-285750">
+              <a:buFont typeface="Arial" panose="020B0604020202020204" pitchFamily="34" charset="0"/>
+              <a:buChar char="•"/>
+            </a:pPr>
+            <a:endParaRPr lang="en-GB" sz="1600" dirty="0" smtClean="0">
+              <a:latin typeface="Calibri" panose="020F0502020204030204" pitchFamily="34" charset="0"/>
+              <a:cs typeface="Calibri" panose="020F0502020204030204" pitchFamily="34" charset="0"/>
+            </a:endParaRPr>
+          </a:p>
+          <a:p>
+            <a:pPr marL="285750" indent="-285750">
+              <a:buFont typeface="Arial" panose="020B0604020202020204" pitchFamily="34" charset="0"/>
+              <a:buChar char="•"/>
+            </a:pPr>
+            <a:endParaRPr lang="en-GB" sz="1600" dirty="0">
+              <a:latin typeface="Calibri" panose="020F0502020204030204" pitchFamily="34" charset="0"/>
+              <a:cs typeface="Calibri" panose="020F0502020204030204" pitchFamily="34" charset="0"/>
+            </a:endParaRPr>
+          </a:p>
+          <a:p>
+            <a:pPr marL="285750" indent="-285750">
+              <a:buFont typeface="Arial" panose="020B0604020202020204" pitchFamily="34" charset="0"/>
+              <a:buChar char="•"/>
+            </a:pPr>
+            <a:r>
+              <a:rPr lang="en-GB" sz="1600" dirty="0" smtClean="0">
+                <a:latin typeface="Calibri" panose="020F0502020204030204" pitchFamily="34" charset="0"/>
+                <a:cs typeface="Calibri" panose="020F0502020204030204" pitchFamily="34" charset="0"/>
+              </a:rPr>
+              <a:t>Limitations</a:t>
+            </a:r>
           </a:p>
         </p:txBody>
       </p:sp>
@@ -21538,7 +22984,7 @@
         <p:spPr>
           <a:xfrm>
             <a:off x="323528" y="267494"/>
-            <a:ext cx="8784976" cy="461665"/>
+            <a:ext cx="8784976" cy="400110"/>
           </a:xfrm>
           <a:prstGeom prst="rect">
             <a:avLst/>
@@ -21552,7 +22998,7 @@
           <a:lstStyle/>
           <a:p>
             <a:r>
-              <a:rPr lang="de-DE" sz="2400" b="1" dirty="0" err="1" smtClean="0">
+              <a:rPr lang="de-DE" sz="2000" b="1" dirty="0" err="1" smtClean="0">
                 <a:solidFill>
                   <a:srgbClr val="C00000"/>
                 </a:solidFill>
@@ -21562,7 +23008,7 @@
               <a:t>Direct</a:t>
             </a:r>
             <a:r>
-              <a:rPr lang="de-DE" sz="2400" b="1" dirty="0" smtClean="0">
+              <a:rPr lang="de-DE" sz="2000" b="1" dirty="0" smtClean="0">
                 <a:solidFill>
                   <a:srgbClr val="C00000"/>
                 </a:solidFill>
@@ -21572,7 +23018,7 @@
               <a:t> </a:t>
             </a:r>
             <a:r>
-              <a:rPr lang="de-DE" sz="2400" b="1" dirty="0" err="1" smtClean="0">
+              <a:rPr lang="de-DE" sz="2000" b="1" dirty="0" err="1" smtClean="0">
                 <a:solidFill>
                   <a:srgbClr val="C00000"/>
                 </a:solidFill>
@@ -21582,7 +23028,7 @@
               <a:t>citations</a:t>
             </a:r>
             <a:r>
-              <a:rPr lang="de-DE" sz="2400" b="1" dirty="0" smtClean="0">
+              <a:rPr lang="de-DE" sz="2000" b="1" dirty="0" smtClean="0">
                 <a:solidFill>
                   <a:srgbClr val="C00000"/>
                 </a:solidFill>
@@ -21592,7 +23038,7 @@
               <a:t> </a:t>
             </a:r>
             <a:r>
-              <a:rPr lang="de-DE" sz="2400" b="1" dirty="0" err="1" smtClean="0">
+              <a:rPr lang="de-DE" sz="2000" b="1" dirty="0" err="1" smtClean="0">
                 <a:solidFill>
                   <a:srgbClr val="C00000"/>
                 </a:solidFill>
@@ -21602,7 +23048,7 @@
               <a:t>to</a:t>
             </a:r>
             <a:r>
-              <a:rPr lang="de-DE" sz="2400" b="1" dirty="0" smtClean="0">
+              <a:rPr lang="de-DE" sz="2000" b="1" dirty="0" smtClean="0">
                 <a:solidFill>
                   <a:srgbClr val="C00000"/>
                 </a:solidFill>
@@ -21612,7 +23058,7 @@
               <a:t> </a:t>
             </a:r>
             <a:r>
-              <a:rPr lang="de-DE" sz="2400" b="1" dirty="0" err="1" smtClean="0">
+              <a:rPr lang="de-DE" sz="2000" b="1" dirty="0" err="1" smtClean="0">
                 <a:solidFill>
                   <a:srgbClr val="C00000"/>
                 </a:solidFill>
@@ -21622,7 +23068,7 @@
               <a:t>published</a:t>
             </a:r>
             <a:r>
-              <a:rPr lang="de-DE" sz="2400" b="1" dirty="0" smtClean="0">
+              <a:rPr lang="de-DE" sz="2000" b="1" dirty="0" smtClean="0">
                 <a:solidFill>
                   <a:srgbClr val="C00000"/>
                 </a:solidFill>
@@ -21632,7 +23078,7 @@
               <a:t> </a:t>
             </a:r>
             <a:r>
-              <a:rPr lang="de-DE" sz="2400" b="1" dirty="0" err="1" smtClean="0">
+              <a:rPr lang="de-DE" sz="2000" b="1" dirty="0" err="1" smtClean="0">
                 <a:solidFill>
                   <a:srgbClr val="C00000"/>
                 </a:solidFill>
@@ -21642,7 +23088,7 @@
               <a:t>and</a:t>
             </a:r>
             <a:r>
-              <a:rPr lang="de-DE" sz="2400" b="1" dirty="0" smtClean="0">
+              <a:rPr lang="de-DE" sz="2000" b="1" dirty="0" smtClean="0">
                 <a:solidFill>
                   <a:srgbClr val="C00000"/>
                 </a:solidFill>
@@ -21652,7 +23098,7 @@
               <a:t> </a:t>
             </a:r>
             <a:r>
-              <a:rPr lang="de-DE" sz="2400" b="1" dirty="0" err="1" smtClean="0">
+              <a:rPr lang="de-DE" sz="2000" b="1" dirty="0" err="1" smtClean="0">
                 <a:solidFill>
                   <a:srgbClr val="C00000"/>
                 </a:solidFill>
@@ -21662,7 +23108,7 @@
               <a:t>unpublished</a:t>
             </a:r>
             <a:r>
-              <a:rPr lang="de-DE" sz="2400" b="1" dirty="0" smtClean="0">
+              <a:rPr lang="de-DE" sz="2000" b="1" dirty="0" smtClean="0">
                 <a:solidFill>
                   <a:srgbClr val="C00000"/>
                 </a:solidFill>
@@ -21672,7 +23118,7 @@
               <a:t> </a:t>
             </a:r>
             <a:r>
-              <a:rPr lang="de-DE" sz="2400" b="1" dirty="0" err="1" smtClean="0">
+              <a:rPr lang="de-DE" sz="2000" b="1" dirty="0" err="1" smtClean="0">
                 <a:solidFill>
                   <a:srgbClr val="C00000"/>
                 </a:solidFill>
@@ -21681,7 +23127,7 @@
               </a:rPr>
               <a:t>preprints</a:t>
             </a:r>
-            <a:endParaRPr lang="en-GB" sz="2400" b="1" dirty="0">
+            <a:endParaRPr lang="en-GB" sz="2000" b="1" dirty="0">
               <a:solidFill>
                 <a:srgbClr val="C00000"/>
               </a:solidFill>
@@ -21923,7 +23369,7 @@
         <p:spPr>
           <a:xfrm>
             <a:off x="323528" y="267494"/>
-            <a:ext cx="8784976" cy="461665"/>
+            <a:ext cx="8784976" cy="400110"/>
           </a:xfrm>
           <a:prstGeom prst="rect">
             <a:avLst/>
@@ -21937,7 +23383,7 @@
           <a:lstStyle/>
           <a:p>
             <a:r>
-              <a:rPr lang="de-DE" sz="2400" b="1" dirty="0" err="1" smtClean="0">
+              <a:rPr lang="de-DE" sz="2000" b="1" dirty="0" err="1" smtClean="0">
                 <a:solidFill>
                   <a:srgbClr val="C00000"/>
                 </a:solidFill>
@@ -21947,7 +23393,7 @@
               <a:t>Direct</a:t>
             </a:r>
             <a:r>
-              <a:rPr lang="de-DE" sz="2400" b="1" dirty="0" smtClean="0">
+              <a:rPr lang="de-DE" sz="2000" b="1" dirty="0" smtClean="0">
                 <a:solidFill>
                   <a:srgbClr val="C00000"/>
                 </a:solidFill>
@@ -21957,7 +23403,7 @@
               <a:t> </a:t>
             </a:r>
             <a:r>
-              <a:rPr lang="de-DE" sz="2400" b="1" dirty="0" err="1" smtClean="0">
+              <a:rPr lang="de-DE" sz="2000" b="1" dirty="0" err="1" smtClean="0">
                 <a:solidFill>
                   <a:srgbClr val="C00000"/>
                 </a:solidFill>
@@ -21967,7 +23413,7 @@
               <a:t>citations</a:t>
             </a:r>
             <a:r>
-              <a:rPr lang="de-DE" sz="2400" b="1" dirty="0" smtClean="0">
+              <a:rPr lang="de-DE" sz="2000" b="1" dirty="0" smtClean="0">
                 <a:solidFill>
                   <a:srgbClr val="C00000"/>
                 </a:solidFill>
@@ -21977,7 +23423,7 @@
               <a:t> </a:t>
             </a:r>
             <a:r>
-              <a:rPr lang="de-DE" sz="2400" b="1" dirty="0" err="1" smtClean="0">
+              <a:rPr lang="de-DE" sz="2000" b="1" dirty="0" err="1" smtClean="0">
                 <a:solidFill>
                   <a:srgbClr val="C00000"/>
                 </a:solidFill>
@@ -21987,7 +23433,7 @@
               <a:t>to</a:t>
             </a:r>
             <a:r>
-              <a:rPr lang="de-DE" sz="2400" b="1" dirty="0" smtClean="0">
+              <a:rPr lang="de-DE" sz="2000" b="1" dirty="0" smtClean="0">
                 <a:solidFill>
                   <a:srgbClr val="C00000"/>
                 </a:solidFill>
@@ -21997,7 +23443,7 @@
               <a:t> </a:t>
             </a:r>
             <a:r>
-              <a:rPr lang="de-DE" sz="2400" b="1" dirty="0" err="1" smtClean="0">
+              <a:rPr lang="de-DE" sz="2000" b="1" dirty="0" err="1" smtClean="0">
                 <a:solidFill>
                   <a:srgbClr val="C00000"/>
                 </a:solidFill>
@@ -22007,7 +23453,7 @@
               <a:t>preprints</a:t>
             </a:r>
             <a:r>
-              <a:rPr lang="de-DE" sz="2400" b="1" dirty="0" smtClean="0">
+              <a:rPr lang="de-DE" sz="2000" b="1" dirty="0" smtClean="0">
                 <a:solidFill>
                   <a:srgbClr val="C00000"/>
                 </a:solidFill>
@@ -22017,7 +23463,7 @@
               <a:t> </a:t>
             </a:r>
             <a:r>
-              <a:rPr lang="de-DE" sz="2400" b="1" dirty="0" err="1" smtClean="0">
+              <a:rPr lang="de-DE" sz="2000" b="1" dirty="0" err="1" smtClean="0">
                 <a:solidFill>
                   <a:srgbClr val="C00000"/>
                 </a:solidFill>
@@ -22027,7 +23473,7 @@
               <a:t>following</a:t>
             </a:r>
             <a:r>
-              <a:rPr lang="de-DE" sz="2400" b="1" dirty="0" smtClean="0">
+              <a:rPr lang="de-DE" sz="2000" b="1" dirty="0" smtClean="0">
                 <a:solidFill>
                   <a:srgbClr val="C00000"/>
                 </a:solidFill>
@@ -22037,7 +23483,7 @@
               <a:t> </a:t>
             </a:r>
             <a:r>
-              <a:rPr lang="de-DE" sz="2400" b="1" dirty="0" err="1" smtClean="0">
+              <a:rPr lang="de-DE" sz="2000" b="1" dirty="0" err="1" smtClean="0">
                 <a:solidFill>
                   <a:srgbClr val="C00000"/>
                 </a:solidFill>
@@ -22047,7 +23493,7 @@
               <a:t>journal</a:t>
             </a:r>
             <a:r>
-              <a:rPr lang="de-DE" sz="2400" b="1" dirty="0" smtClean="0">
+              <a:rPr lang="de-DE" sz="2000" b="1" dirty="0" smtClean="0">
                 <a:solidFill>
                   <a:srgbClr val="C00000"/>
                 </a:solidFill>
@@ -22057,7 +23503,7 @@
               <a:t> </a:t>
             </a:r>
             <a:r>
-              <a:rPr lang="de-DE" sz="2400" b="1" dirty="0" err="1" smtClean="0">
+              <a:rPr lang="de-DE" sz="2000" b="1" dirty="0" err="1" smtClean="0">
                 <a:solidFill>
                   <a:srgbClr val="C00000"/>
                 </a:solidFill>
@@ -22066,7 +23512,7 @@
               </a:rPr>
               <a:t>publication</a:t>
             </a:r>
-            <a:endParaRPr lang="en-GB" sz="2400" b="1" dirty="0">
+            <a:endParaRPr lang="en-GB" sz="2000" b="1" dirty="0">
               <a:solidFill>
                 <a:srgbClr val="C00000"/>
               </a:solidFill>
@@ -22080,6 +23526,665 @@
     <p:extLst>
       <p:ext uri="{BB962C8B-B14F-4D97-AF65-F5344CB8AC3E}">
         <p14:creationId xmlns:p14="http://schemas.microsoft.com/office/powerpoint/2010/main" val="3822692276"/>
+      </p:ext>
+    </p:extLst>
+  </p:cSld>
+  <p:clrMapOvr>
+    <a:masterClrMapping/>
+  </p:clrMapOvr>
+  <p:timing>
+    <p:tnLst>
+      <p:par>
+        <p:cTn id="1" dur="indefinite" restart="never" nodeType="tmRoot"/>
+      </p:par>
+    </p:tnLst>
+  </p:timing>
+</p:sld>
+</file>
+
+<file path=ppt/slides/slide37.xml><?xml version="1.0" encoding="utf-8"?>
+<p:sld xmlns:a="http://schemas.openxmlformats.org/drawingml/2006/main" xmlns:r="http://schemas.openxmlformats.org/officeDocument/2006/relationships" xmlns:p="http://schemas.openxmlformats.org/presentationml/2006/main">
+  <p:cSld>
+    <p:spTree>
+      <p:nvGrpSpPr>
+        <p:cNvPr id="1" name=""/>
+        <p:cNvGrpSpPr/>
+        <p:nvPr/>
+      </p:nvGrpSpPr>
+      <p:grpSpPr>
+        <a:xfrm>
+          <a:off x="0" y="0"/>
+          <a:ext cx="0" cy="0"/>
+          <a:chOff x="0" y="0"/>
+          <a:chExt cx="0" cy="0"/>
+        </a:xfrm>
+      </p:grpSpPr>
+      <p:sp>
+        <p:nvSpPr>
+          <p:cNvPr id="2" name="Textfeld 1"/>
+          <p:cNvSpPr txBox="1"/>
+          <p:nvPr/>
+        </p:nvSpPr>
+        <p:spPr>
+          <a:xfrm>
+            <a:off x="323528" y="267494"/>
+            <a:ext cx="8784976" cy="707886"/>
+          </a:xfrm>
+          <a:prstGeom prst="rect">
+            <a:avLst/>
+          </a:prstGeom>
+          <a:noFill/>
+        </p:spPr>
+        <p:txBody>
+          <a:bodyPr wrap="square" rtlCol="0">
+            <a:spAutoFit/>
+          </a:bodyPr>
+          <a:lstStyle/>
+          <a:p>
+            <a:r>
+              <a:rPr lang="en-GB" sz="2000" b="1" dirty="0">
+                <a:solidFill>
+                  <a:srgbClr val="C00000"/>
+                </a:solidFill>
+                <a:latin typeface="Calibri" panose="020F0502020204030204" pitchFamily="34" charset="0"/>
+                <a:cs typeface="Calibri" panose="020F0502020204030204" pitchFamily="34" charset="0"/>
+              </a:rPr>
+              <a:t>RQ4: What are the limitations </a:t>
+            </a:r>
+            <a:r>
+              <a:rPr lang="en-GB" sz="2000" b="1" dirty="0" smtClean="0">
+                <a:solidFill>
+                  <a:srgbClr val="C00000"/>
+                </a:solidFill>
+                <a:latin typeface="Calibri" panose="020F0502020204030204" pitchFamily="34" charset="0"/>
+                <a:cs typeface="Calibri" panose="020F0502020204030204" pitchFamily="34" charset="0"/>
+              </a:rPr>
+              <a:t>in </a:t>
+            </a:r>
+            <a:r>
+              <a:rPr lang="en-GB" sz="2000" b="1" dirty="0">
+                <a:solidFill>
+                  <a:srgbClr val="C00000"/>
+                </a:solidFill>
+                <a:latin typeface="Calibri" panose="020F0502020204030204" pitchFamily="34" charset="0"/>
+                <a:cs typeface="Calibri" panose="020F0502020204030204" pitchFamily="34" charset="0"/>
+              </a:rPr>
+              <a:t>measuring the large-scale relationship between OA and </a:t>
+            </a:r>
+            <a:r>
+              <a:rPr lang="en-GB" sz="2000" b="1" dirty="0" err="1">
+                <a:solidFill>
+                  <a:srgbClr val="C00000"/>
+                </a:solidFill>
+                <a:latin typeface="Calibri" panose="020F0502020204030204" pitchFamily="34" charset="0"/>
+                <a:cs typeface="Calibri" panose="020F0502020204030204" pitchFamily="34" charset="0"/>
+              </a:rPr>
+              <a:t>altmetrics</a:t>
+            </a:r>
+            <a:r>
+              <a:rPr lang="en-GB" sz="2000" b="1" dirty="0" smtClean="0">
+                <a:solidFill>
+                  <a:srgbClr val="C00000"/>
+                </a:solidFill>
+                <a:latin typeface="Calibri" panose="020F0502020204030204" pitchFamily="34" charset="0"/>
+                <a:cs typeface="Calibri" panose="020F0502020204030204" pitchFamily="34" charset="0"/>
+              </a:rPr>
+              <a:t>?</a:t>
+            </a:r>
+            <a:endParaRPr lang="en-GB" sz="2000" b="1" dirty="0">
+              <a:solidFill>
+                <a:srgbClr val="C00000"/>
+              </a:solidFill>
+              <a:latin typeface="Calibri" panose="020F0502020204030204" pitchFamily="34" charset="0"/>
+              <a:cs typeface="Calibri" panose="020F0502020204030204" pitchFamily="34" charset="0"/>
+            </a:endParaRPr>
+          </a:p>
+        </p:txBody>
+      </p:sp>
+      <p:sp>
+        <p:nvSpPr>
+          <p:cNvPr id="6" name="Foliennummernplatzhalter 5"/>
+          <p:cNvSpPr>
+            <a:spLocks noGrp="1"/>
+          </p:cNvSpPr>
+          <p:nvPr>
+            <p:ph type="sldNum" sz="quarter" idx="11"/>
+          </p:nvPr>
+        </p:nvSpPr>
+        <p:spPr/>
+        <p:txBody>
+          <a:bodyPr/>
+          <a:lstStyle/>
+          <a:p>
+            <a:r>
+              <a:rPr lang="de-DE" altLang="de-DE" smtClean="0"/>
+              <a:t>Slide </a:t>
+            </a:r>
+            <a:fld id="{A254B5CB-9231-4E8A-8CE2-E25F7BB92403}" type="slidenum">
+              <a:rPr lang="de-DE" altLang="de-DE" smtClean="0"/>
+              <a:pPr/>
+              <a:t>37</a:t>
+            </a:fld>
+            <a:endParaRPr lang="de-DE" altLang="de-DE" dirty="0"/>
+          </a:p>
+        </p:txBody>
+      </p:sp>
+      <p:pic>
+        <p:nvPicPr>
+          <p:cNvPr id="3" name="Grafik 2"/>
+          <p:cNvPicPr>
+            <a:picLocks noChangeAspect="1"/>
+          </p:cNvPicPr>
+          <p:nvPr/>
+        </p:nvPicPr>
+        <p:blipFill rotWithShape="1">
+          <a:blip r:embed="rId3">
+            <a:extLst>
+              <a:ext uri="{28A0092B-C50C-407E-A947-70E740481C1C}">
+                <a14:useLocalDpi xmlns:a14="http://schemas.microsoft.com/office/drawing/2010/main" val="0"/>
+              </a:ext>
+            </a:extLst>
+          </a:blip>
+          <a:srcRect l="23518" r="23394"/>
+          <a:stretch/>
+        </p:blipFill>
+        <p:spPr>
+          <a:xfrm>
+            <a:off x="611560" y="1318598"/>
+            <a:ext cx="3528392" cy="3323128"/>
+          </a:xfrm>
+          <a:prstGeom prst="rect">
+            <a:avLst/>
+          </a:prstGeom>
+        </p:spPr>
+      </p:pic>
+      <p:pic>
+        <p:nvPicPr>
+          <p:cNvPr id="4" name="Grafik 3"/>
+          <p:cNvPicPr>
+            <a:picLocks noChangeAspect="1"/>
+          </p:cNvPicPr>
+          <p:nvPr/>
+        </p:nvPicPr>
+        <p:blipFill rotWithShape="1">
+          <a:blip r:embed="rId4">
+            <a:extLst>
+              <a:ext uri="{28A0092B-C50C-407E-A947-70E740481C1C}">
+                <a14:useLocalDpi xmlns:a14="http://schemas.microsoft.com/office/drawing/2010/main" val="0"/>
+              </a:ext>
+            </a:extLst>
+          </a:blip>
+          <a:srcRect l="23500" r="23666"/>
+          <a:stretch/>
+        </p:blipFill>
+        <p:spPr>
+          <a:xfrm>
+            <a:off x="4932040" y="1318598"/>
+            <a:ext cx="3511439" cy="3323128"/>
+          </a:xfrm>
+          <a:prstGeom prst="rect">
+            <a:avLst/>
+          </a:prstGeom>
+        </p:spPr>
+      </p:pic>
+      <p:sp>
+        <p:nvSpPr>
+          <p:cNvPr id="5" name="Textfeld 4"/>
+          <p:cNvSpPr txBox="1"/>
+          <p:nvPr/>
+        </p:nvSpPr>
+        <p:spPr>
+          <a:xfrm>
+            <a:off x="611560" y="1131590"/>
+            <a:ext cx="1080120" cy="338554"/>
+          </a:xfrm>
+          <a:prstGeom prst="rect">
+            <a:avLst/>
+          </a:prstGeom>
+          <a:noFill/>
+        </p:spPr>
+        <p:txBody>
+          <a:bodyPr wrap="square" rtlCol="0">
+            <a:spAutoFit/>
+          </a:bodyPr>
+          <a:lstStyle/>
+          <a:p>
+            <a:r>
+              <a:rPr lang="de-DE" sz="800" dirty="0" smtClean="0">
+                <a:solidFill>
+                  <a:schemeClr val="accent4">
+                    <a:lumMod val="65000"/>
+                    <a:lumOff val="35000"/>
+                  </a:schemeClr>
+                </a:solidFill>
+                <a:latin typeface="+mn-lt"/>
+                <a:cs typeface="Calibri" panose="020F0502020204030204" pitchFamily="34" charset="0"/>
+              </a:rPr>
+              <a:t>Countries </a:t>
+            </a:r>
+            <a:r>
+              <a:rPr lang="de-DE" sz="800" dirty="0" err="1" smtClean="0">
+                <a:solidFill>
+                  <a:schemeClr val="accent4">
+                    <a:lumMod val="65000"/>
+                    <a:lumOff val="35000"/>
+                  </a:schemeClr>
+                </a:solidFill>
+                <a:latin typeface="+mn-lt"/>
+                <a:cs typeface="Calibri" panose="020F0502020204030204" pitchFamily="34" charset="0"/>
+              </a:rPr>
+              <a:t>of</a:t>
+            </a:r>
+            <a:r>
+              <a:rPr lang="de-DE" sz="800" dirty="0" smtClean="0">
+                <a:solidFill>
+                  <a:schemeClr val="accent4">
+                    <a:lumMod val="65000"/>
+                    <a:lumOff val="35000"/>
+                  </a:schemeClr>
+                </a:solidFill>
+                <a:latin typeface="+mn-lt"/>
+                <a:cs typeface="Calibri" panose="020F0502020204030204" pitchFamily="34" charset="0"/>
+              </a:rPr>
+              <a:t> </a:t>
+            </a:r>
+            <a:r>
+              <a:rPr lang="de-DE" sz="800" dirty="0" err="1" smtClean="0">
+                <a:solidFill>
+                  <a:schemeClr val="accent4">
+                    <a:lumMod val="65000"/>
+                    <a:lumOff val="35000"/>
+                  </a:schemeClr>
+                </a:solidFill>
+                <a:latin typeface="+mn-lt"/>
+                <a:cs typeface="Calibri" panose="020F0502020204030204" pitchFamily="34" charset="0"/>
+              </a:rPr>
+              <a:t>tweeted</a:t>
+            </a:r>
+            <a:r>
+              <a:rPr lang="de-DE" sz="800" dirty="0" smtClean="0">
+                <a:solidFill>
+                  <a:schemeClr val="accent4">
+                    <a:lumMod val="65000"/>
+                    <a:lumOff val="35000"/>
+                  </a:schemeClr>
+                </a:solidFill>
+                <a:latin typeface="+mn-lt"/>
+                <a:cs typeface="Calibri" panose="020F0502020204030204" pitchFamily="34" charset="0"/>
+              </a:rPr>
+              <a:t> </a:t>
+            </a:r>
+            <a:r>
+              <a:rPr lang="de-DE" sz="800" dirty="0" err="1" smtClean="0">
+                <a:solidFill>
+                  <a:schemeClr val="accent4">
+                    <a:lumMod val="65000"/>
+                    <a:lumOff val="35000"/>
+                  </a:schemeClr>
+                </a:solidFill>
+                <a:latin typeface="+mn-lt"/>
+                <a:cs typeface="Calibri" panose="020F0502020204030204" pitchFamily="34" charset="0"/>
+              </a:rPr>
+              <a:t>papers</a:t>
+            </a:r>
+            <a:endParaRPr lang="en-GB" sz="800" dirty="0">
+              <a:solidFill>
+                <a:schemeClr val="accent4">
+                  <a:lumMod val="65000"/>
+                  <a:lumOff val="35000"/>
+                </a:schemeClr>
+              </a:solidFill>
+              <a:latin typeface="+mn-lt"/>
+              <a:cs typeface="Calibri" panose="020F0502020204030204" pitchFamily="34" charset="0"/>
+            </a:endParaRPr>
+          </a:p>
+        </p:txBody>
+      </p:sp>
+      <p:sp>
+        <p:nvSpPr>
+          <p:cNvPr id="8" name="Textfeld 7"/>
+          <p:cNvSpPr txBox="1"/>
+          <p:nvPr/>
+        </p:nvSpPr>
+        <p:spPr>
+          <a:xfrm>
+            <a:off x="3048824" y="1131992"/>
+            <a:ext cx="1080120" cy="338554"/>
+          </a:xfrm>
+          <a:prstGeom prst="rect">
+            <a:avLst/>
+          </a:prstGeom>
+          <a:noFill/>
+        </p:spPr>
+        <p:txBody>
+          <a:bodyPr wrap="square" rtlCol="0">
+            <a:spAutoFit/>
+          </a:bodyPr>
+          <a:lstStyle/>
+          <a:p>
+            <a:pPr algn="r"/>
+            <a:r>
+              <a:rPr lang="de-DE" sz="800" dirty="0" smtClean="0">
+                <a:solidFill>
+                  <a:schemeClr val="accent4">
+                    <a:lumMod val="65000"/>
+                    <a:lumOff val="35000"/>
+                  </a:schemeClr>
+                </a:solidFill>
+                <a:latin typeface="+mn-lt"/>
+                <a:cs typeface="Calibri" panose="020F0502020204030204" pitchFamily="34" charset="0"/>
+              </a:rPr>
+              <a:t>Countries </a:t>
+            </a:r>
+            <a:r>
+              <a:rPr lang="de-DE" sz="800" dirty="0" err="1" smtClean="0">
+                <a:solidFill>
+                  <a:schemeClr val="accent4">
+                    <a:lumMod val="65000"/>
+                    <a:lumOff val="35000"/>
+                  </a:schemeClr>
+                </a:solidFill>
+                <a:latin typeface="+mn-lt"/>
+                <a:cs typeface="Calibri" panose="020F0502020204030204" pitchFamily="34" charset="0"/>
+              </a:rPr>
+              <a:t>of</a:t>
+            </a:r>
+            <a:r>
+              <a:rPr lang="de-DE" sz="800" dirty="0" smtClean="0">
+                <a:solidFill>
+                  <a:schemeClr val="accent4">
+                    <a:lumMod val="65000"/>
+                    <a:lumOff val="35000"/>
+                  </a:schemeClr>
+                </a:solidFill>
+                <a:latin typeface="+mn-lt"/>
+                <a:cs typeface="Calibri" panose="020F0502020204030204" pitchFamily="34" charset="0"/>
+              </a:rPr>
+              <a:t> </a:t>
+            </a:r>
+            <a:r>
+              <a:rPr lang="de-DE" sz="800" dirty="0" err="1" smtClean="0">
+                <a:solidFill>
+                  <a:schemeClr val="accent4">
+                    <a:lumMod val="65000"/>
+                    <a:lumOff val="35000"/>
+                  </a:schemeClr>
+                </a:solidFill>
+                <a:latin typeface="+mn-lt"/>
+                <a:cs typeface="Calibri" panose="020F0502020204030204" pitchFamily="34" charset="0"/>
+              </a:rPr>
+              <a:t>tweeters</a:t>
+            </a:r>
+            <a:endParaRPr lang="en-GB" sz="800" dirty="0">
+              <a:solidFill>
+                <a:schemeClr val="accent4">
+                  <a:lumMod val="65000"/>
+                  <a:lumOff val="35000"/>
+                </a:schemeClr>
+              </a:solidFill>
+              <a:latin typeface="+mn-lt"/>
+              <a:cs typeface="Calibri" panose="020F0502020204030204" pitchFamily="34" charset="0"/>
+            </a:endParaRPr>
+          </a:p>
+        </p:txBody>
+      </p:sp>
+      <p:sp>
+        <p:nvSpPr>
+          <p:cNvPr id="9" name="Textfeld 8"/>
+          <p:cNvSpPr txBox="1"/>
+          <p:nvPr/>
+        </p:nvSpPr>
+        <p:spPr>
+          <a:xfrm>
+            <a:off x="4932040" y="1131590"/>
+            <a:ext cx="1224136" cy="338554"/>
+          </a:xfrm>
+          <a:prstGeom prst="rect">
+            <a:avLst/>
+          </a:prstGeom>
+          <a:noFill/>
+        </p:spPr>
+        <p:txBody>
+          <a:bodyPr wrap="square" rtlCol="0">
+            <a:spAutoFit/>
+          </a:bodyPr>
+          <a:lstStyle/>
+          <a:p>
+            <a:r>
+              <a:rPr lang="de-DE" sz="800" dirty="0" smtClean="0">
+                <a:solidFill>
+                  <a:schemeClr val="accent4">
+                    <a:lumMod val="65000"/>
+                    <a:lumOff val="35000"/>
+                  </a:schemeClr>
+                </a:solidFill>
+                <a:latin typeface="+mn-lt"/>
+                <a:cs typeface="Calibri" panose="020F0502020204030204" pitchFamily="34" charset="0"/>
+              </a:rPr>
+              <a:t>Countries </a:t>
+            </a:r>
+            <a:r>
+              <a:rPr lang="de-DE" sz="800" dirty="0" err="1" smtClean="0">
+                <a:solidFill>
+                  <a:schemeClr val="accent4">
+                    <a:lumMod val="65000"/>
+                    <a:lumOff val="35000"/>
+                  </a:schemeClr>
+                </a:solidFill>
+                <a:latin typeface="+mn-lt"/>
+                <a:cs typeface="Calibri" panose="020F0502020204030204" pitchFamily="34" charset="0"/>
+              </a:rPr>
+              <a:t>of</a:t>
+            </a:r>
+            <a:r>
+              <a:rPr lang="de-DE" sz="800" dirty="0" smtClean="0">
+                <a:solidFill>
+                  <a:schemeClr val="accent4">
+                    <a:lumMod val="65000"/>
+                    <a:lumOff val="35000"/>
+                  </a:schemeClr>
+                </a:solidFill>
+                <a:latin typeface="+mn-lt"/>
+                <a:cs typeface="Calibri" panose="020F0502020204030204" pitchFamily="34" charset="0"/>
+              </a:rPr>
+              <a:t> </a:t>
+            </a:r>
+            <a:r>
+              <a:rPr lang="de-DE" sz="800" dirty="0" err="1" smtClean="0">
+                <a:solidFill>
+                  <a:schemeClr val="accent4">
+                    <a:lumMod val="65000"/>
+                    <a:lumOff val="35000"/>
+                  </a:schemeClr>
+                </a:solidFill>
+                <a:latin typeface="+mn-lt"/>
+                <a:cs typeface="Calibri" panose="020F0502020204030204" pitchFamily="34" charset="0"/>
+              </a:rPr>
+              <a:t>papers</a:t>
+            </a:r>
+            <a:r>
+              <a:rPr lang="de-DE" sz="800" dirty="0" smtClean="0">
+                <a:solidFill>
+                  <a:schemeClr val="accent4">
+                    <a:lumMod val="65000"/>
+                    <a:lumOff val="35000"/>
+                  </a:schemeClr>
+                </a:solidFill>
+                <a:latin typeface="+mn-lt"/>
+                <a:cs typeface="Calibri" panose="020F0502020204030204" pitchFamily="34" charset="0"/>
+              </a:rPr>
+              <a:t> </a:t>
+            </a:r>
+            <a:r>
+              <a:rPr lang="de-DE" sz="800" dirty="0" err="1" smtClean="0">
+                <a:solidFill>
+                  <a:schemeClr val="accent4">
+                    <a:lumMod val="65000"/>
+                    <a:lumOff val="35000"/>
+                  </a:schemeClr>
+                </a:solidFill>
+                <a:latin typeface="+mn-lt"/>
+                <a:cs typeface="Calibri" panose="020F0502020204030204" pitchFamily="34" charset="0"/>
+              </a:rPr>
+              <a:t>cited</a:t>
+            </a:r>
+            <a:r>
+              <a:rPr lang="de-DE" sz="800" dirty="0" smtClean="0">
+                <a:solidFill>
+                  <a:schemeClr val="accent4">
+                    <a:lumMod val="65000"/>
+                    <a:lumOff val="35000"/>
+                  </a:schemeClr>
+                </a:solidFill>
+                <a:latin typeface="+mn-lt"/>
+                <a:cs typeface="Calibri" panose="020F0502020204030204" pitchFamily="34" charset="0"/>
+              </a:rPr>
+              <a:t> in </a:t>
+            </a:r>
+            <a:r>
+              <a:rPr lang="de-DE" sz="800" dirty="0" err="1" smtClean="0">
+                <a:solidFill>
+                  <a:schemeClr val="accent4">
+                    <a:lumMod val="65000"/>
+                    <a:lumOff val="35000"/>
+                  </a:schemeClr>
+                </a:solidFill>
+                <a:latin typeface="+mn-lt"/>
+                <a:cs typeface="Calibri" panose="020F0502020204030204" pitchFamily="34" charset="0"/>
+              </a:rPr>
+              <a:t>policies</a:t>
+            </a:r>
+            <a:endParaRPr lang="en-GB" sz="800" dirty="0">
+              <a:solidFill>
+                <a:schemeClr val="accent4">
+                  <a:lumMod val="65000"/>
+                  <a:lumOff val="35000"/>
+                </a:schemeClr>
+              </a:solidFill>
+              <a:latin typeface="+mn-lt"/>
+              <a:cs typeface="Calibri" panose="020F0502020204030204" pitchFamily="34" charset="0"/>
+            </a:endParaRPr>
+          </a:p>
+        </p:txBody>
+      </p:sp>
+      <p:sp>
+        <p:nvSpPr>
+          <p:cNvPr id="10" name="Textfeld 9"/>
+          <p:cNvSpPr txBox="1"/>
+          <p:nvPr/>
+        </p:nvSpPr>
+        <p:spPr>
+          <a:xfrm>
+            <a:off x="7452319" y="1131590"/>
+            <a:ext cx="991159" cy="338554"/>
+          </a:xfrm>
+          <a:prstGeom prst="rect">
+            <a:avLst/>
+          </a:prstGeom>
+          <a:noFill/>
+        </p:spPr>
+        <p:txBody>
+          <a:bodyPr wrap="square" rtlCol="0">
+            <a:spAutoFit/>
+          </a:bodyPr>
+          <a:lstStyle/>
+          <a:p>
+            <a:pPr algn="r"/>
+            <a:r>
+              <a:rPr lang="de-DE" sz="800" dirty="0" smtClean="0">
+                <a:solidFill>
+                  <a:schemeClr val="accent4">
+                    <a:lumMod val="65000"/>
+                    <a:lumOff val="35000"/>
+                  </a:schemeClr>
+                </a:solidFill>
+                <a:latin typeface="+mn-lt"/>
+                <a:cs typeface="Calibri" panose="020F0502020204030204" pitchFamily="34" charset="0"/>
+              </a:rPr>
+              <a:t>Source </a:t>
+            </a:r>
+            <a:r>
+              <a:rPr lang="de-DE" sz="800" dirty="0" err="1" smtClean="0">
+                <a:solidFill>
+                  <a:schemeClr val="accent4">
+                    <a:lumMod val="65000"/>
+                    <a:lumOff val="35000"/>
+                  </a:schemeClr>
+                </a:solidFill>
+                <a:latin typeface="+mn-lt"/>
+                <a:cs typeface="Calibri" panose="020F0502020204030204" pitchFamily="34" charset="0"/>
+              </a:rPr>
+              <a:t>country</a:t>
+            </a:r>
+            <a:r>
+              <a:rPr lang="de-DE" sz="800" dirty="0" smtClean="0">
+                <a:solidFill>
+                  <a:schemeClr val="accent4">
+                    <a:lumMod val="65000"/>
+                    <a:lumOff val="35000"/>
+                  </a:schemeClr>
+                </a:solidFill>
+                <a:latin typeface="+mn-lt"/>
+                <a:cs typeface="Calibri" panose="020F0502020204030204" pitchFamily="34" charset="0"/>
+              </a:rPr>
+              <a:t> </a:t>
+            </a:r>
+            <a:r>
+              <a:rPr lang="de-DE" sz="800" dirty="0" err="1" smtClean="0">
+                <a:solidFill>
+                  <a:schemeClr val="accent4">
+                    <a:lumMod val="65000"/>
+                    <a:lumOff val="35000"/>
+                  </a:schemeClr>
+                </a:solidFill>
+                <a:latin typeface="+mn-lt"/>
+                <a:cs typeface="Calibri" panose="020F0502020204030204" pitchFamily="34" charset="0"/>
+              </a:rPr>
+              <a:t>of</a:t>
+            </a:r>
+            <a:r>
+              <a:rPr lang="de-DE" sz="800" dirty="0" smtClean="0">
+                <a:solidFill>
+                  <a:schemeClr val="accent4">
+                    <a:lumMod val="65000"/>
+                    <a:lumOff val="35000"/>
+                  </a:schemeClr>
+                </a:solidFill>
+                <a:latin typeface="+mn-lt"/>
+                <a:cs typeface="Calibri" panose="020F0502020204030204" pitchFamily="34" charset="0"/>
+              </a:rPr>
+              <a:t> </a:t>
+            </a:r>
+            <a:r>
+              <a:rPr lang="de-DE" sz="800" dirty="0" err="1" smtClean="0">
+                <a:solidFill>
+                  <a:schemeClr val="accent4">
+                    <a:lumMod val="65000"/>
+                    <a:lumOff val="35000"/>
+                  </a:schemeClr>
+                </a:solidFill>
+                <a:latin typeface="+mn-lt"/>
+                <a:cs typeface="Calibri" panose="020F0502020204030204" pitchFamily="34" charset="0"/>
+              </a:rPr>
+              <a:t>policies</a:t>
+            </a:r>
+            <a:endParaRPr lang="en-GB" sz="800" dirty="0">
+              <a:solidFill>
+                <a:schemeClr val="accent4">
+                  <a:lumMod val="65000"/>
+                  <a:lumOff val="35000"/>
+                </a:schemeClr>
+              </a:solidFill>
+              <a:latin typeface="+mn-lt"/>
+              <a:cs typeface="Calibri" panose="020F0502020204030204" pitchFamily="34" charset="0"/>
+            </a:endParaRPr>
+          </a:p>
+        </p:txBody>
+      </p:sp>
+    </p:spTree>
+    <p:extLst>
+      <p:ext uri="{BB962C8B-B14F-4D97-AF65-F5344CB8AC3E}">
+        <p14:creationId xmlns:p14="http://schemas.microsoft.com/office/powerpoint/2010/main" val="3554779486"/>
       </p:ext>
     </p:extLst>
   </p:cSld>
@@ -22122,7 +24227,7 @@
         <p:spPr>
           <a:xfrm>
             <a:off x="323528" y="267494"/>
-            <a:ext cx="8784976" cy="461665"/>
+            <a:ext cx="8784976" cy="400110"/>
           </a:xfrm>
           <a:prstGeom prst="rect">
             <a:avLst/>
@@ -22136,7 +24241,7 @@
           <a:lstStyle/>
           <a:p>
             <a:r>
-              <a:rPr lang="de-DE" sz="2400" b="1" dirty="0" smtClean="0">
+              <a:rPr lang="de-DE" sz="2000" b="1" dirty="0" smtClean="0">
                 <a:solidFill>
                   <a:srgbClr val="C00000"/>
                 </a:solidFill>
@@ -22146,7 +24251,7 @@
               <a:t>The OA </a:t>
             </a:r>
             <a:r>
-              <a:rPr lang="de-DE" sz="2400" b="1" dirty="0" err="1" smtClean="0">
+              <a:rPr lang="de-DE" sz="2000" b="1" dirty="0" err="1" smtClean="0">
                 <a:solidFill>
                   <a:srgbClr val="C00000"/>
                 </a:solidFill>
@@ -22156,7 +24261,7 @@
               <a:t>citation</a:t>
             </a:r>
             <a:r>
-              <a:rPr lang="de-DE" sz="2400" b="1" dirty="0" smtClean="0">
+              <a:rPr lang="de-DE" sz="2000" b="1" dirty="0" smtClean="0">
                 <a:solidFill>
                   <a:srgbClr val="C00000"/>
                 </a:solidFill>
@@ -22166,7 +24271,7 @@
               <a:t> </a:t>
             </a:r>
             <a:r>
-              <a:rPr lang="de-DE" sz="2400" b="1" dirty="0" err="1" smtClean="0">
+              <a:rPr lang="de-DE" sz="2000" b="1" dirty="0" err="1" smtClean="0">
                 <a:solidFill>
                   <a:srgbClr val="C00000"/>
                 </a:solidFill>
@@ -22175,7 +24280,7 @@
               </a:rPr>
               <a:t>advantage</a:t>
             </a:r>
-            <a:endParaRPr lang="en-GB" sz="2400" b="1" dirty="0">
+            <a:endParaRPr lang="en-GB" sz="2000" b="1" dirty="0">
               <a:solidFill>
                 <a:srgbClr val="C00000"/>
               </a:solidFill>
@@ -23439,14 +25544,7 @@
                 <a:latin typeface="Calibri" panose="020F0502020204030204" pitchFamily="34" charset="0"/>
                 <a:cs typeface="Calibri" panose="020F0502020204030204" pitchFamily="34" charset="0"/>
               </a:rPr>
-              <a:t> a </a:t>
-            </a:r>
-            <a:r>
-              <a:rPr lang="de-DE" sz="1600" dirty="0" smtClean="0">
-                <a:latin typeface="Calibri" panose="020F0502020204030204" pitchFamily="34" charset="0"/>
-                <a:cs typeface="Calibri" panose="020F0502020204030204" pitchFamily="34" charset="0"/>
-              </a:rPr>
-              <a:t>(</a:t>
+              <a:t> a (</a:t>
             </a:r>
             <a:r>
               <a:rPr lang="de-DE" sz="1600" dirty="0" err="1" smtClean="0">
@@ -23744,14 +25842,7 @@
                 <a:latin typeface="Calibri" panose="020F0502020204030204" pitchFamily="34" charset="0"/>
                 <a:cs typeface="Calibri" panose="020F0502020204030204" pitchFamily="34" charset="0"/>
               </a:rPr>
-              <a:t> </a:t>
-            </a:r>
-            <a:r>
-              <a:rPr lang="de-DE" sz="1600" dirty="0" smtClean="0">
-                <a:latin typeface="Calibri" panose="020F0502020204030204" pitchFamily="34" charset="0"/>
-                <a:cs typeface="Calibri" panose="020F0502020204030204" pitchFamily="34" charset="0"/>
-              </a:rPr>
-              <a:t>OA</a:t>
+              <a:t> OA</a:t>
             </a:r>
           </a:p>
         </p:txBody>
@@ -23853,7 +25944,7 @@
         <p:spPr>
           <a:xfrm>
             <a:off x="323528" y="267494"/>
-            <a:ext cx="8784976" cy="461665"/>
+            <a:ext cx="8784976" cy="400110"/>
           </a:xfrm>
           <a:prstGeom prst="rect">
             <a:avLst/>
@@ -23867,7 +25958,7 @@
           <a:lstStyle/>
           <a:p>
             <a:r>
-              <a:rPr lang="de-DE" sz="2400" b="1" dirty="0" smtClean="0">
+              <a:rPr lang="de-DE" sz="2000" b="1" dirty="0" smtClean="0">
                 <a:solidFill>
                   <a:srgbClr val="C00000"/>
                 </a:solidFill>
@@ -23877,7 +25968,7 @@
               <a:t>The OA </a:t>
             </a:r>
             <a:r>
-              <a:rPr lang="de-DE" sz="2400" b="1" dirty="0" err="1" smtClean="0">
+              <a:rPr lang="de-DE" sz="2000" b="1" dirty="0" err="1" smtClean="0">
                 <a:solidFill>
                   <a:srgbClr val="C00000"/>
                 </a:solidFill>
@@ -23887,7 +25978,7 @@
               <a:t>citation</a:t>
             </a:r>
             <a:r>
-              <a:rPr lang="de-DE" sz="2400" b="1" dirty="0" smtClean="0">
+              <a:rPr lang="de-DE" sz="2000" b="1" dirty="0" smtClean="0">
                 <a:solidFill>
                   <a:srgbClr val="C00000"/>
                 </a:solidFill>
@@ -23897,7 +25988,7 @@
               <a:t> </a:t>
             </a:r>
             <a:r>
-              <a:rPr lang="de-DE" sz="2400" b="1" dirty="0" err="1" smtClean="0">
+              <a:rPr lang="de-DE" sz="2000" b="1" dirty="0" err="1" smtClean="0">
                 <a:solidFill>
                   <a:srgbClr val="C00000"/>
                 </a:solidFill>
@@ -23906,7 +25997,7 @@
               </a:rPr>
               <a:t>advantage</a:t>
             </a:r>
-            <a:endParaRPr lang="en-GB" sz="2400" b="1" dirty="0">
+            <a:endParaRPr lang="en-GB" sz="2000" b="1" dirty="0">
               <a:solidFill>
                 <a:srgbClr val="C00000"/>
               </a:solidFill>
@@ -24033,7 +26124,7 @@
         <p:spPr>
           <a:xfrm>
             <a:off x="323528" y="267494"/>
-            <a:ext cx="8784976" cy="461665"/>
+            <a:ext cx="8784976" cy="400110"/>
           </a:xfrm>
           <a:prstGeom prst="rect">
             <a:avLst/>
@@ -24047,7 +26138,7 @@
           <a:lstStyle/>
           <a:p>
             <a:r>
-              <a:rPr lang="de-DE" sz="2400" b="1" dirty="0" smtClean="0">
+              <a:rPr lang="de-DE" sz="2000" b="1" dirty="0" smtClean="0">
                 <a:solidFill>
                   <a:srgbClr val="C00000"/>
                 </a:solidFill>
@@ -24057,7 +26148,7 @@
               <a:t>The Early Access </a:t>
             </a:r>
             <a:r>
-              <a:rPr lang="de-DE" sz="2400" b="1" dirty="0" err="1" smtClean="0">
+              <a:rPr lang="de-DE" sz="2000" b="1" dirty="0" err="1" smtClean="0">
                 <a:solidFill>
                   <a:srgbClr val="C00000"/>
                 </a:solidFill>
@@ -24066,7 +26157,7 @@
               </a:rPr>
               <a:t>effect</a:t>
             </a:r>
-            <a:endParaRPr lang="en-GB" sz="2400" b="1" dirty="0">
+            <a:endParaRPr lang="en-GB" sz="2000" b="1" dirty="0">
               <a:solidFill>
                 <a:srgbClr val="C00000"/>
               </a:solidFill>
@@ -24336,14 +26427,7 @@
                 <a:latin typeface="Calibri" panose="020F0502020204030204" pitchFamily="34" charset="0"/>
                 <a:cs typeface="Calibri" panose="020F0502020204030204" pitchFamily="34" charset="0"/>
               </a:rPr>
-              <a:t>we</a:t>
-            </a:r>
-            <a:r>
-              <a:rPr lang="de-DE" sz="1600" dirty="0" err="1" smtClean="0">
-                <a:latin typeface="Calibri" panose="020F0502020204030204" pitchFamily="34" charset="0"/>
-                <a:cs typeface="Calibri" panose="020F0502020204030204" pitchFamily="34" charset="0"/>
-              </a:rPr>
-              <a:t>re</a:t>
+              <a:t>were</a:t>
             </a:r>
             <a:r>
               <a:rPr lang="de-DE" sz="1600" dirty="0" smtClean="0">
@@ -24636,7 +26720,7 @@
         <p:spPr>
           <a:xfrm>
             <a:off x="323528" y="267494"/>
-            <a:ext cx="8784976" cy="461665"/>
+            <a:ext cx="8784976" cy="400110"/>
           </a:xfrm>
           <a:prstGeom prst="rect">
             <a:avLst/>
@@ -24650,7 +26734,7 @@
           <a:lstStyle/>
           <a:p>
             <a:r>
-              <a:rPr lang="de-DE" sz="2400" b="1" dirty="0" err="1" smtClean="0">
+              <a:rPr lang="de-DE" sz="2000" b="1" dirty="0" err="1" smtClean="0">
                 <a:solidFill>
                   <a:srgbClr val="C00000"/>
                 </a:solidFill>
@@ -24660,7 +26744,7 @@
               <a:t>Rise</a:t>
             </a:r>
             <a:r>
-              <a:rPr lang="de-DE" sz="2400" b="1" dirty="0" smtClean="0">
+              <a:rPr lang="de-DE" sz="2000" b="1" dirty="0" smtClean="0">
                 <a:solidFill>
                   <a:srgbClr val="C00000"/>
                 </a:solidFill>
@@ -24670,7 +26754,7 @@
               <a:t> </a:t>
             </a:r>
             <a:r>
-              <a:rPr lang="de-DE" sz="2400" b="1" dirty="0" err="1" smtClean="0">
+              <a:rPr lang="de-DE" sz="2000" b="1" dirty="0" err="1" smtClean="0">
                 <a:solidFill>
                   <a:srgbClr val="C00000"/>
                 </a:solidFill>
@@ -24680,7 +26764,7 @@
               <a:t>of</a:t>
             </a:r>
             <a:r>
-              <a:rPr lang="de-DE" sz="2400" b="1" dirty="0" smtClean="0">
+              <a:rPr lang="de-DE" sz="2000" b="1" dirty="0" smtClean="0">
                 <a:solidFill>
                   <a:srgbClr val="C00000"/>
                 </a:solidFill>
@@ -24690,7 +26774,7 @@
               <a:t> </a:t>
             </a:r>
             <a:r>
-              <a:rPr lang="de-DE" sz="2400" b="1" dirty="0" err="1" smtClean="0">
+              <a:rPr lang="de-DE" sz="2000" b="1" dirty="0" err="1" smtClean="0">
                 <a:solidFill>
                   <a:srgbClr val="C00000"/>
                 </a:solidFill>
@@ -24700,7 +26784,7 @@
               <a:t>the</a:t>
             </a:r>
             <a:r>
-              <a:rPr lang="de-DE" sz="2400" b="1" dirty="0" smtClean="0">
+              <a:rPr lang="de-DE" sz="2000" b="1" dirty="0" smtClean="0">
                 <a:solidFill>
                   <a:srgbClr val="C00000"/>
                 </a:solidFill>
@@ -24710,7 +26794,7 @@
               <a:t> </a:t>
             </a:r>
             <a:r>
-              <a:rPr lang="de-DE" sz="2400" b="1" dirty="0" err="1" smtClean="0">
+              <a:rPr lang="de-DE" sz="2000" b="1" dirty="0" err="1" smtClean="0">
                 <a:solidFill>
                   <a:srgbClr val="C00000"/>
                 </a:solidFill>
@@ -24719,7 +26803,7 @@
               </a:rPr>
               <a:t>preprints</a:t>
             </a:r>
-            <a:endParaRPr lang="en-GB" sz="2400" b="1" dirty="0">
+            <a:endParaRPr lang="en-GB" sz="2000" b="1" dirty="0">
               <a:solidFill>
                 <a:srgbClr val="C00000"/>
               </a:solidFill>
@@ -24873,7 +26957,7 @@
         <p:spPr>
           <a:xfrm>
             <a:off x="323528" y="267494"/>
-            <a:ext cx="8784976" cy="461665"/>
+            <a:ext cx="8784976" cy="400110"/>
           </a:xfrm>
           <a:prstGeom prst="rect">
             <a:avLst/>
@@ -24887,7 +26971,7 @@
           <a:lstStyle/>
           <a:p>
             <a:r>
-              <a:rPr lang="de-DE" sz="2400" b="1" dirty="0" smtClean="0">
+              <a:rPr lang="de-DE" sz="2000" b="1" dirty="0" smtClean="0">
                 <a:solidFill>
                   <a:srgbClr val="C00000"/>
                 </a:solidFill>
@@ -24897,7 +26981,7 @@
               <a:t>The Early Access </a:t>
             </a:r>
             <a:r>
-              <a:rPr lang="de-DE" sz="2400" b="1" dirty="0" err="1" smtClean="0">
+              <a:rPr lang="de-DE" sz="2000" b="1" dirty="0" err="1" smtClean="0">
                 <a:solidFill>
                   <a:srgbClr val="C00000"/>
                 </a:solidFill>
@@ -24907,16 +26991,46 @@
               <a:t>effect</a:t>
             </a:r>
             <a:r>
-              <a:rPr lang="de-DE" sz="2400" b="1" dirty="0" smtClean="0">
+              <a:rPr lang="de-DE" sz="2000" b="1" dirty="0" smtClean="0">
                 <a:solidFill>
                   <a:srgbClr val="C00000"/>
                 </a:solidFill>
                 <a:latin typeface="Calibri" panose="020F0502020204030204" pitchFamily="34" charset="0"/>
                 <a:cs typeface="Calibri" panose="020F0502020204030204" pitchFamily="34" charset="0"/>
               </a:rPr>
-              <a:t> in </a:t>
-            </a:r>
-            <a:endParaRPr lang="en-GB" sz="2400" b="1" dirty="0">
+              <a:t> </a:t>
+            </a:r>
+            <a:r>
+              <a:rPr lang="de-DE" sz="2000" b="1" dirty="0" smtClean="0">
+                <a:solidFill>
+                  <a:srgbClr val="C00000"/>
+                </a:solidFill>
+                <a:latin typeface="Calibri" panose="020F0502020204030204" pitchFamily="34" charset="0"/>
+                <a:cs typeface="Calibri" panose="020F0502020204030204" pitchFamily="34" charset="0"/>
+              </a:rPr>
+              <a:t>in </a:t>
+            </a:r>
+            <a:r>
+              <a:rPr lang="de-DE" sz="2000" b="1" dirty="0" err="1" smtClean="0">
+                <a:solidFill>
+                  <a:srgbClr val="C00000"/>
+                </a:solidFill>
+                <a:latin typeface="Calibri" panose="020F0502020204030204" pitchFamily="34" charset="0"/>
+                <a:cs typeface="Calibri" panose="020F0502020204030204" pitchFamily="34" charset="0"/>
+              </a:rPr>
+              <a:t>bioRxiv</a:t>
+            </a:r>
+            <a:r>
+              <a:rPr lang="de-DE" sz="2000" b="1" dirty="0" smtClean="0">
+                <a:solidFill>
+                  <a:srgbClr val="C00000"/>
+                </a:solidFill>
+                <a:latin typeface="Calibri" panose="020F0502020204030204" pitchFamily="34" charset="0"/>
+                <a:cs typeface="Calibri" panose="020F0502020204030204" pitchFamily="34" charset="0"/>
+              </a:rPr>
+              <a:t> </a:t>
+            </a:r>
+            <a:endParaRPr lang="en-GB" sz="2000" b="1" dirty="0">
               <a:solidFill>
                 <a:srgbClr val="C00000"/>
               </a:solidFill>
@@ -24934,7 +27048,7 @@
         </p:nvSpPr>
         <p:spPr>
           <a:xfrm>
-            <a:off x="319356" y="1275606"/>
+            <a:off x="323528" y="1130834"/>
             <a:ext cx="5184576" cy="2677656"/>
           </a:xfrm>
           <a:prstGeom prst="rect">
@@ -25663,36 +27777,6 @@
           </a:p>
         </p:txBody>
       </p:sp>
-      <p:pic>
-        <p:nvPicPr>
-          <p:cNvPr id="13" name="Picture 5"/>
-          <p:cNvPicPr>
-            <a:picLocks noChangeAspect="1"/>
-          </p:cNvPicPr>
-          <p:nvPr/>
-        </p:nvPicPr>
-        <p:blipFill>
-          <a:blip r:embed="rId4" cstate="print">
-            <a:extLst>
-              <a:ext uri="{28A0092B-C50C-407E-A947-70E740481C1C}">
-                <a14:useLocalDpi xmlns:a14="http://schemas.microsoft.com/office/drawing/2010/main" val="0"/>
-              </a:ext>
-            </a:extLst>
-          </a:blip>
-          <a:stretch>
-            <a:fillRect/>
-          </a:stretch>
-        </p:blipFill>
-        <p:spPr>
-          <a:xfrm>
-            <a:off x="3621420" y="328987"/>
-            <a:ext cx="1224138" cy="364541"/>
-          </a:xfrm>
-          <a:prstGeom prst="rect">
-            <a:avLst/>
-          </a:prstGeom>
-        </p:spPr>
-      </p:pic>
     </p:spTree>
     <p:extLst>
       <p:ext uri="{BB962C8B-B14F-4D97-AF65-F5344CB8AC3E}">
@@ -25739,7 +27823,7 @@
         <p:spPr>
           <a:xfrm>
             <a:off x="323528" y="267494"/>
-            <a:ext cx="8784976" cy="461665"/>
+            <a:ext cx="8784976" cy="400110"/>
           </a:xfrm>
           <a:prstGeom prst="rect">
             <a:avLst/>
@@ -25753,7 +27837,7 @@
           <a:lstStyle/>
           <a:p>
             <a:r>
-              <a:rPr lang="de-DE" sz="2400" b="1" dirty="0" smtClean="0">
+              <a:rPr lang="de-DE" sz="2000" b="1" dirty="0" smtClean="0">
                 <a:solidFill>
                   <a:srgbClr val="C00000"/>
                 </a:solidFill>
@@ -25763,7 +27847,7 @@
               <a:t>Data </a:t>
             </a:r>
             <a:r>
-              <a:rPr lang="de-DE" sz="2400" b="1" dirty="0" err="1" smtClean="0">
+              <a:rPr lang="de-DE" sz="2000" b="1" dirty="0" err="1" smtClean="0">
                 <a:solidFill>
                   <a:srgbClr val="C00000"/>
                 </a:solidFill>
@@ -25772,7 +27856,7 @@
               </a:rPr>
               <a:t>retrieval</a:t>
             </a:r>
-            <a:endParaRPr lang="en-GB" sz="2400" b="1" dirty="0">
+            <a:endParaRPr lang="en-GB" sz="2000" b="1" dirty="0">
               <a:solidFill>
                 <a:srgbClr val="C00000"/>
               </a:solidFill>
@@ -25963,14 +28047,7 @@
                 <a:latin typeface="Calibri" panose="020F0502020204030204" pitchFamily="34" charset="0"/>
                 <a:cs typeface="Calibri" panose="020F0502020204030204" pitchFamily="34" charset="0"/>
               </a:rPr>
-              <a:t> </a:t>
-            </a:r>
-            <a:r>
-              <a:rPr lang="en-GB" sz="1000" i="1" dirty="0" smtClean="0">
-                <a:latin typeface="Calibri" panose="020F0502020204030204" pitchFamily="34" charset="0"/>
-                <a:cs typeface="Calibri" panose="020F0502020204030204" pitchFamily="34" charset="0"/>
-              </a:rPr>
-              <a:t>website*, Scopus)</a:t>
+              <a:t> website*, Scopus)</a:t>
             </a:r>
             <a:endParaRPr lang="en-GB" sz="1000" i="1" dirty="0">
               <a:latin typeface="Calibri" panose="020F0502020204030204" pitchFamily="34" charset="0"/>
@@ -26083,28 +28160,14 @@
                 <a:latin typeface="Calibri" panose="020F0502020204030204" pitchFamily="34" charset="0"/>
                 <a:cs typeface="Calibri" panose="020F0502020204030204" pitchFamily="34" charset="0"/>
               </a:rPr>
-              <a:t>Citation </a:t>
-            </a:r>
-            <a:r>
-              <a:rPr lang="en-GB" sz="1000" dirty="0" smtClean="0">
-                <a:latin typeface="Calibri" panose="020F0502020204030204" pitchFamily="34" charset="0"/>
-                <a:cs typeface="Calibri" panose="020F0502020204030204" pitchFamily="34" charset="0"/>
-              </a:rPr>
-              <a:t>counts, monthly aggregated </a:t>
+              <a:t>Citation counts, monthly aggregated </a:t>
             </a:r>
             <a:r>
               <a:rPr lang="en-GB" sz="1000" i="1" dirty="0" smtClean="0">
                 <a:latin typeface="Calibri" panose="020F0502020204030204" pitchFamily="34" charset="0"/>
                 <a:cs typeface="Calibri" panose="020F0502020204030204" pitchFamily="34" charset="0"/>
               </a:rPr>
-              <a:t>(</a:t>
-            </a:r>
-            <a:r>
-              <a:rPr lang="en-GB" sz="1000" i="1" dirty="0" smtClean="0">
-                <a:latin typeface="Calibri" panose="020F0502020204030204" pitchFamily="34" charset="0"/>
-                <a:cs typeface="Calibri" panose="020F0502020204030204" pitchFamily="34" charset="0"/>
-              </a:rPr>
-              <a:t>Scopus, </a:t>
+              <a:t>(Scopus, </a:t>
             </a:r>
             <a:r>
               <a:rPr lang="en-GB" sz="1000" i="1" dirty="0" err="1" smtClean="0">
@@ -26171,14 +28234,7 @@
                 <a:latin typeface="Calibri" panose="020F0502020204030204" pitchFamily="34" charset="0"/>
                 <a:cs typeface="Calibri" panose="020F0502020204030204" pitchFamily="34" charset="0"/>
               </a:rPr>
-              <a:t>(</a:t>
-            </a:r>
-            <a:r>
-              <a:rPr lang="en-GB" sz="1000" i="1" dirty="0" smtClean="0">
-                <a:latin typeface="Calibri" panose="020F0502020204030204" pitchFamily="34" charset="0"/>
-                <a:cs typeface="Calibri" panose="020F0502020204030204" pitchFamily="34" charset="0"/>
-              </a:rPr>
-              <a:t>Altmetric.com)</a:t>
+              <a:t>(Altmetric.com)</a:t>
             </a:r>
             <a:endParaRPr lang="en-GB" sz="1000" i="1" dirty="0">
               <a:latin typeface="Calibri" panose="020F0502020204030204" pitchFamily="34" charset="0"/>
